--- a/MindGames Final Presentation (1).pptx
+++ b/MindGames Final Presentation (1).pptx
@@ -25,26 +25,21 @@
     <p:sldId id="270" r:id="rId20"/>
     <p:sldId id="271" r:id="rId21"/>
     <p:sldId id="272" r:id="rId22"/>
-    <p:sldId id="273" r:id="rId23"/>
-    <p:sldId id="274" r:id="rId24"/>
-    <p:sldId id="275" r:id="rId25"/>
-    <p:sldId id="276" r:id="rId26"/>
-    <p:sldId id="277" r:id="rId27"/>
   </p:sldIdLst>
   <p:sldSz cy="5143500" cx="9144000"/>
   <p:notesSz cx="6858000" cy="9144000"/>
   <p:embeddedFontLst>
     <p:embeddedFont>
       <p:font typeface="Roboto Slab"/>
-      <p:regular r:id="rId28"/>
-      <p:bold r:id="rId29"/>
+      <p:regular r:id="rId23"/>
+      <p:bold r:id="rId24"/>
     </p:embeddedFont>
     <p:embeddedFont>
       <p:font typeface="Roboto"/>
-      <p:regular r:id="rId30"/>
-      <p:bold r:id="rId31"/>
-      <p:italic r:id="rId32"/>
-      <p:boldItalic r:id="rId33"/>
+      <p:regular r:id="rId25"/>
+      <p:bold r:id="rId26"/>
+      <p:italic r:id="rId27"/>
+      <p:boldItalic r:id="rId28"/>
     </p:embeddedFont>
   </p:embeddedFontLst>
   <p:defaultTextStyle>
@@ -830,7 +825,7 @@
   <p:cSld>
     <p:spTree>
       <p:nvGrpSpPr>
-        <p:cNvPr id="133" name="Shape 133"/>
+        <p:cNvPr id="137" name="Shape 137"/>
         <p:cNvGrpSpPr/>
         <p:nvPr/>
       </p:nvGrpSpPr>
@@ -844,7 +839,7 @@
       </p:grpSpPr>
       <p:sp>
         <p:nvSpPr>
-          <p:cNvPr id="134" name="Google Shape;134;g126e4413402_0_19:notes"/>
+          <p:cNvPr id="138" name="Google Shape;138;g126e4413402_0_19:notes"/>
           <p:cNvSpPr/>
           <p:nvPr>
             <p:ph idx="2" type="sldImg"/>
@@ -879,7 +874,7 @@
       </p:sp>
       <p:sp>
         <p:nvSpPr>
-          <p:cNvPr id="135" name="Google Shape;135;g126e4413402_0_19:notes"/>
+          <p:cNvPr id="139" name="Google Shape;139;g126e4413402_0_19:notes"/>
           <p:cNvSpPr txBox="1"/>
           <p:nvPr>
             <p:ph idx="1" type="body"/>
@@ -929,7 +924,7 @@
   <p:cSld>
     <p:spTree>
       <p:nvGrpSpPr>
-        <p:cNvPr id="142" name="Shape 142"/>
+        <p:cNvPr id="146" name="Shape 146"/>
         <p:cNvGrpSpPr/>
         <p:nvPr/>
       </p:nvGrpSpPr>
@@ -943,7 +938,7 @@
       </p:grpSpPr>
       <p:sp>
         <p:nvSpPr>
-          <p:cNvPr id="143" name="Google Shape;143;g1219c0acaa9_0_82:notes"/>
+          <p:cNvPr id="147" name="Google Shape;147;g1219c0acaa9_0_82:notes"/>
           <p:cNvSpPr/>
           <p:nvPr>
             <p:ph idx="2" type="sldImg"/>
@@ -978,7 +973,7 @@
       </p:sp>
       <p:sp>
         <p:nvSpPr>
-          <p:cNvPr id="144" name="Google Shape;144;g1219c0acaa9_0_82:notes"/>
+          <p:cNvPr id="148" name="Google Shape;148;g1219c0acaa9_0_82:notes"/>
           <p:cNvSpPr txBox="1"/>
           <p:nvPr>
             <p:ph idx="1" type="body"/>
@@ -1028,7 +1023,7 @@
   <p:cSld>
     <p:spTree>
       <p:nvGrpSpPr>
-        <p:cNvPr id="152" name="Shape 152"/>
+        <p:cNvPr id="156" name="Shape 156"/>
         <p:cNvGrpSpPr/>
         <p:nvPr/>
       </p:nvGrpSpPr>
@@ -1042,7 +1037,7 @@
       </p:grpSpPr>
       <p:sp>
         <p:nvSpPr>
-          <p:cNvPr id="153" name="Google Shape;153;g1219c0acaa9_0_88:notes"/>
+          <p:cNvPr id="157" name="Google Shape;157;g1219c0acaa9_0_88:notes"/>
           <p:cNvSpPr/>
           <p:nvPr>
             <p:ph idx="2" type="sldImg"/>
@@ -1077,7 +1072,7 @@
       </p:sp>
       <p:sp>
         <p:nvSpPr>
-          <p:cNvPr id="154" name="Google Shape;154;g1219c0acaa9_0_88:notes"/>
+          <p:cNvPr id="158" name="Google Shape;158;g1219c0acaa9_0_88:notes"/>
           <p:cNvSpPr txBox="1"/>
           <p:nvPr>
             <p:ph idx="1" type="body"/>
@@ -1098,9 +1093,540 @@
           </a:bodyPr>
           <a:lstStyle/>
           <a:p>
+            <a:pPr indent="0" lvl="0" marL="457200" rtl="0" algn="l">
+              <a:lnSpc>
+                <a:spcPct val="95000"/>
+              </a:lnSpc>
+              <a:spcBef>
+                <a:spcPts val="0"/>
+              </a:spcBef>
+              <a:spcAft>
+                <a:spcPts val="0"/>
+              </a:spcAft>
+              <a:buNone/>
+            </a:pPr>
+            <a:r>
+              <a:rPr lang="en" sz="850">
+                <a:solidFill>
+                  <a:schemeClr val="dk1"/>
+                </a:solidFill>
+                <a:latin typeface="Roboto"/>
+                <a:ea typeface="Roboto"/>
+                <a:cs typeface="Roboto"/>
+                <a:sym typeface="Roboto"/>
+              </a:rPr>
+              <a:t>Data Acquisition</a:t>
+            </a:r>
+            <a:endParaRPr sz="850">
+              <a:solidFill>
+                <a:schemeClr val="dk1"/>
+              </a:solidFill>
+              <a:latin typeface="Roboto"/>
+              <a:ea typeface="Roboto"/>
+              <a:cs typeface="Roboto"/>
+              <a:sym typeface="Roboto"/>
+            </a:endParaRPr>
+          </a:p>
+          <a:p>
+            <a:pPr indent="-282575" lvl="0" marL="457200" rtl="0" algn="l">
+              <a:lnSpc>
+                <a:spcPct val="95000"/>
+              </a:lnSpc>
+              <a:spcBef>
+                <a:spcPts val="2500"/>
+              </a:spcBef>
+              <a:spcAft>
+                <a:spcPts val="0"/>
+              </a:spcAft>
+              <a:buClr>
+                <a:schemeClr val="dk1"/>
+              </a:buClr>
+              <a:buSzPts val="850"/>
+              <a:buFont typeface="Roboto"/>
+              <a:buChar char="●"/>
+            </a:pPr>
+            <a:r>
+              <a:rPr lang="en" sz="850">
+                <a:solidFill>
+                  <a:schemeClr val="dk1"/>
+                </a:solidFill>
+                <a:latin typeface="Roboto"/>
+                <a:ea typeface="Roboto"/>
+                <a:cs typeface="Roboto"/>
+                <a:sym typeface="Roboto"/>
+              </a:rPr>
+              <a:t>Get EEG data and ML training labels into the pipeline</a:t>
+            </a:r>
+            <a:endParaRPr sz="850">
+              <a:solidFill>
+                <a:schemeClr val="dk1"/>
+              </a:solidFill>
+              <a:latin typeface="Roboto"/>
+              <a:ea typeface="Roboto"/>
+              <a:cs typeface="Roboto"/>
+              <a:sym typeface="Roboto"/>
+            </a:endParaRPr>
+          </a:p>
+          <a:p>
+            <a:pPr indent="-282575" lvl="0" marL="457200" rtl="0" algn="l">
+              <a:lnSpc>
+                <a:spcPct val="95000"/>
+              </a:lnSpc>
+              <a:spcBef>
+                <a:spcPts val="2500"/>
+              </a:spcBef>
+              <a:spcAft>
+                <a:spcPts val="0"/>
+              </a:spcAft>
+              <a:buClr>
+                <a:schemeClr val="dk1"/>
+              </a:buClr>
+              <a:buSzPts val="850"/>
+              <a:buFont typeface="Roboto"/>
+              <a:buChar char="●"/>
+            </a:pPr>
+            <a:r>
+              <a:rPr lang="en" sz="850">
+                <a:solidFill>
+                  <a:schemeClr val="dk1"/>
+                </a:solidFill>
+                <a:latin typeface="Roboto"/>
+                <a:ea typeface="Roboto"/>
+                <a:cs typeface="Roboto"/>
+                <a:sym typeface="Roboto"/>
+              </a:rPr>
+              <a:t>Assign training labels to commands</a:t>
+            </a:r>
+            <a:endParaRPr sz="850">
+              <a:solidFill>
+                <a:schemeClr val="dk1"/>
+              </a:solidFill>
+              <a:latin typeface="Roboto"/>
+              <a:ea typeface="Roboto"/>
+              <a:cs typeface="Roboto"/>
+              <a:sym typeface="Roboto"/>
+            </a:endParaRPr>
+          </a:p>
+          <a:p>
+            <a:pPr indent="0" lvl="0" marL="457200" rtl="0" algn="l">
+              <a:lnSpc>
+                <a:spcPct val="95000"/>
+              </a:lnSpc>
+              <a:spcBef>
+                <a:spcPts val="2500"/>
+              </a:spcBef>
+              <a:spcAft>
+                <a:spcPts val="0"/>
+              </a:spcAft>
+              <a:buNone/>
+            </a:pPr>
+            <a:r>
+              <a:rPr lang="en" sz="850">
+                <a:solidFill>
+                  <a:schemeClr val="dk1"/>
+                </a:solidFill>
+                <a:latin typeface="Roboto"/>
+                <a:ea typeface="Roboto"/>
+                <a:cs typeface="Roboto"/>
+                <a:sym typeface="Roboto"/>
+              </a:rPr>
+              <a:t>Preprocessing</a:t>
+            </a:r>
+            <a:endParaRPr sz="850">
+              <a:solidFill>
+                <a:schemeClr val="dk1"/>
+              </a:solidFill>
+              <a:latin typeface="Roboto"/>
+              <a:ea typeface="Roboto"/>
+              <a:cs typeface="Roboto"/>
+              <a:sym typeface="Roboto"/>
+            </a:endParaRPr>
+          </a:p>
+          <a:p>
+            <a:pPr indent="-282575" lvl="0" marL="457200" rtl="0" algn="l">
+              <a:lnSpc>
+                <a:spcPct val="95000"/>
+              </a:lnSpc>
+              <a:spcBef>
+                <a:spcPts val="2500"/>
+              </a:spcBef>
+              <a:spcAft>
+                <a:spcPts val="0"/>
+              </a:spcAft>
+              <a:buClr>
+                <a:schemeClr val="dk1"/>
+              </a:buClr>
+              <a:buSzPts val="850"/>
+              <a:buFont typeface="Roboto"/>
+              <a:buChar char="●"/>
+            </a:pPr>
+            <a:r>
+              <a:rPr lang="en" sz="850">
+                <a:solidFill>
+                  <a:schemeClr val="dk1"/>
+                </a:solidFill>
+                <a:latin typeface="Roboto"/>
+                <a:ea typeface="Roboto"/>
+                <a:cs typeface="Roboto"/>
+                <a:sym typeface="Roboto"/>
+              </a:rPr>
+              <a:t>Filter out electrical noise</a:t>
+            </a:r>
+            <a:endParaRPr sz="850">
+              <a:solidFill>
+                <a:schemeClr val="dk1"/>
+              </a:solidFill>
+              <a:latin typeface="Roboto"/>
+              <a:ea typeface="Roboto"/>
+              <a:cs typeface="Roboto"/>
+              <a:sym typeface="Roboto"/>
+            </a:endParaRPr>
+          </a:p>
+          <a:p>
+            <a:pPr indent="-282575" lvl="0" marL="457200" rtl="0" algn="l">
+              <a:lnSpc>
+                <a:spcPct val="95000"/>
+              </a:lnSpc>
+              <a:spcBef>
+                <a:spcPts val="2500"/>
+              </a:spcBef>
+              <a:spcAft>
+                <a:spcPts val="0"/>
+              </a:spcAft>
+              <a:buClr>
+                <a:schemeClr val="dk1"/>
+              </a:buClr>
+              <a:buSzPts val="850"/>
+              <a:buFont typeface="Roboto"/>
+              <a:buChar char="●"/>
+            </a:pPr>
+            <a:r>
+              <a:rPr lang="en" sz="850">
+                <a:solidFill>
+                  <a:schemeClr val="dk1"/>
+                </a:solidFill>
+                <a:latin typeface="Roboto"/>
+                <a:ea typeface="Roboto"/>
+                <a:cs typeface="Roboto"/>
+                <a:sym typeface="Roboto"/>
+              </a:rPr>
+              <a:t>Designate length of data “chunks” to associate with labels</a:t>
+            </a:r>
+            <a:endParaRPr sz="850">
+              <a:solidFill>
+                <a:schemeClr val="dk1"/>
+              </a:solidFill>
+              <a:latin typeface="Roboto"/>
+              <a:ea typeface="Roboto"/>
+              <a:cs typeface="Roboto"/>
+              <a:sym typeface="Roboto"/>
+            </a:endParaRPr>
+          </a:p>
+          <a:p>
+            <a:pPr indent="0" lvl="0" marL="457200" rtl="0" algn="l">
+              <a:lnSpc>
+                <a:spcPct val="95000"/>
+              </a:lnSpc>
+              <a:spcBef>
+                <a:spcPts val="2500"/>
+              </a:spcBef>
+              <a:spcAft>
+                <a:spcPts val="0"/>
+              </a:spcAft>
+              <a:buNone/>
+            </a:pPr>
+            <a:r>
+              <a:rPr lang="en" sz="850">
+                <a:solidFill>
+                  <a:schemeClr val="dk1"/>
+                </a:solidFill>
+                <a:latin typeface="Roboto"/>
+                <a:ea typeface="Roboto"/>
+                <a:cs typeface="Roboto"/>
+                <a:sym typeface="Roboto"/>
+              </a:rPr>
+              <a:t>Feature Extraction</a:t>
+            </a:r>
+            <a:endParaRPr sz="850">
+              <a:solidFill>
+                <a:schemeClr val="dk1"/>
+              </a:solidFill>
+              <a:latin typeface="Roboto"/>
+              <a:ea typeface="Roboto"/>
+              <a:cs typeface="Roboto"/>
+              <a:sym typeface="Roboto"/>
+            </a:endParaRPr>
+          </a:p>
+          <a:p>
+            <a:pPr indent="-282575" lvl="0" marL="457200" rtl="0" algn="l">
+              <a:lnSpc>
+                <a:spcPct val="95000"/>
+              </a:lnSpc>
+              <a:spcBef>
+                <a:spcPts val="2500"/>
+              </a:spcBef>
+              <a:spcAft>
+                <a:spcPts val="0"/>
+              </a:spcAft>
+              <a:buClr>
+                <a:schemeClr val="dk1"/>
+              </a:buClr>
+              <a:buSzPts val="850"/>
+              <a:buFont typeface="Roboto"/>
+              <a:buChar char="●"/>
+            </a:pPr>
+            <a:r>
+              <a:rPr lang="en" sz="850">
+                <a:solidFill>
+                  <a:schemeClr val="dk1"/>
+                </a:solidFill>
+                <a:latin typeface="Roboto"/>
+                <a:ea typeface="Roboto"/>
+                <a:cs typeface="Roboto"/>
+                <a:sym typeface="Roboto"/>
+              </a:rPr>
+              <a:t>Extract EEG signal components that exhibit the most variance between commands</a:t>
+            </a:r>
+            <a:endParaRPr sz="850">
+              <a:solidFill>
+                <a:schemeClr val="dk1"/>
+              </a:solidFill>
+              <a:latin typeface="Roboto"/>
+              <a:ea typeface="Roboto"/>
+              <a:cs typeface="Roboto"/>
+              <a:sym typeface="Roboto"/>
+            </a:endParaRPr>
+          </a:p>
+          <a:p>
+            <a:pPr indent="-282575" lvl="0" marL="457200" rtl="0" algn="l">
+              <a:lnSpc>
+                <a:spcPct val="95000"/>
+              </a:lnSpc>
+              <a:spcBef>
+                <a:spcPts val="2500"/>
+              </a:spcBef>
+              <a:spcAft>
+                <a:spcPts val="0"/>
+              </a:spcAft>
+              <a:buClr>
+                <a:schemeClr val="dk1"/>
+              </a:buClr>
+              <a:buSzPts val="850"/>
+              <a:buFont typeface="Roboto"/>
+              <a:buChar char="●"/>
+            </a:pPr>
+            <a:r>
+              <a:rPr lang="en" sz="850">
+                <a:solidFill>
+                  <a:schemeClr val="dk1"/>
+                </a:solidFill>
+                <a:latin typeface="Roboto"/>
+                <a:ea typeface="Roboto"/>
+                <a:cs typeface="Roboto"/>
+                <a:sym typeface="Roboto"/>
+              </a:rPr>
+              <a:t>Reduce the volume of data to make ML classification more efficient</a:t>
+            </a:r>
+            <a:endParaRPr sz="850">
+              <a:solidFill>
+                <a:schemeClr val="dk1"/>
+              </a:solidFill>
+              <a:latin typeface="Roboto"/>
+              <a:ea typeface="Roboto"/>
+              <a:cs typeface="Roboto"/>
+              <a:sym typeface="Roboto"/>
+            </a:endParaRPr>
+          </a:p>
+          <a:p>
+            <a:pPr indent="0" lvl="0" marL="457200" rtl="0" algn="l">
+              <a:lnSpc>
+                <a:spcPct val="95000"/>
+              </a:lnSpc>
+              <a:spcBef>
+                <a:spcPts val="2500"/>
+              </a:spcBef>
+              <a:spcAft>
+                <a:spcPts val="0"/>
+              </a:spcAft>
+              <a:buNone/>
+            </a:pPr>
+            <a:r>
+              <a:rPr lang="en" sz="850">
+                <a:solidFill>
+                  <a:schemeClr val="dk1"/>
+                </a:solidFill>
+                <a:latin typeface="Roboto"/>
+                <a:ea typeface="Roboto"/>
+                <a:cs typeface="Roboto"/>
+                <a:sym typeface="Roboto"/>
+              </a:rPr>
+              <a:t>Classification</a:t>
+            </a:r>
+            <a:endParaRPr sz="850">
+              <a:solidFill>
+                <a:schemeClr val="dk1"/>
+              </a:solidFill>
+              <a:latin typeface="Roboto"/>
+              <a:ea typeface="Roboto"/>
+              <a:cs typeface="Roboto"/>
+              <a:sym typeface="Roboto"/>
+            </a:endParaRPr>
+          </a:p>
+          <a:p>
+            <a:pPr indent="-282575" lvl="0" marL="457200" rtl="0" algn="l">
+              <a:lnSpc>
+                <a:spcPct val="95000"/>
+              </a:lnSpc>
+              <a:spcBef>
+                <a:spcPts val="2500"/>
+              </a:spcBef>
+              <a:spcAft>
+                <a:spcPts val="0"/>
+              </a:spcAft>
+              <a:buClr>
+                <a:schemeClr val="dk1"/>
+              </a:buClr>
+              <a:buSzPts val="850"/>
+              <a:buFont typeface="Roboto"/>
+              <a:buChar char="●"/>
+            </a:pPr>
+            <a:r>
+              <a:rPr lang="en" sz="850">
+                <a:solidFill>
+                  <a:schemeClr val="dk1"/>
+                </a:solidFill>
+                <a:latin typeface="Roboto"/>
+                <a:ea typeface="Roboto"/>
+                <a:cs typeface="Roboto"/>
+                <a:sym typeface="Roboto"/>
+              </a:rPr>
+              <a:t>Use extracted features to determine command probabilities</a:t>
+            </a:r>
+            <a:endParaRPr sz="850">
+              <a:solidFill>
+                <a:schemeClr val="dk1"/>
+              </a:solidFill>
+              <a:latin typeface="Roboto"/>
+              <a:ea typeface="Roboto"/>
+              <a:cs typeface="Roboto"/>
+              <a:sym typeface="Roboto"/>
+            </a:endParaRPr>
+          </a:p>
+          <a:p>
+            <a:pPr indent="-282575" lvl="0" marL="457200" rtl="0" algn="l">
+              <a:lnSpc>
+                <a:spcPct val="95000"/>
+              </a:lnSpc>
+              <a:spcBef>
+                <a:spcPts val="2500"/>
+              </a:spcBef>
+              <a:spcAft>
+                <a:spcPts val="0"/>
+              </a:spcAft>
+              <a:buClr>
+                <a:schemeClr val="dk1"/>
+              </a:buClr>
+              <a:buSzPts val="850"/>
+              <a:buFont typeface="Roboto"/>
+              <a:buChar char="●"/>
+            </a:pPr>
+            <a:r>
+              <a:rPr lang="en" sz="850">
+                <a:solidFill>
+                  <a:schemeClr val="dk1"/>
+                </a:solidFill>
+                <a:latin typeface="Roboto"/>
+                <a:ea typeface="Roboto"/>
+                <a:cs typeface="Roboto"/>
+                <a:sym typeface="Roboto"/>
+              </a:rPr>
+              <a:t>Maintain a moving average of probabilities to reduce noise</a:t>
+            </a:r>
+            <a:endParaRPr sz="850">
+              <a:solidFill>
+                <a:schemeClr val="dk1"/>
+              </a:solidFill>
+              <a:latin typeface="Roboto"/>
+              <a:ea typeface="Roboto"/>
+              <a:cs typeface="Roboto"/>
+              <a:sym typeface="Roboto"/>
+            </a:endParaRPr>
+          </a:p>
+          <a:p>
+            <a:pPr indent="-282575" lvl="0" marL="457200" rtl="0" algn="l">
+              <a:lnSpc>
+                <a:spcPct val="95000"/>
+              </a:lnSpc>
+              <a:spcBef>
+                <a:spcPts val="2500"/>
+              </a:spcBef>
+              <a:spcAft>
+                <a:spcPts val="0"/>
+              </a:spcAft>
+              <a:buClr>
+                <a:schemeClr val="dk1"/>
+              </a:buClr>
+              <a:buSzPts val="850"/>
+              <a:buFont typeface="Roboto"/>
+              <a:buChar char="●"/>
+            </a:pPr>
+            <a:r>
+              <a:rPr lang="en" sz="850">
+                <a:solidFill>
+                  <a:schemeClr val="dk1"/>
+                </a:solidFill>
+                <a:latin typeface="Roboto"/>
+                <a:ea typeface="Roboto"/>
+                <a:cs typeface="Roboto"/>
+                <a:sym typeface="Roboto"/>
+              </a:rPr>
+              <a:t>Output list of probabilities</a:t>
+            </a:r>
+            <a:endParaRPr sz="850">
+              <a:solidFill>
+                <a:schemeClr val="dk1"/>
+              </a:solidFill>
+              <a:latin typeface="Roboto"/>
+              <a:ea typeface="Roboto"/>
+              <a:cs typeface="Roboto"/>
+              <a:sym typeface="Roboto"/>
+            </a:endParaRPr>
+          </a:p>
+          <a:p>
             <a:pPr indent="0" lvl="0" marL="0" rtl="0" algn="l">
-              <a:spcBef>
-                <a:spcPts val="0"/>
+              <a:lnSpc>
+                <a:spcPct val="95000"/>
+              </a:lnSpc>
+              <a:spcBef>
+                <a:spcPts val="2500"/>
+              </a:spcBef>
+              <a:spcAft>
+                <a:spcPts val="0"/>
+              </a:spcAft>
+              <a:buClr>
+                <a:schemeClr val="dk1"/>
+              </a:buClr>
+              <a:buSzPts val="275"/>
+              <a:buFont typeface="Arial"/>
+              <a:buNone/>
+            </a:pPr>
+            <a:r>
+              <a:t/>
+            </a:r>
+            <a:endParaRPr sz="850">
+              <a:solidFill>
+                <a:schemeClr val="dk1"/>
+              </a:solidFill>
+              <a:latin typeface="Roboto"/>
+              <a:ea typeface="Roboto"/>
+              <a:cs typeface="Roboto"/>
+              <a:sym typeface="Roboto"/>
+            </a:endParaRPr>
+          </a:p>
+          <a:p>
+            <a:pPr indent="0" lvl="0" marL="0" rtl="0" algn="l">
+              <a:spcBef>
+                <a:spcPts val="2500"/>
               </a:spcBef>
               <a:spcAft>
                 <a:spcPts val="0"/>
@@ -1127,7 +1653,7 @@
   <p:cSld>
     <p:spTree>
       <p:nvGrpSpPr>
-        <p:cNvPr id="161" name="Shape 161"/>
+        <p:cNvPr id="164" name="Shape 164"/>
         <p:cNvGrpSpPr/>
         <p:nvPr/>
       </p:nvGrpSpPr>
@@ -1141,7 +1667,7 @@
       </p:grpSpPr>
       <p:sp>
         <p:nvSpPr>
-          <p:cNvPr id="162" name="Google Shape;162;g1219c0acaa9_0_107:notes"/>
+          <p:cNvPr id="165" name="Google Shape;165;g126e4413402_0_27:notes"/>
           <p:cNvSpPr/>
           <p:nvPr>
             <p:ph idx="2" type="sldImg"/>
@@ -1176,7 +1702,7 @@
       </p:sp>
       <p:sp>
         <p:nvSpPr>
-          <p:cNvPr id="163" name="Google Shape;163;g1219c0acaa9_0_107:notes"/>
+          <p:cNvPr id="166" name="Google Shape;166;g126e4413402_0_27:notes"/>
           <p:cNvSpPr txBox="1"/>
           <p:nvPr>
             <p:ph idx="1" type="body"/>
@@ -1197,9 +1723,169 @@
           </a:bodyPr>
           <a:lstStyle/>
           <a:p>
+            <a:pPr indent="-304800" lvl="0" marL="457200" rtl="0" algn="l">
+              <a:lnSpc>
+                <a:spcPct val="115000"/>
+              </a:lnSpc>
+              <a:spcBef>
+                <a:spcPts val="0"/>
+              </a:spcBef>
+              <a:spcAft>
+                <a:spcPts val="0"/>
+              </a:spcAft>
+              <a:buClr>
+                <a:schemeClr val="dk1"/>
+              </a:buClr>
+              <a:buSzPts val="1200"/>
+              <a:buFont typeface="Roboto"/>
+              <a:buChar char="●"/>
+            </a:pPr>
+            <a:r>
+              <a:rPr lang="en" sz="1200">
+                <a:solidFill>
+                  <a:schemeClr val="dk1"/>
+                </a:solidFill>
+                <a:latin typeface="Roboto"/>
+                <a:ea typeface="Roboto"/>
+                <a:cs typeface="Roboto"/>
+                <a:sym typeface="Roboto"/>
+              </a:rPr>
+              <a:t>List of probabilities received by Flask backend</a:t>
+            </a:r>
+            <a:endParaRPr sz="1200">
+              <a:solidFill>
+                <a:schemeClr val="dk1"/>
+              </a:solidFill>
+              <a:latin typeface="Roboto"/>
+              <a:ea typeface="Roboto"/>
+              <a:cs typeface="Roboto"/>
+              <a:sym typeface="Roboto"/>
+            </a:endParaRPr>
+          </a:p>
+          <a:p>
+            <a:pPr indent="-304800" lvl="0" marL="457200" rtl="0" algn="l">
+              <a:lnSpc>
+                <a:spcPct val="115000"/>
+              </a:lnSpc>
+              <a:spcBef>
+                <a:spcPts val="2500"/>
+              </a:spcBef>
+              <a:spcAft>
+                <a:spcPts val="0"/>
+              </a:spcAft>
+              <a:buClr>
+                <a:schemeClr val="dk1"/>
+              </a:buClr>
+              <a:buSzPts val="1200"/>
+              <a:buFont typeface="Roboto"/>
+              <a:buChar char="●"/>
+            </a:pPr>
+            <a:r>
+              <a:rPr lang="en" sz="1200">
+                <a:solidFill>
+                  <a:schemeClr val="dk1"/>
+                </a:solidFill>
+                <a:latin typeface="Roboto"/>
+                <a:ea typeface="Roboto"/>
+                <a:cs typeface="Roboto"/>
+                <a:sym typeface="Roboto"/>
+              </a:rPr>
+              <a:t>Highest probability extracted</a:t>
+            </a:r>
+            <a:endParaRPr sz="1200">
+              <a:solidFill>
+                <a:schemeClr val="dk1"/>
+              </a:solidFill>
+              <a:latin typeface="Roboto"/>
+              <a:ea typeface="Roboto"/>
+              <a:cs typeface="Roboto"/>
+              <a:sym typeface="Roboto"/>
+            </a:endParaRPr>
+          </a:p>
+          <a:p>
+            <a:pPr indent="-304800" lvl="0" marL="457200" rtl="0" algn="l">
+              <a:lnSpc>
+                <a:spcPct val="115000"/>
+              </a:lnSpc>
+              <a:spcBef>
+                <a:spcPts val="2500"/>
+              </a:spcBef>
+              <a:spcAft>
+                <a:spcPts val="0"/>
+              </a:spcAft>
+              <a:buClr>
+                <a:schemeClr val="dk1"/>
+              </a:buClr>
+              <a:buSzPts val="1200"/>
+              <a:buFont typeface="Roboto"/>
+              <a:buChar char="●"/>
+            </a:pPr>
+            <a:r>
+              <a:rPr lang="en" sz="1200">
+                <a:solidFill>
+                  <a:schemeClr val="dk1"/>
+                </a:solidFill>
+                <a:latin typeface="Roboto"/>
+                <a:ea typeface="Roboto"/>
+                <a:cs typeface="Roboto"/>
+                <a:sym typeface="Roboto"/>
+              </a:rPr>
+              <a:t>Corresponding command sent to Pac-Man webfront</a:t>
+            </a:r>
+            <a:endParaRPr sz="1200">
+              <a:solidFill>
+                <a:schemeClr val="dk1"/>
+              </a:solidFill>
+              <a:latin typeface="Roboto"/>
+              <a:ea typeface="Roboto"/>
+              <a:cs typeface="Roboto"/>
+              <a:sym typeface="Roboto"/>
+            </a:endParaRPr>
+          </a:p>
+          <a:p>
+            <a:pPr indent="-304800" lvl="0" marL="457200" rtl="0" algn="l">
+              <a:lnSpc>
+                <a:spcPct val="115000"/>
+              </a:lnSpc>
+              <a:spcBef>
+                <a:spcPts val="2500"/>
+              </a:spcBef>
+              <a:spcAft>
+                <a:spcPts val="0"/>
+              </a:spcAft>
+              <a:buClr>
+                <a:schemeClr val="dk1"/>
+              </a:buClr>
+              <a:buSzPts val="1200"/>
+              <a:buFont typeface="Roboto"/>
+              <a:buChar char="●"/>
+            </a:pPr>
+            <a:r>
+              <a:rPr lang="en" sz="1200">
+                <a:solidFill>
+                  <a:schemeClr val="dk1"/>
+                </a:solidFill>
+                <a:latin typeface="Roboto"/>
+                <a:ea typeface="Roboto"/>
+                <a:cs typeface="Roboto"/>
+                <a:sym typeface="Roboto"/>
+              </a:rPr>
+              <a:t>Command executed in-game</a:t>
+            </a:r>
+            <a:endParaRPr sz="1200">
+              <a:solidFill>
+                <a:schemeClr val="dk1"/>
+              </a:solidFill>
+              <a:latin typeface="Roboto"/>
+              <a:ea typeface="Roboto"/>
+              <a:cs typeface="Roboto"/>
+              <a:sym typeface="Roboto"/>
+            </a:endParaRPr>
+          </a:p>
+          <a:p>
             <a:pPr indent="0" lvl="0" marL="0" rtl="0" algn="l">
               <a:spcBef>
-                <a:spcPts val="0"/>
+                <a:spcPts val="2500"/>
               </a:spcBef>
               <a:spcAft>
                 <a:spcPts val="0"/>
@@ -1226,7 +1912,7 @@
   <p:cSld>
     <p:spTree>
       <p:nvGrpSpPr>
-        <p:cNvPr id="170" name="Shape 170"/>
+        <p:cNvPr id="173" name="Shape 173"/>
         <p:cNvGrpSpPr/>
         <p:nvPr/>
       </p:nvGrpSpPr>
@@ -1240,7 +1926,7 @@
       </p:grpSpPr>
       <p:sp>
         <p:nvSpPr>
-          <p:cNvPr id="171" name="Google Shape;171;g1219c0acaa9_0_115:notes"/>
+          <p:cNvPr id="174" name="Google Shape;174;g126e4413402_0_33:notes"/>
           <p:cNvSpPr/>
           <p:nvPr>
             <p:ph idx="2" type="sldImg"/>
@@ -1275,7 +1961,7 @@
       </p:sp>
       <p:sp>
         <p:nvSpPr>
-          <p:cNvPr id="172" name="Google Shape;172;g1219c0acaa9_0_115:notes"/>
+          <p:cNvPr id="175" name="Google Shape;175;g126e4413402_0_33:notes"/>
           <p:cNvSpPr txBox="1"/>
           <p:nvPr>
             <p:ph idx="1" type="body"/>
@@ -1296,9 +1982,329 @@
           </a:bodyPr>
           <a:lstStyle/>
           <a:p>
+            <a:pPr indent="-304800" lvl="0" marL="457200" rtl="0" algn="l">
+              <a:lnSpc>
+                <a:spcPct val="115000"/>
+              </a:lnSpc>
+              <a:spcBef>
+                <a:spcPts val="0"/>
+              </a:spcBef>
+              <a:spcAft>
+                <a:spcPts val="0"/>
+              </a:spcAft>
+              <a:buClr>
+                <a:schemeClr val="dk1"/>
+              </a:buClr>
+              <a:buSzPts val="1200"/>
+              <a:buFont typeface="Roboto"/>
+              <a:buChar char="●"/>
+            </a:pPr>
+            <a:r>
+              <a:rPr lang="en" sz="1200">
+                <a:solidFill>
+                  <a:schemeClr val="dk1"/>
+                </a:solidFill>
+                <a:latin typeface="Roboto"/>
+                <a:ea typeface="Roboto"/>
+                <a:cs typeface="Roboto"/>
+                <a:sym typeface="Roboto"/>
+              </a:rPr>
+              <a:t>Pac-Man webfront</a:t>
+            </a:r>
+            <a:endParaRPr sz="1200">
+              <a:solidFill>
+                <a:schemeClr val="dk1"/>
+              </a:solidFill>
+              <a:latin typeface="Roboto"/>
+              <a:ea typeface="Roboto"/>
+              <a:cs typeface="Roboto"/>
+              <a:sym typeface="Roboto"/>
+            </a:endParaRPr>
+          </a:p>
+          <a:p>
+            <a:pPr indent="-304800" lvl="1" marL="914400" rtl="0" algn="l">
+              <a:lnSpc>
+                <a:spcPct val="115000"/>
+              </a:lnSpc>
+              <a:spcBef>
+                <a:spcPts val="0"/>
+              </a:spcBef>
+              <a:spcAft>
+                <a:spcPts val="0"/>
+              </a:spcAft>
+              <a:buClr>
+                <a:schemeClr val="dk1"/>
+              </a:buClr>
+              <a:buSzPts val="1200"/>
+              <a:buFont typeface="Roboto"/>
+              <a:buChar char="○"/>
+            </a:pPr>
+            <a:r>
+              <a:rPr lang="en" sz="1200">
+                <a:solidFill>
+                  <a:schemeClr val="dk1"/>
+                </a:solidFill>
+                <a:latin typeface="Roboto"/>
+                <a:ea typeface="Roboto"/>
+                <a:cs typeface="Roboto"/>
+                <a:sym typeface="Roboto"/>
+              </a:rPr>
+              <a:t>Javascript, HTML, CSS</a:t>
+            </a:r>
+            <a:endParaRPr sz="1200">
+              <a:solidFill>
+                <a:schemeClr val="dk1"/>
+              </a:solidFill>
+              <a:latin typeface="Roboto"/>
+              <a:ea typeface="Roboto"/>
+              <a:cs typeface="Roboto"/>
+              <a:sym typeface="Roboto"/>
+            </a:endParaRPr>
+          </a:p>
+          <a:p>
+            <a:pPr indent="-304800" lvl="0" marL="457200" rtl="0" algn="l">
+              <a:lnSpc>
+                <a:spcPct val="115000"/>
+              </a:lnSpc>
+              <a:spcBef>
+                <a:spcPts val="2500"/>
+              </a:spcBef>
+              <a:spcAft>
+                <a:spcPts val="0"/>
+              </a:spcAft>
+              <a:buClr>
+                <a:schemeClr val="dk1"/>
+              </a:buClr>
+              <a:buSzPts val="1200"/>
+              <a:buFont typeface="Roboto"/>
+              <a:buChar char="●"/>
+            </a:pPr>
+            <a:r>
+              <a:rPr lang="en" sz="1200">
+                <a:solidFill>
+                  <a:schemeClr val="dk1"/>
+                </a:solidFill>
+                <a:latin typeface="Roboto"/>
+                <a:ea typeface="Roboto"/>
+                <a:cs typeface="Roboto"/>
+                <a:sym typeface="Roboto"/>
+              </a:rPr>
+              <a:t>Flask backend</a:t>
+            </a:r>
+            <a:endParaRPr sz="1200">
+              <a:solidFill>
+                <a:schemeClr val="dk1"/>
+              </a:solidFill>
+              <a:latin typeface="Roboto"/>
+              <a:ea typeface="Roboto"/>
+              <a:cs typeface="Roboto"/>
+              <a:sym typeface="Roboto"/>
+            </a:endParaRPr>
+          </a:p>
+          <a:p>
+            <a:pPr indent="-304800" lvl="1" marL="914400" rtl="0" algn="l">
+              <a:lnSpc>
+                <a:spcPct val="115000"/>
+              </a:lnSpc>
+              <a:spcBef>
+                <a:spcPts val="0"/>
+              </a:spcBef>
+              <a:spcAft>
+                <a:spcPts val="0"/>
+              </a:spcAft>
+              <a:buClr>
+                <a:schemeClr val="dk1"/>
+              </a:buClr>
+              <a:buSzPts val="1200"/>
+              <a:buFont typeface="Roboto"/>
+              <a:buChar char="○"/>
+            </a:pPr>
+            <a:r>
+              <a:rPr lang="en" sz="1200">
+                <a:solidFill>
+                  <a:schemeClr val="dk1"/>
+                </a:solidFill>
+                <a:latin typeface="Roboto"/>
+                <a:ea typeface="Roboto"/>
+                <a:cs typeface="Roboto"/>
+                <a:sym typeface="Roboto"/>
+              </a:rPr>
+              <a:t>Python</a:t>
+            </a:r>
+            <a:endParaRPr sz="1200">
+              <a:solidFill>
+                <a:schemeClr val="dk1"/>
+              </a:solidFill>
+              <a:latin typeface="Roboto"/>
+              <a:ea typeface="Roboto"/>
+              <a:cs typeface="Roboto"/>
+              <a:sym typeface="Roboto"/>
+            </a:endParaRPr>
+          </a:p>
+          <a:p>
+            <a:pPr indent="-304800" lvl="0" marL="457200" rtl="0" algn="l">
+              <a:lnSpc>
+                <a:spcPct val="115000"/>
+              </a:lnSpc>
+              <a:spcBef>
+                <a:spcPts val="2500"/>
+              </a:spcBef>
+              <a:spcAft>
+                <a:spcPts val="0"/>
+              </a:spcAft>
+              <a:buClr>
+                <a:schemeClr val="dk1"/>
+              </a:buClr>
+              <a:buSzPts val="1200"/>
+              <a:buFont typeface="Roboto"/>
+              <a:buChar char="●"/>
+            </a:pPr>
+            <a:r>
+              <a:rPr lang="en" sz="1200">
+                <a:solidFill>
+                  <a:schemeClr val="dk1"/>
+                </a:solidFill>
+                <a:latin typeface="Roboto"/>
+                <a:ea typeface="Roboto"/>
+                <a:cs typeface="Roboto"/>
+                <a:sym typeface="Roboto"/>
+              </a:rPr>
+              <a:t>Node-based EEG processing pipeline</a:t>
+            </a:r>
+            <a:endParaRPr sz="1200">
+              <a:solidFill>
+                <a:schemeClr val="dk1"/>
+              </a:solidFill>
+              <a:latin typeface="Roboto"/>
+              <a:ea typeface="Roboto"/>
+              <a:cs typeface="Roboto"/>
+              <a:sym typeface="Roboto"/>
+            </a:endParaRPr>
+          </a:p>
+          <a:p>
+            <a:pPr indent="-304800" lvl="1" marL="914400" rtl="0" algn="l">
+              <a:lnSpc>
+                <a:spcPct val="115000"/>
+              </a:lnSpc>
+              <a:spcBef>
+                <a:spcPts val="0"/>
+              </a:spcBef>
+              <a:spcAft>
+                <a:spcPts val="0"/>
+              </a:spcAft>
+              <a:buClr>
+                <a:schemeClr val="dk1"/>
+              </a:buClr>
+              <a:buSzPts val="1200"/>
+              <a:buFont typeface="Roboto"/>
+              <a:buChar char="○"/>
+            </a:pPr>
+            <a:r>
+              <a:rPr lang="en" sz="1200">
+                <a:solidFill>
+                  <a:schemeClr val="dk1"/>
+                </a:solidFill>
+                <a:latin typeface="Roboto"/>
+                <a:ea typeface="Roboto"/>
+                <a:cs typeface="Roboto"/>
+                <a:sym typeface="Roboto"/>
+              </a:rPr>
+              <a:t>NeuroPype Pipeline Designer</a:t>
+            </a:r>
+            <a:endParaRPr sz="1200">
+              <a:solidFill>
+                <a:schemeClr val="dk1"/>
+              </a:solidFill>
+              <a:latin typeface="Roboto"/>
+              <a:ea typeface="Roboto"/>
+              <a:cs typeface="Roboto"/>
+              <a:sym typeface="Roboto"/>
+            </a:endParaRPr>
+          </a:p>
+          <a:p>
+            <a:pPr indent="-304800" lvl="0" marL="457200" rtl="0" algn="l">
+              <a:lnSpc>
+                <a:spcPct val="105000"/>
+              </a:lnSpc>
+              <a:spcBef>
+                <a:spcPts val="2500"/>
+              </a:spcBef>
+              <a:spcAft>
+                <a:spcPts val="0"/>
+              </a:spcAft>
+              <a:buClr>
+                <a:schemeClr val="dk1"/>
+              </a:buClr>
+              <a:buSzPts val="1200"/>
+              <a:buFont typeface="Roboto"/>
+              <a:buChar char="●"/>
+            </a:pPr>
+            <a:r>
+              <a:rPr lang="en" sz="1200">
+                <a:solidFill>
+                  <a:schemeClr val="dk1"/>
+                </a:solidFill>
+                <a:latin typeface="Roboto"/>
+                <a:ea typeface="Roboto"/>
+                <a:cs typeface="Roboto"/>
+                <a:sym typeface="Roboto"/>
+              </a:rPr>
+              <a:t>Communication between components</a:t>
+            </a:r>
+            <a:endParaRPr sz="1200">
+              <a:solidFill>
+                <a:schemeClr val="dk1"/>
+              </a:solidFill>
+              <a:latin typeface="Roboto"/>
+              <a:ea typeface="Roboto"/>
+              <a:cs typeface="Roboto"/>
+              <a:sym typeface="Roboto"/>
+            </a:endParaRPr>
+          </a:p>
+          <a:p>
+            <a:pPr indent="-304800" lvl="1" marL="914400" rtl="0" algn="l">
+              <a:lnSpc>
+                <a:spcPct val="115000"/>
+              </a:lnSpc>
+              <a:spcBef>
+                <a:spcPts val="0"/>
+              </a:spcBef>
+              <a:spcAft>
+                <a:spcPts val="0"/>
+              </a:spcAft>
+              <a:buClr>
+                <a:schemeClr val="dk1"/>
+              </a:buClr>
+              <a:buSzPts val="1200"/>
+              <a:buFont typeface="Roboto"/>
+              <a:buChar char="○"/>
+            </a:pPr>
+            <a:r>
+              <a:rPr lang="en" sz="1200">
+                <a:solidFill>
+                  <a:schemeClr val="dk1"/>
+                </a:solidFill>
+                <a:latin typeface="Roboto"/>
+                <a:ea typeface="Roboto"/>
+                <a:cs typeface="Roboto"/>
+                <a:sym typeface="Roboto"/>
+              </a:rPr>
+              <a:t>Lab Streaming Layer, WebSocket API</a:t>
+            </a:r>
+            <a:endParaRPr sz="1200">
+              <a:solidFill>
+                <a:schemeClr val="dk1"/>
+              </a:solidFill>
+              <a:latin typeface="Roboto"/>
+              <a:ea typeface="Roboto"/>
+              <a:cs typeface="Roboto"/>
+              <a:sym typeface="Roboto"/>
+            </a:endParaRPr>
+          </a:p>
+          <a:p>
             <a:pPr indent="0" lvl="0" marL="0" rtl="0" algn="l">
               <a:spcBef>
-                <a:spcPts val="0"/>
+                <a:spcPts val="1200"/>
               </a:spcBef>
               <a:spcAft>
                 <a:spcPts val="0"/>
@@ -1325,7 +2331,7 @@
   <p:cSld>
     <p:spTree>
       <p:nvGrpSpPr>
-        <p:cNvPr id="179" name="Shape 179"/>
+        <p:cNvPr id="183" name="Shape 183"/>
         <p:cNvGrpSpPr/>
         <p:nvPr/>
       </p:nvGrpSpPr>
@@ -1339,7 +2345,7 @@
       </p:grpSpPr>
       <p:sp>
         <p:nvSpPr>
-          <p:cNvPr id="180" name="Google Shape;180;g1219c0acaa9_0_123:notes"/>
+          <p:cNvPr id="184" name="Google Shape;184;g1219c0acaa9_0_148:notes"/>
           <p:cNvSpPr/>
           <p:nvPr>
             <p:ph idx="2" type="sldImg"/>
@@ -1374,7 +2380,7 @@
       </p:sp>
       <p:sp>
         <p:nvSpPr>
-          <p:cNvPr id="181" name="Google Shape;181;g1219c0acaa9_0_123:notes"/>
+          <p:cNvPr id="185" name="Google Shape;185;g1219c0acaa9_0_148:notes"/>
           <p:cNvSpPr txBox="1"/>
           <p:nvPr>
             <p:ph idx="1" type="body"/>
@@ -1394,6 +2400,596 @@
             <a:noAutofit/>
           </a:bodyPr>
           <a:lstStyle/>
+          <a:p>
+            <a:pPr indent="0" lvl="0" marL="457200" rtl="0" algn="l">
+              <a:lnSpc>
+                <a:spcPct val="115000"/>
+              </a:lnSpc>
+              <a:spcBef>
+                <a:spcPts val="0"/>
+              </a:spcBef>
+              <a:spcAft>
+                <a:spcPts val="0"/>
+              </a:spcAft>
+              <a:buNone/>
+            </a:pPr>
+            <a:r>
+              <a:rPr lang="en" sz="1200">
+                <a:solidFill>
+                  <a:schemeClr val="dk1"/>
+                </a:solidFill>
+                <a:latin typeface="Roboto"/>
+                <a:ea typeface="Roboto"/>
+                <a:cs typeface="Roboto"/>
+                <a:sym typeface="Roboto"/>
+              </a:rPr>
+              <a:t>HARDWARE</a:t>
+            </a:r>
+            <a:endParaRPr sz="1200">
+              <a:solidFill>
+                <a:schemeClr val="dk1"/>
+              </a:solidFill>
+              <a:latin typeface="Roboto"/>
+              <a:ea typeface="Roboto"/>
+              <a:cs typeface="Roboto"/>
+              <a:sym typeface="Roboto"/>
+            </a:endParaRPr>
+          </a:p>
+          <a:p>
+            <a:pPr indent="-304800" lvl="0" marL="457200" rtl="0" algn="l">
+              <a:lnSpc>
+                <a:spcPct val="115000"/>
+              </a:lnSpc>
+              <a:spcBef>
+                <a:spcPts val="1200"/>
+              </a:spcBef>
+              <a:spcAft>
+                <a:spcPts val="0"/>
+              </a:spcAft>
+              <a:buClr>
+                <a:schemeClr val="dk1"/>
+              </a:buClr>
+              <a:buSzPts val="1200"/>
+              <a:buFont typeface="Roboto"/>
+              <a:buChar char="●"/>
+            </a:pPr>
+            <a:r>
+              <a:rPr lang="en" sz="1200">
+                <a:solidFill>
+                  <a:schemeClr val="dk1"/>
+                </a:solidFill>
+                <a:latin typeface="Roboto"/>
+                <a:ea typeface="Roboto"/>
+                <a:cs typeface="Roboto"/>
+                <a:sym typeface="Roboto"/>
+              </a:rPr>
+              <a:t>OpenBCI Ultracortex headset</a:t>
+            </a:r>
+            <a:endParaRPr sz="1200">
+              <a:solidFill>
+                <a:schemeClr val="dk1"/>
+              </a:solidFill>
+              <a:latin typeface="Roboto"/>
+              <a:ea typeface="Roboto"/>
+              <a:cs typeface="Roboto"/>
+              <a:sym typeface="Roboto"/>
+            </a:endParaRPr>
+          </a:p>
+          <a:p>
+            <a:pPr indent="-304800" lvl="1" marL="914400" rtl="0" algn="l">
+              <a:lnSpc>
+                <a:spcPct val="115000"/>
+              </a:lnSpc>
+              <a:spcBef>
+                <a:spcPts val="0"/>
+              </a:spcBef>
+              <a:spcAft>
+                <a:spcPts val="0"/>
+              </a:spcAft>
+              <a:buClr>
+                <a:schemeClr val="dk1"/>
+              </a:buClr>
+              <a:buSzPts val="1200"/>
+              <a:buFont typeface="Roboto"/>
+              <a:buChar char="○"/>
+            </a:pPr>
+            <a:r>
+              <a:rPr lang="en" sz="1200">
+                <a:solidFill>
+                  <a:schemeClr val="dk1"/>
+                </a:solidFill>
+                <a:latin typeface="Roboto"/>
+                <a:ea typeface="Roboto"/>
+                <a:cs typeface="Roboto"/>
+                <a:sym typeface="Roboto"/>
+              </a:rPr>
+              <a:t>8 electrodes (professional: 128)</a:t>
+            </a:r>
+            <a:endParaRPr sz="1200">
+              <a:solidFill>
+                <a:schemeClr val="dk1"/>
+              </a:solidFill>
+              <a:latin typeface="Roboto"/>
+              <a:ea typeface="Roboto"/>
+              <a:cs typeface="Roboto"/>
+              <a:sym typeface="Roboto"/>
+            </a:endParaRPr>
+          </a:p>
+          <a:p>
+            <a:pPr indent="-304800" lvl="1" marL="914400" rtl="0" algn="l">
+              <a:lnSpc>
+                <a:spcPct val="115000"/>
+              </a:lnSpc>
+              <a:spcBef>
+                <a:spcPts val="0"/>
+              </a:spcBef>
+              <a:spcAft>
+                <a:spcPts val="0"/>
+              </a:spcAft>
+              <a:buClr>
+                <a:schemeClr val="dk1"/>
+              </a:buClr>
+              <a:buSzPts val="1200"/>
+              <a:buFont typeface="Roboto"/>
+              <a:buChar char="○"/>
+            </a:pPr>
+            <a:r>
+              <a:rPr lang="en" sz="1200">
+                <a:solidFill>
+                  <a:schemeClr val="dk1"/>
+                </a:solidFill>
+                <a:latin typeface="Roboto"/>
+                <a:ea typeface="Roboto"/>
+                <a:cs typeface="Roboto"/>
+                <a:sym typeface="Roboto"/>
+              </a:rPr>
+              <a:t>Difficult to secure</a:t>
+            </a:r>
+            <a:endParaRPr sz="1200">
+              <a:solidFill>
+                <a:schemeClr val="dk1"/>
+              </a:solidFill>
+              <a:latin typeface="Roboto"/>
+              <a:ea typeface="Roboto"/>
+              <a:cs typeface="Roboto"/>
+              <a:sym typeface="Roboto"/>
+            </a:endParaRPr>
+          </a:p>
+          <a:p>
+            <a:pPr indent="-304800" lvl="1" marL="914400" rtl="0" algn="l">
+              <a:lnSpc>
+                <a:spcPct val="115000"/>
+              </a:lnSpc>
+              <a:spcBef>
+                <a:spcPts val="0"/>
+              </a:spcBef>
+              <a:spcAft>
+                <a:spcPts val="0"/>
+              </a:spcAft>
+              <a:buClr>
+                <a:schemeClr val="dk1"/>
+              </a:buClr>
+              <a:buSzPts val="1200"/>
+              <a:buFont typeface="Roboto"/>
+              <a:buChar char="○"/>
+            </a:pPr>
+            <a:r>
+              <a:rPr lang="en" sz="1200">
+                <a:solidFill>
+                  <a:schemeClr val="dk1"/>
+                </a:solidFill>
+                <a:latin typeface="Roboto"/>
+                <a:ea typeface="Roboto"/>
+                <a:cs typeface="Roboto"/>
+                <a:sym typeface="Roboto"/>
+              </a:rPr>
+              <a:t>Small movements cause it to shift position</a:t>
+            </a:r>
+            <a:endParaRPr sz="1200">
+              <a:solidFill>
+                <a:schemeClr val="dk1"/>
+              </a:solidFill>
+              <a:latin typeface="Roboto"/>
+              <a:ea typeface="Roboto"/>
+              <a:cs typeface="Roboto"/>
+              <a:sym typeface="Roboto"/>
+            </a:endParaRPr>
+          </a:p>
+          <a:p>
+            <a:pPr indent="-304800" lvl="1" marL="914400" rtl="0" algn="l">
+              <a:lnSpc>
+                <a:spcPct val="115000"/>
+              </a:lnSpc>
+              <a:spcBef>
+                <a:spcPts val="0"/>
+              </a:spcBef>
+              <a:spcAft>
+                <a:spcPts val="0"/>
+              </a:spcAft>
+              <a:buClr>
+                <a:schemeClr val="dk1"/>
+              </a:buClr>
+              <a:buSzPts val="1200"/>
+              <a:buFont typeface="Roboto"/>
+              <a:buChar char="○"/>
+            </a:pPr>
+            <a:r>
+              <a:rPr lang="en" sz="1200">
+                <a:solidFill>
+                  <a:schemeClr val="dk1"/>
+                </a:solidFill>
+                <a:latin typeface="Roboto"/>
+                <a:ea typeface="Roboto"/>
+                <a:cs typeface="Roboto"/>
+                <a:sym typeface="Roboto"/>
+              </a:rPr>
+              <a:t>Electrodes move with headset</a:t>
+            </a:r>
+            <a:endParaRPr sz="1200">
+              <a:solidFill>
+                <a:schemeClr val="dk1"/>
+              </a:solidFill>
+              <a:latin typeface="Roboto"/>
+              <a:ea typeface="Roboto"/>
+              <a:cs typeface="Roboto"/>
+              <a:sym typeface="Roboto"/>
+            </a:endParaRPr>
+          </a:p>
+          <a:p>
+            <a:pPr indent="-304800" lvl="0" marL="457200" rtl="0" algn="l">
+              <a:lnSpc>
+                <a:spcPct val="115000"/>
+              </a:lnSpc>
+              <a:spcBef>
+                <a:spcPts val="2500"/>
+              </a:spcBef>
+              <a:spcAft>
+                <a:spcPts val="0"/>
+              </a:spcAft>
+              <a:buClr>
+                <a:schemeClr val="dk1"/>
+              </a:buClr>
+              <a:buSzPts val="1200"/>
+              <a:buFont typeface="Roboto"/>
+              <a:buChar char="●"/>
+            </a:pPr>
+            <a:r>
+              <a:rPr lang="en" sz="1200">
+                <a:solidFill>
+                  <a:schemeClr val="dk1"/>
+                </a:solidFill>
+                <a:latin typeface="Roboto"/>
+                <a:ea typeface="Roboto"/>
+                <a:cs typeface="Roboto"/>
+                <a:sym typeface="Roboto"/>
+              </a:rPr>
+              <a:t>RESULT: </a:t>
+            </a:r>
+            <a:endParaRPr sz="1200">
+              <a:solidFill>
+                <a:schemeClr val="dk1"/>
+              </a:solidFill>
+              <a:latin typeface="Roboto"/>
+              <a:ea typeface="Roboto"/>
+              <a:cs typeface="Roboto"/>
+              <a:sym typeface="Roboto"/>
+            </a:endParaRPr>
+          </a:p>
+          <a:p>
+            <a:pPr indent="-304800" lvl="1" marL="914400" rtl="0" algn="l">
+              <a:lnSpc>
+                <a:spcPct val="115000"/>
+              </a:lnSpc>
+              <a:spcBef>
+                <a:spcPts val="0"/>
+              </a:spcBef>
+              <a:spcAft>
+                <a:spcPts val="0"/>
+              </a:spcAft>
+              <a:buClr>
+                <a:schemeClr val="dk1"/>
+              </a:buClr>
+              <a:buSzPts val="1200"/>
+              <a:buFont typeface="Roboto"/>
+              <a:buChar char="○"/>
+            </a:pPr>
+            <a:r>
+              <a:rPr lang="en" sz="1200">
+                <a:solidFill>
+                  <a:schemeClr val="dk1"/>
+                </a:solidFill>
+                <a:latin typeface="Roboto"/>
+                <a:ea typeface="Roboto"/>
+                <a:cs typeface="Roboto"/>
+                <a:sym typeface="Roboto"/>
+              </a:rPr>
+              <a:t>Low quality data (and not enough of it)</a:t>
+            </a:r>
+            <a:endParaRPr sz="1200">
+              <a:solidFill>
+                <a:schemeClr val="dk1"/>
+              </a:solidFill>
+              <a:latin typeface="Roboto"/>
+              <a:ea typeface="Roboto"/>
+              <a:cs typeface="Roboto"/>
+              <a:sym typeface="Roboto"/>
+            </a:endParaRPr>
+          </a:p>
+          <a:p>
+            <a:pPr indent="0" lvl="0" marL="0" rtl="0" algn="l">
+              <a:lnSpc>
+                <a:spcPct val="115000"/>
+              </a:lnSpc>
+              <a:spcBef>
+                <a:spcPts val="1200"/>
+              </a:spcBef>
+              <a:spcAft>
+                <a:spcPts val="0"/>
+              </a:spcAft>
+              <a:buNone/>
+            </a:pPr>
+            <a:r>
+              <a:rPr lang="en" sz="1200">
+                <a:solidFill>
+                  <a:schemeClr val="dk1"/>
+                </a:solidFill>
+                <a:latin typeface="Roboto"/>
+                <a:ea typeface="Roboto"/>
+                <a:cs typeface="Roboto"/>
+                <a:sym typeface="Roboto"/>
+              </a:rPr>
+              <a:t>SOFTWARE</a:t>
+            </a:r>
+            <a:endParaRPr sz="1200">
+              <a:solidFill>
+                <a:schemeClr val="dk1"/>
+              </a:solidFill>
+              <a:latin typeface="Roboto"/>
+              <a:ea typeface="Roboto"/>
+              <a:cs typeface="Roboto"/>
+              <a:sym typeface="Roboto"/>
+            </a:endParaRPr>
+          </a:p>
+          <a:p>
+            <a:pPr indent="-304800" lvl="0" marL="457200" rtl="0" algn="l">
+              <a:lnSpc>
+                <a:spcPct val="115000"/>
+              </a:lnSpc>
+              <a:spcBef>
+                <a:spcPts val="1200"/>
+              </a:spcBef>
+              <a:spcAft>
+                <a:spcPts val="0"/>
+              </a:spcAft>
+              <a:buClr>
+                <a:schemeClr val="dk1"/>
+              </a:buClr>
+              <a:buSzPts val="1200"/>
+              <a:buFont typeface="Roboto"/>
+              <a:buChar char="●"/>
+            </a:pPr>
+            <a:r>
+              <a:rPr lang="en" sz="1200">
+                <a:solidFill>
+                  <a:schemeClr val="dk1"/>
+                </a:solidFill>
+                <a:latin typeface="Roboto"/>
+                <a:ea typeface="Roboto"/>
+                <a:cs typeface="Roboto"/>
+                <a:sym typeface="Roboto"/>
+              </a:rPr>
+              <a:t>Training time: 8 minutes</a:t>
+            </a:r>
+            <a:endParaRPr sz="1200">
+              <a:solidFill>
+                <a:schemeClr val="dk1"/>
+              </a:solidFill>
+              <a:latin typeface="Roboto"/>
+              <a:ea typeface="Roboto"/>
+              <a:cs typeface="Roboto"/>
+              <a:sym typeface="Roboto"/>
+            </a:endParaRPr>
+          </a:p>
+          <a:p>
+            <a:pPr indent="-304800" lvl="1" marL="914400" rtl="0" algn="l">
+              <a:lnSpc>
+                <a:spcPct val="115000"/>
+              </a:lnSpc>
+              <a:spcBef>
+                <a:spcPts val="0"/>
+              </a:spcBef>
+              <a:spcAft>
+                <a:spcPts val="0"/>
+              </a:spcAft>
+              <a:buClr>
+                <a:schemeClr val="dk1"/>
+              </a:buClr>
+              <a:buSzPts val="1200"/>
+              <a:buFont typeface="Roboto"/>
+              <a:buChar char="○"/>
+            </a:pPr>
+            <a:r>
+              <a:rPr lang="en" sz="1200">
+                <a:solidFill>
+                  <a:schemeClr val="dk1"/>
+                </a:solidFill>
+                <a:latin typeface="Roboto"/>
+                <a:ea typeface="Roboto"/>
+                <a:cs typeface="Roboto"/>
+                <a:sym typeface="Roboto"/>
+              </a:rPr>
+              <a:t> Results subject to hardware challenges</a:t>
+            </a:r>
+            <a:endParaRPr sz="1200">
+              <a:solidFill>
+                <a:schemeClr val="dk1"/>
+              </a:solidFill>
+              <a:latin typeface="Roboto"/>
+              <a:ea typeface="Roboto"/>
+              <a:cs typeface="Roboto"/>
+              <a:sym typeface="Roboto"/>
+            </a:endParaRPr>
+          </a:p>
+          <a:p>
+            <a:pPr indent="-304800" lvl="0" marL="457200" rtl="0" algn="l">
+              <a:lnSpc>
+                <a:spcPct val="115000"/>
+              </a:lnSpc>
+              <a:spcBef>
+                <a:spcPts val="2500"/>
+              </a:spcBef>
+              <a:spcAft>
+                <a:spcPts val="0"/>
+              </a:spcAft>
+              <a:buClr>
+                <a:schemeClr val="dk1"/>
+              </a:buClr>
+              <a:buSzPts val="1200"/>
+              <a:buFont typeface="Roboto"/>
+              <a:buChar char="●"/>
+            </a:pPr>
+            <a:r>
+              <a:rPr lang="en" sz="1200">
+                <a:solidFill>
+                  <a:schemeClr val="dk1"/>
+                </a:solidFill>
+                <a:latin typeface="Roboto"/>
+                <a:ea typeface="Roboto"/>
+                <a:cs typeface="Roboto"/>
+                <a:sym typeface="Roboto"/>
+              </a:rPr>
+              <a:t>Noise and unrelated spikes (e.g., blinking, swallowing)</a:t>
+            </a:r>
+            <a:endParaRPr sz="1200">
+              <a:solidFill>
+                <a:schemeClr val="dk1"/>
+              </a:solidFill>
+              <a:latin typeface="Roboto"/>
+              <a:ea typeface="Roboto"/>
+              <a:cs typeface="Roboto"/>
+              <a:sym typeface="Roboto"/>
+            </a:endParaRPr>
+          </a:p>
+          <a:p>
+            <a:pPr indent="-304800" lvl="1" marL="914400" rtl="0" algn="l">
+              <a:lnSpc>
+                <a:spcPct val="115000"/>
+              </a:lnSpc>
+              <a:spcBef>
+                <a:spcPts val="0"/>
+              </a:spcBef>
+              <a:spcAft>
+                <a:spcPts val="0"/>
+              </a:spcAft>
+              <a:buClr>
+                <a:schemeClr val="dk1"/>
+              </a:buClr>
+              <a:buSzPts val="1200"/>
+              <a:buFont typeface="Roboto"/>
+              <a:buChar char="○"/>
+            </a:pPr>
+            <a:r>
+              <a:rPr lang="en" sz="1200">
+                <a:solidFill>
+                  <a:schemeClr val="dk1"/>
+                </a:solidFill>
+                <a:latin typeface="Roboto"/>
+                <a:ea typeface="Roboto"/>
+                <a:cs typeface="Roboto"/>
+                <a:sym typeface="Roboto"/>
+              </a:rPr>
+              <a:t> Must be filtered out without affecting relevant signals</a:t>
+            </a:r>
+            <a:endParaRPr sz="1200">
+              <a:solidFill>
+                <a:schemeClr val="dk1"/>
+              </a:solidFill>
+              <a:latin typeface="Roboto"/>
+              <a:ea typeface="Roboto"/>
+              <a:cs typeface="Roboto"/>
+              <a:sym typeface="Roboto"/>
+            </a:endParaRPr>
+          </a:p>
+          <a:p>
+            <a:pPr indent="-304800" lvl="0" marL="457200" rtl="0" algn="l">
+              <a:lnSpc>
+                <a:spcPct val="115000"/>
+              </a:lnSpc>
+              <a:spcBef>
+                <a:spcPts val="2500"/>
+              </a:spcBef>
+              <a:spcAft>
+                <a:spcPts val="0"/>
+              </a:spcAft>
+              <a:buClr>
+                <a:schemeClr val="dk1"/>
+              </a:buClr>
+              <a:buSzPts val="1200"/>
+              <a:buFont typeface="Roboto"/>
+              <a:buChar char="●"/>
+            </a:pPr>
+            <a:r>
+              <a:rPr lang="en" sz="1200">
+                <a:solidFill>
+                  <a:schemeClr val="dk1"/>
+                </a:solidFill>
+                <a:latin typeface="Roboto"/>
+                <a:ea typeface="Roboto"/>
+                <a:cs typeface="Roboto"/>
+                <a:sym typeface="Roboto"/>
+              </a:rPr>
+              <a:t>Thought to Action</a:t>
+            </a:r>
+            <a:endParaRPr sz="1200">
+              <a:solidFill>
+                <a:schemeClr val="dk1"/>
+              </a:solidFill>
+              <a:latin typeface="Roboto"/>
+              <a:ea typeface="Roboto"/>
+              <a:cs typeface="Roboto"/>
+              <a:sym typeface="Roboto"/>
+            </a:endParaRPr>
+          </a:p>
+          <a:p>
+            <a:pPr indent="-304800" lvl="1" marL="914400" rtl="0" algn="l">
+              <a:lnSpc>
+                <a:spcPct val="115000"/>
+              </a:lnSpc>
+              <a:spcBef>
+                <a:spcPts val="0"/>
+              </a:spcBef>
+              <a:spcAft>
+                <a:spcPts val="0"/>
+              </a:spcAft>
+              <a:buClr>
+                <a:schemeClr val="dk1"/>
+              </a:buClr>
+              <a:buSzPts val="1200"/>
+              <a:buFont typeface="Roboto"/>
+              <a:buChar char="○"/>
+            </a:pPr>
+            <a:r>
+              <a:rPr lang="en" sz="1200">
+                <a:solidFill>
+                  <a:schemeClr val="dk1"/>
+                </a:solidFill>
+                <a:latin typeface="Roboto"/>
+                <a:ea typeface="Roboto"/>
+                <a:cs typeface="Roboto"/>
+                <a:sym typeface="Roboto"/>
+              </a:rPr>
+              <a:t>Minimal latency for the game to feel responsive</a:t>
+            </a:r>
+            <a:endParaRPr sz="1200">
+              <a:solidFill>
+                <a:schemeClr val="dk1"/>
+              </a:solidFill>
+              <a:latin typeface="Roboto"/>
+              <a:ea typeface="Roboto"/>
+              <a:cs typeface="Roboto"/>
+              <a:sym typeface="Roboto"/>
+            </a:endParaRPr>
+          </a:p>
           <a:p>
             <a:pPr indent="0" lvl="0" marL="0" rtl="0" algn="l">
               <a:spcBef>
@@ -1424,7 +3020,7 @@
   <p:cSld>
     <p:spTree>
       <p:nvGrpSpPr>
-        <p:cNvPr id="188" name="Shape 188"/>
+        <p:cNvPr id="192" name="Shape 192"/>
         <p:cNvGrpSpPr/>
         <p:nvPr/>
       </p:nvGrpSpPr>
@@ -1438,7 +3034,7 @@
       </p:grpSpPr>
       <p:sp>
         <p:nvSpPr>
-          <p:cNvPr id="189" name="Google Shape;189;g126e4413402_0_27:notes"/>
+          <p:cNvPr id="193" name="Google Shape;193;g1219c0acaa9_0_154:notes"/>
           <p:cNvSpPr/>
           <p:nvPr>
             <p:ph idx="2" type="sldImg"/>
@@ -1473,7 +3069,7 @@
       </p:sp>
       <p:sp>
         <p:nvSpPr>
-          <p:cNvPr id="190" name="Google Shape;190;g126e4413402_0_27:notes"/>
+          <p:cNvPr id="194" name="Google Shape;194;g1219c0acaa9_0_154:notes"/>
           <p:cNvSpPr txBox="1"/>
           <p:nvPr>
             <p:ph idx="1" type="body"/>
@@ -1494,17 +3090,154 @@
           </a:bodyPr>
           <a:lstStyle/>
           <a:p>
-            <a:pPr indent="0" lvl="0" marL="0" rtl="0" algn="l">
-              <a:spcBef>
-                <a:spcPts val="0"/>
-              </a:spcBef>
-              <a:spcAft>
-                <a:spcPts val="0"/>
-              </a:spcAft>
-              <a:buNone/>
-            </a:pPr>
-            <a:r>
-              <a:t/>
+            <a:pPr indent="-304800" lvl="0" marL="457200" rtl="0" algn="l">
+              <a:lnSpc>
+                <a:spcPct val="115000"/>
+              </a:lnSpc>
+              <a:spcBef>
+                <a:spcPts val="0"/>
+              </a:spcBef>
+              <a:spcAft>
+                <a:spcPts val="0"/>
+              </a:spcAft>
+              <a:buClr>
+                <a:schemeClr val="dk1"/>
+              </a:buClr>
+              <a:buSzPts val="1200"/>
+              <a:buFont typeface="Roboto"/>
+              <a:buChar char="●"/>
+            </a:pPr>
+            <a:r>
+              <a:rPr lang="en" sz="1200">
+                <a:solidFill>
+                  <a:schemeClr val="dk1"/>
+                </a:solidFill>
+                <a:latin typeface="Roboto"/>
+                <a:ea typeface="Roboto"/>
+                <a:cs typeface="Roboto"/>
+                <a:sym typeface="Roboto"/>
+              </a:rPr>
+              <a:t>ML requires a lot of data</a:t>
+            </a:r>
+            <a:endParaRPr sz="1200">
+              <a:solidFill>
+                <a:schemeClr val="dk1"/>
+              </a:solidFill>
+              <a:latin typeface="Roboto"/>
+              <a:ea typeface="Roboto"/>
+              <a:cs typeface="Roboto"/>
+              <a:sym typeface="Roboto"/>
+            </a:endParaRPr>
+          </a:p>
+          <a:p>
+            <a:pPr indent="-304800" lvl="0" marL="457200" rtl="0" algn="l">
+              <a:lnSpc>
+                <a:spcPct val="115000"/>
+              </a:lnSpc>
+              <a:spcBef>
+                <a:spcPts val="2500"/>
+              </a:spcBef>
+              <a:spcAft>
+                <a:spcPts val="0"/>
+              </a:spcAft>
+              <a:buClr>
+                <a:schemeClr val="dk1"/>
+              </a:buClr>
+              <a:buSzPts val="1200"/>
+              <a:buFont typeface="Roboto"/>
+              <a:buChar char="●"/>
+            </a:pPr>
+            <a:r>
+              <a:rPr lang="en" sz="1200">
+                <a:solidFill>
+                  <a:schemeClr val="dk1"/>
+                </a:solidFill>
+                <a:latin typeface="Roboto"/>
+                <a:ea typeface="Roboto"/>
+                <a:cs typeface="Roboto"/>
+                <a:sym typeface="Roboto"/>
+              </a:rPr>
+              <a:t>EEG signals are noisy</a:t>
+            </a:r>
+            <a:endParaRPr sz="1200">
+              <a:solidFill>
+                <a:schemeClr val="dk1"/>
+              </a:solidFill>
+              <a:latin typeface="Roboto"/>
+              <a:ea typeface="Roboto"/>
+              <a:cs typeface="Roboto"/>
+              <a:sym typeface="Roboto"/>
+            </a:endParaRPr>
+          </a:p>
+          <a:p>
+            <a:pPr indent="-304800" lvl="0" marL="457200" rtl="0" algn="l">
+              <a:lnSpc>
+                <a:spcPct val="115000"/>
+              </a:lnSpc>
+              <a:spcBef>
+                <a:spcPts val="2500"/>
+              </a:spcBef>
+              <a:spcAft>
+                <a:spcPts val="0"/>
+              </a:spcAft>
+              <a:buClr>
+                <a:schemeClr val="dk1"/>
+              </a:buClr>
+              <a:buSzPts val="1200"/>
+              <a:buFont typeface="Roboto"/>
+              <a:buChar char="●"/>
+            </a:pPr>
+            <a:r>
+              <a:rPr lang="en" sz="1200">
+                <a:solidFill>
+                  <a:schemeClr val="dk1"/>
+                </a:solidFill>
+                <a:latin typeface="Roboto"/>
+                <a:ea typeface="Roboto"/>
+                <a:cs typeface="Roboto"/>
+                <a:sym typeface="Roboto"/>
+              </a:rPr>
+              <a:t>EEG hardware limitations</a:t>
+            </a:r>
+            <a:endParaRPr sz="1200">
+              <a:solidFill>
+                <a:schemeClr val="dk1"/>
+              </a:solidFill>
+              <a:latin typeface="Roboto"/>
+              <a:ea typeface="Roboto"/>
+              <a:cs typeface="Roboto"/>
+              <a:sym typeface="Roboto"/>
+            </a:endParaRPr>
+          </a:p>
+          <a:p>
+            <a:pPr indent="-304800" lvl="0" marL="457200" rtl="0" algn="l">
+              <a:lnSpc>
+                <a:spcPct val="115000"/>
+              </a:lnSpc>
+              <a:spcBef>
+                <a:spcPts val="2500"/>
+              </a:spcBef>
+              <a:spcAft>
+                <a:spcPts val="2500"/>
+              </a:spcAft>
+              <a:buClr>
+                <a:schemeClr val="dk1"/>
+              </a:buClr>
+              <a:buSzPts val="1200"/>
+              <a:buFont typeface="Roboto"/>
+              <a:buChar char="●"/>
+            </a:pPr>
+            <a:r>
+              <a:rPr lang="en" sz="1200">
+                <a:solidFill>
+                  <a:schemeClr val="dk1"/>
+                </a:solidFill>
+                <a:latin typeface="Roboto"/>
+                <a:ea typeface="Roboto"/>
+                <a:cs typeface="Roboto"/>
+                <a:sym typeface="Roboto"/>
+              </a:rPr>
+              <a:t>Powerful computer needed for real-time signal processing</a:t>
             </a:r>
             <a:endParaRPr/>
           </a:p>
@@ -1523,7 +3256,7 @@
   <p:cSld>
     <p:spTree>
       <p:nvGrpSpPr>
-        <p:cNvPr id="197" name="Shape 197"/>
+        <p:cNvPr id="199" name="Shape 199"/>
         <p:cNvGrpSpPr/>
         <p:nvPr/>
       </p:nvGrpSpPr>
@@ -1537,7 +3270,7 @@
       </p:grpSpPr>
       <p:sp>
         <p:nvSpPr>
-          <p:cNvPr id="198" name="Google Shape;198;g126e4413402_0_33:notes"/>
+          <p:cNvPr id="200" name="Google Shape;200;g1231fd745f2_0_8:notes"/>
           <p:cNvSpPr/>
           <p:nvPr>
             <p:ph idx="2" type="sldImg"/>
@@ -1572,205 +3305,7 @@
       </p:sp>
       <p:sp>
         <p:nvSpPr>
-          <p:cNvPr id="199" name="Google Shape;199;g126e4413402_0_33:notes"/>
-          <p:cNvSpPr txBox="1"/>
-          <p:nvPr>
-            <p:ph idx="1" type="body"/>
-          </p:nvPr>
-        </p:nvSpPr>
-        <p:spPr>
-          <a:xfrm>
-            <a:off x="685800" y="4343400"/>
-            <a:ext cx="5486400" cy="4114800"/>
-          </a:xfrm>
-          <a:prstGeom prst="rect">
-            <a:avLst/>
-          </a:prstGeom>
-        </p:spPr>
-        <p:txBody>
-          <a:bodyPr anchorCtr="0" anchor="t" bIns="91425" lIns="91425" spcFirstLastPara="1" rIns="91425" wrap="square" tIns="91425">
-            <a:noAutofit/>
-          </a:bodyPr>
-          <a:lstStyle/>
-          <a:p>
-            <a:pPr indent="0" lvl="0" marL="0" rtl="0" algn="l">
-              <a:spcBef>
-                <a:spcPts val="0"/>
-              </a:spcBef>
-              <a:spcAft>
-                <a:spcPts val="0"/>
-              </a:spcAft>
-              <a:buNone/>
-            </a:pPr>
-            <a:r>
-              <a:t/>
-            </a:r>
-            <a:endParaRPr/>
-          </a:p>
-        </p:txBody>
-      </p:sp>
-    </p:spTree>
-  </p:cSld>
-  <p:clrMapOvr>
-    <a:masterClrMapping/>
-  </p:clrMapOvr>
-</p:notes>
-</file>
-
-<file path=ppt/notesSlides/notesSlide18.xml><?xml version="1.0" encoding="utf-8"?>
-<p:notes xmlns:a="http://schemas.openxmlformats.org/drawingml/2006/main" xmlns:r="http://schemas.openxmlformats.org/officeDocument/2006/relationships" xmlns:mc="http://schemas.openxmlformats.org/markup-compatibility/2006" xmlns:mv="urn:schemas-microsoft-com:mac:vml" xmlns:p="http://schemas.openxmlformats.org/presentationml/2006/main" xmlns:c="http://schemas.openxmlformats.org/drawingml/2006/chart" xmlns:dgm="http://schemas.openxmlformats.org/drawingml/2006/diagram" xmlns:o="urn:schemas-microsoft-com:office:office" xmlns:v="urn:schemas-microsoft-com:vml" xmlns:pvml="urn:schemas-microsoft-com:office:powerpoint" xmlns:com="http://schemas.openxmlformats.org/drawingml/2006/compatibility" xmlns:p14="http://schemas.microsoft.com/office/powerpoint/2010/main" xmlns:p15="http://schemas.microsoft.com/office/powerpoint/2012/main" xmlns:ahyp="http://schemas.microsoft.com/office/drawing/2018/hyperlinkcolor" showMasterPhAnim="0" showMasterSp="0">
-  <p:cSld>
-    <p:spTree>
-      <p:nvGrpSpPr>
-        <p:cNvPr id="204" name="Shape 204"/>
-        <p:cNvGrpSpPr/>
-        <p:nvPr/>
-      </p:nvGrpSpPr>
-      <p:grpSpPr>
-        <a:xfrm>
-          <a:off x="0" y="0"/>
-          <a:ext cx="0" cy="0"/>
-          <a:chOff x="0" y="0"/>
-          <a:chExt cx="0" cy="0"/>
-        </a:xfrm>
-      </p:grpSpPr>
-      <p:sp>
-        <p:nvSpPr>
-          <p:cNvPr id="205" name="Google Shape;205;g1219c0acaa9_0_131:notes"/>
-          <p:cNvSpPr/>
-          <p:nvPr>
-            <p:ph idx="2" type="sldImg"/>
-          </p:nvPr>
-        </p:nvSpPr>
-        <p:spPr>
-          <a:xfrm>
-            <a:off x="381300" y="685800"/>
-            <a:ext cx="6096000" cy="3429000"/>
-          </a:xfrm>
-          <a:custGeom>
-            <a:rect b="b" l="l" r="r" t="t"/>
-            <a:pathLst>
-              <a:path extrusionOk="0" h="120000" w="120000">
-                <a:moveTo>
-                  <a:pt x="0" y="0"/>
-                </a:moveTo>
-                <a:lnTo>
-                  <a:pt x="120000" y="0"/>
-                </a:lnTo>
-                <a:lnTo>
-                  <a:pt x="120000" y="120000"/>
-                </a:lnTo>
-                <a:lnTo>
-                  <a:pt x="0" y="120000"/>
-                </a:lnTo>
-                <a:close/>
-              </a:path>
-            </a:pathLst>
-          </a:custGeom>
-        </p:spPr>
-      </p:sp>
-      <p:sp>
-        <p:nvSpPr>
-          <p:cNvPr id="206" name="Google Shape;206;g1219c0acaa9_0_131:notes"/>
-          <p:cNvSpPr txBox="1"/>
-          <p:nvPr>
-            <p:ph idx="1" type="body"/>
-          </p:nvPr>
-        </p:nvSpPr>
-        <p:spPr>
-          <a:xfrm>
-            <a:off x="685800" y="4343400"/>
-            <a:ext cx="5486400" cy="4114800"/>
-          </a:xfrm>
-          <a:prstGeom prst="rect">
-            <a:avLst/>
-          </a:prstGeom>
-        </p:spPr>
-        <p:txBody>
-          <a:bodyPr anchorCtr="0" anchor="t" bIns="91425" lIns="91425" spcFirstLastPara="1" rIns="91425" wrap="square" tIns="91425">
-            <a:noAutofit/>
-          </a:bodyPr>
-          <a:lstStyle/>
-          <a:p>
-            <a:pPr indent="0" lvl="0" marL="0" rtl="0" algn="l">
-              <a:spcBef>
-                <a:spcPts val="0"/>
-              </a:spcBef>
-              <a:spcAft>
-                <a:spcPts val="0"/>
-              </a:spcAft>
-              <a:buNone/>
-            </a:pPr>
-            <a:r>
-              <a:t/>
-            </a:r>
-            <a:endParaRPr/>
-          </a:p>
-        </p:txBody>
-      </p:sp>
-    </p:spTree>
-  </p:cSld>
-  <p:clrMapOvr>
-    <a:masterClrMapping/>
-  </p:clrMapOvr>
-</p:notes>
-</file>
-
-<file path=ppt/notesSlides/notesSlide19.xml><?xml version="1.0" encoding="utf-8"?>
-<p:notes xmlns:a="http://schemas.openxmlformats.org/drawingml/2006/main" xmlns:r="http://schemas.openxmlformats.org/officeDocument/2006/relationships" xmlns:mc="http://schemas.openxmlformats.org/markup-compatibility/2006" xmlns:mv="urn:schemas-microsoft-com:mac:vml" xmlns:p="http://schemas.openxmlformats.org/presentationml/2006/main" xmlns:c="http://schemas.openxmlformats.org/drawingml/2006/chart" xmlns:dgm="http://schemas.openxmlformats.org/drawingml/2006/diagram" xmlns:o="urn:schemas-microsoft-com:office:office" xmlns:v="urn:schemas-microsoft-com:vml" xmlns:pvml="urn:schemas-microsoft-com:office:powerpoint" xmlns:com="http://schemas.openxmlformats.org/drawingml/2006/compatibility" xmlns:p14="http://schemas.microsoft.com/office/powerpoint/2010/main" xmlns:p15="http://schemas.microsoft.com/office/powerpoint/2012/main" xmlns:ahyp="http://schemas.microsoft.com/office/drawing/2018/hyperlinkcolor" showMasterPhAnim="0" showMasterSp="0">
-  <p:cSld>
-    <p:spTree>
-      <p:nvGrpSpPr>
-        <p:cNvPr id="211" name="Shape 211"/>
-        <p:cNvGrpSpPr/>
-        <p:nvPr/>
-      </p:nvGrpSpPr>
-      <p:grpSpPr>
-        <a:xfrm>
-          <a:off x="0" y="0"/>
-          <a:ext cx="0" cy="0"/>
-          <a:chOff x="0" y="0"/>
-          <a:chExt cx="0" cy="0"/>
-        </a:xfrm>
-      </p:grpSpPr>
-      <p:sp>
-        <p:nvSpPr>
-          <p:cNvPr id="212" name="Google Shape;212;g1219c0acaa9_0_148:notes"/>
-          <p:cNvSpPr/>
-          <p:nvPr>
-            <p:ph idx="2" type="sldImg"/>
-          </p:nvPr>
-        </p:nvSpPr>
-        <p:spPr>
-          <a:xfrm>
-            <a:off x="381300" y="685800"/>
-            <a:ext cx="6096000" cy="3429000"/>
-          </a:xfrm>
-          <a:custGeom>
-            <a:rect b="b" l="l" r="r" t="t"/>
-            <a:pathLst>
-              <a:path extrusionOk="0" h="120000" w="120000">
-                <a:moveTo>
-                  <a:pt x="0" y="0"/>
-                </a:moveTo>
-                <a:lnTo>
-                  <a:pt x="120000" y="0"/>
-                </a:lnTo>
-                <a:lnTo>
-                  <a:pt x="120000" y="120000"/>
-                </a:lnTo>
-                <a:lnTo>
-                  <a:pt x="0" y="120000"/>
-                </a:lnTo>
-                <a:close/>
-              </a:path>
-            </a:pathLst>
-          </a:custGeom>
-        </p:spPr>
-      </p:sp>
-      <p:sp>
-        <p:nvSpPr>
-          <p:cNvPr id="213" name="Google Shape;213;g1219c0acaa9_0_148:notes"/>
+          <p:cNvPr id="201" name="Google Shape;201;g1231fd745f2_0_8:notes"/>
           <p:cNvSpPr txBox="1"/>
           <p:nvPr>
             <p:ph idx="1" type="body"/>
@@ -1914,303 +3449,6 @@
 </p:notes>
 </file>
 
-<file path=ppt/notesSlides/notesSlide20.xml><?xml version="1.0" encoding="utf-8"?>
-<p:notes xmlns:a="http://schemas.openxmlformats.org/drawingml/2006/main" xmlns:r="http://schemas.openxmlformats.org/officeDocument/2006/relationships" xmlns:mc="http://schemas.openxmlformats.org/markup-compatibility/2006" xmlns:mv="urn:schemas-microsoft-com:mac:vml" xmlns:p="http://schemas.openxmlformats.org/presentationml/2006/main" xmlns:c="http://schemas.openxmlformats.org/drawingml/2006/chart" xmlns:dgm="http://schemas.openxmlformats.org/drawingml/2006/diagram" xmlns:o="urn:schemas-microsoft-com:office:office" xmlns:v="urn:schemas-microsoft-com:vml" xmlns:pvml="urn:schemas-microsoft-com:office:powerpoint" xmlns:com="http://schemas.openxmlformats.org/drawingml/2006/compatibility" xmlns:p14="http://schemas.microsoft.com/office/powerpoint/2010/main" xmlns:p15="http://schemas.microsoft.com/office/powerpoint/2012/main" xmlns:ahyp="http://schemas.microsoft.com/office/drawing/2018/hyperlinkcolor" showMasterPhAnim="0" showMasterSp="0">
-  <p:cSld>
-    <p:spTree>
-      <p:nvGrpSpPr>
-        <p:cNvPr id="218" name="Shape 218"/>
-        <p:cNvGrpSpPr/>
-        <p:nvPr/>
-      </p:nvGrpSpPr>
-      <p:grpSpPr>
-        <a:xfrm>
-          <a:off x="0" y="0"/>
-          <a:ext cx="0" cy="0"/>
-          <a:chOff x="0" y="0"/>
-          <a:chExt cx="0" cy="0"/>
-        </a:xfrm>
-      </p:grpSpPr>
-      <p:sp>
-        <p:nvSpPr>
-          <p:cNvPr id="219" name="Google Shape;219;g126e4413402_0_39:notes"/>
-          <p:cNvSpPr/>
-          <p:nvPr>
-            <p:ph idx="2" type="sldImg"/>
-          </p:nvPr>
-        </p:nvSpPr>
-        <p:spPr>
-          <a:xfrm>
-            <a:off x="381300" y="685800"/>
-            <a:ext cx="6096000" cy="3429000"/>
-          </a:xfrm>
-          <a:custGeom>
-            <a:rect b="b" l="l" r="r" t="t"/>
-            <a:pathLst>
-              <a:path extrusionOk="0" h="120000" w="120000">
-                <a:moveTo>
-                  <a:pt x="0" y="0"/>
-                </a:moveTo>
-                <a:lnTo>
-                  <a:pt x="120000" y="0"/>
-                </a:lnTo>
-                <a:lnTo>
-                  <a:pt x="120000" y="120000"/>
-                </a:lnTo>
-                <a:lnTo>
-                  <a:pt x="0" y="120000"/>
-                </a:lnTo>
-                <a:close/>
-              </a:path>
-            </a:pathLst>
-          </a:custGeom>
-        </p:spPr>
-      </p:sp>
-      <p:sp>
-        <p:nvSpPr>
-          <p:cNvPr id="220" name="Google Shape;220;g126e4413402_0_39:notes"/>
-          <p:cNvSpPr txBox="1"/>
-          <p:nvPr>
-            <p:ph idx="1" type="body"/>
-          </p:nvPr>
-        </p:nvSpPr>
-        <p:spPr>
-          <a:xfrm>
-            <a:off x="685800" y="4343400"/>
-            <a:ext cx="5486400" cy="4114800"/>
-          </a:xfrm>
-          <a:prstGeom prst="rect">
-            <a:avLst/>
-          </a:prstGeom>
-        </p:spPr>
-        <p:txBody>
-          <a:bodyPr anchorCtr="0" anchor="t" bIns="91425" lIns="91425" spcFirstLastPara="1" rIns="91425" wrap="square" tIns="91425">
-            <a:noAutofit/>
-          </a:bodyPr>
-          <a:lstStyle/>
-          <a:p>
-            <a:pPr indent="0" lvl="0" marL="0" rtl="0" algn="l">
-              <a:spcBef>
-                <a:spcPts val="0"/>
-              </a:spcBef>
-              <a:spcAft>
-                <a:spcPts val="0"/>
-              </a:spcAft>
-              <a:buNone/>
-            </a:pPr>
-            <a:r>
-              <a:t/>
-            </a:r>
-            <a:endParaRPr/>
-          </a:p>
-        </p:txBody>
-      </p:sp>
-    </p:spTree>
-  </p:cSld>
-  <p:clrMapOvr>
-    <a:masterClrMapping/>
-  </p:clrMapOvr>
-</p:notes>
-</file>
-
-<file path=ppt/notesSlides/notesSlide21.xml><?xml version="1.0" encoding="utf-8"?>
-<p:notes xmlns:a="http://schemas.openxmlformats.org/drawingml/2006/main" xmlns:r="http://schemas.openxmlformats.org/officeDocument/2006/relationships" xmlns:mc="http://schemas.openxmlformats.org/markup-compatibility/2006" xmlns:mv="urn:schemas-microsoft-com:mac:vml" xmlns:p="http://schemas.openxmlformats.org/presentationml/2006/main" xmlns:c="http://schemas.openxmlformats.org/drawingml/2006/chart" xmlns:dgm="http://schemas.openxmlformats.org/drawingml/2006/diagram" xmlns:o="urn:schemas-microsoft-com:office:office" xmlns:v="urn:schemas-microsoft-com:vml" xmlns:pvml="urn:schemas-microsoft-com:office:powerpoint" xmlns:com="http://schemas.openxmlformats.org/drawingml/2006/compatibility" xmlns:p14="http://schemas.microsoft.com/office/powerpoint/2010/main" xmlns:p15="http://schemas.microsoft.com/office/powerpoint/2012/main" xmlns:ahyp="http://schemas.microsoft.com/office/drawing/2018/hyperlinkcolor" showMasterPhAnim="0" showMasterSp="0">
-  <p:cSld>
-    <p:spTree>
-      <p:nvGrpSpPr>
-        <p:cNvPr id="225" name="Shape 225"/>
-        <p:cNvGrpSpPr/>
-        <p:nvPr/>
-      </p:nvGrpSpPr>
-      <p:grpSpPr>
-        <a:xfrm>
-          <a:off x="0" y="0"/>
-          <a:ext cx="0" cy="0"/>
-          <a:chOff x="0" y="0"/>
-          <a:chExt cx="0" cy="0"/>
-        </a:xfrm>
-      </p:grpSpPr>
-      <p:sp>
-        <p:nvSpPr>
-          <p:cNvPr id="226" name="Google Shape;226;g1219c0acaa9_0_154:notes"/>
-          <p:cNvSpPr/>
-          <p:nvPr>
-            <p:ph idx="2" type="sldImg"/>
-          </p:nvPr>
-        </p:nvSpPr>
-        <p:spPr>
-          <a:xfrm>
-            <a:off x="381300" y="685800"/>
-            <a:ext cx="6096000" cy="3429000"/>
-          </a:xfrm>
-          <a:custGeom>
-            <a:rect b="b" l="l" r="r" t="t"/>
-            <a:pathLst>
-              <a:path extrusionOk="0" h="120000" w="120000">
-                <a:moveTo>
-                  <a:pt x="0" y="0"/>
-                </a:moveTo>
-                <a:lnTo>
-                  <a:pt x="120000" y="0"/>
-                </a:lnTo>
-                <a:lnTo>
-                  <a:pt x="120000" y="120000"/>
-                </a:lnTo>
-                <a:lnTo>
-                  <a:pt x="0" y="120000"/>
-                </a:lnTo>
-                <a:close/>
-              </a:path>
-            </a:pathLst>
-          </a:custGeom>
-        </p:spPr>
-      </p:sp>
-      <p:sp>
-        <p:nvSpPr>
-          <p:cNvPr id="227" name="Google Shape;227;g1219c0acaa9_0_154:notes"/>
-          <p:cNvSpPr txBox="1"/>
-          <p:nvPr>
-            <p:ph idx="1" type="body"/>
-          </p:nvPr>
-        </p:nvSpPr>
-        <p:spPr>
-          <a:xfrm>
-            <a:off x="685800" y="4343400"/>
-            <a:ext cx="5486400" cy="4114800"/>
-          </a:xfrm>
-          <a:prstGeom prst="rect">
-            <a:avLst/>
-          </a:prstGeom>
-        </p:spPr>
-        <p:txBody>
-          <a:bodyPr anchorCtr="0" anchor="t" bIns="91425" lIns="91425" spcFirstLastPara="1" rIns="91425" wrap="square" tIns="91425">
-            <a:noAutofit/>
-          </a:bodyPr>
-          <a:lstStyle/>
-          <a:p>
-            <a:pPr indent="0" lvl="0" marL="0" rtl="0" algn="l">
-              <a:spcBef>
-                <a:spcPts val="0"/>
-              </a:spcBef>
-              <a:spcAft>
-                <a:spcPts val="0"/>
-              </a:spcAft>
-              <a:buNone/>
-            </a:pPr>
-            <a:r>
-              <a:t/>
-            </a:r>
-            <a:endParaRPr/>
-          </a:p>
-        </p:txBody>
-      </p:sp>
-    </p:spTree>
-  </p:cSld>
-  <p:clrMapOvr>
-    <a:masterClrMapping/>
-  </p:clrMapOvr>
-</p:notes>
-</file>
-
-<file path=ppt/notesSlides/notesSlide22.xml><?xml version="1.0" encoding="utf-8"?>
-<p:notes xmlns:a="http://schemas.openxmlformats.org/drawingml/2006/main" xmlns:r="http://schemas.openxmlformats.org/officeDocument/2006/relationships" xmlns:mc="http://schemas.openxmlformats.org/markup-compatibility/2006" xmlns:mv="urn:schemas-microsoft-com:mac:vml" xmlns:p="http://schemas.openxmlformats.org/presentationml/2006/main" xmlns:c="http://schemas.openxmlformats.org/drawingml/2006/chart" xmlns:dgm="http://schemas.openxmlformats.org/drawingml/2006/diagram" xmlns:o="urn:schemas-microsoft-com:office:office" xmlns:v="urn:schemas-microsoft-com:vml" xmlns:pvml="urn:schemas-microsoft-com:office:powerpoint" xmlns:com="http://schemas.openxmlformats.org/drawingml/2006/compatibility" xmlns:p14="http://schemas.microsoft.com/office/powerpoint/2010/main" xmlns:p15="http://schemas.microsoft.com/office/powerpoint/2012/main" xmlns:ahyp="http://schemas.microsoft.com/office/drawing/2018/hyperlinkcolor" showMasterPhAnim="0" showMasterSp="0">
-  <p:cSld>
-    <p:spTree>
-      <p:nvGrpSpPr>
-        <p:cNvPr id="232" name="Shape 232"/>
-        <p:cNvGrpSpPr/>
-        <p:nvPr/>
-      </p:nvGrpSpPr>
-      <p:grpSpPr>
-        <a:xfrm>
-          <a:off x="0" y="0"/>
-          <a:ext cx="0" cy="0"/>
-          <a:chOff x="0" y="0"/>
-          <a:chExt cx="0" cy="0"/>
-        </a:xfrm>
-      </p:grpSpPr>
-      <p:sp>
-        <p:nvSpPr>
-          <p:cNvPr id="233" name="Google Shape;233;g1231fd745f2_0_8:notes"/>
-          <p:cNvSpPr/>
-          <p:nvPr>
-            <p:ph idx="2" type="sldImg"/>
-          </p:nvPr>
-        </p:nvSpPr>
-        <p:spPr>
-          <a:xfrm>
-            <a:off x="381300" y="685800"/>
-            <a:ext cx="6096000" cy="3429000"/>
-          </a:xfrm>
-          <a:custGeom>
-            <a:rect b="b" l="l" r="r" t="t"/>
-            <a:pathLst>
-              <a:path extrusionOk="0" h="120000" w="120000">
-                <a:moveTo>
-                  <a:pt x="0" y="0"/>
-                </a:moveTo>
-                <a:lnTo>
-                  <a:pt x="120000" y="0"/>
-                </a:lnTo>
-                <a:lnTo>
-                  <a:pt x="120000" y="120000"/>
-                </a:lnTo>
-                <a:lnTo>
-                  <a:pt x="0" y="120000"/>
-                </a:lnTo>
-                <a:close/>
-              </a:path>
-            </a:pathLst>
-          </a:custGeom>
-        </p:spPr>
-      </p:sp>
-      <p:sp>
-        <p:nvSpPr>
-          <p:cNvPr id="234" name="Google Shape;234;g1231fd745f2_0_8:notes"/>
-          <p:cNvSpPr txBox="1"/>
-          <p:nvPr>
-            <p:ph idx="1" type="body"/>
-          </p:nvPr>
-        </p:nvSpPr>
-        <p:spPr>
-          <a:xfrm>
-            <a:off x="685800" y="4343400"/>
-            <a:ext cx="5486400" cy="4114800"/>
-          </a:xfrm>
-          <a:prstGeom prst="rect">
-            <a:avLst/>
-          </a:prstGeom>
-        </p:spPr>
-        <p:txBody>
-          <a:bodyPr anchorCtr="0" anchor="t" bIns="91425" lIns="91425" spcFirstLastPara="1" rIns="91425" wrap="square" tIns="91425">
-            <a:noAutofit/>
-          </a:bodyPr>
-          <a:lstStyle/>
-          <a:p>
-            <a:pPr indent="0" lvl="0" marL="0" rtl="0" algn="l">
-              <a:spcBef>
-                <a:spcPts val="0"/>
-              </a:spcBef>
-              <a:spcAft>
-                <a:spcPts val="0"/>
-              </a:spcAft>
-              <a:buNone/>
-            </a:pPr>
-            <a:r>
-              <a:t/>
-            </a:r>
-            <a:endParaRPr/>
-          </a:p>
-        </p:txBody>
-      </p:sp>
-    </p:spTree>
-  </p:cSld>
-  <p:clrMapOvr>
-    <a:masterClrMapping/>
-  </p:clrMapOvr>
-</p:notes>
-</file>
-
 <file path=ppt/notesSlides/notesSlide3.xml><?xml version="1.0" encoding="utf-8"?>
 <p:notes xmlns:a="http://schemas.openxmlformats.org/drawingml/2006/main" xmlns:r="http://schemas.openxmlformats.org/officeDocument/2006/relationships" xmlns:mc="http://schemas.openxmlformats.org/markup-compatibility/2006" xmlns:mv="urn:schemas-microsoft-com:mac:vml" xmlns:p="http://schemas.openxmlformats.org/presentationml/2006/main" xmlns:c="http://schemas.openxmlformats.org/drawingml/2006/chart" xmlns:dgm="http://schemas.openxmlformats.org/drawingml/2006/diagram" xmlns:o="urn:schemas-microsoft-com:office:office" xmlns:v="urn:schemas-microsoft-com:vml" xmlns:pvml="urn:schemas-microsoft-com:office:powerpoint" xmlns:com="http://schemas.openxmlformats.org/drawingml/2006/compatibility" xmlns:p14="http://schemas.microsoft.com/office/powerpoint/2010/main" xmlns:p15="http://schemas.microsoft.com/office/powerpoint/2012/main" xmlns:ahyp="http://schemas.microsoft.com/office/drawing/2018/hyperlinkcolor" showMasterPhAnim="0" showMasterSp="0">
   <p:cSld>
@@ -2516,7 +3754,7 @@
   <p:cSld>
     <p:spTree>
       <p:nvGrpSpPr>
-        <p:cNvPr id="96" name="Shape 96"/>
+        <p:cNvPr id="100" name="Shape 100"/>
         <p:cNvGrpSpPr/>
         <p:nvPr/>
       </p:nvGrpSpPr>
@@ -2530,7 +3768,7 @@
       </p:grpSpPr>
       <p:sp>
         <p:nvSpPr>
-          <p:cNvPr id="97" name="Google Shape;97;g12143f04ae5_0_47:notes"/>
+          <p:cNvPr id="101" name="Google Shape;101;g12143f04ae5_0_47:notes"/>
           <p:cNvSpPr/>
           <p:nvPr>
             <p:ph idx="2" type="sldImg"/>
@@ -2565,7 +3803,7 @@
       </p:sp>
       <p:sp>
         <p:nvSpPr>
-          <p:cNvPr id="98" name="Google Shape;98;g12143f04ae5_0_47:notes"/>
+          <p:cNvPr id="102" name="Google Shape;102;g12143f04ae5_0_47:notes"/>
           <p:cNvSpPr txBox="1"/>
           <p:nvPr>
             <p:ph idx="1" type="body"/>
@@ -2615,7 +3853,7 @@
   <p:cSld>
     <p:spTree>
       <p:nvGrpSpPr>
-        <p:cNvPr id="107" name="Shape 107"/>
+        <p:cNvPr id="111" name="Shape 111"/>
         <p:cNvGrpSpPr/>
         <p:nvPr/>
       </p:nvGrpSpPr>
@@ -2629,7 +3867,7 @@
       </p:grpSpPr>
       <p:sp>
         <p:nvSpPr>
-          <p:cNvPr id="108" name="Google Shape;108;g1219c0acaa9_0_44:notes"/>
+          <p:cNvPr id="112" name="Google Shape;112;g1219c0acaa9_0_44:notes"/>
           <p:cNvSpPr/>
           <p:nvPr>
             <p:ph idx="2" type="sldImg"/>
@@ -2664,7 +3902,7 @@
       </p:sp>
       <p:sp>
         <p:nvSpPr>
-          <p:cNvPr id="109" name="Google Shape;109;g1219c0acaa9_0_44:notes"/>
+          <p:cNvPr id="113" name="Google Shape;113;g1219c0acaa9_0_44:notes"/>
           <p:cNvSpPr txBox="1"/>
           <p:nvPr>
             <p:ph idx="1" type="body"/>
@@ -2714,7 +3952,7 @@
   <p:cSld>
     <p:spTree>
       <p:nvGrpSpPr>
-        <p:cNvPr id="116" name="Shape 116"/>
+        <p:cNvPr id="120" name="Shape 120"/>
         <p:cNvGrpSpPr/>
         <p:nvPr/>
       </p:nvGrpSpPr>
@@ -2728,7 +3966,7 @@
       </p:grpSpPr>
       <p:sp>
         <p:nvSpPr>
-          <p:cNvPr id="117" name="Google Shape;117;g1219c0acaa9_0_52:notes"/>
+          <p:cNvPr id="121" name="Google Shape;121;g1219c0acaa9_0_52:notes"/>
           <p:cNvSpPr/>
           <p:nvPr>
             <p:ph idx="2" type="sldImg"/>
@@ -2763,7 +4001,7 @@
       </p:sp>
       <p:sp>
         <p:nvSpPr>
-          <p:cNvPr id="118" name="Google Shape;118;g1219c0acaa9_0_52:notes"/>
+          <p:cNvPr id="122" name="Google Shape;122;g1219c0acaa9_0_52:notes"/>
           <p:cNvSpPr txBox="1"/>
           <p:nvPr>
             <p:ph idx="1" type="body"/>
@@ -2813,7 +4051,7 @@
   <p:cSld>
     <p:spTree>
       <p:nvGrpSpPr>
-        <p:cNvPr id="125" name="Shape 125"/>
+        <p:cNvPr id="129" name="Shape 129"/>
         <p:cNvGrpSpPr/>
         <p:nvPr/>
       </p:nvGrpSpPr>
@@ -2827,7 +4065,7 @@
       </p:grpSpPr>
       <p:sp>
         <p:nvSpPr>
-          <p:cNvPr id="126" name="Google Shape;126;g1219c0acaa9_0_68:notes"/>
+          <p:cNvPr id="130" name="Google Shape;130;g1219c0acaa9_0_68:notes"/>
           <p:cNvSpPr/>
           <p:nvPr>
             <p:ph idx="2" type="sldImg"/>
@@ -2862,7 +4100,7 @@
       </p:sp>
       <p:sp>
         <p:nvSpPr>
-          <p:cNvPr id="127" name="Google Shape;127;g1219c0acaa9_0_68:notes"/>
+          <p:cNvPr id="131" name="Google Shape;131;g1219c0acaa9_0_68:notes"/>
           <p:cNvSpPr txBox="1"/>
           <p:nvPr>
             <p:ph idx="1" type="body"/>
@@ -8380,7 +9618,7 @@
   <p:cSld>
     <p:spTree>
       <p:nvGrpSpPr>
-        <p:cNvPr id="136" name="Shape 136"/>
+        <p:cNvPr id="140" name="Shape 140"/>
         <p:cNvGrpSpPr/>
         <p:nvPr/>
       </p:nvGrpSpPr>
@@ -8394,7 +9632,7 @@
       </p:grpSpPr>
       <p:sp>
         <p:nvSpPr>
-          <p:cNvPr id="137" name="Google Shape;137;p22"/>
+          <p:cNvPr id="141" name="Google Shape;141;p22"/>
           <p:cNvSpPr txBox="1"/>
           <p:nvPr>
             <p:ph type="title"/>
@@ -8434,7 +9672,7 @@
       </p:sp>
       <p:sp>
         <p:nvSpPr>
-          <p:cNvPr id="138" name="Google Shape;138;p22"/>
+          <p:cNvPr id="142" name="Google Shape;142;p22"/>
           <p:cNvSpPr txBox="1"/>
           <p:nvPr>
             <p:ph idx="1" type="body"/>
@@ -8577,7 +9815,7 @@
       </p:sp>
       <p:sp>
         <p:nvSpPr>
-          <p:cNvPr id="139" name="Google Shape;139;p22"/>
+          <p:cNvPr id="143" name="Google Shape;143;p22"/>
           <p:cNvSpPr txBox="1"/>
           <p:nvPr>
             <p:ph idx="12" type="sldNum"/>
@@ -8617,7 +9855,7 @@
       </p:sp>
       <p:pic>
         <p:nvPicPr>
-          <p:cNvPr id="140" name="Google Shape;140;p22"/>
+          <p:cNvPr id="144" name="Google Shape;144;p22"/>
           <p:cNvPicPr preferRelativeResize="0"/>
           <p:nvPr/>
         </p:nvPicPr>
@@ -8644,7 +9882,7 @@
       </p:pic>
       <p:sp>
         <p:nvSpPr>
-          <p:cNvPr id="141" name="Google Shape;141;p22"/>
+          <p:cNvPr id="145" name="Google Shape;145;p22"/>
           <p:cNvSpPr txBox="1"/>
           <p:nvPr/>
         </p:nvSpPr>
@@ -8713,7 +9951,7 @@
   <p:cSld>
     <p:spTree>
       <p:nvGrpSpPr>
-        <p:cNvPr id="145" name="Shape 145"/>
+        <p:cNvPr id="149" name="Shape 149"/>
         <p:cNvGrpSpPr/>
         <p:nvPr/>
       </p:nvGrpSpPr>
@@ -8727,7 +9965,7 @@
       </p:grpSpPr>
       <p:sp>
         <p:nvSpPr>
-          <p:cNvPr id="146" name="Google Shape;146;p23"/>
+          <p:cNvPr id="150" name="Google Shape;150;p23"/>
           <p:cNvSpPr txBox="1"/>
           <p:nvPr>
             <p:ph type="title"/>
@@ -8767,7 +10005,7 @@
       </p:sp>
       <p:sp>
         <p:nvSpPr>
-          <p:cNvPr id="147" name="Google Shape;147;p23"/>
+          <p:cNvPr id="151" name="Google Shape;151;p23"/>
           <p:cNvSpPr txBox="1"/>
           <p:nvPr>
             <p:ph idx="12" type="sldNum"/>
@@ -8807,7 +10045,7 @@
       </p:sp>
       <p:pic>
         <p:nvPicPr>
-          <p:cNvPr id="148" name="Google Shape;148;p23"/>
+          <p:cNvPr id="152" name="Google Shape;152;p23"/>
           <p:cNvPicPr preferRelativeResize="0"/>
           <p:nvPr/>
         </p:nvPicPr>
@@ -8842,7 +10080,7 @@
       </p:pic>
       <p:sp>
         <p:nvSpPr>
-          <p:cNvPr id="149" name="Google Shape;149;p23"/>
+          <p:cNvPr id="153" name="Google Shape;153;p23"/>
           <p:cNvSpPr txBox="1"/>
           <p:nvPr/>
         </p:nvSpPr>
@@ -8900,7 +10138,7 @@
       </p:sp>
       <p:pic>
         <p:nvPicPr>
-          <p:cNvPr id="150" name="Google Shape;150;p23"/>
+          <p:cNvPr id="154" name="Google Shape;154;p23"/>
           <p:cNvPicPr preferRelativeResize="0"/>
           <p:nvPr/>
         </p:nvPicPr>
@@ -8928,7 +10166,7 @@
       </p:pic>
       <p:sp>
         <p:nvSpPr>
-          <p:cNvPr id="151" name="Google Shape;151;p23"/>
+          <p:cNvPr id="155" name="Google Shape;155;p23"/>
           <p:cNvSpPr txBox="1"/>
           <p:nvPr/>
         </p:nvSpPr>
@@ -8997,7 +10235,7 @@
   <p:cSld>
     <p:spTree>
       <p:nvGrpSpPr>
-        <p:cNvPr id="155" name="Shape 155"/>
+        <p:cNvPr id="159" name="Shape 159"/>
         <p:cNvGrpSpPr/>
         <p:nvPr/>
       </p:nvGrpSpPr>
@@ -9011,7 +10249,7 @@
       </p:grpSpPr>
       <p:sp>
         <p:nvSpPr>
-          <p:cNvPr id="156" name="Google Shape;156;p24"/>
+          <p:cNvPr id="160" name="Google Shape;160;p24"/>
           <p:cNvSpPr txBox="1"/>
           <p:nvPr>
             <p:ph type="title"/>
@@ -9047,7 +10285,7 @@
             </a:r>
             <a:r>
               <a:rPr lang="en"/>
-              <a:t>Processing Pipeline - Data Acquisition</a:t>
+              <a:t>Processing Pipeline</a:t>
             </a:r>
             <a:endParaRPr/>
           </a:p>
@@ -9055,65 +10293,7 @@
       </p:sp>
       <p:sp>
         <p:nvSpPr>
-          <p:cNvPr id="157" name="Google Shape;157;p24"/>
-          <p:cNvSpPr txBox="1"/>
-          <p:nvPr>
-            <p:ph idx="1" type="body"/>
-          </p:nvPr>
-        </p:nvSpPr>
-        <p:spPr>
-          <a:xfrm>
-            <a:off x="387888" y="1257300"/>
-            <a:ext cx="8368200" cy="1272600"/>
-          </a:xfrm>
-          <a:prstGeom prst="rect">
-            <a:avLst/>
-          </a:prstGeom>
-        </p:spPr>
-        <p:txBody>
-          <a:bodyPr anchorCtr="0" anchor="t" bIns="91425" lIns="91425" spcFirstLastPara="1" rIns="91425" wrap="square" tIns="91425">
-            <a:normAutofit/>
-          </a:bodyPr>
-          <a:lstStyle/>
-          <a:p>
-            <a:pPr indent="-342900" lvl="0" marL="457200" rtl="0" algn="l">
-              <a:spcBef>
-                <a:spcPts val="0"/>
-              </a:spcBef>
-              <a:spcAft>
-                <a:spcPts val="0"/>
-              </a:spcAft>
-              <a:buSzPts val="1800"/>
-              <a:buChar char="●"/>
-            </a:pPr>
-            <a:r>
-              <a:rPr lang="en"/>
-              <a:t>Get EEG data and ML training labels into the pipeline</a:t>
-            </a:r>
-            <a:endParaRPr/>
-          </a:p>
-          <a:p>
-            <a:pPr indent="-342900" lvl="0" marL="457200" rtl="0" algn="l">
-              <a:spcBef>
-                <a:spcPts val="2500"/>
-              </a:spcBef>
-              <a:spcAft>
-                <a:spcPts val="2500"/>
-              </a:spcAft>
-              <a:buSzPts val="1800"/>
-              <a:buChar char="●"/>
-            </a:pPr>
-            <a:r>
-              <a:rPr lang="en"/>
-              <a:t>Assign training labels to commands</a:t>
-            </a:r>
-            <a:endParaRPr/>
-          </a:p>
-        </p:txBody>
-      </p:sp>
-      <p:sp>
-        <p:nvSpPr>
-          <p:cNvPr id="158" name="Google Shape;158;p24"/>
+          <p:cNvPr id="161" name="Google Shape;161;p24"/>
           <p:cNvSpPr txBox="1"/>
           <p:nvPr>
             <p:ph idx="12" type="sldNum"/>
@@ -9153,13 +10333,13 @@
       </p:sp>
       <p:sp>
         <p:nvSpPr>
-          <p:cNvPr id="159" name="Google Shape;159;p24"/>
+          <p:cNvPr id="162" name="Google Shape;162;p24"/>
           <p:cNvSpPr txBox="1"/>
           <p:nvPr/>
         </p:nvSpPr>
         <p:spPr>
           <a:xfrm>
-            <a:off x="2229138" y="4293925"/>
+            <a:off x="2229150" y="3468850"/>
             <a:ext cx="4685700" cy="369300"/>
           </a:xfrm>
           <a:prstGeom prst="rect">
@@ -9211,7 +10391,7 @@
       </p:sp>
       <p:pic>
         <p:nvPicPr>
-          <p:cNvPr id="160" name="Google Shape;160;p24"/>
+          <p:cNvPr id="163" name="Google Shape;163;p24"/>
           <p:cNvPicPr preferRelativeResize="0"/>
           <p:nvPr/>
         </p:nvPicPr>
@@ -9224,8 +10404,8 @@
         </p:blipFill>
         <p:spPr>
           <a:xfrm>
-            <a:off x="1789809" y="3282846"/>
-            <a:ext cx="5564376" cy="1011075"/>
+            <a:off x="789788" y="1917472"/>
+            <a:ext cx="7564425" cy="1374500"/>
           </a:xfrm>
           <a:prstGeom prst="rect">
             <a:avLst/>
@@ -9249,7 +10429,7 @@
   <p:cSld>
     <p:spTree>
       <p:nvGrpSpPr>
-        <p:cNvPr id="164" name="Shape 164"/>
+        <p:cNvPr id="167" name="Shape 167"/>
         <p:cNvGrpSpPr/>
         <p:nvPr/>
       </p:nvGrpSpPr>
@@ -9263,7 +10443,7 @@
       </p:grpSpPr>
       <p:sp>
         <p:nvSpPr>
-          <p:cNvPr id="165" name="Google Shape;165;p25"/>
+          <p:cNvPr id="168" name="Google Shape;168;p25"/>
           <p:cNvSpPr txBox="1"/>
           <p:nvPr>
             <p:ph type="title"/>
@@ -9272,7 +10452,7 @@
         <p:spPr>
           <a:xfrm>
             <a:off x="387900" y="229425"/>
-            <a:ext cx="7556100" cy="686100"/>
+            <a:ext cx="3426000" cy="686100"/>
           </a:xfrm>
           <a:prstGeom prst="rect">
             <a:avLst/>
@@ -9295,7 +10475,7 @@
             </a:pPr>
             <a:r>
               <a:rPr lang="en"/>
-              <a:t>EEG Processing Pipeline - Preprocessing</a:t>
+              <a:t>Using Commands</a:t>
             </a:r>
             <a:endParaRPr/>
           </a:p>
@@ -9303,65 +10483,7 @@
       </p:sp>
       <p:sp>
         <p:nvSpPr>
-          <p:cNvPr id="166" name="Google Shape;166;p25"/>
-          <p:cNvSpPr txBox="1"/>
-          <p:nvPr>
-            <p:ph idx="1" type="body"/>
-          </p:nvPr>
-        </p:nvSpPr>
-        <p:spPr>
-          <a:xfrm>
-            <a:off x="387950" y="1257300"/>
-            <a:ext cx="8368200" cy="1125600"/>
-          </a:xfrm>
-          <a:prstGeom prst="rect">
-            <a:avLst/>
-          </a:prstGeom>
-        </p:spPr>
-        <p:txBody>
-          <a:bodyPr anchorCtr="0" anchor="t" bIns="91425" lIns="91425" spcFirstLastPara="1" rIns="91425" wrap="square" tIns="91425">
-            <a:normAutofit/>
-          </a:bodyPr>
-          <a:lstStyle/>
-          <a:p>
-            <a:pPr indent="-342900" lvl="0" marL="457200" rtl="0" algn="l">
-              <a:spcBef>
-                <a:spcPts val="0"/>
-              </a:spcBef>
-              <a:spcAft>
-                <a:spcPts val="0"/>
-              </a:spcAft>
-              <a:buSzPts val="1800"/>
-              <a:buChar char="●"/>
-            </a:pPr>
-            <a:r>
-              <a:rPr lang="en"/>
-              <a:t>Filter out electrical noise</a:t>
-            </a:r>
-            <a:endParaRPr/>
-          </a:p>
-          <a:p>
-            <a:pPr indent="-342900" lvl="0" marL="457200" rtl="0" algn="l">
-              <a:spcBef>
-                <a:spcPts val="2500"/>
-              </a:spcBef>
-              <a:spcAft>
-                <a:spcPts val="2500"/>
-              </a:spcAft>
-              <a:buSzPts val="1800"/>
-              <a:buChar char="●"/>
-            </a:pPr>
-            <a:r>
-              <a:rPr lang="en"/>
-              <a:t>Designate length of data “chunks” to associate with labels</a:t>
-            </a:r>
-            <a:endParaRPr/>
-          </a:p>
-        </p:txBody>
-      </p:sp>
-      <p:sp>
-        <p:nvSpPr>
-          <p:cNvPr id="167" name="Google Shape;167;p25"/>
+          <p:cNvPr id="169" name="Google Shape;169;p25"/>
           <p:cNvSpPr txBox="1"/>
           <p:nvPr>
             <p:ph idx="12" type="sldNum"/>
@@ -9399,16 +10521,51 @@
           </a:p>
         </p:txBody>
       </p:sp>
+      <p:pic>
+        <p:nvPicPr>
+          <p:cNvPr id="170" name="Google Shape;170;p25"/>
+          <p:cNvPicPr preferRelativeResize="0"/>
+          <p:nvPr/>
+        </p:nvPicPr>
+        <p:blipFill>
+          <a:blip r:embed="rId3">
+            <a:alphaModFix/>
+          </a:blip>
+          <a:stretch>
+            <a:fillRect/>
+          </a:stretch>
+        </p:blipFill>
+        <p:spPr>
+          <a:xfrm>
+            <a:off x="4937225" y="1257288"/>
+            <a:ext cx="3840676" cy="2735875"/>
+          </a:xfrm>
+          <a:prstGeom prst="rect">
+            <a:avLst/>
+          </a:prstGeom>
+          <a:noFill/>
+          <a:ln>
+            <a:noFill/>
+          </a:ln>
+          <a:effectLst>
+            <a:outerShdw blurRad="57150" rotWithShape="0" algn="bl" dir="5400000" dist="19050">
+              <a:srgbClr val="000000">
+                <a:alpha val="50000"/>
+              </a:srgbClr>
+            </a:outerShdw>
+          </a:effectLst>
+        </p:spPr>
+      </p:pic>
       <p:sp>
         <p:nvSpPr>
-          <p:cNvPr id="168" name="Google Shape;168;p25"/>
+          <p:cNvPr id="171" name="Google Shape;171;p25"/>
           <p:cNvSpPr txBox="1"/>
           <p:nvPr/>
         </p:nvSpPr>
         <p:spPr>
           <a:xfrm>
-            <a:off x="2683988" y="4293925"/>
-            <a:ext cx="3776100" cy="369300"/>
+            <a:off x="4937225" y="3993163"/>
+            <a:ext cx="3840600" cy="369300"/>
           </a:xfrm>
           <a:prstGeom prst="rect">
             <a:avLst/>
@@ -9443,7 +10600,7 @@
                 <a:cs typeface="Roboto"/>
                 <a:sym typeface="Roboto"/>
               </a:rPr>
-              <a:t>Fig. 11 - EEG pipeline preprocessing component</a:t>
+              <a:t>Fig. 14 - Pac Man in action</a:t>
             </a:r>
             <a:endParaRPr i="1" sz="1200">
               <a:solidFill>
@@ -9459,21 +10616,22 @@
       </p:sp>
       <p:pic>
         <p:nvPicPr>
-          <p:cNvPr id="169" name="Google Shape;169;p25"/>
+          <p:cNvPr id="172" name="Google Shape;172;p25"/>
           <p:cNvPicPr preferRelativeResize="0"/>
           <p:nvPr/>
         </p:nvPicPr>
-        <p:blipFill rotWithShape="1">
-          <a:blip r:embed="rId3">
+        <p:blipFill>
+          <a:blip r:embed="rId4">
             <a:alphaModFix/>
           </a:blip>
-          <a:srcRect b="0" l="0" r="0" t="0"/>
-          <a:stretch/>
+          <a:stretch>
+            <a:fillRect/>
+          </a:stretch>
         </p:blipFill>
         <p:spPr>
           <a:xfrm>
-            <a:off x="1789809" y="3282846"/>
-            <a:ext cx="5564376" cy="1011075"/>
+            <a:off x="200725" y="1257300"/>
+            <a:ext cx="4483275" cy="3105174"/>
           </a:xfrm>
           <a:prstGeom prst="rect">
             <a:avLst/>
@@ -9497,7 +10655,7 @@
   <p:cSld>
     <p:spTree>
       <p:nvGrpSpPr>
-        <p:cNvPr id="173" name="Shape 173"/>
+        <p:cNvPr id="176" name="Shape 176"/>
         <p:cNvGrpSpPr/>
         <p:nvPr/>
       </p:nvGrpSpPr>
@@ -9511,7 +10669,56 @@
       </p:grpSpPr>
       <p:sp>
         <p:nvSpPr>
-          <p:cNvPr id="174" name="Google Shape;174;p26"/>
+          <p:cNvPr id="177" name="Google Shape;177;p26"/>
+          <p:cNvSpPr/>
+          <p:nvPr/>
+        </p:nvSpPr>
+        <p:spPr>
+          <a:xfrm>
+            <a:off x="978525" y="3462450"/>
+            <a:ext cx="7012800" cy="1594200"/>
+          </a:xfrm>
+          <a:prstGeom prst="rect">
+            <a:avLst/>
+          </a:prstGeom>
+          <a:solidFill>
+            <a:schemeClr val="lt2"/>
+          </a:solidFill>
+          <a:ln cap="flat" cmpd="sng" w="9525">
+            <a:solidFill>
+              <a:schemeClr val="dk2"/>
+            </a:solidFill>
+            <a:prstDash val="solid"/>
+            <a:round/>
+            <a:headEnd len="sm" w="sm" type="none"/>
+            <a:tailEnd len="sm" w="sm" type="none"/>
+          </a:ln>
+        </p:spPr>
+        <p:txBody>
+          <a:bodyPr anchorCtr="0" anchor="ctr" bIns="91425" lIns="91425" spcFirstLastPara="1" rIns="91425" wrap="square" tIns="91425">
+            <a:noAutofit/>
+          </a:bodyPr>
+          <a:lstStyle/>
+          <a:p>
+            <a:pPr indent="0" lvl="0" marL="0" rtl="0" algn="l">
+              <a:spcBef>
+                <a:spcPts val="0"/>
+              </a:spcBef>
+              <a:spcAft>
+                <a:spcPts val="0"/>
+              </a:spcAft>
+              <a:buNone/>
+            </a:pPr>
+            <a:r>
+              <a:t/>
+            </a:r>
+            <a:endParaRPr/>
+          </a:p>
+        </p:txBody>
+      </p:sp>
+      <p:sp>
+        <p:nvSpPr>
+          <p:cNvPr id="178" name="Google Shape;178;p26"/>
           <p:cNvSpPr txBox="1"/>
           <p:nvPr>
             <p:ph type="title"/>
@@ -9520,7 +10727,7 @@
         <p:spPr>
           <a:xfrm>
             <a:off x="387900" y="229425"/>
-            <a:ext cx="8368200" cy="686100"/>
+            <a:ext cx="3927300" cy="686100"/>
           </a:xfrm>
           <a:prstGeom prst="rect">
             <a:avLst/>
@@ -9543,7 +10750,7 @@
             </a:pPr>
             <a:r>
               <a:rPr lang="en"/>
-              <a:t>EEG Processing Pipeline - Feature Extraction</a:t>
+              <a:t>Accomplished Work</a:t>
             </a:r>
             <a:endParaRPr/>
           </a:p>
@@ -9551,7 +10758,7 @@
       </p:sp>
       <p:sp>
         <p:nvSpPr>
-          <p:cNvPr id="175" name="Google Shape;175;p26"/>
+          <p:cNvPr id="179" name="Google Shape;179;p26"/>
           <p:cNvSpPr txBox="1"/>
           <p:nvPr>
             <p:ph idx="1" type="body"/>
@@ -9559,8 +10766,8 @@
         </p:nvSpPr>
         <p:spPr>
           <a:xfrm>
-            <a:off x="387900" y="1257300"/>
-            <a:ext cx="8368200" cy="1485000"/>
+            <a:off x="387900" y="1104900"/>
+            <a:ext cx="8368200" cy="3483000"/>
           </a:xfrm>
           <a:prstGeom prst="rect">
             <a:avLst/>
@@ -9572,44 +10779,98 @@
           </a:bodyPr>
           <a:lstStyle/>
           <a:p>
-            <a:pPr indent="-342900" lvl="0" marL="457200" rtl="0" algn="l">
-              <a:spcBef>
-                <a:spcPts val="0"/>
-              </a:spcBef>
-              <a:spcAft>
-                <a:spcPts val="0"/>
-              </a:spcAft>
-              <a:buSzPts val="1800"/>
+            <a:pPr indent="-330200" lvl="0" marL="457200" rtl="0" algn="l">
+              <a:spcBef>
+                <a:spcPts val="0"/>
+              </a:spcBef>
+              <a:spcAft>
+                <a:spcPts val="0"/>
+              </a:spcAft>
+              <a:buSzPts val="1600"/>
               <a:buChar char="●"/>
             </a:pPr>
             <a:r>
-              <a:rPr lang="en"/>
-              <a:t>Extract EEG signal components that exhibit the most variance between commands</a:t>
-            </a:r>
-            <a:endParaRPr/>
-          </a:p>
-          <a:p>
-            <a:pPr indent="-342900" lvl="0" marL="457200" rtl="0" algn="l">
+              <a:rPr lang="en" sz="1600"/>
+              <a:t>Pac-Man web-frontend</a:t>
+            </a:r>
+            <a:endParaRPr sz="1600"/>
+          </a:p>
+          <a:p>
+            <a:pPr indent="-330200" lvl="1" marL="914400" rtl="0" algn="l">
+              <a:spcBef>
+                <a:spcPts val="0"/>
+              </a:spcBef>
+              <a:spcAft>
+                <a:spcPts val="0"/>
+              </a:spcAft>
+              <a:buSzPts val="1600"/>
+              <a:buChar char="○"/>
+            </a:pPr>
+            <a:r>
+              <a:rPr lang="en" sz="1600"/>
+              <a:t>Javascript, HTML, CSS</a:t>
+            </a:r>
+            <a:endParaRPr sz="1600"/>
+          </a:p>
+          <a:p>
+            <a:pPr indent="-330200" lvl="0" marL="457200" rtl="0" algn="l">
               <a:spcBef>
                 <a:spcPts val="2500"/>
               </a:spcBef>
               <a:spcAft>
+                <a:spcPts val="0"/>
+              </a:spcAft>
+              <a:buSzPts val="1600"/>
+              <a:buChar char="●"/>
+            </a:pPr>
+            <a:r>
+              <a:rPr lang="en" sz="1600"/>
+              <a:t>Flask backend</a:t>
+            </a:r>
+            <a:endParaRPr sz="1600"/>
+          </a:p>
+          <a:p>
+            <a:pPr indent="-330200" lvl="1" marL="914400" rtl="0" algn="l">
+              <a:spcBef>
+                <a:spcPts val="0"/>
+              </a:spcBef>
+              <a:spcAft>
+                <a:spcPts val="0"/>
+              </a:spcAft>
+              <a:buSzPts val="1600"/>
+              <a:buChar char="○"/>
+            </a:pPr>
+            <a:r>
+              <a:rPr lang="en" sz="1600"/>
+              <a:t>Python</a:t>
+            </a:r>
+            <a:endParaRPr sz="1600"/>
+          </a:p>
+          <a:p>
+            <a:pPr indent="-330200" lvl="0" marL="457200" rtl="0" algn="l">
+              <a:lnSpc>
+                <a:spcPct val="105000"/>
+              </a:lnSpc>
+              <a:spcBef>
                 <a:spcPts val="2500"/>
-              </a:spcAft>
-              <a:buSzPts val="1800"/>
+              </a:spcBef>
+              <a:spcAft>
+                <a:spcPts val="0"/>
+              </a:spcAft>
+              <a:buSzPts val="1600"/>
               <a:buChar char="●"/>
             </a:pPr>
             <a:r>
-              <a:rPr lang="en"/>
-              <a:t>Reduce the volume of data to make ML classification more efficient</a:t>
-            </a:r>
-            <a:endParaRPr/>
+              <a:rPr lang="en" sz="1600"/>
+              <a:t>OpenBCI Specific Development and Communication Tools</a:t>
+            </a:r>
+            <a:endParaRPr sz="1600"/>
           </a:p>
         </p:txBody>
       </p:sp>
       <p:sp>
         <p:nvSpPr>
-          <p:cNvPr id="176" name="Google Shape;176;p26"/>
+          <p:cNvPr id="180" name="Google Shape;180;p26"/>
           <p:cNvSpPr txBox="1"/>
           <p:nvPr>
             <p:ph idx="12" type="sldNum"/>
@@ -9647,16 +10908,24 @@
           </a:p>
         </p:txBody>
       </p:sp>
-      <p:sp>
-        <p:nvSpPr>
-          <p:cNvPr id="177" name="Google Shape;177;p26"/>
-          <p:cNvSpPr txBox="1"/>
+      <p:pic>
+        <p:nvPicPr>
+          <p:cNvPr id="181" name="Google Shape;181;p26"/>
+          <p:cNvPicPr preferRelativeResize="0"/>
           <p:nvPr/>
-        </p:nvSpPr>
-        <p:spPr>
-          <a:xfrm>
-            <a:off x="2229150" y="4293925"/>
-            <a:ext cx="4685700" cy="369300"/>
+        </p:nvPicPr>
+        <p:blipFill>
+          <a:blip r:embed="rId3">
+            <a:alphaModFix/>
+          </a:blip>
+          <a:stretch>
+            <a:fillRect/>
+          </a:stretch>
+        </p:blipFill>
+        <p:spPr>
+          <a:xfrm>
+            <a:off x="6143825" y="526900"/>
+            <a:ext cx="2412349" cy="2412349"/>
           </a:xfrm>
           <a:prstGeom prst="rect">
             <a:avLst/>
@@ -9666,62 +10935,25 @@
             <a:noFill/>
           </a:ln>
         </p:spPr>
-        <p:txBody>
-          <a:bodyPr anchorCtr="0" anchor="t" bIns="91425" lIns="91425" spcFirstLastPara="1" rIns="91425" wrap="square" tIns="91425">
-            <a:spAutoFit/>
-          </a:bodyPr>
-          <a:lstStyle/>
-          <a:p>
-            <a:pPr indent="0" lvl="0" marL="0" rtl="0" algn="ctr">
-              <a:spcBef>
-                <a:spcPts val="0"/>
-              </a:spcBef>
-              <a:spcAft>
-                <a:spcPts val="0"/>
-              </a:spcAft>
-              <a:buNone/>
-            </a:pPr>
-            <a:r>
-              <a:rPr i="1" lang="en" sz="1200">
-                <a:solidFill>
-                  <a:schemeClr val="dk1"/>
-                </a:solidFill>
-                <a:latin typeface="Roboto"/>
-                <a:ea typeface="Roboto"/>
-                <a:cs typeface="Roboto"/>
-                <a:sym typeface="Roboto"/>
-              </a:rPr>
-              <a:t>Fig. 12 - EEG pipeline feature extraction component</a:t>
-            </a:r>
-            <a:endParaRPr i="1" sz="1200">
-              <a:solidFill>
-                <a:schemeClr val="dk1"/>
-              </a:solidFill>
-              <a:latin typeface="Roboto"/>
-              <a:ea typeface="Roboto"/>
-              <a:cs typeface="Roboto"/>
-              <a:sym typeface="Roboto"/>
-            </a:endParaRPr>
-          </a:p>
-        </p:txBody>
-      </p:sp>
+      </p:pic>
       <p:pic>
         <p:nvPicPr>
-          <p:cNvPr id="178" name="Google Shape;178;p26"/>
+          <p:cNvPr id="182" name="Google Shape;182;p26"/>
           <p:cNvPicPr preferRelativeResize="0"/>
           <p:nvPr/>
         </p:nvPicPr>
-        <p:blipFill rotWithShape="1">
-          <a:blip r:embed="rId3">
+        <p:blipFill>
+          <a:blip r:embed="rId4">
             <a:alphaModFix/>
           </a:blip>
-          <a:srcRect b="0" l="0" r="0" t="0"/>
-          <a:stretch/>
+          <a:stretch>
+            <a:fillRect/>
+          </a:stretch>
         </p:blipFill>
         <p:spPr>
           <a:xfrm>
-            <a:off x="1789809" y="3282846"/>
-            <a:ext cx="5564376" cy="1011075"/>
+            <a:off x="1233575" y="3582275"/>
+            <a:ext cx="6204750" cy="1377425"/>
           </a:xfrm>
           <a:prstGeom prst="rect">
             <a:avLst/>
@@ -9745,7 +10977,7 @@
   <p:cSld>
     <p:spTree>
       <p:nvGrpSpPr>
-        <p:cNvPr id="182" name="Shape 182"/>
+        <p:cNvPr id="186" name="Shape 186"/>
         <p:cNvGrpSpPr/>
         <p:nvPr/>
       </p:nvGrpSpPr>
@@ -9759,7 +10991,7 @@
       </p:grpSpPr>
       <p:sp>
         <p:nvSpPr>
-          <p:cNvPr id="183" name="Google Shape;183;p27"/>
+          <p:cNvPr id="187" name="Google Shape;187;p27"/>
           <p:cNvSpPr txBox="1"/>
           <p:nvPr>
             <p:ph type="title"/>
@@ -9768,7 +11000,7 @@
         <p:spPr>
           <a:xfrm>
             <a:off x="387900" y="229425"/>
-            <a:ext cx="7447200" cy="686100"/>
+            <a:ext cx="4308900" cy="686100"/>
           </a:xfrm>
           <a:prstGeom prst="rect">
             <a:avLst/>
@@ -9791,7 +11023,7 @@
             </a:pPr>
             <a:r>
               <a:rPr lang="en"/>
-              <a:t>EEG Processing Pipeline - Classification</a:t>
+              <a:t>Challenges</a:t>
             </a:r>
             <a:endParaRPr/>
           </a:p>
@@ -9799,82 +11031,7 @@
       </p:sp>
       <p:sp>
         <p:nvSpPr>
-          <p:cNvPr id="184" name="Google Shape;184;p27"/>
-          <p:cNvSpPr txBox="1"/>
-          <p:nvPr>
-            <p:ph idx="1" type="body"/>
-          </p:nvPr>
-        </p:nvSpPr>
-        <p:spPr>
-          <a:xfrm>
-            <a:off x="387888" y="1257300"/>
-            <a:ext cx="8368200" cy="1812000"/>
-          </a:xfrm>
-          <a:prstGeom prst="rect">
-            <a:avLst/>
-          </a:prstGeom>
-        </p:spPr>
-        <p:txBody>
-          <a:bodyPr anchorCtr="0" anchor="t" bIns="91425" lIns="91425" spcFirstLastPara="1" rIns="91425" wrap="square" tIns="91425">
-            <a:normAutofit/>
-          </a:bodyPr>
-          <a:lstStyle/>
-          <a:p>
-            <a:pPr indent="-342900" lvl="0" marL="457200" rtl="0" algn="l">
-              <a:spcBef>
-                <a:spcPts val="0"/>
-              </a:spcBef>
-              <a:spcAft>
-                <a:spcPts val="0"/>
-              </a:spcAft>
-              <a:buSzPts val="1800"/>
-              <a:buChar char="●"/>
-            </a:pPr>
-            <a:r>
-              <a:rPr lang="en"/>
-              <a:t>Use extracted features to determine command probabilities</a:t>
-            </a:r>
-            <a:endParaRPr/>
-          </a:p>
-          <a:p>
-            <a:pPr indent="-342900" lvl="0" marL="457200" rtl="0" algn="l">
-              <a:spcBef>
-                <a:spcPts val="2500"/>
-              </a:spcBef>
-              <a:spcAft>
-                <a:spcPts val="0"/>
-              </a:spcAft>
-              <a:buSzPts val="1800"/>
-              <a:buChar char="●"/>
-            </a:pPr>
-            <a:r>
-              <a:rPr lang="en"/>
-              <a:t>Maintain a moving average of probabilities to reduce noise</a:t>
-            </a:r>
-            <a:endParaRPr/>
-          </a:p>
-          <a:p>
-            <a:pPr indent="-342900" lvl="0" marL="457200" rtl="0" algn="l">
-              <a:spcBef>
-                <a:spcPts val="2500"/>
-              </a:spcBef>
-              <a:spcAft>
-                <a:spcPts val="2500"/>
-              </a:spcAft>
-              <a:buSzPts val="1800"/>
-              <a:buChar char="●"/>
-            </a:pPr>
-            <a:r>
-              <a:rPr lang="en"/>
-              <a:t>Output list of probabilities</a:t>
-            </a:r>
-            <a:endParaRPr/>
-          </a:p>
-        </p:txBody>
-      </p:sp>
-      <p:sp>
-        <p:nvSpPr>
-          <p:cNvPr id="185" name="Google Shape;185;p27"/>
+          <p:cNvPr id="188" name="Google Shape;188;p27"/>
           <p:cNvSpPr txBox="1"/>
           <p:nvPr>
             <p:ph idx="12" type="sldNum"/>
@@ -9914,14 +11071,14 @@
       </p:sp>
       <p:sp>
         <p:nvSpPr>
-          <p:cNvPr id="186" name="Google Shape;186;p27"/>
+          <p:cNvPr id="189" name="Google Shape;189;p27"/>
           <p:cNvSpPr txBox="1"/>
           <p:nvPr/>
         </p:nvSpPr>
         <p:spPr>
           <a:xfrm>
-            <a:off x="2229150" y="4293925"/>
-            <a:ext cx="4685700" cy="369300"/>
+            <a:off x="311700" y="1564050"/>
+            <a:ext cx="8368200" cy="3391200"/>
           </a:xfrm>
           <a:prstGeom prst="rect">
             <a:avLst/>
@@ -9933,34 +11090,42 @@
         </p:spPr>
         <p:txBody>
           <a:bodyPr anchorCtr="0" anchor="t" bIns="91425" lIns="91425" spcFirstLastPara="1" rIns="91425" wrap="square" tIns="91425">
-            <a:spAutoFit/>
+            <a:normAutofit/>
           </a:bodyPr>
           <a:lstStyle/>
           <a:p>
-            <a:pPr indent="0" lvl="0" marL="0" rtl="0" algn="ctr">
-              <a:spcBef>
-                <a:spcPts val="0"/>
-              </a:spcBef>
-              <a:spcAft>
-                <a:spcPts val="0"/>
-              </a:spcAft>
-              <a:buNone/>
-            </a:pPr>
-            <a:r>
-              <a:rPr i="1" lang="en" sz="1200">
+            <a:pPr indent="-342900" lvl="0" marL="457200" rtl="0" algn="l">
+              <a:lnSpc>
+                <a:spcPct val="200000"/>
+              </a:lnSpc>
+              <a:spcBef>
+                <a:spcPts val="0"/>
+              </a:spcBef>
+              <a:spcAft>
+                <a:spcPts val="0"/>
+              </a:spcAft>
+              <a:buClr>
+                <a:srgbClr val="FFFFFF"/>
+              </a:buClr>
+              <a:buSzPts val="1800"/>
+              <a:buFont typeface="Roboto"/>
+              <a:buChar char="●"/>
+            </a:pPr>
+            <a:r>
+              <a:rPr lang="en" sz="1800">
                 <a:solidFill>
-                  <a:schemeClr val="dk1"/>
+                  <a:srgbClr val="FFFFFF"/>
                 </a:solidFill>
                 <a:latin typeface="Roboto"/>
                 <a:ea typeface="Roboto"/>
                 <a:cs typeface="Roboto"/>
                 <a:sym typeface="Roboto"/>
               </a:rPr>
-              <a:t>Fig. 13 - EEG pipeline classification component</a:t>
-            </a:r>
-            <a:endParaRPr i="1" sz="1200">
+              <a:t>Training time</a:t>
+            </a:r>
+            <a:endParaRPr sz="1800">
               <a:solidFill>
-                <a:schemeClr val="dk1"/>
+                <a:srgbClr val="FFFFFF"/>
               </a:solidFill>
               <a:latin typeface="Roboto"/>
               <a:ea typeface="Roboto"/>
@@ -9968,11 +11133,157 @@
               <a:sym typeface="Roboto"/>
             </a:endParaRPr>
           </a:p>
+          <a:p>
+            <a:pPr indent="-342900" lvl="0" marL="457200" rtl="0" algn="l">
+              <a:lnSpc>
+                <a:spcPct val="200000"/>
+              </a:lnSpc>
+              <a:spcBef>
+                <a:spcPts val="0"/>
+              </a:spcBef>
+              <a:spcAft>
+                <a:spcPts val="0"/>
+              </a:spcAft>
+              <a:buClr>
+                <a:srgbClr val="FFFFFF"/>
+              </a:buClr>
+              <a:buSzPts val="1800"/>
+              <a:buFont typeface="Roboto"/>
+              <a:buChar char="●"/>
+            </a:pPr>
+            <a:r>
+              <a:rPr lang="en" sz="1800">
+                <a:solidFill>
+                  <a:srgbClr val="FFFFFF"/>
+                </a:solidFill>
+                <a:latin typeface="Roboto"/>
+                <a:ea typeface="Roboto"/>
+                <a:cs typeface="Roboto"/>
+                <a:sym typeface="Roboto"/>
+              </a:rPr>
+              <a:t>Hardware Limitations</a:t>
+            </a:r>
+            <a:endParaRPr sz="1800">
+              <a:solidFill>
+                <a:srgbClr val="FFFFFF"/>
+              </a:solidFill>
+              <a:latin typeface="Roboto"/>
+              <a:ea typeface="Roboto"/>
+              <a:cs typeface="Roboto"/>
+              <a:sym typeface="Roboto"/>
+            </a:endParaRPr>
+          </a:p>
+          <a:p>
+            <a:pPr indent="-342900" lvl="0" marL="457200" rtl="0" algn="l">
+              <a:lnSpc>
+                <a:spcPct val="200000"/>
+              </a:lnSpc>
+              <a:spcBef>
+                <a:spcPts val="2500"/>
+              </a:spcBef>
+              <a:spcAft>
+                <a:spcPts val="0"/>
+              </a:spcAft>
+              <a:buClr>
+                <a:srgbClr val="FFFFFF"/>
+              </a:buClr>
+              <a:buSzPts val="1800"/>
+              <a:buFont typeface="Roboto"/>
+              <a:buChar char="●"/>
+            </a:pPr>
+            <a:r>
+              <a:rPr lang="en" sz="1800">
+                <a:solidFill>
+                  <a:srgbClr val="FFFFFF"/>
+                </a:solidFill>
+                <a:latin typeface="Roboto"/>
+                <a:ea typeface="Roboto"/>
+                <a:cs typeface="Roboto"/>
+                <a:sym typeface="Roboto"/>
+              </a:rPr>
+              <a:t>Noise and unrelated spikes </a:t>
+            </a:r>
+            <a:endParaRPr sz="1800">
+              <a:solidFill>
+                <a:srgbClr val="FFFFFF"/>
+              </a:solidFill>
+              <a:latin typeface="Roboto"/>
+              <a:ea typeface="Roboto"/>
+              <a:cs typeface="Roboto"/>
+              <a:sym typeface="Roboto"/>
+            </a:endParaRPr>
+          </a:p>
+          <a:p>
+            <a:pPr indent="-342900" lvl="0" marL="457200" rtl="0" algn="l">
+              <a:lnSpc>
+                <a:spcPct val="200000"/>
+              </a:lnSpc>
+              <a:spcBef>
+                <a:spcPts val="2500"/>
+              </a:spcBef>
+              <a:spcAft>
+                <a:spcPts val="0"/>
+              </a:spcAft>
+              <a:buClr>
+                <a:srgbClr val="FFFFFF"/>
+              </a:buClr>
+              <a:buSzPts val="1800"/>
+              <a:buFont typeface="Roboto"/>
+              <a:buChar char="●"/>
+            </a:pPr>
+            <a:r>
+              <a:rPr lang="en" sz="1800">
+                <a:solidFill>
+                  <a:srgbClr val="FFFFFF"/>
+                </a:solidFill>
+                <a:latin typeface="Roboto"/>
+                <a:ea typeface="Roboto"/>
+                <a:cs typeface="Roboto"/>
+                <a:sym typeface="Roboto"/>
+              </a:rPr>
+              <a:t>Thought to Action Latency</a:t>
+            </a:r>
+            <a:endParaRPr sz="1800">
+              <a:solidFill>
+                <a:srgbClr val="FFFFFF"/>
+              </a:solidFill>
+              <a:latin typeface="Roboto"/>
+              <a:ea typeface="Roboto"/>
+              <a:cs typeface="Roboto"/>
+              <a:sym typeface="Roboto"/>
+            </a:endParaRPr>
+          </a:p>
+          <a:p>
+            <a:pPr indent="0" lvl="0" marL="914400" rtl="0" algn="l">
+              <a:lnSpc>
+                <a:spcPct val="200000"/>
+              </a:lnSpc>
+              <a:spcBef>
+                <a:spcPts val="0"/>
+              </a:spcBef>
+              <a:spcAft>
+                <a:spcPts val="0"/>
+              </a:spcAft>
+              <a:buNone/>
+            </a:pPr>
+            <a:r>
+              <a:t/>
+            </a:r>
+            <a:endParaRPr sz="1600">
+              <a:solidFill>
+                <a:srgbClr val="FFFFFF"/>
+              </a:solidFill>
+              <a:latin typeface="Roboto"/>
+              <a:ea typeface="Roboto"/>
+              <a:cs typeface="Roboto"/>
+              <a:sym typeface="Roboto"/>
+            </a:endParaRPr>
+          </a:p>
         </p:txBody>
       </p:sp>
       <p:pic>
         <p:nvPicPr>
-          <p:cNvPr id="187" name="Google Shape;187;p27"/>
+          <p:cNvPr id="190" name="Google Shape;190;p27"/>
           <p:cNvPicPr preferRelativeResize="0"/>
           <p:nvPr/>
         </p:nvPicPr>
@@ -9986,8 +11297,8 @@
         </p:blipFill>
         <p:spPr>
           <a:xfrm>
-            <a:off x="1789809" y="3282846"/>
-            <a:ext cx="5564376" cy="1011075"/>
+            <a:off x="5296255" y="1061405"/>
+            <a:ext cx="3020700" cy="3020700"/>
           </a:xfrm>
           <a:prstGeom prst="rect">
             <a:avLst/>
@@ -9998,6 +11309,64 @@
           </a:ln>
         </p:spPr>
       </p:pic>
+      <p:sp>
+        <p:nvSpPr>
+          <p:cNvPr id="191" name="Google Shape;191;p27"/>
+          <p:cNvSpPr txBox="1"/>
+          <p:nvPr/>
+        </p:nvSpPr>
+        <p:spPr>
+          <a:xfrm>
+            <a:off x="4886300" y="4188000"/>
+            <a:ext cx="3840600" cy="369300"/>
+          </a:xfrm>
+          <a:prstGeom prst="rect">
+            <a:avLst/>
+          </a:prstGeom>
+          <a:noFill/>
+          <a:ln>
+            <a:noFill/>
+          </a:ln>
+        </p:spPr>
+        <p:txBody>
+          <a:bodyPr anchorCtr="0" anchor="t" bIns="91425" lIns="91425" spcFirstLastPara="1" rIns="91425" wrap="square" tIns="91425">
+            <a:spAutoFit/>
+          </a:bodyPr>
+          <a:lstStyle/>
+          <a:p>
+            <a:pPr indent="0" lvl="0" marL="0" rtl="0" algn="ctr">
+              <a:spcBef>
+                <a:spcPts val="0"/>
+              </a:spcBef>
+              <a:spcAft>
+                <a:spcPts val="0"/>
+              </a:spcAft>
+              <a:buNone/>
+            </a:pPr>
+            <a:r>
+              <a:rPr i="1" lang="en" sz="1200">
+                <a:solidFill>
+                  <a:schemeClr val="dk1"/>
+                </a:solidFill>
+                <a:latin typeface="Roboto"/>
+                <a:ea typeface="Roboto"/>
+                <a:cs typeface="Roboto"/>
+                <a:sym typeface="Roboto"/>
+              </a:rPr>
+              <a:t>Fig. 15 - OpenBCI Headset with Additional Nodes</a:t>
+            </a:r>
+            <a:endParaRPr i="1" sz="1200">
+              <a:solidFill>
+                <a:schemeClr val="dk1"/>
+              </a:solidFill>
+              <a:latin typeface="Roboto"/>
+              <a:ea typeface="Roboto"/>
+              <a:cs typeface="Roboto"/>
+              <a:sym typeface="Roboto"/>
+            </a:endParaRPr>
+          </a:p>
+        </p:txBody>
+      </p:sp>
     </p:spTree>
   </p:cSld>
   <p:clrMapOvr>
@@ -10011,7 +11380,7 @@
   <p:cSld>
     <p:spTree>
       <p:nvGrpSpPr>
-        <p:cNvPr id="191" name="Shape 191"/>
+        <p:cNvPr id="195" name="Shape 195"/>
         <p:cNvGrpSpPr/>
         <p:nvPr/>
       </p:nvGrpSpPr>
@@ -10025,7 +11394,7 @@
       </p:grpSpPr>
       <p:sp>
         <p:nvSpPr>
-          <p:cNvPr id="192" name="Google Shape;192;p28"/>
+          <p:cNvPr id="196" name="Google Shape;196;p28"/>
           <p:cNvSpPr txBox="1"/>
           <p:nvPr>
             <p:ph type="title"/>
@@ -10034,7 +11403,7 @@
         <p:spPr>
           <a:xfrm>
             <a:off x="387900" y="229425"/>
-            <a:ext cx="3426000" cy="686100"/>
+            <a:ext cx="7954500" cy="686100"/>
           </a:xfrm>
           <a:prstGeom prst="rect">
             <a:avLst/>
@@ -10057,7 +11426,7 @@
             </a:pPr>
             <a:r>
               <a:rPr lang="en"/>
-              <a:t>Using Commands</a:t>
+              <a:t>Lessons Learned and Future Work</a:t>
             </a:r>
             <a:endParaRPr/>
           </a:p>
@@ -10065,7 +11434,7 @@
       </p:sp>
       <p:sp>
         <p:nvSpPr>
-          <p:cNvPr id="193" name="Google Shape;193;p28"/>
+          <p:cNvPr id="197" name="Google Shape;197;p28"/>
           <p:cNvSpPr txBox="1"/>
           <p:nvPr>
             <p:ph idx="1" type="body"/>
@@ -10074,7 +11443,7 @@
         <p:spPr>
           <a:xfrm>
             <a:off x="387900" y="1257300"/>
-            <a:ext cx="4439700" cy="3105300"/>
+            <a:ext cx="8368200" cy="2117100"/>
           </a:xfrm>
           <a:prstGeom prst="rect">
             <a:avLst/>
@@ -10098,7 +11467,7 @@
             </a:pPr>
             <a:r>
               <a:rPr lang="en"/>
-              <a:t>List of probabilities received by Flask backend</a:t>
+              <a:t>Upgrade our EEG hardware</a:t>
             </a:r>
             <a:endParaRPr/>
           </a:p>
@@ -10115,7 +11484,7 @@
             </a:pPr>
             <a:r>
               <a:rPr lang="en"/>
-              <a:t>Highest probability extracted</a:t>
+              <a:t>Fine-tune our noise reduction and ML classification techniques</a:t>
             </a:r>
             <a:endParaRPr/>
           </a:p>
@@ -10125,31 +11494,14 @@
                 <a:spcPts val="2500"/>
               </a:spcBef>
               <a:spcAft>
-                <a:spcPts val="0"/>
+                <a:spcPts val="2500"/>
               </a:spcAft>
               <a:buSzPts val="1800"/>
               <a:buChar char="●"/>
             </a:pPr>
             <a:r>
               <a:rPr lang="en"/>
-              <a:t>Corresponding command sent to Pac-Man webfront</a:t>
-            </a:r>
-            <a:endParaRPr/>
-          </a:p>
-          <a:p>
-            <a:pPr indent="-342900" lvl="0" marL="457200" rtl="0" algn="l">
-              <a:spcBef>
-                <a:spcPts val="2500"/>
-              </a:spcBef>
-              <a:spcAft>
-                <a:spcPts val="2500"/>
-              </a:spcAft>
-              <a:buSzPts val="1800"/>
-              <a:buChar char="●"/>
-            </a:pPr>
-            <a:r>
-              <a:rPr lang="en"/>
-              <a:t>Command executed in-game</a:t>
+              <a:t>Transition from classifying movements to classifying imagined movements (motor imagery)</a:t>
             </a:r>
             <a:endParaRPr/>
           </a:p>
@@ -10157,7 +11509,7 @@
       </p:sp>
       <p:sp>
         <p:nvSpPr>
-          <p:cNvPr id="194" name="Google Shape;194;p28"/>
+          <p:cNvPr id="198" name="Google Shape;198;p28"/>
           <p:cNvSpPr txBox="1"/>
           <p:nvPr>
             <p:ph idx="12" type="sldNum"/>
@@ -10192,99 +11544,6 @@
               <a:t>‹#›</a:t>
             </a:fld>
             <a:endParaRPr/>
-          </a:p>
-        </p:txBody>
-      </p:sp>
-      <p:pic>
-        <p:nvPicPr>
-          <p:cNvPr id="195" name="Google Shape;195;p28"/>
-          <p:cNvPicPr preferRelativeResize="0"/>
-          <p:nvPr/>
-        </p:nvPicPr>
-        <p:blipFill>
-          <a:blip r:embed="rId3">
-            <a:alphaModFix/>
-          </a:blip>
-          <a:stretch>
-            <a:fillRect/>
-          </a:stretch>
-        </p:blipFill>
-        <p:spPr>
-          <a:xfrm>
-            <a:off x="4937225" y="1257288"/>
-            <a:ext cx="3840676" cy="2735875"/>
-          </a:xfrm>
-          <a:prstGeom prst="rect">
-            <a:avLst/>
-          </a:prstGeom>
-          <a:noFill/>
-          <a:ln>
-            <a:noFill/>
-          </a:ln>
-          <a:effectLst>
-            <a:outerShdw blurRad="57150" rotWithShape="0" algn="bl" dir="5400000" dist="19050">
-              <a:srgbClr val="000000">
-                <a:alpha val="50000"/>
-              </a:srgbClr>
-            </a:outerShdw>
-          </a:effectLst>
-        </p:spPr>
-      </p:pic>
-      <p:sp>
-        <p:nvSpPr>
-          <p:cNvPr id="196" name="Google Shape;196;p28"/>
-          <p:cNvSpPr txBox="1"/>
-          <p:nvPr/>
-        </p:nvSpPr>
-        <p:spPr>
-          <a:xfrm>
-            <a:off x="4937225" y="3993163"/>
-            <a:ext cx="3840600" cy="369300"/>
-          </a:xfrm>
-          <a:prstGeom prst="rect">
-            <a:avLst/>
-          </a:prstGeom>
-          <a:noFill/>
-          <a:ln>
-            <a:noFill/>
-          </a:ln>
-        </p:spPr>
-        <p:txBody>
-          <a:bodyPr anchorCtr="0" anchor="t" bIns="91425" lIns="91425" spcFirstLastPara="1" rIns="91425" wrap="square" tIns="91425">
-            <a:spAutoFit/>
-          </a:bodyPr>
-          <a:lstStyle/>
-          <a:p>
-            <a:pPr indent="0" lvl="0" marL="0" rtl="0" algn="ctr">
-              <a:spcBef>
-                <a:spcPts val="0"/>
-              </a:spcBef>
-              <a:spcAft>
-                <a:spcPts val="0"/>
-              </a:spcAft>
-              <a:buNone/>
-            </a:pPr>
-            <a:r>
-              <a:rPr i="1" lang="en" sz="1200">
-                <a:solidFill>
-                  <a:schemeClr val="dk1"/>
-                </a:solidFill>
-                <a:latin typeface="Roboto"/>
-                <a:ea typeface="Roboto"/>
-                <a:cs typeface="Roboto"/>
-                <a:sym typeface="Roboto"/>
-              </a:rPr>
-              <a:t>Fig. 14 - Pac Man in action</a:t>
-            </a:r>
-            <a:endParaRPr i="1" sz="1200">
-              <a:solidFill>
-                <a:schemeClr val="dk1"/>
-              </a:solidFill>
-              <a:latin typeface="Roboto"/>
-              <a:ea typeface="Roboto"/>
-              <a:cs typeface="Roboto"/>
-              <a:sym typeface="Roboto"/>
-            </a:endParaRPr>
           </a:p>
         </p:txBody>
       </p:sp>
@@ -10301,7 +11560,7 @@
   <p:cSld>
     <p:spTree>
       <p:nvGrpSpPr>
-        <p:cNvPr id="200" name="Shape 200"/>
+        <p:cNvPr id="202" name="Shape 202"/>
         <p:cNvGrpSpPr/>
         <p:nvPr/>
       </p:nvGrpSpPr>
@@ -10315,16 +11574,16 @@
       </p:grpSpPr>
       <p:sp>
         <p:nvSpPr>
-          <p:cNvPr id="201" name="Google Shape;201;p29"/>
+          <p:cNvPr id="203" name="Google Shape;203;p29"/>
           <p:cNvSpPr txBox="1"/>
           <p:nvPr>
-            <p:ph type="title"/>
+            <p:ph idx="4294967295" type="title"/>
           </p:nvPr>
         </p:nvSpPr>
         <p:spPr>
           <a:xfrm>
-            <a:off x="387900" y="229425"/>
-            <a:ext cx="3927300" cy="686100"/>
+            <a:off x="2771700" y="2136150"/>
+            <a:ext cx="3600600" cy="871200"/>
           </a:xfrm>
           <a:prstGeom prst="rect">
             <a:avLst/>
@@ -10332,7 +11591,7 @@
         </p:spPr>
         <p:txBody>
           <a:bodyPr anchorCtr="0" anchor="b" bIns="91425" lIns="91425" spcFirstLastPara="1" rIns="91425" wrap="square" tIns="91425">
-            <a:normAutofit/>
+            <a:noAutofit/>
           </a:bodyPr>
           <a:lstStyle/>
           <a:p>
@@ -10346,662 +11605,16 @@
               <a:buNone/>
             </a:pPr>
             <a:r>
-              <a:rPr lang="en"/>
-              <a:t>Accomplished Work</a:t>
-            </a:r>
-            <a:endParaRPr/>
+              <a:rPr lang="en" sz="5000"/>
+              <a:t>Questions?</a:t>
+            </a:r>
+            <a:endParaRPr sz="5000"/>
           </a:p>
         </p:txBody>
       </p:sp>
       <p:sp>
         <p:nvSpPr>
-          <p:cNvPr id="202" name="Google Shape;202;p29"/>
-          <p:cNvSpPr txBox="1"/>
-          <p:nvPr>
-            <p:ph idx="1" type="body"/>
-          </p:nvPr>
-        </p:nvSpPr>
-        <p:spPr>
-          <a:xfrm>
-            <a:off x="387900" y="1257300"/>
-            <a:ext cx="8368200" cy="3483000"/>
-          </a:xfrm>
-          <a:prstGeom prst="rect">
-            <a:avLst/>
-          </a:prstGeom>
-        </p:spPr>
-        <p:txBody>
-          <a:bodyPr anchorCtr="0" anchor="t" bIns="91425" lIns="91425" spcFirstLastPara="1" rIns="91425" wrap="square" tIns="91425">
-            <a:normAutofit/>
-          </a:bodyPr>
-          <a:lstStyle/>
-          <a:p>
-            <a:pPr indent="-342900" lvl="0" marL="457200" rtl="0" algn="l">
-              <a:spcBef>
-                <a:spcPts val="0"/>
-              </a:spcBef>
-              <a:spcAft>
-                <a:spcPts val="0"/>
-              </a:spcAft>
-              <a:buSzPts val="1800"/>
-              <a:buChar char="●"/>
-            </a:pPr>
-            <a:r>
-              <a:rPr lang="en"/>
-              <a:t>Pac-Man webfront</a:t>
-            </a:r>
-            <a:endParaRPr/>
-          </a:p>
-          <a:p>
-            <a:pPr indent="-330200" lvl="1" marL="914400" rtl="0" algn="l">
-              <a:spcBef>
-                <a:spcPts val="0"/>
-              </a:spcBef>
-              <a:spcAft>
-                <a:spcPts val="0"/>
-              </a:spcAft>
-              <a:buSzPts val="1600"/>
-              <a:buChar char="○"/>
-            </a:pPr>
-            <a:r>
-              <a:rPr lang="en" sz="1600"/>
-              <a:t>Javascript, HTML, CSS</a:t>
-            </a:r>
-            <a:endParaRPr sz="1600"/>
-          </a:p>
-          <a:p>
-            <a:pPr indent="-342900" lvl="0" marL="457200" rtl="0" algn="l">
-              <a:spcBef>
-                <a:spcPts val="2500"/>
-              </a:spcBef>
-              <a:spcAft>
-                <a:spcPts val="0"/>
-              </a:spcAft>
-              <a:buSzPts val="1800"/>
-              <a:buChar char="●"/>
-            </a:pPr>
-            <a:r>
-              <a:rPr lang="en"/>
-              <a:t>Flask backend</a:t>
-            </a:r>
-            <a:endParaRPr/>
-          </a:p>
-          <a:p>
-            <a:pPr indent="-330200" lvl="1" marL="914400" rtl="0" algn="l">
-              <a:spcBef>
-                <a:spcPts val="0"/>
-              </a:spcBef>
-              <a:spcAft>
-                <a:spcPts val="0"/>
-              </a:spcAft>
-              <a:buSzPts val="1600"/>
-              <a:buChar char="○"/>
-            </a:pPr>
-            <a:r>
-              <a:rPr lang="en" sz="1600"/>
-              <a:t>Python</a:t>
-            </a:r>
-            <a:endParaRPr sz="1600"/>
-          </a:p>
-          <a:p>
-            <a:pPr indent="-342900" lvl="0" marL="457200" rtl="0" algn="l">
-              <a:spcBef>
-                <a:spcPts val="2500"/>
-              </a:spcBef>
-              <a:spcAft>
-                <a:spcPts val="0"/>
-              </a:spcAft>
-              <a:buSzPts val="1800"/>
-              <a:buChar char="●"/>
-            </a:pPr>
-            <a:r>
-              <a:rPr lang="en"/>
-              <a:t>Node-based EEG processing pipeline</a:t>
-            </a:r>
-            <a:endParaRPr/>
-          </a:p>
-          <a:p>
-            <a:pPr indent="-330200" lvl="1" marL="914400" rtl="0" algn="l">
-              <a:spcBef>
-                <a:spcPts val="0"/>
-              </a:spcBef>
-              <a:spcAft>
-                <a:spcPts val="0"/>
-              </a:spcAft>
-              <a:buSzPts val="1600"/>
-              <a:buChar char="○"/>
-            </a:pPr>
-            <a:r>
-              <a:rPr lang="en" sz="1600"/>
-              <a:t>NeuroPype Pipeline Designer</a:t>
-            </a:r>
-            <a:endParaRPr sz="1600"/>
-          </a:p>
-          <a:p>
-            <a:pPr indent="-342900" lvl="0" marL="457200" rtl="0" algn="l">
-              <a:lnSpc>
-                <a:spcPct val="105000"/>
-              </a:lnSpc>
-              <a:spcBef>
-                <a:spcPts val="2500"/>
-              </a:spcBef>
-              <a:spcAft>
-                <a:spcPts val="0"/>
-              </a:spcAft>
-              <a:buSzPts val="1800"/>
-              <a:buChar char="●"/>
-            </a:pPr>
-            <a:r>
-              <a:rPr lang="en"/>
-              <a:t>Communication between components</a:t>
-            </a:r>
-            <a:endParaRPr/>
-          </a:p>
-          <a:p>
-            <a:pPr indent="-330200" lvl="1" marL="914400" rtl="0" algn="l">
-              <a:spcBef>
-                <a:spcPts val="0"/>
-              </a:spcBef>
-              <a:spcAft>
-                <a:spcPts val="0"/>
-              </a:spcAft>
-              <a:buSzPts val="1600"/>
-              <a:buChar char="○"/>
-            </a:pPr>
-            <a:r>
-              <a:rPr lang="en" sz="1600"/>
-              <a:t>Lab Streaming Layer, WebSocket API</a:t>
-            </a:r>
-            <a:endParaRPr sz="1600"/>
-          </a:p>
-        </p:txBody>
-      </p:sp>
-      <p:sp>
-        <p:nvSpPr>
-          <p:cNvPr id="203" name="Google Shape;203;p29"/>
-          <p:cNvSpPr txBox="1"/>
-          <p:nvPr>
-            <p:ph idx="12" type="sldNum"/>
-          </p:nvPr>
-        </p:nvSpPr>
-        <p:spPr>
-          <a:xfrm>
-            <a:off x="8472458" y="4663217"/>
-            <a:ext cx="548700" cy="393600"/>
-          </a:xfrm>
-          <a:prstGeom prst="rect">
-            <a:avLst/>
-          </a:prstGeom>
-        </p:spPr>
-        <p:txBody>
-          <a:bodyPr anchorCtr="0" anchor="ctr" bIns="91425" lIns="91425" spcFirstLastPara="1" rIns="91425" wrap="square" tIns="91425">
-            <a:normAutofit/>
-          </a:bodyPr>
-          <a:lstStyle/>
-          <a:p>
-            <a:pPr indent="0" lvl="0" marL="0" rtl="0" algn="r">
-              <a:spcBef>
-                <a:spcPts val="0"/>
-              </a:spcBef>
-              <a:spcAft>
-                <a:spcPts val="0"/>
-              </a:spcAft>
-              <a:buNone/>
-            </a:pPr>
-            <a:fld id="{00000000-1234-1234-1234-123412341234}" type="slidenum">
-              <a:rPr lang="en"/>
-              <a:t>‹#›</a:t>
-            </a:fld>
-            <a:endParaRPr/>
-          </a:p>
-        </p:txBody>
-      </p:sp>
-    </p:spTree>
-  </p:cSld>
-  <p:clrMapOvr>
-    <a:masterClrMapping/>
-  </p:clrMapOvr>
-</p:sld>
-</file>
-
-<file path=ppt/slides/slide18.xml><?xml version="1.0" encoding="utf-8"?>
-<p:sld xmlns:a="http://schemas.openxmlformats.org/drawingml/2006/main" xmlns:r="http://schemas.openxmlformats.org/officeDocument/2006/relationships" xmlns:mc="http://schemas.openxmlformats.org/markup-compatibility/2006" xmlns:mv="urn:schemas-microsoft-com:mac:vml" xmlns:p="http://schemas.openxmlformats.org/presentationml/2006/main" xmlns:c="http://schemas.openxmlformats.org/drawingml/2006/chart" xmlns:dgm="http://schemas.openxmlformats.org/drawingml/2006/diagram" xmlns:o="urn:schemas-microsoft-com:office:office" xmlns:v="urn:schemas-microsoft-com:vml" xmlns:pvml="urn:schemas-microsoft-com:office:powerpoint" xmlns:com="http://schemas.openxmlformats.org/drawingml/2006/compatibility" xmlns:p14="http://schemas.microsoft.com/office/powerpoint/2010/main" xmlns:p15="http://schemas.microsoft.com/office/powerpoint/2012/main" xmlns:ahyp="http://schemas.microsoft.com/office/drawing/2018/hyperlinkcolor">
-  <p:cSld>
-    <p:spTree>
-      <p:nvGrpSpPr>
-        <p:cNvPr id="207" name="Shape 207"/>
-        <p:cNvGrpSpPr/>
-        <p:nvPr/>
-      </p:nvGrpSpPr>
-      <p:grpSpPr>
-        <a:xfrm>
-          <a:off x="0" y="0"/>
-          <a:ext cx="0" cy="0"/>
-          <a:chOff x="0" y="0"/>
-          <a:chExt cx="0" cy="0"/>
-        </a:xfrm>
-      </p:grpSpPr>
-      <p:sp>
-        <p:nvSpPr>
-          <p:cNvPr id="208" name="Google Shape;208;p30"/>
-          <p:cNvSpPr txBox="1"/>
-          <p:nvPr>
-            <p:ph type="title"/>
-          </p:nvPr>
-        </p:nvSpPr>
-        <p:spPr>
-          <a:xfrm>
-            <a:off x="387900" y="229425"/>
-            <a:ext cx="4428600" cy="686100"/>
-          </a:xfrm>
-          <a:prstGeom prst="rect">
-            <a:avLst/>
-          </a:prstGeom>
-        </p:spPr>
-        <p:txBody>
-          <a:bodyPr anchorCtr="0" anchor="b" bIns="91425" lIns="91425" spcFirstLastPara="1" rIns="91425" wrap="square" tIns="91425">
-            <a:normAutofit/>
-          </a:bodyPr>
-          <a:lstStyle/>
-          <a:p>
-            <a:pPr indent="0" lvl="0" marL="0" rtl="0" algn="l">
-              <a:spcBef>
-                <a:spcPts val="0"/>
-              </a:spcBef>
-              <a:spcAft>
-                <a:spcPts val="0"/>
-              </a:spcAft>
-              <a:buNone/>
-            </a:pPr>
-            <a:r>
-              <a:rPr lang="en"/>
-              <a:t>Challenges - Hardware</a:t>
-            </a:r>
-            <a:endParaRPr/>
-          </a:p>
-        </p:txBody>
-      </p:sp>
-      <p:sp>
-        <p:nvSpPr>
-          <p:cNvPr id="209" name="Google Shape;209;p30"/>
-          <p:cNvSpPr txBox="1"/>
-          <p:nvPr>
-            <p:ph idx="1" type="body"/>
-          </p:nvPr>
-        </p:nvSpPr>
-        <p:spPr>
-          <a:xfrm>
-            <a:off x="387900" y="1257300"/>
-            <a:ext cx="5463900" cy="2542200"/>
-          </a:xfrm>
-          <a:prstGeom prst="rect">
-            <a:avLst/>
-          </a:prstGeom>
-        </p:spPr>
-        <p:txBody>
-          <a:bodyPr anchorCtr="0" anchor="t" bIns="91425" lIns="91425" spcFirstLastPara="1" rIns="91425" wrap="square" tIns="91425">
-            <a:normAutofit/>
-          </a:bodyPr>
-          <a:lstStyle/>
-          <a:p>
-            <a:pPr indent="-342900" lvl="0" marL="457200" rtl="0" algn="l">
-              <a:spcBef>
-                <a:spcPts val="0"/>
-              </a:spcBef>
-              <a:spcAft>
-                <a:spcPts val="0"/>
-              </a:spcAft>
-              <a:buSzPts val="1800"/>
-              <a:buChar char="●"/>
-            </a:pPr>
-            <a:r>
-              <a:rPr lang="en"/>
-              <a:t>OpenBCI Ultracortex headset</a:t>
-            </a:r>
-            <a:endParaRPr/>
-          </a:p>
-          <a:p>
-            <a:pPr indent="-330200" lvl="1" marL="914400" rtl="0" algn="l">
-              <a:spcBef>
-                <a:spcPts val="0"/>
-              </a:spcBef>
-              <a:spcAft>
-                <a:spcPts val="0"/>
-              </a:spcAft>
-              <a:buSzPts val="1600"/>
-              <a:buChar char="○"/>
-            </a:pPr>
-            <a:r>
-              <a:rPr lang="en" sz="1600"/>
-              <a:t>8 electrodes (professional: 128)</a:t>
-            </a:r>
-            <a:endParaRPr sz="1600"/>
-          </a:p>
-          <a:p>
-            <a:pPr indent="-330200" lvl="1" marL="914400" rtl="0" algn="l">
-              <a:spcBef>
-                <a:spcPts val="0"/>
-              </a:spcBef>
-              <a:spcAft>
-                <a:spcPts val="0"/>
-              </a:spcAft>
-              <a:buSzPts val="1600"/>
-              <a:buChar char="○"/>
-            </a:pPr>
-            <a:r>
-              <a:rPr lang="en" sz="1600"/>
-              <a:t>Difficult to secure</a:t>
-            </a:r>
-            <a:endParaRPr sz="1600"/>
-          </a:p>
-          <a:p>
-            <a:pPr indent="-330200" lvl="1" marL="914400" rtl="0" algn="l">
-              <a:spcBef>
-                <a:spcPts val="0"/>
-              </a:spcBef>
-              <a:spcAft>
-                <a:spcPts val="0"/>
-              </a:spcAft>
-              <a:buSzPts val="1600"/>
-              <a:buChar char="○"/>
-            </a:pPr>
-            <a:r>
-              <a:rPr lang="en" sz="1600"/>
-              <a:t>Small movements cause it to shift position</a:t>
-            </a:r>
-            <a:endParaRPr sz="1600"/>
-          </a:p>
-          <a:p>
-            <a:pPr indent="-330200" lvl="1" marL="914400" rtl="0" algn="l">
-              <a:spcBef>
-                <a:spcPts val="0"/>
-              </a:spcBef>
-              <a:spcAft>
-                <a:spcPts val="0"/>
-              </a:spcAft>
-              <a:buSzPts val="1600"/>
-              <a:buChar char="○"/>
-            </a:pPr>
-            <a:r>
-              <a:rPr lang="en" sz="1600"/>
-              <a:t>Electrodes move with headset</a:t>
-            </a:r>
-            <a:endParaRPr/>
-          </a:p>
-          <a:p>
-            <a:pPr indent="-342900" lvl="0" marL="457200" rtl="0" algn="l">
-              <a:spcBef>
-                <a:spcPts val="2500"/>
-              </a:spcBef>
-              <a:spcAft>
-                <a:spcPts val="0"/>
-              </a:spcAft>
-              <a:buSzPts val="1800"/>
-              <a:buChar char="●"/>
-            </a:pPr>
-            <a:r>
-              <a:rPr lang="en"/>
-              <a:t>RESULT: </a:t>
-            </a:r>
-            <a:endParaRPr/>
-          </a:p>
-          <a:p>
-            <a:pPr indent="-330200" lvl="1" marL="914400" rtl="0" algn="l">
-              <a:spcBef>
-                <a:spcPts val="0"/>
-              </a:spcBef>
-              <a:spcAft>
-                <a:spcPts val="0"/>
-              </a:spcAft>
-              <a:buSzPts val="1600"/>
-              <a:buChar char="○"/>
-            </a:pPr>
-            <a:r>
-              <a:rPr lang="en" sz="1600"/>
-              <a:t>Low quality data (and not enough of it)</a:t>
-            </a:r>
-            <a:endParaRPr sz="1600"/>
-          </a:p>
-        </p:txBody>
-      </p:sp>
-      <p:sp>
-        <p:nvSpPr>
-          <p:cNvPr id="210" name="Google Shape;210;p30"/>
-          <p:cNvSpPr txBox="1"/>
-          <p:nvPr>
-            <p:ph idx="12" type="sldNum"/>
-          </p:nvPr>
-        </p:nvSpPr>
-        <p:spPr>
-          <a:xfrm>
-            <a:off x="8472458" y="4663217"/>
-            <a:ext cx="548700" cy="393600"/>
-          </a:xfrm>
-          <a:prstGeom prst="rect">
-            <a:avLst/>
-          </a:prstGeom>
-        </p:spPr>
-        <p:txBody>
-          <a:bodyPr anchorCtr="0" anchor="ctr" bIns="91425" lIns="91425" spcFirstLastPara="1" rIns="91425" wrap="square" tIns="91425">
-            <a:normAutofit/>
-          </a:bodyPr>
-          <a:lstStyle/>
-          <a:p>
-            <a:pPr indent="0" lvl="0" marL="0" rtl="0" algn="r">
-              <a:spcBef>
-                <a:spcPts val="0"/>
-              </a:spcBef>
-              <a:spcAft>
-                <a:spcPts val="0"/>
-              </a:spcAft>
-              <a:buNone/>
-            </a:pPr>
-            <a:fld id="{00000000-1234-1234-1234-123412341234}" type="slidenum">
-              <a:rPr lang="en"/>
-              <a:t>‹#›</a:t>
-            </a:fld>
-            <a:endParaRPr/>
-          </a:p>
-        </p:txBody>
-      </p:sp>
-    </p:spTree>
-  </p:cSld>
-  <p:clrMapOvr>
-    <a:masterClrMapping/>
-  </p:clrMapOvr>
-</p:sld>
-</file>
-
-<file path=ppt/slides/slide19.xml><?xml version="1.0" encoding="utf-8"?>
-<p:sld xmlns:a="http://schemas.openxmlformats.org/drawingml/2006/main" xmlns:r="http://schemas.openxmlformats.org/officeDocument/2006/relationships" xmlns:mc="http://schemas.openxmlformats.org/markup-compatibility/2006" xmlns:mv="urn:schemas-microsoft-com:mac:vml" xmlns:p="http://schemas.openxmlformats.org/presentationml/2006/main" xmlns:c="http://schemas.openxmlformats.org/drawingml/2006/chart" xmlns:dgm="http://schemas.openxmlformats.org/drawingml/2006/diagram" xmlns:o="urn:schemas-microsoft-com:office:office" xmlns:v="urn:schemas-microsoft-com:vml" xmlns:pvml="urn:schemas-microsoft-com:office:powerpoint" xmlns:com="http://schemas.openxmlformats.org/drawingml/2006/compatibility" xmlns:p14="http://schemas.microsoft.com/office/powerpoint/2010/main" xmlns:p15="http://schemas.microsoft.com/office/powerpoint/2012/main" xmlns:ahyp="http://schemas.microsoft.com/office/drawing/2018/hyperlinkcolor">
-  <p:cSld>
-    <p:spTree>
-      <p:nvGrpSpPr>
-        <p:cNvPr id="214" name="Shape 214"/>
-        <p:cNvGrpSpPr/>
-        <p:nvPr/>
-      </p:nvGrpSpPr>
-      <p:grpSpPr>
-        <a:xfrm>
-          <a:off x="0" y="0"/>
-          <a:ext cx="0" cy="0"/>
-          <a:chOff x="0" y="0"/>
-          <a:chExt cx="0" cy="0"/>
-        </a:xfrm>
-      </p:grpSpPr>
-      <p:sp>
-        <p:nvSpPr>
-          <p:cNvPr id="215" name="Google Shape;215;p31"/>
-          <p:cNvSpPr txBox="1"/>
-          <p:nvPr>
-            <p:ph type="title"/>
-          </p:nvPr>
-        </p:nvSpPr>
-        <p:spPr>
-          <a:xfrm>
-            <a:off x="387900" y="229425"/>
-            <a:ext cx="4308900" cy="686100"/>
-          </a:xfrm>
-          <a:prstGeom prst="rect">
-            <a:avLst/>
-          </a:prstGeom>
-        </p:spPr>
-        <p:txBody>
-          <a:bodyPr anchorCtr="0" anchor="b" bIns="91425" lIns="91425" spcFirstLastPara="1" rIns="91425" wrap="square" tIns="91425">
-            <a:normAutofit/>
-          </a:bodyPr>
-          <a:lstStyle/>
-          <a:p>
-            <a:pPr indent="0" lvl="0" marL="0" rtl="0" algn="l">
-              <a:spcBef>
-                <a:spcPts val="0"/>
-              </a:spcBef>
-              <a:spcAft>
-                <a:spcPts val="0"/>
-              </a:spcAft>
-              <a:buNone/>
-            </a:pPr>
-            <a:r>
-              <a:rPr lang="en"/>
-              <a:t>Challenges - Software</a:t>
-            </a:r>
-            <a:endParaRPr/>
-          </a:p>
-        </p:txBody>
-      </p:sp>
-      <p:sp>
-        <p:nvSpPr>
-          <p:cNvPr id="216" name="Google Shape;216;p31"/>
-          <p:cNvSpPr txBox="1"/>
-          <p:nvPr>
-            <p:ph idx="1" type="body"/>
-          </p:nvPr>
-        </p:nvSpPr>
-        <p:spPr>
-          <a:xfrm>
-            <a:off x="387900" y="1259250"/>
-            <a:ext cx="8368200" cy="2625000"/>
-          </a:xfrm>
-          <a:prstGeom prst="rect">
-            <a:avLst/>
-          </a:prstGeom>
-        </p:spPr>
-        <p:txBody>
-          <a:bodyPr anchorCtr="0" anchor="t" bIns="91425" lIns="91425" spcFirstLastPara="1" rIns="91425" wrap="square" tIns="91425">
-            <a:normAutofit/>
-          </a:bodyPr>
-          <a:lstStyle/>
-          <a:p>
-            <a:pPr indent="-342900" lvl="0" marL="457200" rtl="0" algn="l">
-              <a:spcBef>
-                <a:spcPts val="0"/>
-              </a:spcBef>
-              <a:spcAft>
-                <a:spcPts val="0"/>
-              </a:spcAft>
-              <a:buSzPts val="1800"/>
-              <a:buChar char="●"/>
-            </a:pPr>
-            <a:r>
-              <a:rPr lang="en"/>
-              <a:t>Training time: 8 minutes</a:t>
-            </a:r>
-            <a:endParaRPr/>
-          </a:p>
-          <a:p>
-            <a:pPr indent="-330200" lvl="1" marL="914400" rtl="0" algn="l">
-              <a:spcBef>
-                <a:spcPts val="0"/>
-              </a:spcBef>
-              <a:spcAft>
-                <a:spcPts val="0"/>
-              </a:spcAft>
-              <a:buSzPts val="1600"/>
-              <a:buChar char="○"/>
-            </a:pPr>
-            <a:r>
-              <a:rPr lang="en" sz="1600"/>
-              <a:t> Results subject to hardware </a:t>
-            </a:r>
-            <a:r>
-              <a:rPr lang="en" sz="1600"/>
-              <a:t>challenges</a:t>
-            </a:r>
-            <a:endParaRPr/>
-          </a:p>
-          <a:p>
-            <a:pPr indent="-342900" lvl="0" marL="457200" rtl="0" algn="l">
-              <a:spcBef>
-                <a:spcPts val="2500"/>
-              </a:spcBef>
-              <a:spcAft>
-                <a:spcPts val="0"/>
-              </a:spcAft>
-              <a:buSzPts val="1800"/>
-              <a:buChar char="●"/>
-            </a:pPr>
-            <a:r>
-              <a:rPr lang="en"/>
-              <a:t>Noise and unrelated spikes (e.g., blinking, swallowing)</a:t>
-            </a:r>
-            <a:endParaRPr/>
-          </a:p>
-          <a:p>
-            <a:pPr indent="-330200" lvl="1" marL="914400" rtl="0" algn="l">
-              <a:spcBef>
-                <a:spcPts val="0"/>
-              </a:spcBef>
-              <a:spcAft>
-                <a:spcPts val="0"/>
-              </a:spcAft>
-              <a:buSzPts val="1600"/>
-              <a:buChar char="○"/>
-            </a:pPr>
-            <a:r>
-              <a:rPr lang="en" sz="1600"/>
-              <a:t> Must be filtered out without affecting relevant signals</a:t>
-            </a:r>
-            <a:endParaRPr/>
-          </a:p>
-          <a:p>
-            <a:pPr indent="-342900" lvl="0" marL="457200" rtl="0" algn="l">
-              <a:spcBef>
-                <a:spcPts val="2500"/>
-              </a:spcBef>
-              <a:spcAft>
-                <a:spcPts val="0"/>
-              </a:spcAft>
-              <a:buSzPts val="1800"/>
-              <a:buChar char="●"/>
-            </a:pPr>
-            <a:r>
-              <a:rPr lang="en"/>
-              <a:t>Thought to Action</a:t>
-            </a:r>
-            <a:endParaRPr/>
-          </a:p>
-          <a:p>
-            <a:pPr indent="-330200" lvl="1" marL="914400" rtl="0" algn="l">
-              <a:spcBef>
-                <a:spcPts val="0"/>
-              </a:spcBef>
-              <a:spcAft>
-                <a:spcPts val="0"/>
-              </a:spcAft>
-              <a:buSzPts val="1600"/>
-              <a:buChar char="○"/>
-            </a:pPr>
-            <a:r>
-              <a:rPr lang="en" sz="1600"/>
-              <a:t>Minimal latency for the game to feel responsive</a:t>
-            </a:r>
-            <a:endParaRPr sz="1600"/>
-          </a:p>
-        </p:txBody>
-      </p:sp>
-      <p:sp>
-        <p:nvSpPr>
-          <p:cNvPr id="217" name="Google Shape;217;p31"/>
+          <p:cNvPr id="204" name="Google Shape;204;p29"/>
           <p:cNvSpPr txBox="1"/>
           <p:nvPr>
             <p:ph idx="12" type="sldNum"/>
@@ -11196,488 +11809,6 @@
 </p:sld>
 </file>
 
-<file path=ppt/slides/slide20.xml><?xml version="1.0" encoding="utf-8"?>
-<p:sld xmlns:a="http://schemas.openxmlformats.org/drawingml/2006/main" xmlns:r="http://schemas.openxmlformats.org/officeDocument/2006/relationships" xmlns:mc="http://schemas.openxmlformats.org/markup-compatibility/2006" xmlns:mv="urn:schemas-microsoft-com:mac:vml" xmlns:p="http://schemas.openxmlformats.org/presentationml/2006/main" xmlns:c="http://schemas.openxmlformats.org/drawingml/2006/chart" xmlns:dgm="http://schemas.openxmlformats.org/drawingml/2006/diagram" xmlns:o="urn:schemas-microsoft-com:office:office" xmlns:v="urn:schemas-microsoft-com:vml" xmlns:pvml="urn:schemas-microsoft-com:office:powerpoint" xmlns:com="http://schemas.openxmlformats.org/drawingml/2006/compatibility" xmlns:p14="http://schemas.microsoft.com/office/powerpoint/2010/main" xmlns:p15="http://schemas.microsoft.com/office/powerpoint/2012/main" xmlns:ahyp="http://schemas.microsoft.com/office/drawing/2018/hyperlinkcolor">
-  <p:cSld>
-    <p:spTree>
-      <p:nvGrpSpPr>
-        <p:cNvPr id="221" name="Shape 221"/>
-        <p:cNvGrpSpPr/>
-        <p:nvPr/>
-      </p:nvGrpSpPr>
-      <p:grpSpPr>
-        <a:xfrm>
-          <a:off x="0" y="0"/>
-          <a:ext cx="0" cy="0"/>
-          <a:chOff x="0" y="0"/>
-          <a:chExt cx="0" cy="0"/>
-        </a:xfrm>
-      </p:grpSpPr>
-      <p:sp>
-        <p:nvSpPr>
-          <p:cNvPr id="222" name="Google Shape;222;p32"/>
-          <p:cNvSpPr txBox="1"/>
-          <p:nvPr>
-            <p:ph type="title"/>
-          </p:nvPr>
-        </p:nvSpPr>
-        <p:spPr>
-          <a:xfrm>
-            <a:off x="387900" y="229425"/>
-            <a:ext cx="3284400" cy="686100"/>
-          </a:xfrm>
-          <a:prstGeom prst="rect">
-            <a:avLst/>
-          </a:prstGeom>
-        </p:spPr>
-        <p:txBody>
-          <a:bodyPr anchorCtr="0" anchor="b" bIns="91425" lIns="91425" spcFirstLastPara="1" rIns="91425" wrap="square" tIns="91425">
-            <a:normAutofit/>
-          </a:bodyPr>
-          <a:lstStyle/>
-          <a:p>
-            <a:pPr indent="0" lvl="0" marL="0" rtl="0" algn="l">
-              <a:spcBef>
-                <a:spcPts val="0"/>
-              </a:spcBef>
-              <a:spcAft>
-                <a:spcPts val="0"/>
-              </a:spcAft>
-              <a:buNone/>
-            </a:pPr>
-            <a:r>
-              <a:rPr lang="en"/>
-              <a:t>Lessons Learned</a:t>
-            </a:r>
-            <a:endParaRPr/>
-          </a:p>
-        </p:txBody>
-      </p:sp>
-      <p:sp>
-        <p:nvSpPr>
-          <p:cNvPr id="223" name="Google Shape;223;p32"/>
-          <p:cNvSpPr txBox="1"/>
-          <p:nvPr>
-            <p:ph idx="1" type="body"/>
-          </p:nvPr>
-        </p:nvSpPr>
-        <p:spPr>
-          <a:xfrm>
-            <a:off x="387900" y="1249925"/>
-            <a:ext cx="8368200" cy="2422500"/>
-          </a:xfrm>
-          <a:prstGeom prst="rect">
-            <a:avLst/>
-          </a:prstGeom>
-        </p:spPr>
-        <p:txBody>
-          <a:bodyPr anchorCtr="0" anchor="t" bIns="91425" lIns="91425" spcFirstLastPara="1" rIns="91425" wrap="square" tIns="91425">
-            <a:normAutofit/>
-          </a:bodyPr>
-          <a:lstStyle/>
-          <a:p>
-            <a:pPr indent="-342900" lvl="0" marL="457200" rtl="0" algn="l">
-              <a:spcBef>
-                <a:spcPts val="0"/>
-              </a:spcBef>
-              <a:spcAft>
-                <a:spcPts val="0"/>
-              </a:spcAft>
-              <a:buSzPts val="1800"/>
-              <a:buChar char="●"/>
-            </a:pPr>
-            <a:r>
-              <a:rPr lang="en"/>
-              <a:t>ML requires a lot of data</a:t>
-            </a:r>
-            <a:endParaRPr/>
-          </a:p>
-          <a:p>
-            <a:pPr indent="-342900" lvl="0" marL="457200" rtl="0" algn="l">
-              <a:spcBef>
-                <a:spcPts val="2500"/>
-              </a:spcBef>
-              <a:spcAft>
-                <a:spcPts val="0"/>
-              </a:spcAft>
-              <a:buSzPts val="1800"/>
-              <a:buChar char="●"/>
-            </a:pPr>
-            <a:r>
-              <a:rPr lang="en"/>
-              <a:t>EEG signals are noisy</a:t>
-            </a:r>
-            <a:endParaRPr/>
-          </a:p>
-          <a:p>
-            <a:pPr indent="-342900" lvl="0" marL="457200" rtl="0" algn="l">
-              <a:spcBef>
-                <a:spcPts val="2500"/>
-              </a:spcBef>
-              <a:spcAft>
-                <a:spcPts val="0"/>
-              </a:spcAft>
-              <a:buSzPts val="1800"/>
-              <a:buChar char="●"/>
-            </a:pPr>
-            <a:r>
-              <a:rPr lang="en"/>
-              <a:t>EEG hardware limitations</a:t>
-            </a:r>
-            <a:endParaRPr/>
-          </a:p>
-          <a:p>
-            <a:pPr indent="-342900" lvl="0" marL="457200" rtl="0" algn="l">
-              <a:spcBef>
-                <a:spcPts val="2500"/>
-              </a:spcBef>
-              <a:spcAft>
-                <a:spcPts val="2500"/>
-              </a:spcAft>
-              <a:buSzPts val="1800"/>
-              <a:buChar char="●"/>
-            </a:pPr>
-            <a:r>
-              <a:rPr lang="en"/>
-              <a:t>Powerful computer needed for real-time signal processing</a:t>
-            </a:r>
-            <a:endParaRPr/>
-          </a:p>
-        </p:txBody>
-      </p:sp>
-      <p:sp>
-        <p:nvSpPr>
-          <p:cNvPr id="224" name="Google Shape;224;p32"/>
-          <p:cNvSpPr txBox="1"/>
-          <p:nvPr>
-            <p:ph idx="12" type="sldNum"/>
-          </p:nvPr>
-        </p:nvSpPr>
-        <p:spPr>
-          <a:xfrm>
-            <a:off x="8472458" y="4663217"/>
-            <a:ext cx="548700" cy="393600"/>
-          </a:xfrm>
-          <a:prstGeom prst="rect">
-            <a:avLst/>
-          </a:prstGeom>
-        </p:spPr>
-        <p:txBody>
-          <a:bodyPr anchorCtr="0" anchor="ctr" bIns="91425" lIns="91425" spcFirstLastPara="1" rIns="91425" wrap="square" tIns="91425">
-            <a:normAutofit/>
-          </a:bodyPr>
-          <a:lstStyle/>
-          <a:p>
-            <a:pPr indent="0" lvl="0" marL="0" rtl="0" algn="r">
-              <a:spcBef>
-                <a:spcPts val="0"/>
-              </a:spcBef>
-              <a:spcAft>
-                <a:spcPts val="0"/>
-              </a:spcAft>
-              <a:buNone/>
-            </a:pPr>
-            <a:fld id="{00000000-1234-1234-1234-123412341234}" type="slidenum">
-              <a:rPr lang="en"/>
-              <a:t>‹#›</a:t>
-            </a:fld>
-            <a:endParaRPr/>
-          </a:p>
-        </p:txBody>
-      </p:sp>
-    </p:spTree>
-  </p:cSld>
-  <p:clrMapOvr>
-    <a:masterClrMapping/>
-  </p:clrMapOvr>
-</p:sld>
-</file>
-
-<file path=ppt/slides/slide21.xml><?xml version="1.0" encoding="utf-8"?>
-<p:sld xmlns:a="http://schemas.openxmlformats.org/drawingml/2006/main" xmlns:r="http://schemas.openxmlformats.org/officeDocument/2006/relationships" xmlns:mc="http://schemas.openxmlformats.org/markup-compatibility/2006" xmlns:mv="urn:schemas-microsoft-com:mac:vml" xmlns:p="http://schemas.openxmlformats.org/presentationml/2006/main" xmlns:c="http://schemas.openxmlformats.org/drawingml/2006/chart" xmlns:dgm="http://schemas.openxmlformats.org/drawingml/2006/diagram" xmlns:o="urn:schemas-microsoft-com:office:office" xmlns:v="urn:schemas-microsoft-com:vml" xmlns:pvml="urn:schemas-microsoft-com:office:powerpoint" xmlns:com="http://schemas.openxmlformats.org/drawingml/2006/compatibility" xmlns:p14="http://schemas.microsoft.com/office/powerpoint/2010/main" xmlns:p15="http://schemas.microsoft.com/office/powerpoint/2012/main" xmlns:ahyp="http://schemas.microsoft.com/office/drawing/2018/hyperlinkcolor">
-  <p:cSld>
-    <p:spTree>
-      <p:nvGrpSpPr>
-        <p:cNvPr id="228" name="Shape 228"/>
-        <p:cNvGrpSpPr/>
-        <p:nvPr/>
-      </p:nvGrpSpPr>
-      <p:grpSpPr>
-        <a:xfrm>
-          <a:off x="0" y="0"/>
-          <a:ext cx="0" cy="0"/>
-          <a:chOff x="0" y="0"/>
-          <a:chExt cx="0" cy="0"/>
-        </a:xfrm>
-      </p:grpSpPr>
-      <p:sp>
-        <p:nvSpPr>
-          <p:cNvPr id="229" name="Google Shape;229;p33"/>
-          <p:cNvSpPr txBox="1"/>
-          <p:nvPr>
-            <p:ph type="title"/>
-          </p:nvPr>
-        </p:nvSpPr>
-        <p:spPr>
-          <a:xfrm>
-            <a:off x="387900" y="229425"/>
-            <a:ext cx="2521800" cy="686100"/>
-          </a:xfrm>
-          <a:prstGeom prst="rect">
-            <a:avLst/>
-          </a:prstGeom>
-        </p:spPr>
-        <p:txBody>
-          <a:bodyPr anchorCtr="0" anchor="b" bIns="91425" lIns="91425" spcFirstLastPara="1" rIns="91425" wrap="square" tIns="91425">
-            <a:normAutofit/>
-          </a:bodyPr>
-          <a:lstStyle/>
-          <a:p>
-            <a:pPr indent="0" lvl="0" marL="0" rtl="0" algn="l">
-              <a:spcBef>
-                <a:spcPts val="0"/>
-              </a:spcBef>
-              <a:spcAft>
-                <a:spcPts val="0"/>
-              </a:spcAft>
-              <a:buNone/>
-            </a:pPr>
-            <a:r>
-              <a:rPr lang="en"/>
-              <a:t>Future Work</a:t>
-            </a:r>
-            <a:endParaRPr/>
-          </a:p>
-        </p:txBody>
-      </p:sp>
-      <p:sp>
-        <p:nvSpPr>
-          <p:cNvPr id="230" name="Google Shape;230;p33"/>
-          <p:cNvSpPr txBox="1"/>
-          <p:nvPr>
-            <p:ph idx="1" type="body"/>
-          </p:nvPr>
-        </p:nvSpPr>
-        <p:spPr>
-          <a:xfrm>
-            <a:off x="387900" y="1257300"/>
-            <a:ext cx="8368200" cy="2117100"/>
-          </a:xfrm>
-          <a:prstGeom prst="rect">
-            <a:avLst/>
-          </a:prstGeom>
-        </p:spPr>
-        <p:txBody>
-          <a:bodyPr anchorCtr="0" anchor="t" bIns="91425" lIns="91425" spcFirstLastPara="1" rIns="91425" wrap="square" tIns="91425">
-            <a:normAutofit/>
-          </a:bodyPr>
-          <a:lstStyle/>
-          <a:p>
-            <a:pPr indent="-342900" lvl="0" marL="457200" rtl="0" algn="l">
-              <a:spcBef>
-                <a:spcPts val="0"/>
-              </a:spcBef>
-              <a:spcAft>
-                <a:spcPts val="0"/>
-              </a:spcAft>
-              <a:buSzPts val="1800"/>
-              <a:buChar char="●"/>
-            </a:pPr>
-            <a:r>
-              <a:rPr lang="en"/>
-              <a:t>Upgrade our EEG hardware</a:t>
-            </a:r>
-            <a:endParaRPr/>
-          </a:p>
-          <a:p>
-            <a:pPr indent="-342900" lvl="0" marL="457200" rtl="0" algn="l">
-              <a:spcBef>
-                <a:spcPts val="2500"/>
-              </a:spcBef>
-              <a:spcAft>
-                <a:spcPts val="0"/>
-              </a:spcAft>
-              <a:buSzPts val="1800"/>
-              <a:buChar char="●"/>
-            </a:pPr>
-            <a:r>
-              <a:rPr lang="en"/>
-              <a:t>Fine-tune our noise reduction and ML classification techniques</a:t>
-            </a:r>
-            <a:endParaRPr/>
-          </a:p>
-          <a:p>
-            <a:pPr indent="-342900" lvl="0" marL="457200" rtl="0" algn="l">
-              <a:spcBef>
-                <a:spcPts val="2500"/>
-              </a:spcBef>
-              <a:spcAft>
-                <a:spcPts val="2500"/>
-              </a:spcAft>
-              <a:buSzPts val="1800"/>
-              <a:buChar char="●"/>
-            </a:pPr>
-            <a:r>
-              <a:rPr lang="en"/>
-              <a:t>Transition from classifying movements to classifying imagined movements (motor imagery)</a:t>
-            </a:r>
-            <a:endParaRPr/>
-          </a:p>
-        </p:txBody>
-      </p:sp>
-      <p:sp>
-        <p:nvSpPr>
-          <p:cNvPr id="231" name="Google Shape;231;p33"/>
-          <p:cNvSpPr txBox="1"/>
-          <p:nvPr>
-            <p:ph idx="12" type="sldNum"/>
-          </p:nvPr>
-        </p:nvSpPr>
-        <p:spPr>
-          <a:xfrm>
-            <a:off x="8472458" y="4663217"/>
-            <a:ext cx="548700" cy="393600"/>
-          </a:xfrm>
-          <a:prstGeom prst="rect">
-            <a:avLst/>
-          </a:prstGeom>
-        </p:spPr>
-        <p:txBody>
-          <a:bodyPr anchorCtr="0" anchor="ctr" bIns="91425" lIns="91425" spcFirstLastPara="1" rIns="91425" wrap="square" tIns="91425">
-            <a:normAutofit/>
-          </a:bodyPr>
-          <a:lstStyle/>
-          <a:p>
-            <a:pPr indent="0" lvl="0" marL="0" rtl="0" algn="r">
-              <a:spcBef>
-                <a:spcPts val="0"/>
-              </a:spcBef>
-              <a:spcAft>
-                <a:spcPts val="0"/>
-              </a:spcAft>
-              <a:buNone/>
-            </a:pPr>
-            <a:fld id="{00000000-1234-1234-1234-123412341234}" type="slidenum">
-              <a:rPr lang="en"/>
-              <a:t>‹#›</a:t>
-            </a:fld>
-            <a:endParaRPr/>
-          </a:p>
-        </p:txBody>
-      </p:sp>
-    </p:spTree>
-  </p:cSld>
-  <p:clrMapOvr>
-    <a:masterClrMapping/>
-  </p:clrMapOvr>
-</p:sld>
-</file>
-
-<file path=ppt/slides/slide22.xml><?xml version="1.0" encoding="utf-8"?>
-<p:sld xmlns:a="http://schemas.openxmlformats.org/drawingml/2006/main" xmlns:r="http://schemas.openxmlformats.org/officeDocument/2006/relationships" xmlns:mc="http://schemas.openxmlformats.org/markup-compatibility/2006" xmlns:mv="urn:schemas-microsoft-com:mac:vml" xmlns:p="http://schemas.openxmlformats.org/presentationml/2006/main" xmlns:c="http://schemas.openxmlformats.org/drawingml/2006/chart" xmlns:dgm="http://schemas.openxmlformats.org/drawingml/2006/diagram" xmlns:o="urn:schemas-microsoft-com:office:office" xmlns:v="urn:schemas-microsoft-com:vml" xmlns:pvml="urn:schemas-microsoft-com:office:powerpoint" xmlns:com="http://schemas.openxmlformats.org/drawingml/2006/compatibility" xmlns:p14="http://schemas.microsoft.com/office/powerpoint/2010/main" xmlns:p15="http://schemas.microsoft.com/office/powerpoint/2012/main" xmlns:ahyp="http://schemas.microsoft.com/office/drawing/2018/hyperlinkcolor">
-  <p:cSld>
-    <p:spTree>
-      <p:nvGrpSpPr>
-        <p:cNvPr id="235" name="Shape 235"/>
-        <p:cNvGrpSpPr/>
-        <p:nvPr/>
-      </p:nvGrpSpPr>
-      <p:grpSpPr>
-        <a:xfrm>
-          <a:off x="0" y="0"/>
-          <a:ext cx="0" cy="0"/>
-          <a:chOff x="0" y="0"/>
-          <a:chExt cx="0" cy="0"/>
-        </a:xfrm>
-      </p:grpSpPr>
-      <p:sp>
-        <p:nvSpPr>
-          <p:cNvPr id="236" name="Google Shape;236;p34"/>
-          <p:cNvSpPr txBox="1"/>
-          <p:nvPr>
-            <p:ph idx="4294967295" type="title"/>
-          </p:nvPr>
-        </p:nvSpPr>
-        <p:spPr>
-          <a:xfrm>
-            <a:off x="2771700" y="2136150"/>
-            <a:ext cx="3600600" cy="871200"/>
-          </a:xfrm>
-          <a:prstGeom prst="rect">
-            <a:avLst/>
-          </a:prstGeom>
-        </p:spPr>
-        <p:txBody>
-          <a:bodyPr anchorCtr="0" anchor="b" bIns="91425" lIns="91425" spcFirstLastPara="1" rIns="91425" wrap="square" tIns="91425">
-            <a:noAutofit/>
-          </a:bodyPr>
-          <a:lstStyle/>
-          <a:p>
-            <a:pPr indent="0" lvl="0" marL="0" rtl="0" algn="l">
-              <a:spcBef>
-                <a:spcPts val="0"/>
-              </a:spcBef>
-              <a:spcAft>
-                <a:spcPts val="0"/>
-              </a:spcAft>
-              <a:buNone/>
-            </a:pPr>
-            <a:r>
-              <a:rPr lang="en" sz="5000"/>
-              <a:t>Questions?</a:t>
-            </a:r>
-            <a:endParaRPr sz="5000"/>
-          </a:p>
-        </p:txBody>
-      </p:sp>
-      <p:sp>
-        <p:nvSpPr>
-          <p:cNvPr id="237" name="Google Shape;237;p34"/>
-          <p:cNvSpPr txBox="1"/>
-          <p:nvPr>
-            <p:ph idx="12" type="sldNum"/>
-          </p:nvPr>
-        </p:nvSpPr>
-        <p:spPr>
-          <a:xfrm>
-            <a:off x="8472458" y="4663217"/>
-            <a:ext cx="548700" cy="393600"/>
-          </a:xfrm>
-          <a:prstGeom prst="rect">
-            <a:avLst/>
-          </a:prstGeom>
-        </p:spPr>
-        <p:txBody>
-          <a:bodyPr anchorCtr="0" anchor="ctr" bIns="91425" lIns="91425" spcFirstLastPara="1" rIns="91425" wrap="square" tIns="91425">
-            <a:normAutofit/>
-          </a:bodyPr>
-          <a:lstStyle/>
-          <a:p>
-            <a:pPr indent="0" lvl="0" marL="0" rtl="0" algn="r">
-              <a:spcBef>
-                <a:spcPts val="0"/>
-              </a:spcBef>
-              <a:spcAft>
-                <a:spcPts val="0"/>
-              </a:spcAft>
-              <a:buNone/>
-            </a:pPr>
-            <a:fld id="{00000000-1234-1234-1234-123412341234}" type="slidenum">
-              <a:rPr lang="en"/>
-              <a:t>‹#›</a:t>
-            </a:fld>
-            <a:endParaRPr/>
-          </a:p>
-        </p:txBody>
-      </p:sp>
-    </p:spTree>
-  </p:cSld>
-  <p:clrMapOvr>
-    <a:masterClrMapping/>
-  </p:clrMapOvr>
-</p:sld>
-</file>
-
 <file path=ppt/slides/slide3.xml><?xml version="1.0" encoding="utf-8"?>
 <p:sld xmlns:a="http://schemas.openxmlformats.org/drawingml/2006/main" xmlns:r="http://schemas.openxmlformats.org/officeDocument/2006/relationships" xmlns:mc="http://schemas.openxmlformats.org/markup-compatibility/2006" xmlns:mv="urn:schemas-microsoft-com:mac:vml" xmlns:p="http://schemas.openxmlformats.org/presentationml/2006/main" xmlns:c="http://schemas.openxmlformats.org/drawingml/2006/chart" xmlns:dgm="http://schemas.openxmlformats.org/drawingml/2006/diagram" xmlns:o="urn:schemas-microsoft-com:office:office" xmlns:v="urn:schemas-microsoft-com:vml" xmlns:pvml="urn:schemas-microsoft-com:office:powerpoint" xmlns:com="http://schemas.openxmlformats.org/drawingml/2006/compatibility" xmlns:p14="http://schemas.microsoft.com/office/powerpoint/2010/main" xmlns:p15="http://schemas.microsoft.com/office/powerpoint/2012/main" xmlns:ahyp="http://schemas.microsoft.com/office/drawing/2018/hyperlinkcolor">
   <p:cSld>
@@ -12179,115 +12310,6 @@
           <p:cNvPr id="92" name="Google Shape;92;p17"/>
           <p:cNvSpPr txBox="1"/>
           <p:nvPr>
-            <p:ph idx="1" type="body"/>
-          </p:nvPr>
-        </p:nvSpPr>
-        <p:spPr>
-          <a:xfrm>
-            <a:off x="387900" y="1257300"/>
-            <a:ext cx="5049900" cy="2463000"/>
-          </a:xfrm>
-          <a:prstGeom prst="rect">
-            <a:avLst/>
-          </a:prstGeom>
-        </p:spPr>
-        <p:txBody>
-          <a:bodyPr anchorCtr="0" anchor="t" bIns="91425" lIns="91425" spcFirstLastPara="1" rIns="91425" wrap="square" tIns="91425">
-            <a:normAutofit/>
-          </a:bodyPr>
-          <a:lstStyle/>
-          <a:p>
-            <a:pPr indent="-342900" lvl="0" marL="457200" rtl="0" algn="l">
-              <a:spcBef>
-                <a:spcPts val="0"/>
-              </a:spcBef>
-              <a:spcAft>
-                <a:spcPts val="0"/>
-              </a:spcAft>
-              <a:buSzPts val="1800"/>
-              <a:buAutoNum type="arabicPeriod"/>
-            </a:pPr>
-            <a:r>
-              <a:rPr lang="en"/>
-              <a:t>Brain activity (signals) sent to computer</a:t>
-            </a:r>
-            <a:endParaRPr/>
-          </a:p>
-          <a:p>
-            <a:pPr indent="0" lvl="0" marL="457200" rtl="0" algn="l">
-              <a:spcBef>
-                <a:spcPts val="1200"/>
-              </a:spcBef>
-              <a:spcAft>
-                <a:spcPts val="0"/>
-              </a:spcAft>
-              <a:buNone/>
-            </a:pPr>
-            <a:r>
-              <a:t/>
-            </a:r>
-            <a:endParaRPr/>
-          </a:p>
-          <a:p>
-            <a:pPr indent="-342900" lvl="0" marL="457200" rtl="0" algn="l">
-              <a:spcBef>
-                <a:spcPts val="1200"/>
-              </a:spcBef>
-              <a:spcAft>
-                <a:spcPts val="0"/>
-              </a:spcAft>
-              <a:buSzPts val="1800"/>
-              <a:buAutoNum type="arabicPeriod"/>
-            </a:pPr>
-            <a:r>
-              <a:rPr lang="en"/>
-              <a:t>C</a:t>
-            </a:r>
-            <a:r>
-              <a:rPr lang="en"/>
-              <a:t>omputer processes signals to commands</a:t>
-            </a:r>
-            <a:endParaRPr/>
-          </a:p>
-          <a:p>
-            <a:pPr indent="0" lvl="0" marL="457200" rtl="0" algn="l">
-              <a:spcBef>
-                <a:spcPts val="1200"/>
-              </a:spcBef>
-              <a:spcAft>
-                <a:spcPts val="0"/>
-              </a:spcAft>
-              <a:buNone/>
-            </a:pPr>
-            <a:r>
-              <a:t/>
-            </a:r>
-            <a:endParaRPr/>
-          </a:p>
-          <a:p>
-            <a:pPr indent="-342900" lvl="0" marL="457200" rtl="0" algn="l">
-              <a:spcBef>
-                <a:spcPts val="1200"/>
-              </a:spcBef>
-              <a:spcAft>
-                <a:spcPts val="0"/>
-              </a:spcAft>
-              <a:buSzPts val="1800"/>
-              <a:buAutoNum type="arabicPeriod"/>
-            </a:pPr>
-            <a:r>
-              <a:rPr lang="en"/>
-              <a:t>Commands sent to software and executed</a:t>
-            </a:r>
-            <a:endParaRPr/>
-          </a:p>
-        </p:txBody>
-      </p:sp>
-      <p:sp>
-        <p:nvSpPr>
-          <p:cNvPr id="93" name="Google Shape;93;p17"/>
-          <p:cNvSpPr txBox="1"/>
-          <p:nvPr>
             <p:ph idx="12" type="sldNum"/>
           </p:nvPr>
         </p:nvSpPr>
@@ -12325,7 +12347,7 @@
       </p:sp>
       <p:pic>
         <p:nvPicPr>
-          <p:cNvPr id="94" name="Google Shape;94;p17"/>
+          <p:cNvPr id="93" name="Google Shape;93;p17"/>
           <p:cNvPicPr preferRelativeResize="0"/>
           <p:nvPr/>
         </p:nvPicPr>
@@ -12366,7 +12388,7 @@
       </p:pic>
       <p:sp>
         <p:nvSpPr>
-          <p:cNvPr id="95" name="Google Shape;95;p17"/>
+          <p:cNvPr id="94" name="Google Shape;94;p17"/>
           <p:cNvSpPr txBox="1"/>
           <p:nvPr/>
         </p:nvSpPr>
@@ -12419,6 +12441,280 @@
               <a:cs typeface="Roboto"/>
               <a:sym typeface="Roboto"/>
             </a:endParaRPr>
+          </a:p>
+        </p:txBody>
+      </p:sp>
+      <p:sp>
+        <p:nvSpPr>
+          <p:cNvPr id="95" name="Google Shape;95;p17"/>
+          <p:cNvSpPr/>
+          <p:nvPr/>
+        </p:nvSpPr>
+        <p:spPr>
+          <a:xfrm>
+            <a:off x="458650" y="1579275"/>
+            <a:ext cx="1649400" cy="1583400"/>
+          </a:xfrm>
+          <a:prstGeom prst="ellipse">
+            <a:avLst/>
+          </a:prstGeom>
+          <a:solidFill>
+            <a:schemeClr val="lt2"/>
+          </a:solidFill>
+          <a:ln cap="flat" cmpd="sng" w="9525">
+            <a:solidFill>
+              <a:schemeClr val="dk2"/>
+            </a:solidFill>
+            <a:prstDash val="solid"/>
+            <a:round/>
+            <a:headEnd len="sm" w="sm" type="none"/>
+            <a:tailEnd len="sm" w="sm" type="none"/>
+          </a:ln>
+        </p:spPr>
+        <p:txBody>
+          <a:bodyPr anchorCtr="0" anchor="ctr" bIns="91425" lIns="91425" spcFirstLastPara="1" rIns="91425" wrap="square" tIns="91425">
+            <a:noAutofit/>
+          </a:bodyPr>
+          <a:lstStyle/>
+          <a:p>
+            <a:pPr indent="0" lvl="0" marL="0" rtl="0" algn="l">
+              <a:spcBef>
+                <a:spcPts val="0"/>
+              </a:spcBef>
+              <a:spcAft>
+                <a:spcPts val="0"/>
+              </a:spcAft>
+              <a:buNone/>
+            </a:pPr>
+            <a:r>
+              <a:rPr lang="en"/>
+              <a:t>1. </a:t>
+            </a:r>
+            <a:r>
+              <a:rPr lang="en"/>
+              <a:t>Brain Activity</a:t>
+            </a:r>
+            <a:endParaRPr/>
+          </a:p>
+          <a:p>
+            <a:pPr indent="0" lvl="0" marL="0" rtl="0" algn="l">
+              <a:spcBef>
+                <a:spcPts val="0"/>
+              </a:spcBef>
+              <a:spcAft>
+                <a:spcPts val="0"/>
+              </a:spcAft>
+              <a:buNone/>
+            </a:pPr>
+            <a:r>
+              <a:rPr lang="en"/>
+              <a:t>Signals</a:t>
+            </a:r>
+            <a:endParaRPr/>
+          </a:p>
+        </p:txBody>
+      </p:sp>
+      <p:sp>
+        <p:nvSpPr>
+          <p:cNvPr id="96" name="Google Shape;96;p17"/>
+          <p:cNvSpPr/>
+          <p:nvPr/>
+        </p:nvSpPr>
+        <p:spPr>
+          <a:xfrm>
+            <a:off x="2904100" y="1628325"/>
+            <a:ext cx="1649400" cy="1485300"/>
+          </a:xfrm>
+          <a:prstGeom prst="ellipse">
+            <a:avLst/>
+          </a:prstGeom>
+          <a:solidFill>
+            <a:schemeClr val="lt2"/>
+          </a:solidFill>
+          <a:ln cap="flat" cmpd="sng" w="9525">
+            <a:solidFill>
+              <a:schemeClr val="dk2"/>
+            </a:solidFill>
+            <a:prstDash val="solid"/>
+            <a:round/>
+            <a:headEnd len="sm" w="sm" type="none"/>
+            <a:tailEnd len="sm" w="sm" type="none"/>
+          </a:ln>
+        </p:spPr>
+        <p:txBody>
+          <a:bodyPr anchorCtr="0" anchor="ctr" bIns="91425" lIns="91425" spcFirstLastPara="1" rIns="91425" wrap="square" tIns="91425">
+            <a:noAutofit/>
+          </a:bodyPr>
+          <a:lstStyle/>
+          <a:p>
+            <a:pPr indent="0" lvl="0" marL="0" rtl="0" algn="l">
+              <a:spcBef>
+                <a:spcPts val="0"/>
+              </a:spcBef>
+              <a:spcAft>
+                <a:spcPts val="0"/>
+              </a:spcAft>
+              <a:buNone/>
+            </a:pPr>
+            <a:r>
+              <a:rPr lang="en"/>
+              <a:t>2. Computer Processing</a:t>
+            </a:r>
+            <a:endParaRPr/>
+          </a:p>
+        </p:txBody>
+      </p:sp>
+      <p:sp>
+        <p:nvSpPr>
+          <p:cNvPr id="97" name="Google Shape;97;p17"/>
+          <p:cNvSpPr/>
+          <p:nvPr/>
+        </p:nvSpPr>
+        <p:spPr>
+          <a:xfrm>
+            <a:off x="1655250" y="3494150"/>
+            <a:ext cx="1649400" cy="1485300"/>
+          </a:xfrm>
+          <a:prstGeom prst="ellipse">
+            <a:avLst/>
+          </a:prstGeom>
+          <a:solidFill>
+            <a:schemeClr val="lt2"/>
+          </a:solidFill>
+          <a:ln cap="flat" cmpd="sng" w="9525">
+            <a:solidFill>
+              <a:schemeClr val="dk2"/>
+            </a:solidFill>
+            <a:prstDash val="solid"/>
+            <a:round/>
+            <a:headEnd len="sm" w="sm" type="none"/>
+            <a:tailEnd len="sm" w="sm" type="none"/>
+          </a:ln>
+        </p:spPr>
+        <p:txBody>
+          <a:bodyPr anchorCtr="0" anchor="ctr" bIns="91425" lIns="91425" spcFirstLastPara="1" rIns="91425" wrap="square" tIns="91425">
+            <a:noAutofit/>
+          </a:bodyPr>
+          <a:lstStyle/>
+          <a:p>
+            <a:pPr indent="0" lvl="0" marL="0" rtl="0" algn="l">
+              <a:spcBef>
+                <a:spcPts val="0"/>
+              </a:spcBef>
+              <a:spcAft>
+                <a:spcPts val="0"/>
+              </a:spcAft>
+              <a:buNone/>
+            </a:pPr>
+            <a:r>
+              <a:rPr lang="en"/>
+              <a:t>3. Game Commands</a:t>
+            </a:r>
+            <a:endParaRPr/>
+          </a:p>
+        </p:txBody>
+      </p:sp>
+      <p:sp>
+        <p:nvSpPr>
+          <p:cNvPr id="98" name="Google Shape;98;p17"/>
+          <p:cNvSpPr/>
+          <p:nvPr/>
+        </p:nvSpPr>
+        <p:spPr>
+          <a:xfrm>
+            <a:off x="2184250" y="2216850"/>
+            <a:ext cx="665700" cy="354900"/>
+          </a:xfrm>
+          <a:prstGeom prst="rightArrow">
+            <a:avLst>
+              <a:gd fmla="val 50000" name="adj1"/>
+              <a:gd fmla="val 50000" name="adj2"/>
+            </a:avLst>
+          </a:prstGeom>
+          <a:solidFill>
+            <a:schemeClr val="lt2"/>
+          </a:solidFill>
+          <a:ln cap="flat" cmpd="sng" w="9525">
+            <a:solidFill>
+              <a:schemeClr val="dk2"/>
+            </a:solidFill>
+            <a:prstDash val="solid"/>
+            <a:round/>
+            <a:headEnd len="sm" w="sm" type="none"/>
+            <a:tailEnd len="sm" w="sm" type="none"/>
+          </a:ln>
+        </p:spPr>
+        <p:txBody>
+          <a:bodyPr anchorCtr="0" anchor="ctr" bIns="91425" lIns="91425" spcFirstLastPara="1" rIns="91425" wrap="square" tIns="91425">
+            <a:noAutofit/>
+          </a:bodyPr>
+          <a:lstStyle/>
+          <a:p>
+            <a:pPr indent="0" lvl="0" marL="0" rtl="0" algn="l">
+              <a:spcBef>
+                <a:spcPts val="0"/>
+              </a:spcBef>
+              <a:spcAft>
+                <a:spcPts val="0"/>
+              </a:spcAft>
+              <a:buNone/>
+            </a:pPr>
+            <a:r>
+              <a:t/>
+            </a:r>
+            <a:endParaRPr/>
+          </a:p>
+        </p:txBody>
+      </p:sp>
+      <p:sp>
+        <p:nvSpPr>
+          <p:cNvPr id="99" name="Google Shape;99;p17"/>
+          <p:cNvSpPr/>
+          <p:nvPr/>
+        </p:nvSpPr>
+        <p:spPr>
+          <a:xfrm rot="7298480">
+            <a:off x="2896916" y="3188585"/>
+            <a:ext cx="665650" cy="354925"/>
+          </a:xfrm>
+          <a:prstGeom prst="rightArrow">
+            <a:avLst>
+              <a:gd fmla="val 50000" name="adj1"/>
+              <a:gd fmla="val 50000" name="adj2"/>
+            </a:avLst>
+          </a:prstGeom>
+          <a:solidFill>
+            <a:schemeClr val="lt2"/>
+          </a:solidFill>
+          <a:ln cap="flat" cmpd="sng" w="9525">
+            <a:solidFill>
+              <a:schemeClr val="dk2"/>
+            </a:solidFill>
+            <a:prstDash val="solid"/>
+            <a:round/>
+            <a:headEnd len="sm" w="sm" type="none"/>
+            <a:tailEnd len="sm" w="sm" type="none"/>
+          </a:ln>
+        </p:spPr>
+        <p:txBody>
+          <a:bodyPr anchorCtr="0" anchor="ctr" bIns="91425" lIns="91425" spcFirstLastPara="1" rIns="91425" wrap="square" tIns="91425">
+            <a:noAutofit/>
+          </a:bodyPr>
+          <a:lstStyle/>
+          <a:p>
+            <a:pPr indent="0" lvl="0" marL="0" rtl="0" algn="l">
+              <a:spcBef>
+                <a:spcPts val="0"/>
+              </a:spcBef>
+              <a:spcAft>
+                <a:spcPts val="0"/>
+              </a:spcAft>
+              <a:buNone/>
+            </a:pPr>
+            <a:r>
+              <a:t/>
+            </a:r>
+            <a:endParaRPr/>
           </a:p>
         </p:txBody>
       </p:sp>
@@ -12435,7 +12731,7 @@
   <p:cSld>
     <p:spTree>
       <p:nvGrpSpPr>
-        <p:cNvPr id="99" name="Shape 99"/>
+        <p:cNvPr id="103" name="Shape 103"/>
         <p:cNvGrpSpPr/>
         <p:nvPr/>
       </p:nvGrpSpPr>
@@ -12449,7 +12745,7 @@
       </p:grpSpPr>
       <p:sp>
         <p:nvSpPr>
-          <p:cNvPr id="100" name="Google Shape;100;p18"/>
+          <p:cNvPr id="104" name="Google Shape;104;p18"/>
           <p:cNvSpPr txBox="1"/>
           <p:nvPr>
             <p:ph type="title"/>
@@ -12501,7 +12797,7 @@
       </p:sp>
       <p:sp>
         <p:nvSpPr>
-          <p:cNvPr id="101" name="Google Shape;101;p18"/>
+          <p:cNvPr id="105" name="Google Shape;105;p18"/>
           <p:cNvSpPr txBox="1"/>
           <p:nvPr>
             <p:ph idx="1" type="body"/>
@@ -12629,7 +12925,7 @@
       </p:sp>
       <p:sp>
         <p:nvSpPr>
-          <p:cNvPr id="102" name="Google Shape;102;p18"/>
+          <p:cNvPr id="106" name="Google Shape;106;p18"/>
           <p:cNvSpPr txBox="1"/>
           <p:nvPr>
             <p:ph idx="12" type="sldNum"/>
@@ -12669,7 +12965,7 @@
       </p:sp>
       <p:pic>
         <p:nvPicPr>
-          <p:cNvPr id="103" name="Google Shape;103;p18"/>
+          <p:cNvPr id="107" name="Google Shape;107;p18"/>
           <p:cNvPicPr preferRelativeResize="0"/>
           <p:nvPr/>
         </p:nvPicPr>
@@ -12697,7 +12993,7 @@
       </p:pic>
       <p:sp>
         <p:nvSpPr>
-          <p:cNvPr id="104" name="Google Shape;104;p18"/>
+          <p:cNvPr id="108" name="Google Shape;108;p18"/>
           <p:cNvSpPr txBox="1"/>
           <p:nvPr/>
         </p:nvSpPr>
@@ -12755,7 +13051,7 @@
       </p:sp>
       <p:pic>
         <p:nvPicPr>
-          <p:cNvPr id="105" name="Google Shape;105;p18"/>
+          <p:cNvPr id="109" name="Google Shape;109;p18"/>
           <p:cNvPicPr preferRelativeResize="0"/>
           <p:nvPr/>
         </p:nvPicPr>
@@ -12783,7 +13079,7 @@
       </p:pic>
       <p:sp>
         <p:nvSpPr>
-          <p:cNvPr id="106" name="Google Shape;106;p18"/>
+          <p:cNvPr id="110" name="Google Shape;110;p18"/>
           <p:cNvSpPr txBox="1"/>
           <p:nvPr/>
         </p:nvSpPr>
@@ -12852,7 +13148,7 @@
   <p:cSld>
     <p:spTree>
       <p:nvGrpSpPr>
-        <p:cNvPr id="110" name="Shape 110"/>
+        <p:cNvPr id="114" name="Shape 114"/>
         <p:cNvGrpSpPr/>
         <p:nvPr/>
       </p:nvGrpSpPr>
@@ -12866,7 +13162,7 @@
       </p:grpSpPr>
       <p:sp>
         <p:nvSpPr>
-          <p:cNvPr id="111" name="Google Shape;111;p19"/>
+          <p:cNvPr id="115" name="Google Shape;115;p19"/>
           <p:cNvSpPr txBox="1"/>
           <p:nvPr>
             <p:ph type="title"/>
@@ -12906,7 +13202,7 @@
       </p:sp>
       <p:sp>
         <p:nvSpPr>
-          <p:cNvPr id="112" name="Google Shape;112;p19"/>
+          <p:cNvPr id="116" name="Google Shape;116;p19"/>
           <p:cNvSpPr txBox="1"/>
           <p:nvPr>
             <p:ph idx="1" type="body"/>
@@ -12998,7 +13294,7 @@
       </p:sp>
       <p:sp>
         <p:nvSpPr>
-          <p:cNvPr id="113" name="Google Shape;113;p19"/>
+          <p:cNvPr id="117" name="Google Shape;117;p19"/>
           <p:cNvSpPr txBox="1"/>
           <p:nvPr>
             <p:ph idx="12" type="sldNum"/>
@@ -13038,7 +13334,7 @@
       </p:sp>
       <p:pic>
         <p:nvPicPr>
-          <p:cNvPr id="114" name="Google Shape;114;p19"/>
+          <p:cNvPr id="118" name="Google Shape;118;p19"/>
           <p:cNvPicPr preferRelativeResize="0"/>
           <p:nvPr/>
         </p:nvPicPr>
@@ -13072,7 +13368,7 @@
       </p:pic>
       <p:sp>
         <p:nvSpPr>
-          <p:cNvPr id="115" name="Google Shape;115;p19"/>
+          <p:cNvPr id="119" name="Google Shape;119;p19"/>
           <p:cNvSpPr txBox="1"/>
           <p:nvPr/>
         </p:nvSpPr>
@@ -13141,7 +13437,7 @@
   <p:cSld>
     <p:spTree>
       <p:nvGrpSpPr>
-        <p:cNvPr id="119" name="Shape 119"/>
+        <p:cNvPr id="123" name="Shape 123"/>
         <p:cNvGrpSpPr/>
         <p:nvPr/>
       </p:nvGrpSpPr>
@@ -13155,7 +13451,7 @@
       </p:grpSpPr>
       <p:sp>
         <p:nvSpPr>
-          <p:cNvPr id="120" name="Google Shape;120;p20"/>
+          <p:cNvPr id="124" name="Google Shape;124;p20"/>
           <p:cNvSpPr txBox="1"/>
           <p:nvPr>
             <p:ph type="title"/>
@@ -13195,7 +13491,7 @@
       </p:sp>
       <p:sp>
         <p:nvSpPr>
-          <p:cNvPr id="121" name="Google Shape;121;p20"/>
+          <p:cNvPr id="125" name="Google Shape;125;p20"/>
           <p:cNvSpPr txBox="1"/>
           <p:nvPr>
             <p:ph idx="1" type="body"/>
@@ -13278,7 +13574,7 @@
       </p:sp>
       <p:sp>
         <p:nvSpPr>
-          <p:cNvPr id="122" name="Google Shape;122;p20"/>
+          <p:cNvPr id="126" name="Google Shape;126;p20"/>
           <p:cNvSpPr txBox="1"/>
           <p:nvPr>
             <p:ph idx="12" type="sldNum"/>
@@ -13318,7 +13614,7 @@
       </p:sp>
       <p:pic>
         <p:nvPicPr>
-          <p:cNvPr id="123" name="Google Shape;123;p20"/>
+          <p:cNvPr id="127" name="Google Shape;127;p20"/>
           <p:cNvPicPr preferRelativeResize="0"/>
           <p:nvPr/>
         </p:nvPicPr>
@@ -13346,7 +13642,7 @@
       </p:pic>
       <p:sp>
         <p:nvSpPr>
-          <p:cNvPr id="124" name="Google Shape;124;p20"/>
+          <p:cNvPr id="128" name="Google Shape;128;p20"/>
           <p:cNvSpPr txBox="1"/>
           <p:nvPr/>
         </p:nvSpPr>
@@ -13415,7 +13711,7 @@
   <p:cSld>
     <p:spTree>
       <p:nvGrpSpPr>
-        <p:cNvPr id="128" name="Shape 128"/>
+        <p:cNvPr id="132" name="Shape 132"/>
         <p:cNvGrpSpPr/>
         <p:nvPr/>
       </p:nvGrpSpPr>
@@ -13429,7 +13725,7 @@
       </p:grpSpPr>
       <p:sp>
         <p:nvSpPr>
-          <p:cNvPr id="129" name="Google Shape;129;p21"/>
+          <p:cNvPr id="133" name="Google Shape;133;p21"/>
           <p:cNvSpPr txBox="1"/>
           <p:nvPr>
             <p:ph type="title"/>
@@ -13469,7 +13765,7 @@
       </p:sp>
       <p:sp>
         <p:nvSpPr>
-          <p:cNvPr id="130" name="Google Shape;130;p21"/>
+          <p:cNvPr id="134" name="Google Shape;134;p21"/>
           <p:cNvSpPr txBox="1"/>
           <p:nvPr>
             <p:ph idx="12" type="sldNum"/>
@@ -13509,7 +13805,7 @@
       </p:sp>
       <p:sp>
         <p:nvSpPr>
-          <p:cNvPr id="131" name="Google Shape;131;p21"/>
+          <p:cNvPr id="135" name="Google Shape;135;p21"/>
           <p:cNvSpPr txBox="1"/>
           <p:nvPr/>
         </p:nvSpPr>
@@ -13567,7 +13863,7 @@
       </p:sp>
       <p:pic>
         <p:nvPicPr>
-          <p:cNvPr id="132" name="Google Shape;132;p21"/>
+          <p:cNvPr id="136" name="Google Shape;136;p21"/>
           <p:cNvPicPr preferRelativeResize="0"/>
           <p:nvPr/>
         </p:nvPicPr>
@@ -13602,6 +13898,285 @@
 </file>
 
 <file path=ppt/theme/theme1.xml><?xml version="1.0" encoding="utf-8"?>
+<a:theme xmlns:a="http://schemas.openxmlformats.org/drawingml/2006/main" xmlns:r="http://schemas.openxmlformats.org/officeDocument/2006/relationships" name="Marina">
+  <a:themeElements>
+    <a:clrScheme name="Marina">
+      <a:dk1>
+        <a:srgbClr val="FFFFFF"/>
+      </a:dk1>
+      <a:lt1>
+        <a:srgbClr val="00517C"/>
+      </a:lt1>
+      <a:dk2>
+        <a:srgbClr val="004065"/>
+      </a:dk2>
+      <a:lt2>
+        <a:srgbClr val="CFD8DC"/>
+      </a:lt2>
+      <a:accent1>
+        <a:srgbClr val="0277BD"/>
+      </a:accent1>
+      <a:accent2>
+        <a:srgbClr val="558B2F"/>
+      </a:accent2>
+      <a:accent3>
+        <a:srgbClr val="009688"/>
+      </a:accent3>
+      <a:accent4>
+        <a:srgbClr val="039BE5"/>
+      </a:accent4>
+      <a:accent5>
+        <a:srgbClr val="8BC34A"/>
+      </a:accent5>
+      <a:accent6>
+        <a:srgbClr val="FFEB38"/>
+      </a:accent6>
+      <a:hlink>
+        <a:srgbClr val="8BC34A"/>
+      </a:hlink>
+      <a:folHlink>
+        <a:srgbClr val="8BC34A"/>
+      </a:folHlink>
+    </a:clrScheme>
+    <a:fontScheme name="Office">
+      <a:majorFont>
+        <a:latin typeface="Arial"/>
+        <a:ea typeface=""/>
+        <a:cs typeface=""/>
+        <a:font script="Jpan" typeface="ＭＳ Ｐゴシック"/>
+        <a:font script="Hang" typeface="맑은 고딕"/>
+        <a:font script="Hans" typeface="宋体"/>
+        <a:font script="Hant" typeface="新細明體"/>
+        <a:font script="Arab" typeface="Times New Roman"/>
+        <a:font script="Hebr" typeface="Times New Roman"/>
+        <a:font script="Thai" typeface="Angsana New"/>
+        <a:font script="Ethi" typeface="Nyala"/>
+        <a:font script="Beng" typeface="Vrinda"/>
+        <a:font script="Gujr" typeface="Shruti"/>
+        <a:font script="Khmr" typeface="MoolBoran"/>
+        <a:font script="Knda" typeface="Tunga"/>
+        <a:font script="Guru" typeface="Raavi"/>
+        <a:font script="Cans" typeface="Euphemia"/>
+        <a:font script="Cher" typeface="Plantagenet Cherokee"/>
+        <a:font script="Yiii" typeface="Microsoft Yi Baiti"/>
+        <a:font script="Tibt" typeface="Microsoft Himalaya"/>
+        <a:font script="Thaa" typeface="MV Boli"/>
+        <a:font script="Deva" typeface="Mangal"/>
+        <a:font script="Telu" typeface="Gautami"/>
+        <a:font script="Taml" typeface="Latha"/>
+        <a:font script="Syrc" typeface="Estrangelo Edessa"/>
+        <a:font script="Orya" typeface="Kalinga"/>
+        <a:font script="Mlym" typeface="Kartika"/>
+        <a:font script="Laoo" typeface="DokChampa"/>
+        <a:font script="Sinh" typeface="Iskoola Pota"/>
+        <a:font script="Mong" typeface="Mongolian Baiti"/>
+        <a:font script="Viet" typeface="Times New Roman"/>
+        <a:font script="Uigh" typeface="Microsoft Uighur"/>
+        <a:font script="Geor" typeface="Sylfaen"/>
+      </a:majorFont>
+      <a:minorFont>
+        <a:latin typeface="Arial"/>
+        <a:ea typeface=""/>
+        <a:cs typeface=""/>
+        <a:font script="Jpan" typeface="ＭＳ Ｐゴシック"/>
+        <a:font script="Hang" typeface="맑은 고딕"/>
+        <a:font script="Hans" typeface="宋体"/>
+        <a:font script="Hant" typeface="新細明體"/>
+        <a:font script="Arab" typeface="Arial"/>
+        <a:font script="Hebr" typeface="Arial"/>
+        <a:font script="Thai" typeface="Cordia New"/>
+        <a:font script="Ethi" typeface="Nyala"/>
+        <a:font script="Beng" typeface="Vrinda"/>
+        <a:font script="Gujr" typeface="Shruti"/>
+        <a:font script="Khmr" typeface="DaunPenh"/>
+        <a:font script="Knda" typeface="Tunga"/>
+        <a:font script="Guru" typeface="Raavi"/>
+        <a:font script="Cans" typeface="Euphemia"/>
+        <a:font script="Cher" typeface="Plantagenet Cherokee"/>
+        <a:font script="Yiii" typeface="Microsoft Yi Baiti"/>
+        <a:font script="Tibt" typeface="Microsoft Himalaya"/>
+        <a:font script="Thaa" typeface="MV Boli"/>
+        <a:font script="Deva" typeface="Mangal"/>
+        <a:font script="Telu" typeface="Gautami"/>
+        <a:font script="Taml" typeface="Latha"/>
+        <a:font script="Syrc" typeface="Estrangelo Edessa"/>
+        <a:font script="Orya" typeface="Kalinga"/>
+        <a:font script="Mlym" typeface="Kartika"/>
+        <a:font script="Laoo" typeface="DokChampa"/>
+        <a:font script="Sinh" typeface="Iskoola Pota"/>
+        <a:font script="Mong" typeface="Mongolian Baiti"/>
+        <a:font script="Viet" typeface="Arial"/>
+        <a:font script="Uigh" typeface="Microsoft Uighur"/>
+        <a:font script="Geor" typeface="Sylfaen"/>
+      </a:minorFont>
+    </a:fontScheme>
+    <a:fmtScheme name="Office">
+      <a:fillStyleLst>
+        <a:solidFill>
+          <a:schemeClr val="phClr"/>
+        </a:solidFill>
+        <a:gradFill rotWithShape="1">
+          <a:gsLst>
+            <a:gs pos="0">
+              <a:schemeClr val="phClr">
+                <a:tint val="50000"/>
+                <a:satMod val="300000"/>
+              </a:schemeClr>
+            </a:gs>
+            <a:gs pos="35000">
+              <a:schemeClr val="phClr">
+                <a:tint val="37000"/>
+                <a:satMod val="300000"/>
+              </a:schemeClr>
+            </a:gs>
+            <a:gs pos="100000">
+              <a:schemeClr val="phClr">
+                <a:tint val="15000"/>
+                <a:satMod val="350000"/>
+              </a:schemeClr>
+            </a:gs>
+          </a:gsLst>
+          <a:lin ang="16200000" scaled="1"/>
+        </a:gradFill>
+        <a:gradFill rotWithShape="1">
+          <a:gsLst>
+            <a:gs pos="0">
+              <a:schemeClr val="phClr">
+                <a:tint val="100000"/>
+                <a:shade val="100000"/>
+                <a:satMod val="130000"/>
+              </a:schemeClr>
+            </a:gs>
+            <a:gs pos="100000">
+              <a:schemeClr val="phClr">
+                <a:tint val="50000"/>
+                <a:shade val="100000"/>
+                <a:satMod val="350000"/>
+              </a:schemeClr>
+            </a:gs>
+          </a:gsLst>
+          <a:lin ang="16200000" scaled="0"/>
+        </a:gradFill>
+      </a:fillStyleLst>
+      <a:lnStyleLst>
+        <a:ln w="9525" cap="flat" cmpd="sng" algn="ctr">
+          <a:solidFill>
+            <a:schemeClr val="phClr">
+              <a:shade val="95000"/>
+              <a:satMod val="105000"/>
+            </a:schemeClr>
+          </a:solidFill>
+          <a:prstDash val="solid"/>
+        </a:ln>
+        <a:ln w="25400" cap="flat" cmpd="sng" algn="ctr">
+          <a:solidFill>
+            <a:schemeClr val="phClr"/>
+          </a:solidFill>
+          <a:prstDash val="solid"/>
+        </a:ln>
+        <a:ln w="38100" cap="flat" cmpd="sng" algn="ctr">
+          <a:solidFill>
+            <a:schemeClr val="phClr"/>
+          </a:solidFill>
+          <a:prstDash val="solid"/>
+        </a:ln>
+      </a:lnStyleLst>
+      <a:effectStyleLst>
+        <a:effectStyle>
+          <a:effectLst>
+            <a:outerShdw blurRad="40000" dist="20000" dir="5400000" rotWithShape="0">
+              <a:srgbClr val="000000">
+                <a:alpha val="38000"/>
+              </a:srgbClr>
+            </a:outerShdw>
+          </a:effectLst>
+        </a:effectStyle>
+        <a:effectStyle>
+          <a:effectLst>
+            <a:outerShdw blurRad="40000" dist="23000" dir="5400000" rotWithShape="0">
+              <a:srgbClr val="000000">
+                <a:alpha val="35000"/>
+              </a:srgbClr>
+            </a:outerShdw>
+          </a:effectLst>
+        </a:effectStyle>
+        <a:effectStyle>
+          <a:effectLst>
+            <a:outerShdw blurRad="40000" dist="23000" dir="5400000" rotWithShape="0">
+              <a:srgbClr val="000000">
+                <a:alpha val="35000"/>
+              </a:srgbClr>
+            </a:outerShdw>
+          </a:effectLst>
+          <a:scene3d>
+            <a:camera prst="orthographicFront">
+              <a:rot lat="0" lon="0" rev="0"/>
+            </a:camera>
+            <a:lightRig rig="threePt" dir="t">
+              <a:rot lat="0" lon="0" rev="1200000"/>
+            </a:lightRig>
+          </a:scene3d>
+          <a:sp3d>
+            <a:bevelT w="63500" h="25400"/>
+          </a:sp3d>
+        </a:effectStyle>
+      </a:effectStyleLst>
+      <a:bgFillStyleLst>
+        <a:solidFill>
+          <a:schemeClr val="phClr"/>
+        </a:solidFill>
+        <a:gradFill rotWithShape="1">
+          <a:gsLst>
+            <a:gs pos="0">
+              <a:schemeClr val="phClr">
+                <a:tint val="40000"/>
+                <a:satMod val="350000"/>
+              </a:schemeClr>
+            </a:gs>
+            <a:gs pos="40000">
+              <a:schemeClr val="phClr">
+                <a:tint val="45000"/>
+                <a:shade val="99000"/>
+                <a:satMod val="350000"/>
+              </a:schemeClr>
+            </a:gs>
+            <a:gs pos="100000">
+              <a:schemeClr val="phClr">
+                <a:shade val="20000"/>
+                <a:satMod val="255000"/>
+              </a:schemeClr>
+            </a:gs>
+          </a:gsLst>
+          <a:path path="circle">
+            <a:fillToRect l="50000" t="-80000" r="50000" b="180000"/>
+          </a:path>
+        </a:gradFill>
+        <a:gradFill rotWithShape="1">
+          <a:gsLst>
+            <a:gs pos="0">
+              <a:schemeClr val="phClr">
+                <a:tint val="80000"/>
+                <a:satMod val="300000"/>
+              </a:schemeClr>
+            </a:gs>
+            <a:gs pos="100000">
+              <a:schemeClr val="phClr">
+                <a:shade val="30000"/>
+                <a:satMod val="200000"/>
+              </a:schemeClr>
+            </a:gs>
+          </a:gsLst>
+          <a:path path="circle">
+            <a:fillToRect l="50000" t="50000" r="50000" b="50000"/>
+          </a:path>
+        </a:gradFill>
+      </a:bgFillStyleLst>
+    </a:fmtScheme>
+  </a:themeElements>
+</a:theme>
+</file>
+
+<file path=ppt/theme/theme2.xml><?xml version="1.0" encoding="utf-8"?>
 <a:theme xmlns:a="http://schemas.openxmlformats.org/drawingml/2006/main" xmlns:r="http://schemas.openxmlformats.org/officeDocument/2006/relationships">
   <a:themeElements>
     <a:clrScheme name="Default">
@@ -13878,283 +14453,4 @@
     </a:fmtScheme>
   </a:themeElements>
 </a:theme>
-</file>
-
-<file path=ppt/theme/theme2.xml><?xml version="1.0" encoding="utf-8"?>
-<a:theme xmlns:a="http://schemas.openxmlformats.org/drawingml/2006/main" xmlns:r="http://schemas.openxmlformats.org/officeDocument/2006/relationships" name="Marina">
-  <a:themeElements>
-    <a:clrScheme name="Marina">
-      <a:dk1>
-        <a:srgbClr val="FFFFFF"/>
-      </a:dk1>
-      <a:lt1>
-        <a:srgbClr val="00517C"/>
-      </a:lt1>
-      <a:dk2>
-        <a:srgbClr val="004065"/>
-      </a:dk2>
-      <a:lt2>
-        <a:srgbClr val="CFD8DC"/>
-      </a:lt2>
-      <a:accent1>
-        <a:srgbClr val="0277BD"/>
-      </a:accent1>
-      <a:accent2>
-        <a:srgbClr val="558B2F"/>
-      </a:accent2>
-      <a:accent3>
-        <a:srgbClr val="009688"/>
-      </a:accent3>
-      <a:accent4>
-        <a:srgbClr val="039BE5"/>
-      </a:accent4>
-      <a:accent5>
-        <a:srgbClr val="8BC34A"/>
-      </a:accent5>
-      <a:accent6>
-        <a:srgbClr val="FFEB38"/>
-      </a:accent6>
-      <a:hlink>
-        <a:srgbClr val="8BC34A"/>
-      </a:hlink>
-      <a:folHlink>
-        <a:srgbClr val="8BC34A"/>
-      </a:folHlink>
-    </a:clrScheme>
-    <a:fontScheme name="Office">
-      <a:majorFont>
-        <a:latin typeface="Arial"/>
-        <a:ea typeface=""/>
-        <a:cs typeface=""/>
-        <a:font script="Jpan" typeface="ＭＳ Ｐゴシック"/>
-        <a:font script="Hang" typeface="맑은 고딕"/>
-        <a:font script="Hans" typeface="宋体"/>
-        <a:font script="Hant" typeface="新細明體"/>
-        <a:font script="Arab" typeface="Times New Roman"/>
-        <a:font script="Hebr" typeface="Times New Roman"/>
-        <a:font script="Thai" typeface="Angsana New"/>
-        <a:font script="Ethi" typeface="Nyala"/>
-        <a:font script="Beng" typeface="Vrinda"/>
-        <a:font script="Gujr" typeface="Shruti"/>
-        <a:font script="Khmr" typeface="MoolBoran"/>
-        <a:font script="Knda" typeface="Tunga"/>
-        <a:font script="Guru" typeface="Raavi"/>
-        <a:font script="Cans" typeface="Euphemia"/>
-        <a:font script="Cher" typeface="Plantagenet Cherokee"/>
-        <a:font script="Yiii" typeface="Microsoft Yi Baiti"/>
-        <a:font script="Tibt" typeface="Microsoft Himalaya"/>
-        <a:font script="Thaa" typeface="MV Boli"/>
-        <a:font script="Deva" typeface="Mangal"/>
-        <a:font script="Telu" typeface="Gautami"/>
-        <a:font script="Taml" typeface="Latha"/>
-        <a:font script="Syrc" typeface="Estrangelo Edessa"/>
-        <a:font script="Orya" typeface="Kalinga"/>
-        <a:font script="Mlym" typeface="Kartika"/>
-        <a:font script="Laoo" typeface="DokChampa"/>
-        <a:font script="Sinh" typeface="Iskoola Pota"/>
-        <a:font script="Mong" typeface="Mongolian Baiti"/>
-        <a:font script="Viet" typeface="Times New Roman"/>
-        <a:font script="Uigh" typeface="Microsoft Uighur"/>
-        <a:font script="Geor" typeface="Sylfaen"/>
-      </a:majorFont>
-      <a:minorFont>
-        <a:latin typeface="Arial"/>
-        <a:ea typeface=""/>
-        <a:cs typeface=""/>
-        <a:font script="Jpan" typeface="ＭＳ Ｐゴシック"/>
-        <a:font script="Hang" typeface="맑은 고딕"/>
-        <a:font script="Hans" typeface="宋体"/>
-        <a:font script="Hant" typeface="新細明體"/>
-        <a:font script="Arab" typeface="Arial"/>
-        <a:font script="Hebr" typeface="Arial"/>
-        <a:font script="Thai" typeface="Cordia New"/>
-        <a:font script="Ethi" typeface="Nyala"/>
-        <a:font script="Beng" typeface="Vrinda"/>
-        <a:font script="Gujr" typeface="Shruti"/>
-        <a:font script="Khmr" typeface="DaunPenh"/>
-        <a:font script="Knda" typeface="Tunga"/>
-        <a:font script="Guru" typeface="Raavi"/>
-        <a:font script="Cans" typeface="Euphemia"/>
-        <a:font script="Cher" typeface="Plantagenet Cherokee"/>
-        <a:font script="Yiii" typeface="Microsoft Yi Baiti"/>
-        <a:font script="Tibt" typeface="Microsoft Himalaya"/>
-        <a:font script="Thaa" typeface="MV Boli"/>
-        <a:font script="Deva" typeface="Mangal"/>
-        <a:font script="Telu" typeface="Gautami"/>
-        <a:font script="Taml" typeface="Latha"/>
-        <a:font script="Syrc" typeface="Estrangelo Edessa"/>
-        <a:font script="Orya" typeface="Kalinga"/>
-        <a:font script="Mlym" typeface="Kartika"/>
-        <a:font script="Laoo" typeface="DokChampa"/>
-        <a:font script="Sinh" typeface="Iskoola Pota"/>
-        <a:font script="Mong" typeface="Mongolian Baiti"/>
-        <a:font script="Viet" typeface="Arial"/>
-        <a:font script="Uigh" typeface="Microsoft Uighur"/>
-        <a:font script="Geor" typeface="Sylfaen"/>
-      </a:minorFont>
-    </a:fontScheme>
-    <a:fmtScheme name="Office">
-      <a:fillStyleLst>
-        <a:solidFill>
-          <a:schemeClr val="phClr"/>
-        </a:solidFill>
-        <a:gradFill rotWithShape="1">
-          <a:gsLst>
-            <a:gs pos="0">
-              <a:schemeClr val="phClr">
-                <a:tint val="50000"/>
-                <a:satMod val="300000"/>
-              </a:schemeClr>
-            </a:gs>
-            <a:gs pos="35000">
-              <a:schemeClr val="phClr">
-                <a:tint val="37000"/>
-                <a:satMod val="300000"/>
-              </a:schemeClr>
-            </a:gs>
-            <a:gs pos="100000">
-              <a:schemeClr val="phClr">
-                <a:tint val="15000"/>
-                <a:satMod val="350000"/>
-              </a:schemeClr>
-            </a:gs>
-          </a:gsLst>
-          <a:lin ang="16200000" scaled="1"/>
-        </a:gradFill>
-        <a:gradFill rotWithShape="1">
-          <a:gsLst>
-            <a:gs pos="0">
-              <a:schemeClr val="phClr">
-                <a:tint val="100000"/>
-                <a:shade val="100000"/>
-                <a:satMod val="130000"/>
-              </a:schemeClr>
-            </a:gs>
-            <a:gs pos="100000">
-              <a:schemeClr val="phClr">
-                <a:tint val="50000"/>
-                <a:shade val="100000"/>
-                <a:satMod val="350000"/>
-              </a:schemeClr>
-            </a:gs>
-          </a:gsLst>
-          <a:lin ang="16200000" scaled="0"/>
-        </a:gradFill>
-      </a:fillStyleLst>
-      <a:lnStyleLst>
-        <a:ln w="9525" cap="flat" cmpd="sng" algn="ctr">
-          <a:solidFill>
-            <a:schemeClr val="phClr">
-              <a:shade val="95000"/>
-              <a:satMod val="105000"/>
-            </a:schemeClr>
-          </a:solidFill>
-          <a:prstDash val="solid"/>
-        </a:ln>
-        <a:ln w="25400" cap="flat" cmpd="sng" algn="ctr">
-          <a:solidFill>
-            <a:schemeClr val="phClr"/>
-          </a:solidFill>
-          <a:prstDash val="solid"/>
-        </a:ln>
-        <a:ln w="38100" cap="flat" cmpd="sng" algn="ctr">
-          <a:solidFill>
-            <a:schemeClr val="phClr"/>
-          </a:solidFill>
-          <a:prstDash val="solid"/>
-        </a:ln>
-      </a:lnStyleLst>
-      <a:effectStyleLst>
-        <a:effectStyle>
-          <a:effectLst>
-            <a:outerShdw blurRad="40000" dist="20000" dir="5400000" rotWithShape="0">
-              <a:srgbClr val="000000">
-                <a:alpha val="38000"/>
-              </a:srgbClr>
-            </a:outerShdw>
-          </a:effectLst>
-        </a:effectStyle>
-        <a:effectStyle>
-          <a:effectLst>
-            <a:outerShdw blurRad="40000" dist="23000" dir="5400000" rotWithShape="0">
-              <a:srgbClr val="000000">
-                <a:alpha val="35000"/>
-              </a:srgbClr>
-            </a:outerShdw>
-          </a:effectLst>
-        </a:effectStyle>
-        <a:effectStyle>
-          <a:effectLst>
-            <a:outerShdw blurRad="40000" dist="23000" dir="5400000" rotWithShape="0">
-              <a:srgbClr val="000000">
-                <a:alpha val="35000"/>
-              </a:srgbClr>
-            </a:outerShdw>
-          </a:effectLst>
-          <a:scene3d>
-            <a:camera prst="orthographicFront">
-              <a:rot lat="0" lon="0" rev="0"/>
-            </a:camera>
-            <a:lightRig rig="threePt" dir="t">
-              <a:rot lat="0" lon="0" rev="1200000"/>
-            </a:lightRig>
-          </a:scene3d>
-          <a:sp3d>
-            <a:bevelT w="63500" h="25400"/>
-          </a:sp3d>
-        </a:effectStyle>
-      </a:effectStyleLst>
-      <a:bgFillStyleLst>
-        <a:solidFill>
-          <a:schemeClr val="phClr"/>
-        </a:solidFill>
-        <a:gradFill rotWithShape="1">
-          <a:gsLst>
-            <a:gs pos="0">
-              <a:schemeClr val="phClr">
-                <a:tint val="40000"/>
-                <a:satMod val="350000"/>
-              </a:schemeClr>
-            </a:gs>
-            <a:gs pos="40000">
-              <a:schemeClr val="phClr">
-                <a:tint val="45000"/>
-                <a:shade val="99000"/>
-                <a:satMod val="350000"/>
-              </a:schemeClr>
-            </a:gs>
-            <a:gs pos="100000">
-              <a:schemeClr val="phClr">
-                <a:shade val="20000"/>
-                <a:satMod val="255000"/>
-              </a:schemeClr>
-            </a:gs>
-          </a:gsLst>
-          <a:path path="circle">
-            <a:fillToRect l="50000" t="-80000" r="50000" b="180000"/>
-          </a:path>
-        </a:gradFill>
-        <a:gradFill rotWithShape="1">
-          <a:gsLst>
-            <a:gs pos="0">
-              <a:schemeClr val="phClr">
-                <a:tint val="80000"/>
-                <a:satMod val="300000"/>
-              </a:schemeClr>
-            </a:gs>
-            <a:gs pos="100000">
-              <a:schemeClr val="phClr">
-                <a:shade val="30000"/>
-                <a:satMod val="200000"/>
-              </a:schemeClr>
-            </a:gs>
-          </a:gsLst>
-          <a:path path="circle">
-            <a:fillToRect l="50000" t="50000" r="50000" b="50000"/>
-          </a:path>
-        </a:gradFill>
-      </a:bgFillStyleLst>
-    </a:fmtScheme>
-  </a:themeElements>
-</a:theme>
 </file>
--- a/MindGames Final Presentation (1).pptx
+++ b/MindGames Final Presentation (1).pptx
@@ -1,49 +1,49 @@
 
 <file path=ppt/presentation.xml><?xml version="1.0" encoding="utf-8"?>
-<p:presentation xmlns:a="http://schemas.openxmlformats.org/drawingml/2006/main" xmlns:r="http://schemas.openxmlformats.org/officeDocument/2006/relationships" xmlns:mc="http://schemas.openxmlformats.org/markup-compatibility/2006" xmlns:mv="urn:schemas-microsoft-com:mac:vml" xmlns:p="http://schemas.openxmlformats.org/presentationml/2006/main" xmlns:c="http://schemas.openxmlformats.org/drawingml/2006/chart" xmlns:dgm="http://schemas.openxmlformats.org/drawingml/2006/diagram" xmlns:o="urn:schemas-microsoft-com:office:office" xmlns:v="urn:schemas-microsoft-com:vml" xmlns:pvml="urn:schemas-microsoft-com:office:powerpoint" xmlns:com="http://schemas.openxmlformats.org/drawingml/2006/compatibility" xmlns:p14="http://schemas.microsoft.com/office/powerpoint/2010/main" xmlns:p15="http://schemas.microsoft.com/office/powerpoint/2012/main" xmlns:ahyp="http://schemas.microsoft.com/office/drawing/2018/hyperlinkcolor" autoCompressPictures="0" embedTrueTypeFonts="1" strictFirstAndLastChars="0" saveSubsetFonts="1">
+<p:presentation xmlns:a="http://schemas.openxmlformats.org/drawingml/2006/main" xmlns:r="http://schemas.openxmlformats.org/officeDocument/2006/relationships" xmlns:p="http://schemas.openxmlformats.org/presentationml/2006/main" strictFirstAndLastChars="0" embedTrueTypeFonts="1" saveSubsetFonts="1" autoCompressPictures="0">
   <p:sldMasterIdLst>
-    <p:sldMasterId id="2147483659" r:id="rId4"/>
+    <p:sldMasterId id="2147483659" r:id="rId1"/>
   </p:sldMasterIdLst>
   <p:notesMasterIdLst>
-    <p:notesMasterId r:id="rId5"/>
+    <p:notesMasterId r:id="rId19"/>
   </p:notesMasterIdLst>
   <p:sldIdLst>
-    <p:sldId id="256" r:id="rId6"/>
-    <p:sldId id="257" r:id="rId7"/>
-    <p:sldId id="258" r:id="rId8"/>
-    <p:sldId id="259" r:id="rId9"/>
-    <p:sldId id="260" r:id="rId10"/>
-    <p:sldId id="261" r:id="rId11"/>
-    <p:sldId id="262" r:id="rId12"/>
-    <p:sldId id="263" r:id="rId13"/>
-    <p:sldId id="264" r:id="rId14"/>
-    <p:sldId id="265" r:id="rId15"/>
-    <p:sldId id="266" r:id="rId16"/>
-    <p:sldId id="267" r:id="rId17"/>
-    <p:sldId id="268" r:id="rId18"/>
-    <p:sldId id="269" r:id="rId19"/>
-    <p:sldId id="270" r:id="rId20"/>
-    <p:sldId id="271" r:id="rId21"/>
-    <p:sldId id="272" r:id="rId22"/>
+    <p:sldId id="256" r:id="rId2"/>
+    <p:sldId id="257" r:id="rId3"/>
+    <p:sldId id="258" r:id="rId4"/>
+    <p:sldId id="259" r:id="rId5"/>
+    <p:sldId id="260" r:id="rId6"/>
+    <p:sldId id="261" r:id="rId7"/>
+    <p:sldId id="262" r:id="rId8"/>
+    <p:sldId id="263" r:id="rId9"/>
+    <p:sldId id="264" r:id="rId10"/>
+    <p:sldId id="265" r:id="rId11"/>
+    <p:sldId id="266" r:id="rId12"/>
+    <p:sldId id="267" r:id="rId13"/>
+    <p:sldId id="268" r:id="rId14"/>
+    <p:sldId id="269" r:id="rId15"/>
+    <p:sldId id="270" r:id="rId16"/>
+    <p:sldId id="271" r:id="rId17"/>
+    <p:sldId id="272" r:id="rId18"/>
   </p:sldIdLst>
-  <p:sldSz cy="5143500" cx="9144000"/>
+  <p:sldSz cx="9144000" cy="5143500" type="screen16x9"/>
   <p:notesSz cx="6858000" cy="9144000"/>
   <p:embeddedFontLst>
     <p:embeddedFont>
-      <p:font typeface="Roboto Slab"/>
-      <p:regular r:id="rId23"/>
-      <p:bold r:id="rId24"/>
+      <p:font typeface="Roboto" panose="02000000000000000000" pitchFamily="2" charset="0"/>
+      <p:regular r:id="rId20"/>
+      <p:bold r:id="rId21"/>
+      <p:italic r:id="rId22"/>
+      <p:boldItalic r:id="rId23"/>
     </p:embeddedFont>
     <p:embeddedFont>
-      <p:font typeface="Roboto"/>
-      <p:regular r:id="rId25"/>
-      <p:bold r:id="rId26"/>
-      <p:italic r:id="rId27"/>
-      <p:boldItalic r:id="rId28"/>
+      <p:font typeface="Roboto Slab" panose="020B0604020202020204" charset="0"/>
+      <p:regular r:id="rId24"/>
+      <p:bold r:id="rId25"/>
     </p:embeddedFont>
   </p:embeddedFontLst>
   <p:defaultTextStyle>
-    <a:defPPr lvl="0" marR="0" rtl="0" algn="l">
+    <a:defPPr marR="0" lvl="0" algn="l" rtl="0">
       <a:lnSpc>
         <a:spcPct val="100000"/>
       </a:lnSpc>
@@ -54,7 +54,7 @@
         <a:spcPts val="0"/>
       </a:spcAft>
     </a:defPPr>
-    <a:lvl1pPr lvl="0" marR="0" rtl="0" algn="l">
+    <a:lvl1pPr marR="0" lvl="0" algn="l" rtl="0">
       <a:lnSpc>
         <a:spcPct val="100000"/>
       </a:lnSpc>
@@ -68,7 +68,7 @@
         <a:srgbClr val="000000"/>
       </a:buClr>
       <a:buFont typeface="Arial"/>
-      <a:defRPr b="0" i="0" sz="1400" u="none" cap="none" strike="noStrike">
+      <a:defRPr sz="1400" b="0" i="0" u="none" strike="noStrike" cap="none">
         <a:solidFill>
           <a:srgbClr val="000000"/>
         </a:solidFill>
@@ -78,7 +78,7 @@
         <a:sym typeface="Arial"/>
       </a:defRPr>
     </a:lvl1pPr>
-    <a:lvl2pPr lvl="1" marR="0" rtl="0" algn="l">
+    <a:lvl2pPr marR="0" lvl="1" algn="l" rtl="0">
       <a:lnSpc>
         <a:spcPct val="100000"/>
       </a:lnSpc>
@@ -92,7 +92,7 @@
         <a:srgbClr val="000000"/>
       </a:buClr>
       <a:buFont typeface="Arial"/>
-      <a:defRPr b="0" i="0" sz="1400" u="none" cap="none" strike="noStrike">
+      <a:defRPr sz="1400" b="0" i="0" u="none" strike="noStrike" cap="none">
         <a:solidFill>
           <a:srgbClr val="000000"/>
         </a:solidFill>
@@ -102,7 +102,7 @@
         <a:sym typeface="Arial"/>
       </a:defRPr>
     </a:lvl2pPr>
-    <a:lvl3pPr lvl="2" marR="0" rtl="0" algn="l">
+    <a:lvl3pPr marR="0" lvl="2" algn="l" rtl="0">
       <a:lnSpc>
         <a:spcPct val="100000"/>
       </a:lnSpc>
@@ -116,7 +116,7 @@
         <a:srgbClr val="000000"/>
       </a:buClr>
       <a:buFont typeface="Arial"/>
-      <a:defRPr b="0" i="0" sz="1400" u="none" cap="none" strike="noStrike">
+      <a:defRPr sz="1400" b="0" i="0" u="none" strike="noStrike" cap="none">
         <a:solidFill>
           <a:srgbClr val="000000"/>
         </a:solidFill>
@@ -126,7 +126,7 @@
         <a:sym typeface="Arial"/>
       </a:defRPr>
     </a:lvl3pPr>
-    <a:lvl4pPr lvl="3" marR="0" rtl="0" algn="l">
+    <a:lvl4pPr marR="0" lvl="3" algn="l" rtl="0">
       <a:lnSpc>
         <a:spcPct val="100000"/>
       </a:lnSpc>
@@ -140,7 +140,7 @@
         <a:srgbClr val="000000"/>
       </a:buClr>
       <a:buFont typeface="Arial"/>
-      <a:defRPr b="0" i="0" sz="1400" u="none" cap="none" strike="noStrike">
+      <a:defRPr sz="1400" b="0" i="0" u="none" strike="noStrike" cap="none">
         <a:solidFill>
           <a:srgbClr val="000000"/>
         </a:solidFill>
@@ -150,7 +150,7 @@
         <a:sym typeface="Arial"/>
       </a:defRPr>
     </a:lvl4pPr>
-    <a:lvl5pPr lvl="4" marR="0" rtl="0" algn="l">
+    <a:lvl5pPr marR="0" lvl="4" algn="l" rtl="0">
       <a:lnSpc>
         <a:spcPct val="100000"/>
       </a:lnSpc>
@@ -164,7 +164,7 @@
         <a:srgbClr val="000000"/>
       </a:buClr>
       <a:buFont typeface="Arial"/>
-      <a:defRPr b="0" i="0" sz="1400" u="none" cap="none" strike="noStrike">
+      <a:defRPr sz="1400" b="0" i="0" u="none" strike="noStrike" cap="none">
         <a:solidFill>
           <a:srgbClr val="000000"/>
         </a:solidFill>
@@ -174,7 +174,7 @@
         <a:sym typeface="Arial"/>
       </a:defRPr>
     </a:lvl5pPr>
-    <a:lvl6pPr lvl="5" marR="0" rtl="0" algn="l">
+    <a:lvl6pPr marR="0" lvl="5" algn="l" rtl="0">
       <a:lnSpc>
         <a:spcPct val="100000"/>
       </a:lnSpc>
@@ -188,7 +188,7 @@
         <a:srgbClr val="000000"/>
       </a:buClr>
       <a:buFont typeface="Arial"/>
-      <a:defRPr b="0" i="0" sz="1400" u="none" cap="none" strike="noStrike">
+      <a:defRPr sz="1400" b="0" i="0" u="none" strike="noStrike" cap="none">
         <a:solidFill>
           <a:srgbClr val="000000"/>
         </a:solidFill>
@@ -198,7 +198,7 @@
         <a:sym typeface="Arial"/>
       </a:defRPr>
     </a:lvl6pPr>
-    <a:lvl7pPr lvl="6" marR="0" rtl="0" algn="l">
+    <a:lvl7pPr marR="0" lvl="6" algn="l" rtl="0">
       <a:lnSpc>
         <a:spcPct val="100000"/>
       </a:lnSpc>
@@ -212,7 +212,7 @@
         <a:srgbClr val="000000"/>
       </a:buClr>
       <a:buFont typeface="Arial"/>
-      <a:defRPr b="0" i="0" sz="1400" u="none" cap="none" strike="noStrike">
+      <a:defRPr sz="1400" b="0" i="0" u="none" strike="noStrike" cap="none">
         <a:solidFill>
           <a:srgbClr val="000000"/>
         </a:solidFill>
@@ -222,7 +222,7 @@
         <a:sym typeface="Arial"/>
       </a:defRPr>
     </a:lvl7pPr>
-    <a:lvl8pPr lvl="7" marR="0" rtl="0" algn="l">
+    <a:lvl8pPr marR="0" lvl="7" algn="l" rtl="0">
       <a:lnSpc>
         <a:spcPct val="100000"/>
       </a:lnSpc>
@@ -236,7 +236,7 @@
         <a:srgbClr val="000000"/>
       </a:buClr>
       <a:buFont typeface="Arial"/>
-      <a:defRPr b="0" i="0" sz="1400" u="none" cap="none" strike="noStrike">
+      <a:defRPr sz="1400" b="0" i="0" u="none" strike="noStrike" cap="none">
         <a:solidFill>
           <a:srgbClr val="000000"/>
         </a:solidFill>
@@ -246,7 +246,7 @@
         <a:sym typeface="Arial"/>
       </a:defRPr>
     </a:lvl8pPr>
-    <a:lvl9pPr lvl="8" marR="0" rtl="0" algn="l">
+    <a:lvl9pPr marR="0" lvl="8" algn="l" rtl="0">
       <a:lnSpc>
         <a:spcPct val="100000"/>
       </a:lnSpc>
@@ -260,7 +260,7 @@
         <a:srgbClr val="000000"/>
       </a:buClr>
       <a:buFont typeface="Arial"/>
-      <a:defRPr b="0" i="0" sz="1400" u="none" cap="none" strike="noStrike">
+      <a:defRPr sz="1400" b="0" i="0" u="none" strike="noStrike" cap="none">
         <a:solidFill>
           <a:srgbClr val="000000"/>
         </a:solidFill>
@@ -273,7 +273,7 @@
   </p:defaultTextStyle>
   <p:extLst>
     <p:ext uri="{EFAFB233-063F-42B5-8137-9DF3F51BA10A}">
-      <p15:sldGuideLst>
+      <p15:sldGuideLst xmlns:p15="http://schemas.microsoft.com/office/powerpoint/2012/main">
         <p15:guide id="1" orient="horz" pos="1620">
           <p15:clr>
             <a:srgbClr val="A4A3A4"/>
@@ -295,12 +295,168 @@
 </p:presentation>
 </file>
 
+<file path=ppt/changesInfos/changesInfo1.xml><?xml version="1.0" encoding="utf-8"?>
+<pc:chgInfo xmlns:a="http://schemas.openxmlformats.org/drawingml/2006/main" xmlns:r="http://schemas.openxmlformats.org/officeDocument/2006/relationships" xmlns:ac="http://schemas.microsoft.com/office/drawing/2013/main/command" xmlns:pc="http://schemas.microsoft.com/office/powerpoint/2013/main/command">
+  <pc:docChgLst>
+    <pc:chgData name="Wilder Jackson Matthew" userId="9c9111d7-0ec3-4961-8709-26f812b5e6df" providerId="ADAL" clId="{B87376A1-BC48-457A-88D7-996E293D3071}"/>
+    <pc:docChg chg="custSel modSld">
+      <pc:chgData name="Wilder Jackson Matthew" userId="9c9111d7-0ec3-4961-8709-26f812b5e6df" providerId="ADAL" clId="{B87376A1-BC48-457A-88D7-996E293D3071}" dt="2022-05-05T19:50:58.421" v="354" actId="5793"/>
+      <pc:docMkLst>
+        <pc:docMk/>
+      </pc:docMkLst>
+      <pc:sldChg chg="modSp mod">
+        <pc:chgData name="Wilder Jackson Matthew" userId="9c9111d7-0ec3-4961-8709-26f812b5e6df" providerId="ADAL" clId="{B87376A1-BC48-457A-88D7-996E293D3071}" dt="2022-05-05T19:50:48.017" v="351" actId="27636"/>
+        <pc:sldMkLst>
+          <pc:docMk/>
+          <pc:sldMk cId="0" sldId="262"/>
+        </pc:sldMkLst>
+        <pc:spChg chg="mod">
+          <ac:chgData name="Wilder Jackson Matthew" userId="9c9111d7-0ec3-4961-8709-26f812b5e6df" providerId="ADAL" clId="{B87376A1-BC48-457A-88D7-996E293D3071}" dt="2022-05-05T19:50:48.017" v="351" actId="27636"/>
+          <ac:spMkLst>
+            <pc:docMk/>
+            <pc:sldMk cId="0" sldId="262"/>
+            <ac:spMk id="116" creationId="{00000000-0000-0000-0000-000000000000}"/>
+          </ac:spMkLst>
+        </pc:spChg>
+      </pc:sldChg>
+      <pc:sldChg chg="modSp mod">
+        <pc:chgData name="Wilder Jackson Matthew" userId="9c9111d7-0ec3-4961-8709-26f812b5e6df" providerId="ADAL" clId="{B87376A1-BC48-457A-88D7-996E293D3071}" dt="2022-05-05T19:50:58.421" v="354" actId="5793"/>
+        <pc:sldMkLst>
+          <pc:docMk/>
+          <pc:sldMk cId="0" sldId="263"/>
+        </pc:sldMkLst>
+        <pc:spChg chg="mod">
+          <ac:chgData name="Wilder Jackson Matthew" userId="9c9111d7-0ec3-4961-8709-26f812b5e6df" providerId="ADAL" clId="{B87376A1-BC48-457A-88D7-996E293D3071}" dt="2022-05-05T19:50:58.421" v="354" actId="5793"/>
+          <ac:spMkLst>
+            <pc:docMk/>
+            <pc:sldMk cId="0" sldId="263"/>
+            <ac:spMk id="125" creationId="{00000000-0000-0000-0000-000000000000}"/>
+          </ac:spMkLst>
+        </pc:spChg>
+      </pc:sldChg>
+      <pc:sldChg chg="delSp modSp mod">
+        <pc:chgData name="Wilder Jackson Matthew" userId="9c9111d7-0ec3-4961-8709-26f812b5e6df" providerId="ADAL" clId="{B87376A1-BC48-457A-88D7-996E293D3071}" dt="2022-05-05T19:42:33.551" v="6" actId="20577"/>
+        <pc:sldMkLst>
+          <pc:docMk/>
+          <pc:sldMk cId="0" sldId="266"/>
+        </pc:sldMkLst>
+        <pc:spChg chg="mod">
+          <ac:chgData name="Wilder Jackson Matthew" userId="9c9111d7-0ec3-4961-8709-26f812b5e6df" providerId="ADAL" clId="{B87376A1-BC48-457A-88D7-996E293D3071}" dt="2022-05-05T19:42:33.551" v="6" actId="20577"/>
+          <ac:spMkLst>
+            <pc:docMk/>
+            <pc:sldMk cId="0" sldId="266"/>
+            <ac:spMk id="153" creationId="{00000000-0000-0000-0000-000000000000}"/>
+          </ac:spMkLst>
+        </pc:spChg>
+        <pc:spChg chg="del">
+          <ac:chgData name="Wilder Jackson Matthew" userId="9c9111d7-0ec3-4961-8709-26f812b5e6df" providerId="ADAL" clId="{B87376A1-BC48-457A-88D7-996E293D3071}" dt="2022-05-05T19:41:32.526" v="1" actId="478"/>
+          <ac:spMkLst>
+            <pc:docMk/>
+            <pc:sldMk cId="0" sldId="266"/>
+            <ac:spMk id="155" creationId="{00000000-0000-0000-0000-000000000000}"/>
+          </ac:spMkLst>
+        </pc:spChg>
+        <pc:picChg chg="mod">
+          <ac:chgData name="Wilder Jackson Matthew" userId="9c9111d7-0ec3-4961-8709-26f812b5e6df" providerId="ADAL" clId="{B87376A1-BC48-457A-88D7-996E293D3071}" dt="2022-05-05T19:41:40.479" v="3" actId="1076"/>
+          <ac:picMkLst>
+            <pc:docMk/>
+            <pc:sldMk cId="0" sldId="266"/>
+            <ac:picMk id="152" creationId="{00000000-0000-0000-0000-000000000000}"/>
+          </ac:picMkLst>
+        </pc:picChg>
+        <pc:picChg chg="del">
+          <ac:chgData name="Wilder Jackson Matthew" userId="9c9111d7-0ec3-4961-8709-26f812b5e6df" providerId="ADAL" clId="{B87376A1-BC48-457A-88D7-996E293D3071}" dt="2022-05-05T19:41:28.915" v="0" actId="478"/>
+          <ac:picMkLst>
+            <pc:docMk/>
+            <pc:sldMk cId="0" sldId="266"/>
+            <ac:picMk id="154" creationId="{00000000-0000-0000-0000-000000000000}"/>
+          </ac:picMkLst>
+        </pc:picChg>
+      </pc:sldChg>
+      <pc:sldChg chg="modSp mod">
+        <pc:chgData name="Wilder Jackson Matthew" userId="9c9111d7-0ec3-4961-8709-26f812b5e6df" providerId="ADAL" clId="{B87376A1-BC48-457A-88D7-996E293D3071}" dt="2022-05-05T19:43:42.326" v="51" actId="20577"/>
+        <pc:sldMkLst>
+          <pc:docMk/>
+          <pc:sldMk cId="0" sldId="267"/>
+        </pc:sldMkLst>
+        <pc:spChg chg="mod">
+          <ac:chgData name="Wilder Jackson Matthew" userId="9c9111d7-0ec3-4961-8709-26f812b5e6df" providerId="ADAL" clId="{B87376A1-BC48-457A-88D7-996E293D3071}" dt="2022-05-05T19:43:42.326" v="51" actId="20577"/>
+          <ac:spMkLst>
+            <pc:docMk/>
+            <pc:sldMk cId="0" sldId="267"/>
+            <ac:spMk id="162" creationId="{00000000-0000-0000-0000-000000000000}"/>
+          </ac:spMkLst>
+        </pc:spChg>
+      </pc:sldChg>
+      <pc:sldChg chg="modSp mod">
+        <pc:chgData name="Wilder Jackson Matthew" userId="9c9111d7-0ec3-4961-8709-26f812b5e6df" providerId="ADAL" clId="{B87376A1-BC48-457A-88D7-996E293D3071}" dt="2022-05-05T19:43:52.263" v="53" actId="20577"/>
+        <pc:sldMkLst>
+          <pc:docMk/>
+          <pc:sldMk cId="0" sldId="268"/>
+        </pc:sldMkLst>
+        <pc:spChg chg="mod">
+          <ac:chgData name="Wilder Jackson Matthew" userId="9c9111d7-0ec3-4961-8709-26f812b5e6df" providerId="ADAL" clId="{B87376A1-BC48-457A-88D7-996E293D3071}" dt="2022-05-05T19:43:52.263" v="53" actId="20577"/>
+          <ac:spMkLst>
+            <pc:docMk/>
+            <pc:sldMk cId="0" sldId="268"/>
+            <ac:spMk id="171" creationId="{00000000-0000-0000-0000-000000000000}"/>
+          </ac:spMkLst>
+        </pc:spChg>
+      </pc:sldChg>
+      <pc:sldChg chg="modSp mod">
+        <pc:chgData name="Wilder Jackson Matthew" userId="9c9111d7-0ec3-4961-8709-26f812b5e6df" providerId="ADAL" clId="{B87376A1-BC48-457A-88D7-996E293D3071}" dt="2022-05-05T19:48:29.782" v="316" actId="27636"/>
+        <pc:sldMkLst>
+          <pc:docMk/>
+          <pc:sldMk cId="0" sldId="270"/>
+        </pc:sldMkLst>
+        <pc:spChg chg="mod">
+          <ac:chgData name="Wilder Jackson Matthew" userId="9c9111d7-0ec3-4961-8709-26f812b5e6df" providerId="ADAL" clId="{B87376A1-BC48-457A-88D7-996E293D3071}" dt="2022-05-05T19:48:29.782" v="316" actId="27636"/>
+          <ac:spMkLst>
+            <pc:docMk/>
+            <pc:sldMk cId="0" sldId="270"/>
+            <ac:spMk id="189" creationId="{00000000-0000-0000-0000-000000000000}"/>
+          </ac:spMkLst>
+        </pc:spChg>
+        <pc:spChg chg="mod">
+          <ac:chgData name="Wilder Jackson Matthew" userId="9c9111d7-0ec3-4961-8709-26f812b5e6df" providerId="ADAL" clId="{B87376A1-BC48-457A-88D7-996E293D3071}" dt="2022-05-05T19:44:00.971" v="55" actId="20577"/>
+          <ac:spMkLst>
+            <pc:docMk/>
+            <pc:sldMk cId="0" sldId="270"/>
+            <ac:spMk id="191" creationId="{00000000-0000-0000-0000-000000000000}"/>
+          </ac:spMkLst>
+        </pc:spChg>
+      </pc:sldChg>
+      <pc:sldChg chg="modSp mod">
+        <pc:chgData name="Wilder Jackson Matthew" userId="9c9111d7-0ec3-4961-8709-26f812b5e6df" providerId="ADAL" clId="{B87376A1-BC48-457A-88D7-996E293D3071}" dt="2022-05-05T19:49:24.270" v="346" actId="1035"/>
+        <pc:sldMkLst>
+          <pc:docMk/>
+          <pc:sldMk cId="0" sldId="271"/>
+        </pc:sldMkLst>
+        <pc:spChg chg="mod">
+          <ac:chgData name="Wilder Jackson Matthew" userId="9c9111d7-0ec3-4961-8709-26f812b5e6df" providerId="ADAL" clId="{B87376A1-BC48-457A-88D7-996E293D3071}" dt="2022-05-05T19:49:24.270" v="346" actId="1035"/>
+          <ac:spMkLst>
+            <pc:docMk/>
+            <pc:sldMk cId="0" sldId="271"/>
+            <ac:spMk id="197" creationId="{00000000-0000-0000-0000-000000000000}"/>
+          </ac:spMkLst>
+        </pc:spChg>
+      </pc:sldChg>
+    </pc:docChg>
+  </pc:docChgLst>
+</pc:chgInfo>
+</file>
+
 <file path=ppt/notesMasters/notesMaster1.xml><?xml version="1.0" encoding="utf-8"?>
-<p:notesMaster xmlns:a="http://schemas.openxmlformats.org/drawingml/2006/main" xmlns:r="http://schemas.openxmlformats.org/officeDocument/2006/relationships" xmlns:mc="http://schemas.openxmlformats.org/markup-compatibility/2006" xmlns:mv="urn:schemas-microsoft-com:mac:vml" xmlns:p="http://schemas.openxmlformats.org/presentationml/2006/main" xmlns:c="http://schemas.openxmlformats.org/drawingml/2006/chart" xmlns:dgm="http://schemas.openxmlformats.org/drawingml/2006/diagram" xmlns:o="urn:schemas-microsoft-com:office:office" xmlns:v="urn:schemas-microsoft-com:vml" xmlns:pvml="urn:schemas-microsoft-com:office:powerpoint" xmlns:com="http://schemas.openxmlformats.org/drawingml/2006/compatibility" xmlns:p14="http://schemas.microsoft.com/office/powerpoint/2010/main" xmlns:p15="http://schemas.microsoft.com/office/powerpoint/2012/main" xmlns:ahyp="http://schemas.microsoft.com/office/drawing/2018/hyperlinkcolor">
+<p:notesMaster xmlns:a="http://schemas.openxmlformats.org/drawingml/2006/main" xmlns:r="http://schemas.openxmlformats.org/officeDocument/2006/relationships" xmlns:p="http://schemas.openxmlformats.org/presentationml/2006/main">
   <p:cSld>
+    <p:bg>
+      <p:bgRef idx="1001">
+        <a:schemeClr val="bg1"/>
+      </p:bgRef>
+    </p:bg>
     <p:spTree>
       <p:nvGrpSpPr>
-        <p:cNvPr id="2" name="Shape 2"/>
+        <p:cNvPr id="1" name="Shape 2"/>
         <p:cNvGrpSpPr/>
         <p:nvPr/>
       </p:nvGrpSpPr>
@@ -315,9 +471,11 @@
       <p:sp>
         <p:nvSpPr>
           <p:cNvPr id="3" name="Google Shape;3;n"/>
-          <p:cNvSpPr/>
+          <p:cNvSpPr>
+            <a:spLocks noGrp="1" noRot="1" noChangeAspect="1"/>
+          </p:cNvSpPr>
           <p:nvPr>
-            <p:ph idx="2" type="sldImg"/>
+            <p:ph type="sldImg" idx="2"/>
           </p:nvPr>
         </p:nvSpPr>
         <p:spPr>
@@ -326,9 +484,13 @@
             <a:ext cx="6096075" cy="3429000"/>
           </a:xfrm>
           <a:custGeom>
-            <a:rect b="b" l="l" r="r" t="t"/>
+            <a:avLst/>
+            <a:gdLst/>
+            <a:ahLst/>
+            <a:cxnLst/>
+            <a:rect l="l" t="t" r="r" b="b"/>
             <a:pathLst>
-              <a:path extrusionOk="0" h="120000" w="120000">
+              <a:path w="120000" h="120000" extrusionOk="0">
                 <a:moveTo>
                   <a:pt x="0" y="0"/>
                 </a:moveTo>
@@ -346,23 +508,25 @@
             </a:pathLst>
           </a:custGeom>
           <a:noFill/>
-          <a:ln cap="flat" cmpd="sng" w="9525">
+          <a:ln w="9525" cap="flat" cmpd="sng">
             <a:solidFill>
               <a:srgbClr val="000000"/>
             </a:solidFill>
             <a:prstDash val="solid"/>
             <a:round/>
-            <a:headEnd len="sm" w="sm" type="none"/>
-            <a:tailEnd len="sm" w="sm" type="none"/>
+            <a:headEnd type="none" w="sm" len="sm"/>
+            <a:tailEnd type="none" w="sm" len="sm"/>
           </a:ln>
         </p:spPr>
       </p:sp>
       <p:sp>
         <p:nvSpPr>
           <p:cNvPr id="4" name="Google Shape;4;n"/>
-          <p:cNvSpPr txBox="1"/>
+          <p:cNvSpPr txBox="1">
+            <a:spLocks noGrp="1"/>
+          </p:cNvSpPr>
           <p:nvPr>
-            <p:ph idx="1" type="body"/>
+            <p:ph type="body" idx="1"/>
           </p:nvPr>
         </p:nvSpPr>
         <p:spPr>
@@ -379,11 +543,11 @@
           </a:ln>
         </p:spPr>
         <p:txBody>
-          <a:bodyPr anchorCtr="0" anchor="t" bIns="91425" lIns="91425" spcFirstLastPara="1" rIns="91425" wrap="square" tIns="91425">
+          <a:bodyPr spcFirstLastPara="1" wrap="square" lIns="91425" tIns="91425" rIns="91425" bIns="91425" anchor="t" anchorCtr="0">
             <a:noAutofit/>
           </a:bodyPr>
           <a:lstStyle>
-            <a:lvl1pPr indent="-298450" lvl="0" marL="457200">
+            <a:lvl1pPr marL="457200" lvl="0" indent="-298450">
               <a:spcBef>
                 <a:spcPts val="0"/>
               </a:spcBef>
@@ -394,7 +558,7 @@
               <a:buChar char="●"/>
               <a:defRPr sz="1100"/>
             </a:lvl1pPr>
-            <a:lvl2pPr indent="-298450" lvl="1" marL="914400">
+            <a:lvl2pPr marL="914400" lvl="1" indent="-298450">
               <a:spcBef>
                 <a:spcPts val="0"/>
               </a:spcBef>
@@ -405,7 +569,7 @@
               <a:buChar char="○"/>
               <a:defRPr sz="1100"/>
             </a:lvl2pPr>
-            <a:lvl3pPr indent="-298450" lvl="2" marL="1371600">
+            <a:lvl3pPr marL="1371600" lvl="2" indent="-298450">
               <a:spcBef>
                 <a:spcPts val="0"/>
               </a:spcBef>
@@ -416,7 +580,7 @@
               <a:buChar char="■"/>
               <a:defRPr sz="1100"/>
             </a:lvl3pPr>
-            <a:lvl4pPr indent="-298450" lvl="3" marL="1828800">
+            <a:lvl4pPr marL="1828800" lvl="3" indent="-298450">
               <a:spcBef>
                 <a:spcPts val="0"/>
               </a:spcBef>
@@ -427,7 +591,7 @@
               <a:buChar char="●"/>
               <a:defRPr sz="1100"/>
             </a:lvl4pPr>
-            <a:lvl5pPr indent="-298450" lvl="4" marL="2286000">
+            <a:lvl5pPr marL="2286000" lvl="4" indent="-298450">
               <a:spcBef>
                 <a:spcPts val="0"/>
               </a:spcBef>
@@ -438,7 +602,7 @@
               <a:buChar char="○"/>
               <a:defRPr sz="1100"/>
             </a:lvl5pPr>
-            <a:lvl6pPr indent="-298450" lvl="5" marL="2743200">
+            <a:lvl6pPr marL="2743200" lvl="5" indent="-298450">
               <a:spcBef>
                 <a:spcPts val="0"/>
               </a:spcBef>
@@ -449,7 +613,7 @@
               <a:buChar char="■"/>
               <a:defRPr sz="1100"/>
             </a:lvl6pPr>
-            <a:lvl7pPr indent="-298450" lvl="6" marL="3200400">
+            <a:lvl7pPr marL="3200400" lvl="6" indent="-298450">
               <a:spcBef>
                 <a:spcPts val="0"/>
               </a:spcBef>
@@ -460,7 +624,7 @@
               <a:buChar char="●"/>
               <a:defRPr sz="1100"/>
             </a:lvl7pPr>
-            <a:lvl8pPr indent="-298450" lvl="7" marL="3657600">
+            <a:lvl8pPr marL="3657600" lvl="7" indent="-298450">
               <a:spcBef>
                 <a:spcPts val="0"/>
               </a:spcBef>
@@ -471,7 +635,7 @@
               <a:buChar char="○"/>
               <a:defRPr sz="1100"/>
             </a:lvl8pPr>
-            <a:lvl9pPr indent="-298450" lvl="8" marL="4114800">
+            <a:lvl9pPr marL="4114800" lvl="8" indent="-298450">
               <a:spcBef>
                 <a:spcPts val="0"/>
               </a:spcBef>
@@ -483,14 +647,16 @@
               <a:defRPr sz="1100"/>
             </a:lvl9pPr>
           </a:lstStyle>
-          <a:p/>
+          <a:p>
+            <a:endParaRPr/>
+          </a:p>
         </p:txBody>
       </p:sp>
     </p:spTree>
   </p:cSld>
-  <p:clrMap accent1="accent1" accent2="accent2" accent3="accent3" accent4="accent4" accent5="accent5" accent6="accent6" bg1="lt1" bg2="dk2" tx1="dk1" tx2="lt2" folHlink="folHlink" hlink="hlink"/>
+  <p:clrMap bg1="lt1" tx1="dk1" bg2="dk2" tx2="lt2" accent1="accent1" accent2="accent2" accent3="accent3" accent4="accent4" accent5="accent5" accent6="accent6" hlink="hlink" folHlink="folHlink"/>
   <p:notesStyle>
-    <a:defPPr lvl="0" marR="0" rtl="0" algn="l">
+    <a:defPPr marR="0" lvl="0" algn="l" rtl="0">
       <a:lnSpc>
         <a:spcPct val="100000"/>
       </a:lnSpc>
@@ -501,7 +667,7 @@
         <a:spcPts val="0"/>
       </a:spcAft>
     </a:defPPr>
-    <a:lvl1pPr lvl="0" marR="0" rtl="0" algn="l">
+    <a:lvl1pPr marR="0" lvl="0" algn="l" rtl="0">
       <a:lnSpc>
         <a:spcPct val="100000"/>
       </a:lnSpc>
@@ -515,7 +681,7 @@
         <a:srgbClr val="000000"/>
       </a:buClr>
       <a:buFont typeface="Arial"/>
-      <a:defRPr b="0" i="0" sz="1400" u="none" cap="none" strike="noStrike">
+      <a:defRPr sz="1400" b="0" i="0" u="none" strike="noStrike" cap="none">
         <a:solidFill>
           <a:srgbClr val="000000"/>
         </a:solidFill>
@@ -525,7 +691,7 @@
         <a:sym typeface="Arial"/>
       </a:defRPr>
     </a:lvl1pPr>
-    <a:lvl2pPr lvl="1" marR="0" rtl="0" algn="l">
+    <a:lvl2pPr marR="0" lvl="1" algn="l" rtl="0">
       <a:lnSpc>
         <a:spcPct val="100000"/>
       </a:lnSpc>
@@ -539,7 +705,7 @@
         <a:srgbClr val="000000"/>
       </a:buClr>
       <a:buFont typeface="Arial"/>
-      <a:defRPr b="0" i="0" sz="1400" u="none" cap="none" strike="noStrike">
+      <a:defRPr sz="1400" b="0" i="0" u="none" strike="noStrike" cap="none">
         <a:solidFill>
           <a:srgbClr val="000000"/>
         </a:solidFill>
@@ -549,7 +715,7 @@
         <a:sym typeface="Arial"/>
       </a:defRPr>
     </a:lvl2pPr>
-    <a:lvl3pPr lvl="2" marR="0" rtl="0" algn="l">
+    <a:lvl3pPr marR="0" lvl="2" algn="l" rtl="0">
       <a:lnSpc>
         <a:spcPct val="100000"/>
       </a:lnSpc>
@@ -563,7 +729,7 @@
         <a:srgbClr val="000000"/>
       </a:buClr>
       <a:buFont typeface="Arial"/>
-      <a:defRPr b="0" i="0" sz="1400" u="none" cap="none" strike="noStrike">
+      <a:defRPr sz="1400" b="0" i="0" u="none" strike="noStrike" cap="none">
         <a:solidFill>
           <a:srgbClr val="000000"/>
         </a:solidFill>
@@ -573,7 +739,7 @@
         <a:sym typeface="Arial"/>
       </a:defRPr>
     </a:lvl3pPr>
-    <a:lvl4pPr lvl="3" marR="0" rtl="0" algn="l">
+    <a:lvl4pPr marR="0" lvl="3" algn="l" rtl="0">
       <a:lnSpc>
         <a:spcPct val="100000"/>
       </a:lnSpc>
@@ -587,7 +753,7 @@
         <a:srgbClr val="000000"/>
       </a:buClr>
       <a:buFont typeface="Arial"/>
-      <a:defRPr b="0" i="0" sz="1400" u="none" cap="none" strike="noStrike">
+      <a:defRPr sz="1400" b="0" i="0" u="none" strike="noStrike" cap="none">
         <a:solidFill>
           <a:srgbClr val="000000"/>
         </a:solidFill>
@@ -597,7 +763,7 @@
         <a:sym typeface="Arial"/>
       </a:defRPr>
     </a:lvl4pPr>
-    <a:lvl5pPr lvl="4" marR="0" rtl="0" algn="l">
+    <a:lvl5pPr marR="0" lvl="4" algn="l" rtl="0">
       <a:lnSpc>
         <a:spcPct val="100000"/>
       </a:lnSpc>
@@ -611,7 +777,7 @@
         <a:srgbClr val="000000"/>
       </a:buClr>
       <a:buFont typeface="Arial"/>
-      <a:defRPr b="0" i="0" sz="1400" u="none" cap="none" strike="noStrike">
+      <a:defRPr sz="1400" b="0" i="0" u="none" strike="noStrike" cap="none">
         <a:solidFill>
           <a:srgbClr val="000000"/>
         </a:solidFill>
@@ -621,7 +787,7 @@
         <a:sym typeface="Arial"/>
       </a:defRPr>
     </a:lvl5pPr>
-    <a:lvl6pPr lvl="5" marR="0" rtl="0" algn="l">
+    <a:lvl6pPr marR="0" lvl="5" algn="l" rtl="0">
       <a:lnSpc>
         <a:spcPct val="100000"/>
       </a:lnSpc>
@@ -635,7 +801,7 @@
         <a:srgbClr val="000000"/>
       </a:buClr>
       <a:buFont typeface="Arial"/>
-      <a:defRPr b="0" i="0" sz="1400" u="none" cap="none" strike="noStrike">
+      <a:defRPr sz="1400" b="0" i="0" u="none" strike="noStrike" cap="none">
         <a:solidFill>
           <a:srgbClr val="000000"/>
         </a:solidFill>
@@ -645,7 +811,7 @@
         <a:sym typeface="Arial"/>
       </a:defRPr>
     </a:lvl6pPr>
-    <a:lvl7pPr lvl="6" marR="0" rtl="0" algn="l">
+    <a:lvl7pPr marR="0" lvl="6" algn="l" rtl="0">
       <a:lnSpc>
         <a:spcPct val="100000"/>
       </a:lnSpc>
@@ -659,7 +825,7 @@
         <a:srgbClr val="000000"/>
       </a:buClr>
       <a:buFont typeface="Arial"/>
-      <a:defRPr b="0" i="0" sz="1400" u="none" cap="none" strike="noStrike">
+      <a:defRPr sz="1400" b="0" i="0" u="none" strike="noStrike" cap="none">
         <a:solidFill>
           <a:srgbClr val="000000"/>
         </a:solidFill>
@@ -669,7 +835,7 @@
         <a:sym typeface="Arial"/>
       </a:defRPr>
     </a:lvl7pPr>
-    <a:lvl8pPr lvl="7" marR="0" rtl="0" algn="l">
+    <a:lvl8pPr marR="0" lvl="7" algn="l" rtl="0">
       <a:lnSpc>
         <a:spcPct val="100000"/>
       </a:lnSpc>
@@ -683,7 +849,7 @@
         <a:srgbClr val="000000"/>
       </a:buClr>
       <a:buFont typeface="Arial"/>
-      <a:defRPr b="0" i="0" sz="1400" u="none" cap="none" strike="noStrike">
+      <a:defRPr sz="1400" b="0" i="0" u="none" strike="noStrike" cap="none">
         <a:solidFill>
           <a:srgbClr val="000000"/>
         </a:solidFill>
@@ -693,7 +859,7 @@
         <a:sym typeface="Arial"/>
       </a:defRPr>
     </a:lvl8pPr>
-    <a:lvl9pPr lvl="8" marR="0" rtl="0" algn="l">
+    <a:lvl9pPr marR="0" lvl="8" algn="l" rtl="0">
       <a:lnSpc>
         <a:spcPct val="100000"/>
       </a:lnSpc>
@@ -707,7 +873,7 @@
         <a:srgbClr val="000000"/>
       </a:buClr>
       <a:buFont typeface="Arial"/>
-      <a:defRPr b="0" i="0" sz="1400" u="none" cap="none" strike="noStrike">
+      <a:defRPr sz="1400" b="0" i="0" u="none" strike="noStrike" cap="none">
         <a:solidFill>
           <a:srgbClr val="000000"/>
         </a:solidFill>
@@ -722,11 +888,11 @@
 </file>
 
 <file path=ppt/notesSlides/notesSlide1.xml><?xml version="1.0" encoding="utf-8"?>
-<p:notes xmlns:a="http://schemas.openxmlformats.org/drawingml/2006/main" xmlns:r="http://schemas.openxmlformats.org/officeDocument/2006/relationships" xmlns:mc="http://schemas.openxmlformats.org/markup-compatibility/2006" xmlns:mv="urn:schemas-microsoft-com:mac:vml" xmlns:p="http://schemas.openxmlformats.org/presentationml/2006/main" xmlns:c="http://schemas.openxmlformats.org/drawingml/2006/chart" xmlns:dgm="http://schemas.openxmlformats.org/drawingml/2006/diagram" xmlns:o="urn:schemas-microsoft-com:office:office" xmlns:v="urn:schemas-microsoft-com:vml" xmlns:pvml="urn:schemas-microsoft-com:office:powerpoint" xmlns:com="http://schemas.openxmlformats.org/drawingml/2006/compatibility" xmlns:p14="http://schemas.microsoft.com/office/powerpoint/2010/main" xmlns:p15="http://schemas.microsoft.com/office/powerpoint/2012/main" xmlns:ahyp="http://schemas.microsoft.com/office/drawing/2018/hyperlinkcolor" showMasterPhAnim="0" showMasterSp="0">
+<p:notes xmlns:a="http://schemas.openxmlformats.org/drawingml/2006/main" xmlns:r="http://schemas.openxmlformats.org/officeDocument/2006/relationships" xmlns:p="http://schemas.openxmlformats.org/presentationml/2006/main" showMasterSp="0" showMasterPhAnim="0">
   <p:cSld>
     <p:spTree>
       <p:nvGrpSpPr>
-        <p:cNvPr id="59" name="Shape 59"/>
+        <p:cNvPr id="1" name="Shape 59"/>
         <p:cNvGrpSpPr/>
         <p:nvPr/>
       </p:nvGrpSpPr>
@@ -741,9 +907,11 @@
       <p:sp>
         <p:nvSpPr>
           <p:cNvPr id="60" name="Google Shape;60;p:notes"/>
-          <p:cNvSpPr/>
+          <p:cNvSpPr>
+            <a:spLocks noGrp="1" noRot="1" noChangeAspect="1"/>
+          </p:cNvSpPr>
           <p:nvPr>
-            <p:ph idx="2" type="sldImg"/>
+            <p:ph type="sldImg" idx="2"/>
           </p:nvPr>
         </p:nvSpPr>
         <p:spPr>
@@ -752,9 +920,13 @@
             <a:ext cx="6096075" cy="3429000"/>
           </a:xfrm>
           <a:custGeom>
-            <a:rect b="b" l="l" r="r" t="t"/>
+            <a:avLst/>
+            <a:gdLst/>
+            <a:ahLst/>
+            <a:cxnLst/>
+            <a:rect l="l" t="t" r="r" b="b"/>
             <a:pathLst>
-              <a:path extrusionOk="0" h="120000" w="120000">
+              <a:path w="120000" h="120000" extrusionOk="0">
                 <a:moveTo>
                   <a:pt x="0" y="0"/>
                 </a:moveTo>
@@ -776,9 +948,11 @@
       <p:sp>
         <p:nvSpPr>
           <p:cNvPr id="61" name="Google Shape;61;p:notes"/>
-          <p:cNvSpPr txBox="1"/>
+          <p:cNvSpPr txBox="1">
+            <a:spLocks noGrp="1"/>
+          </p:cNvSpPr>
           <p:nvPr>
-            <p:ph idx="1" type="body"/>
+            <p:ph type="body" idx="1"/>
           </p:nvPr>
         </p:nvSpPr>
         <p:spPr>
@@ -791,23 +965,20 @@
           </a:prstGeom>
         </p:spPr>
         <p:txBody>
-          <a:bodyPr anchorCtr="0" anchor="t" bIns="91425" lIns="91425" spcFirstLastPara="1" rIns="91425" wrap="square" tIns="91425">
+          <a:bodyPr spcFirstLastPara="1" wrap="square" lIns="91425" tIns="91425" rIns="91425" bIns="91425" anchor="t" anchorCtr="0">
             <a:noAutofit/>
           </a:bodyPr>
           <a:lstStyle/>
           <a:p>
-            <a:pPr indent="0" lvl="0" marL="0" rtl="0" algn="l">
-              <a:spcBef>
-                <a:spcPts val="0"/>
-              </a:spcBef>
-              <a:spcAft>
-                <a:spcPts val="0"/>
-              </a:spcAft>
-              <a:buNone/>
-            </a:pPr>
-            <a:r>
-              <a:t/>
-            </a:r>
+            <a:pPr marL="0" lvl="0" indent="0" algn="l" rtl="0">
+              <a:spcBef>
+                <a:spcPts val="0"/>
+              </a:spcBef>
+              <a:spcAft>
+                <a:spcPts val="0"/>
+              </a:spcAft>
+              <a:buNone/>
+            </a:pPr>
             <a:endParaRPr/>
           </a:p>
         </p:txBody>
@@ -821,11 +992,11 @@
 </file>
 
 <file path=ppt/notesSlides/notesSlide10.xml><?xml version="1.0" encoding="utf-8"?>
-<p:notes xmlns:a="http://schemas.openxmlformats.org/drawingml/2006/main" xmlns:r="http://schemas.openxmlformats.org/officeDocument/2006/relationships" xmlns:mc="http://schemas.openxmlformats.org/markup-compatibility/2006" xmlns:mv="urn:schemas-microsoft-com:mac:vml" xmlns:p="http://schemas.openxmlformats.org/presentationml/2006/main" xmlns:c="http://schemas.openxmlformats.org/drawingml/2006/chart" xmlns:dgm="http://schemas.openxmlformats.org/drawingml/2006/diagram" xmlns:o="urn:schemas-microsoft-com:office:office" xmlns:v="urn:schemas-microsoft-com:vml" xmlns:pvml="urn:schemas-microsoft-com:office:powerpoint" xmlns:com="http://schemas.openxmlformats.org/drawingml/2006/compatibility" xmlns:p14="http://schemas.microsoft.com/office/powerpoint/2010/main" xmlns:p15="http://schemas.microsoft.com/office/powerpoint/2012/main" xmlns:ahyp="http://schemas.microsoft.com/office/drawing/2018/hyperlinkcolor" showMasterPhAnim="0" showMasterSp="0">
+<p:notes xmlns:a="http://schemas.openxmlformats.org/drawingml/2006/main" xmlns:r="http://schemas.openxmlformats.org/officeDocument/2006/relationships" xmlns:p="http://schemas.openxmlformats.org/presentationml/2006/main" showMasterSp="0" showMasterPhAnim="0">
   <p:cSld>
     <p:spTree>
       <p:nvGrpSpPr>
-        <p:cNvPr id="137" name="Shape 137"/>
+        <p:cNvPr id="1" name="Shape 137"/>
         <p:cNvGrpSpPr/>
         <p:nvPr/>
       </p:nvGrpSpPr>
@@ -840,9 +1011,11 @@
       <p:sp>
         <p:nvSpPr>
           <p:cNvPr id="138" name="Google Shape;138;g126e4413402_0_19:notes"/>
-          <p:cNvSpPr/>
+          <p:cNvSpPr>
+            <a:spLocks noGrp="1" noRot="1" noChangeAspect="1"/>
+          </p:cNvSpPr>
           <p:nvPr>
-            <p:ph idx="2" type="sldImg"/>
+            <p:ph type="sldImg" idx="2"/>
           </p:nvPr>
         </p:nvSpPr>
         <p:spPr>
@@ -851,9 +1024,13 @@
             <a:ext cx="6096000" cy="3429000"/>
           </a:xfrm>
           <a:custGeom>
-            <a:rect b="b" l="l" r="r" t="t"/>
+            <a:avLst/>
+            <a:gdLst/>
+            <a:ahLst/>
+            <a:cxnLst/>
+            <a:rect l="l" t="t" r="r" b="b"/>
             <a:pathLst>
-              <a:path extrusionOk="0" h="120000" w="120000">
+              <a:path w="120000" h="120000" extrusionOk="0">
                 <a:moveTo>
                   <a:pt x="0" y="0"/>
                 </a:moveTo>
@@ -875,9 +1052,11 @@
       <p:sp>
         <p:nvSpPr>
           <p:cNvPr id="139" name="Google Shape;139;g126e4413402_0_19:notes"/>
-          <p:cNvSpPr txBox="1"/>
+          <p:cNvSpPr txBox="1">
+            <a:spLocks noGrp="1"/>
+          </p:cNvSpPr>
           <p:nvPr>
-            <p:ph idx="1" type="body"/>
+            <p:ph type="body" idx="1"/>
           </p:nvPr>
         </p:nvSpPr>
         <p:spPr>
@@ -890,23 +1069,20 @@
           </a:prstGeom>
         </p:spPr>
         <p:txBody>
-          <a:bodyPr anchorCtr="0" anchor="t" bIns="91425" lIns="91425" spcFirstLastPara="1" rIns="91425" wrap="square" tIns="91425">
+          <a:bodyPr spcFirstLastPara="1" wrap="square" lIns="91425" tIns="91425" rIns="91425" bIns="91425" anchor="t" anchorCtr="0">
             <a:noAutofit/>
           </a:bodyPr>
           <a:lstStyle/>
           <a:p>
-            <a:pPr indent="0" lvl="0" marL="0" rtl="0" algn="l">
-              <a:spcBef>
-                <a:spcPts val="0"/>
-              </a:spcBef>
-              <a:spcAft>
-                <a:spcPts val="0"/>
-              </a:spcAft>
-              <a:buNone/>
-            </a:pPr>
-            <a:r>
-              <a:t/>
-            </a:r>
+            <a:pPr marL="0" lvl="0" indent="0" algn="l" rtl="0">
+              <a:spcBef>
+                <a:spcPts val="0"/>
+              </a:spcBef>
+              <a:spcAft>
+                <a:spcPts val="0"/>
+              </a:spcAft>
+              <a:buNone/>
+            </a:pPr>
             <a:endParaRPr/>
           </a:p>
         </p:txBody>
@@ -920,11 +1096,11 @@
 </file>
 
 <file path=ppt/notesSlides/notesSlide11.xml><?xml version="1.0" encoding="utf-8"?>
-<p:notes xmlns:a="http://schemas.openxmlformats.org/drawingml/2006/main" xmlns:r="http://schemas.openxmlformats.org/officeDocument/2006/relationships" xmlns:mc="http://schemas.openxmlformats.org/markup-compatibility/2006" xmlns:mv="urn:schemas-microsoft-com:mac:vml" xmlns:p="http://schemas.openxmlformats.org/presentationml/2006/main" xmlns:c="http://schemas.openxmlformats.org/drawingml/2006/chart" xmlns:dgm="http://schemas.openxmlformats.org/drawingml/2006/diagram" xmlns:o="urn:schemas-microsoft-com:office:office" xmlns:v="urn:schemas-microsoft-com:vml" xmlns:pvml="urn:schemas-microsoft-com:office:powerpoint" xmlns:com="http://schemas.openxmlformats.org/drawingml/2006/compatibility" xmlns:p14="http://schemas.microsoft.com/office/powerpoint/2010/main" xmlns:p15="http://schemas.microsoft.com/office/powerpoint/2012/main" xmlns:ahyp="http://schemas.microsoft.com/office/drawing/2018/hyperlinkcolor" showMasterPhAnim="0" showMasterSp="0">
+<p:notes xmlns:a="http://schemas.openxmlformats.org/drawingml/2006/main" xmlns:r="http://schemas.openxmlformats.org/officeDocument/2006/relationships" xmlns:p="http://schemas.openxmlformats.org/presentationml/2006/main" showMasterSp="0" showMasterPhAnim="0">
   <p:cSld>
     <p:spTree>
       <p:nvGrpSpPr>
-        <p:cNvPr id="146" name="Shape 146"/>
+        <p:cNvPr id="1" name="Shape 146"/>
         <p:cNvGrpSpPr/>
         <p:nvPr/>
       </p:nvGrpSpPr>
@@ -939,20 +1115,26 @@
       <p:sp>
         <p:nvSpPr>
           <p:cNvPr id="147" name="Google Shape;147;g1219c0acaa9_0_82:notes"/>
-          <p:cNvSpPr/>
+          <p:cNvSpPr>
+            <a:spLocks noGrp="1" noRot="1" noChangeAspect="1"/>
+          </p:cNvSpPr>
           <p:nvPr>
-            <p:ph idx="2" type="sldImg"/>
+            <p:ph type="sldImg" idx="2"/>
           </p:nvPr>
         </p:nvSpPr>
         <p:spPr>
           <a:xfrm>
-            <a:off x="381300" y="685800"/>
+            <a:off x="381000" y="685800"/>
             <a:ext cx="6096000" cy="3429000"/>
           </a:xfrm>
           <a:custGeom>
-            <a:rect b="b" l="l" r="r" t="t"/>
+            <a:avLst/>
+            <a:gdLst/>
+            <a:ahLst/>
+            <a:cxnLst/>
+            <a:rect l="l" t="t" r="r" b="b"/>
             <a:pathLst>
-              <a:path extrusionOk="0" h="120000" w="120000">
+              <a:path w="120000" h="120000" extrusionOk="0">
                 <a:moveTo>
                   <a:pt x="0" y="0"/>
                 </a:moveTo>
@@ -974,9 +1156,11 @@
       <p:sp>
         <p:nvSpPr>
           <p:cNvPr id="148" name="Google Shape;148;g1219c0acaa9_0_82:notes"/>
-          <p:cNvSpPr txBox="1"/>
+          <p:cNvSpPr txBox="1">
+            <a:spLocks noGrp="1"/>
+          </p:cNvSpPr>
           <p:nvPr>
-            <p:ph idx="1" type="body"/>
+            <p:ph type="body" idx="1"/>
           </p:nvPr>
         </p:nvSpPr>
         <p:spPr>
@@ -989,23 +1173,20 @@
           </a:prstGeom>
         </p:spPr>
         <p:txBody>
-          <a:bodyPr anchorCtr="0" anchor="t" bIns="91425" lIns="91425" spcFirstLastPara="1" rIns="91425" wrap="square" tIns="91425">
+          <a:bodyPr spcFirstLastPara="1" wrap="square" lIns="91425" tIns="91425" rIns="91425" bIns="91425" anchor="t" anchorCtr="0">
             <a:noAutofit/>
           </a:bodyPr>
           <a:lstStyle/>
           <a:p>
-            <a:pPr indent="0" lvl="0" marL="0" rtl="0" algn="l">
-              <a:spcBef>
-                <a:spcPts val="0"/>
-              </a:spcBef>
-              <a:spcAft>
-                <a:spcPts val="0"/>
-              </a:spcAft>
-              <a:buNone/>
-            </a:pPr>
-            <a:r>
-              <a:t/>
-            </a:r>
+            <a:pPr marL="0" lvl="0" indent="0" algn="l" rtl="0">
+              <a:spcBef>
+                <a:spcPts val="0"/>
+              </a:spcBef>
+              <a:spcAft>
+                <a:spcPts val="0"/>
+              </a:spcAft>
+              <a:buNone/>
+            </a:pPr>
             <a:endParaRPr/>
           </a:p>
         </p:txBody>
@@ -1019,11 +1200,11 @@
 </file>
 
 <file path=ppt/notesSlides/notesSlide12.xml><?xml version="1.0" encoding="utf-8"?>
-<p:notes xmlns:a="http://schemas.openxmlformats.org/drawingml/2006/main" xmlns:r="http://schemas.openxmlformats.org/officeDocument/2006/relationships" xmlns:mc="http://schemas.openxmlformats.org/markup-compatibility/2006" xmlns:mv="urn:schemas-microsoft-com:mac:vml" xmlns:p="http://schemas.openxmlformats.org/presentationml/2006/main" xmlns:c="http://schemas.openxmlformats.org/drawingml/2006/chart" xmlns:dgm="http://schemas.openxmlformats.org/drawingml/2006/diagram" xmlns:o="urn:schemas-microsoft-com:office:office" xmlns:v="urn:schemas-microsoft-com:vml" xmlns:pvml="urn:schemas-microsoft-com:office:powerpoint" xmlns:com="http://schemas.openxmlformats.org/drawingml/2006/compatibility" xmlns:p14="http://schemas.microsoft.com/office/powerpoint/2010/main" xmlns:p15="http://schemas.microsoft.com/office/powerpoint/2012/main" xmlns:ahyp="http://schemas.microsoft.com/office/drawing/2018/hyperlinkcolor" showMasterPhAnim="0" showMasterSp="0">
+<p:notes xmlns:a="http://schemas.openxmlformats.org/drawingml/2006/main" xmlns:r="http://schemas.openxmlformats.org/officeDocument/2006/relationships" xmlns:p="http://schemas.openxmlformats.org/presentationml/2006/main" showMasterSp="0" showMasterPhAnim="0">
   <p:cSld>
     <p:spTree>
       <p:nvGrpSpPr>
-        <p:cNvPr id="156" name="Shape 156"/>
+        <p:cNvPr id="1" name="Shape 156"/>
         <p:cNvGrpSpPr/>
         <p:nvPr/>
       </p:nvGrpSpPr>
@@ -1038,20 +1219,26 @@
       <p:sp>
         <p:nvSpPr>
           <p:cNvPr id="157" name="Google Shape;157;g1219c0acaa9_0_88:notes"/>
-          <p:cNvSpPr/>
+          <p:cNvSpPr>
+            <a:spLocks noGrp="1" noRot="1" noChangeAspect="1"/>
+          </p:cNvSpPr>
           <p:nvPr>
-            <p:ph idx="2" type="sldImg"/>
+            <p:ph type="sldImg" idx="2"/>
           </p:nvPr>
         </p:nvSpPr>
         <p:spPr>
           <a:xfrm>
-            <a:off x="381300" y="685800"/>
+            <a:off x="381000" y="685800"/>
             <a:ext cx="6096000" cy="3429000"/>
           </a:xfrm>
           <a:custGeom>
-            <a:rect b="b" l="l" r="r" t="t"/>
+            <a:avLst/>
+            <a:gdLst/>
+            <a:ahLst/>
+            <a:cxnLst/>
+            <a:rect l="l" t="t" r="r" b="b"/>
             <a:pathLst>
-              <a:path extrusionOk="0" h="120000" w="120000">
+              <a:path w="120000" h="120000" extrusionOk="0">
                 <a:moveTo>
                   <a:pt x="0" y="0"/>
                 </a:moveTo>
@@ -1073,9 +1260,11 @@
       <p:sp>
         <p:nvSpPr>
           <p:cNvPr id="158" name="Google Shape;158;g1219c0acaa9_0_88:notes"/>
-          <p:cNvSpPr txBox="1"/>
+          <p:cNvSpPr txBox="1">
+            <a:spLocks noGrp="1"/>
+          </p:cNvSpPr>
           <p:nvPr>
-            <p:ph idx="1" type="body"/>
+            <p:ph type="body" idx="1"/>
           </p:nvPr>
         </p:nvSpPr>
         <p:spPr>
@@ -1088,12 +1277,12 @@
           </a:prstGeom>
         </p:spPr>
         <p:txBody>
-          <a:bodyPr anchorCtr="0" anchor="t" bIns="91425" lIns="91425" spcFirstLastPara="1" rIns="91425" wrap="square" tIns="91425">
+          <a:bodyPr spcFirstLastPara="1" wrap="square" lIns="91425" tIns="91425" rIns="91425" bIns="91425" anchor="t" anchorCtr="0">
             <a:noAutofit/>
           </a:bodyPr>
           <a:lstStyle/>
           <a:p>
-            <a:pPr indent="0" lvl="0" marL="457200" rtl="0" algn="l">
+            <a:pPr marL="457200" lvl="0" indent="0" algn="l" rtl="0">
               <a:lnSpc>
                 <a:spcPct val="95000"/>
               </a:lnSpc>
@@ -1128,7 +1317,7 @@
             </a:endParaRPr>
           </a:p>
           <a:p>
-            <a:pPr indent="-282575" lvl="0" marL="457200" rtl="0" algn="l">
+            <a:pPr marL="457200" lvl="0" indent="-282575" algn="l" rtl="0">
               <a:lnSpc>
                 <a:spcPct val="95000"/>
               </a:lnSpc>
@@ -1168,7 +1357,7 @@
             </a:endParaRPr>
           </a:p>
           <a:p>
-            <a:pPr indent="-282575" lvl="0" marL="457200" rtl="0" algn="l">
+            <a:pPr marL="457200" lvl="0" indent="-282575" algn="l" rtl="0">
               <a:lnSpc>
                 <a:spcPct val="95000"/>
               </a:lnSpc>
@@ -1208,7 +1397,7 @@
             </a:endParaRPr>
           </a:p>
           <a:p>
-            <a:pPr indent="0" lvl="0" marL="457200" rtl="0" algn="l">
+            <a:pPr marL="457200" lvl="0" indent="0" algn="l" rtl="0">
               <a:lnSpc>
                 <a:spcPct val="95000"/>
               </a:lnSpc>
@@ -1243,7 +1432,7 @@
             </a:endParaRPr>
           </a:p>
           <a:p>
-            <a:pPr indent="-282575" lvl="0" marL="457200" rtl="0" algn="l">
+            <a:pPr marL="457200" lvl="0" indent="-282575" algn="l" rtl="0">
               <a:lnSpc>
                 <a:spcPct val="95000"/>
               </a:lnSpc>
@@ -1283,7 +1472,7 @@
             </a:endParaRPr>
           </a:p>
           <a:p>
-            <a:pPr indent="-282575" lvl="0" marL="457200" rtl="0" algn="l">
+            <a:pPr marL="457200" lvl="0" indent="-282575" algn="l" rtl="0">
               <a:lnSpc>
                 <a:spcPct val="95000"/>
               </a:lnSpc>
@@ -1323,7 +1512,7 @@
             </a:endParaRPr>
           </a:p>
           <a:p>
-            <a:pPr indent="0" lvl="0" marL="457200" rtl="0" algn="l">
+            <a:pPr marL="457200" lvl="0" indent="0" algn="l" rtl="0">
               <a:lnSpc>
                 <a:spcPct val="95000"/>
               </a:lnSpc>
@@ -1358,7 +1547,7 @@
             </a:endParaRPr>
           </a:p>
           <a:p>
-            <a:pPr indent="-282575" lvl="0" marL="457200" rtl="0" algn="l">
+            <a:pPr marL="457200" lvl="0" indent="-282575" algn="l" rtl="0">
               <a:lnSpc>
                 <a:spcPct val="95000"/>
               </a:lnSpc>
@@ -1398,7 +1587,7 @@
             </a:endParaRPr>
           </a:p>
           <a:p>
-            <a:pPr indent="-282575" lvl="0" marL="457200" rtl="0" algn="l">
+            <a:pPr marL="457200" lvl="0" indent="-282575" algn="l" rtl="0">
               <a:lnSpc>
                 <a:spcPct val="95000"/>
               </a:lnSpc>
@@ -1438,7 +1627,7 @@
             </a:endParaRPr>
           </a:p>
           <a:p>
-            <a:pPr indent="0" lvl="0" marL="457200" rtl="0" algn="l">
+            <a:pPr marL="457200" lvl="0" indent="0" algn="l" rtl="0">
               <a:lnSpc>
                 <a:spcPct val="95000"/>
               </a:lnSpc>
@@ -1473,7 +1662,7 @@
             </a:endParaRPr>
           </a:p>
           <a:p>
-            <a:pPr indent="-282575" lvl="0" marL="457200" rtl="0" algn="l">
+            <a:pPr marL="457200" lvl="0" indent="-282575" algn="l" rtl="0">
               <a:lnSpc>
                 <a:spcPct val="95000"/>
               </a:lnSpc>
@@ -1513,7 +1702,7 @@
             </a:endParaRPr>
           </a:p>
           <a:p>
-            <a:pPr indent="-282575" lvl="0" marL="457200" rtl="0" algn="l">
+            <a:pPr marL="457200" lvl="0" indent="-282575" algn="l" rtl="0">
               <a:lnSpc>
                 <a:spcPct val="95000"/>
               </a:lnSpc>
@@ -1553,7 +1742,7 @@
             </a:endParaRPr>
           </a:p>
           <a:p>
-            <a:pPr indent="-282575" lvl="0" marL="457200" rtl="0" algn="l">
+            <a:pPr marL="457200" lvl="0" indent="-282575" algn="l" rtl="0">
               <a:lnSpc>
                 <a:spcPct val="95000"/>
               </a:lnSpc>
@@ -1593,7 +1782,7 @@
             </a:endParaRPr>
           </a:p>
           <a:p>
-            <a:pPr indent="0" lvl="0" marL="0" rtl="0" algn="l">
+            <a:pPr marL="0" lvl="0" indent="0" algn="l" rtl="0">
               <a:lnSpc>
                 <a:spcPct val="95000"/>
               </a:lnSpc>
@@ -1610,9 +1799,6 @@
               <a:buFont typeface="Arial"/>
               <a:buNone/>
             </a:pPr>
-            <a:r>
-              <a:t/>
-            </a:r>
             <a:endParaRPr sz="850">
               <a:solidFill>
                 <a:schemeClr val="dk1"/>
@@ -1624,7 +1810,7 @@
             </a:endParaRPr>
           </a:p>
           <a:p>
-            <a:pPr indent="0" lvl="0" marL="0" rtl="0" algn="l">
+            <a:pPr marL="0" lvl="0" indent="0" algn="l" rtl="0">
               <a:spcBef>
                 <a:spcPts val="2500"/>
               </a:spcBef>
@@ -1633,9 +1819,6 @@
               </a:spcAft>
               <a:buNone/>
             </a:pPr>
-            <a:r>
-              <a:t/>
-            </a:r>
             <a:endParaRPr/>
           </a:p>
         </p:txBody>
@@ -1649,11 +1832,11 @@
 </file>
 
 <file path=ppt/notesSlides/notesSlide13.xml><?xml version="1.0" encoding="utf-8"?>
-<p:notes xmlns:a="http://schemas.openxmlformats.org/drawingml/2006/main" xmlns:r="http://schemas.openxmlformats.org/officeDocument/2006/relationships" xmlns:mc="http://schemas.openxmlformats.org/markup-compatibility/2006" xmlns:mv="urn:schemas-microsoft-com:mac:vml" xmlns:p="http://schemas.openxmlformats.org/presentationml/2006/main" xmlns:c="http://schemas.openxmlformats.org/drawingml/2006/chart" xmlns:dgm="http://schemas.openxmlformats.org/drawingml/2006/diagram" xmlns:o="urn:schemas-microsoft-com:office:office" xmlns:v="urn:schemas-microsoft-com:vml" xmlns:pvml="urn:schemas-microsoft-com:office:powerpoint" xmlns:com="http://schemas.openxmlformats.org/drawingml/2006/compatibility" xmlns:p14="http://schemas.microsoft.com/office/powerpoint/2010/main" xmlns:p15="http://schemas.microsoft.com/office/powerpoint/2012/main" xmlns:ahyp="http://schemas.microsoft.com/office/drawing/2018/hyperlinkcolor" showMasterPhAnim="0" showMasterSp="0">
+<p:notes xmlns:a="http://schemas.openxmlformats.org/drawingml/2006/main" xmlns:r="http://schemas.openxmlformats.org/officeDocument/2006/relationships" xmlns:p="http://schemas.openxmlformats.org/presentationml/2006/main" showMasterSp="0" showMasterPhAnim="0">
   <p:cSld>
     <p:spTree>
       <p:nvGrpSpPr>
-        <p:cNvPr id="164" name="Shape 164"/>
+        <p:cNvPr id="1" name="Shape 164"/>
         <p:cNvGrpSpPr/>
         <p:nvPr/>
       </p:nvGrpSpPr>
@@ -1668,20 +1851,26 @@
       <p:sp>
         <p:nvSpPr>
           <p:cNvPr id="165" name="Google Shape;165;g126e4413402_0_27:notes"/>
-          <p:cNvSpPr/>
+          <p:cNvSpPr>
+            <a:spLocks noGrp="1" noRot="1" noChangeAspect="1"/>
+          </p:cNvSpPr>
           <p:nvPr>
-            <p:ph idx="2" type="sldImg"/>
+            <p:ph type="sldImg" idx="2"/>
           </p:nvPr>
         </p:nvSpPr>
         <p:spPr>
           <a:xfrm>
-            <a:off x="381300" y="685800"/>
+            <a:off x="381000" y="685800"/>
             <a:ext cx="6096000" cy="3429000"/>
           </a:xfrm>
           <a:custGeom>
-            <a:rect b="b" l="l" r="r" t="t"/>
+            <a:avLst/>
+            <a:gdLst/>
+            <a:ahLst/>
+            <a:cxnLst/>
+            <a:rect l="l" t="t" r="r" b="b"/>
             <a:pathLst>
-              <a:path extrusionOk="0" h="120000" w="120000">
+              <a:path w="120000" h="120000" extrusionOk="0">
                 <a:moveTo>
                   <a:pt x="0" y="0"/>
                 </a:moveTo>
@@ -1703,9 +1892,11 @@
       <p:sp>
         <p:nvSpPr>
           <p:cNvPr id="166" name="Google Shape;166;g126e4413402_0_27:notes"/>
-          <p:cNvSpPr txBox="1"/>
+          <p:cNvSpPr txBox="1">
+            <a:spLocks noGrp="1"/>
+          </p:cNvSpPr>
           <p:nvPr>
-            <p:ph idx="1" type="body"/>
+            <p:ph type="body" idx="1"/>
           </p:nvPr>
         </p:nvSpPr>
         <p:spPr>
@@ -1718,12 +1909,12 @@
           </a:prstGeom>
         </p:spPr>
         <p:txBody>
-          <a:bodyPr anchorCtr="0" anchor="t" bIns="91425" lIns="91425" spcFirstLastPara="1" rIns="91425" wrap="square" tIns="91425">
+          <a:bodyPr spcFirstLastPara="1" wrap="square" lIns="91425" tIns="91425" rIns="91425" bIns="91425" anchor="t" anchorCtr="0">
             <a:noAutofit/>
           </a:bodyPr>
           <a:lstStyle/>
           <a:p>
-            <a:pPr indent="-304800" lvl="0" marL="457200" rtl="0" algn="l">
+            <a:pPr marL="457200" lvl="0" indent="-304800" algn="l" rtl="0">
               <a:lnSpc>
                 <a:spcPct val="115000"/>
               </a:lnSpc>
@@ -1763,7 +1954,7 @@
             </a:endParaRPr>
           </a:p>
           <a:p>
-            <a:pPr indent="-304800" lvl="0" marL="457200" rtl="0" algn="l">
+            <a:pPr marL="457200" lvl="0" indent="-304800" algn="l" rtl="0">
               <a:lnSpc>
                 <a:spcPct val="115000"/>
               </a:lnSpc>
@@ -1803,7 +1994,7 @@
             </a:endParaRPr>
           </a:p>
           <a:p>
-            <a:pPr indent="-304800" lvl="0" marL="457200" rtl="0" algn="l">
+            <a:pPr marL="457200" lvl="0" indent="-304800" algn="l" rtl="0">
               <a:lnSpc>
                 <a:spcPct val="115000"/>
               </a:lnSpc>
@@ -1843,7 +2034,7 @@
             </a:endParaRPr>
           </a:p>
           <a:p>
-            <a:pPr indent="-304800" lvl="0" marL="457200" rtl="0" algn="l">
+            <a:pPr marL="457200" lvl="0" indent="-304800" algn="l" rtl="0">
               <a:lnSpc>
                 <a:spcPct val="115000"/>
               </a:lnSpc>
@@ -1883,7 +2074,7 @@
             </a:endParaRPr>
           </a:p>
           <a:p>
-            <a:pPr indent="0" lvl="0" marL="0" rtl="0" algn="l">
+            <a:pPr marL="0" lvl="0" indent="0" algn="l" rtl="0">
               <a:spcBef>
                 <a:spcPts val="2500"/>
               </a:spcBef>
@@ -1892,9 +2083,6 @@
               </a:spcAft>
               <a:buNone/>
             </a:pPr>
-            <a:r>
-              <a:t/>
-            </a:r>
             <a:endParaRPr/>
           </a:p>
         </p:txBody>
@@ -1908,11 +2096,11 @@
 </file>
 
 <file path=ppt/notesSlides/notesSlide14.xml><?xml version="1.0" encoding="utf-8"?>
-<p:notes xmlns:a="http://schemas.openxmlformats.org/drawingml/2006/main" xmlns:r="http://schemas.openxmlformats.org/officeDocument/2006/relationships" xmlns:mc="http://schemas.openxmlformats.org/markup-compatibility/2006" xmlns:mv="urn:schemas-microsoft-com:mac:vml" xmlns:p="http://schemas.openxmlformats.org/presentationml/2006/main" xmlns:c="http://schemas.openxmlformats.org/drawingml/2006/chart" xmlns:dgm="http://schemas.openxmlformats.org/drawingml/2006/diagram" xmlns:o="urn:schemas-microsoft-com:office:office" xmlns:v="urn:schemas-microsoft-com:vml" xmlns:pvml="urn:schemas-microsoft-com:office:powerpoint" xmlns:com="http://schemas.openxmlformats.org/drawingml/2006/compatibility" xmlns:p14="http://schemas.microsoft.com/office/powerpoint/2010/main" xmlns:p15="http://schemas.microsoft.com/office/powerpoint/2012/main" xmlns:ahyp="http://schemas.microsoft.com/office/drawing/2018/hyperlinkcolor" showMasterPhAnim="0" showMasterSp="0">
+<p:notes xmlns:a="http://schemas.openxmlformats.org/drawingml/2006/main" xmlns:r="http://schemas.openxmlformats.org/officeDocument/2006/relationships" xmlns:p="http://schemas.openxmlformats.org/presentationml/2006/main" showMasterSp="0" showMasterPhAnim="0">
   <p:cSld>
     <p:spTree>
       <p:nvGrpSpPr>
-        <p:cNvPr id="173" name="Shape 173"/>
+        <p:cNvPr id="1" name="Shape 173"/>
         <p:cNvGrpSpPr/>
         <p:nvPr/>
       </p:nvGrpSpPr>
@@ -1927,9 +2115,11 @@
       <p:sp>
         <p:nvSpPr>
           <p:cNvPr id="174" name="Google Shape;174;g126e4413402_0_33:notes"/>
-          <p:cNvSpPr/>
+          <p:cNvSpPr>
+            <a:spLocks noGrp="1" noRot="1" noChangeAspect="1"/>
+          </p:cNvSpPr>
           <p:nvPr>
-            <p:ph idx="2" type="sldImg"/>
+            <p:ph type="sldImg" idx="2"/>
           </p:nvPr>
         </p:nvSpPr>
         <p:spPr>
@@ -1938,9 +2128,13 @@
             <a:ext cx="6096000" cy="3429000"/>
           </a:xfrm>
           <a:custGeom>
-            <a:rect b="b" l="l" r="r" t="t"/>
+            <a:avLst/>
+            <a:gdLst/>
+            <a:ahLst/>
+            <a:cxnLst/>
+            <a:rect l="l" t="t" r="r" b="b"/>
             <a:pathLst>
-              <a:path extrusionOk="0" h="120000" w="120000">
+              <a:path w="120000" h="120000" extrusionOk="0">
                 <a:moveTo>
                   <a:pt x="0" y="0"/>
                 </a:moveTo>
@@ -1962,9 +2156,11 @@
       <p:sp>
         <p:nvSpPr>
           <p:cNvPr id="175" name="Google Shape;175;g126e4413402_0_33:notes"/>
-          <p:cNvSpPr txBox="1"/>
+          <p:cNvSpPr txBox="1">
+            <a:spLocks noGrp="1"/>
+          </p:cNvSpPr>
           <p:nvPr>
-            <p:ph idx="1" type="body"/>
+            <p:ph type="body" idx="1"/>
           </p:nvPr>
         </p:nvSpPr>
         <p:spPr>
@@ -1977,12 +2173,12 @@
           </a:prstGeom>
         </p:spPr>
         <p:txBody>
-          <a:bodyPr anchorCtr="0" anchor="t" bIns="91425" lIns="91425" spcFirstLastPara="1" rIns="91425" wrap="square" tIns="91425">
+          <a:bodyPr spcFirstLastPara="1" wrap="square" lIns="91425" tIns="91425" rIns="91425" bIns="91425" anchor="t" anchorCtr="0">
             <a:noAutofit/>
           </a:bodyPr>
           <a:lstStyle/>
           <a:p>
-            <a:pPr indent="-304800" lvl="0" marL="457200" rtl="0" algn="l">
+            <a:pPr marL="457200" lvl="0" indent="-304800" algn="l" rtl="0">
               <a:lnSpc>
                 <a:spcPct val="115000"/>
               </a:lnSpc>
@@ -2022,7 +2218,7 @@
             </a:endParaRPr>
           </a:p>
           <a:p>
-            <a:pPr indent="-304800" lvl="1" marL="914400" rtl="0" algn="l">
+            <a:pPr marL="914400" lvl="1" indent="-304800" algn="l" rtl="0">
               <a:lnSpc>
                 <a:spcPct val="115000"/>
               </a:lnSpc>
@@ -2062,7 +2258,7 @@
             </a:endParaRPr>
           </a:p>
           <a:p>
-            <a:pPr indent="-304800" lvl="0" marL="457200" rtl="0" algn="l">
+            <a:pPr marL="457200" lvl="0" indent="-304800" algn="l" rtl="0">
               <a:lnSpc>
                 <a:spcPct val="115000"/>
               </a:lnSpc>
@@ -2102,7 +2298,7 @@
             </a:endParaRPr>
           </a:p>
           <a:p>
-            <a:pPr indent="-304800" lvl="1" marL="914400" rtl="0" algn="l">
+            <a:pPr marL="914400" lvl="1" indent="-304800" algn="l" rtl="0">
               <a:lnSpc>
                 <a:spcPct val="115000"/>
               </a:lnSpc>
@@ -2142,7 +2338,7 @@
             </a:endParaRPr>
           </a:p>
           <a:p>
-            <a:pPr indent="-304800" lvl="0" marL="457200" rtl="0" algn="l">
+            <a:pPr marL="457200" lvl="0" indent="-304800" algn="l" rtl="0">
               <a:lnSpc>
                 <a:spcPct val="115000"/>
               </a:lnSpc>
@@ -2182,7 +2378,7 @@
             </a:endParaRPr>
           </a:p>
           <a:p>
-            <a:pPr indent="-304800" lvl="1" marL="914400" rtl="0" algn="l">
+            <a:pPr marL="914400" lvl="1" indent="-304800" algn="l" rtl="0">
               <a:lnSpc>
                 <a:spcPct val="115000"/>
               </a:lnSpc>
@@ -2222,7 +2418,7 @@
             </a:endParaRPr>
           </a:p>
           <a:p>
-            <a:pPr indent="-304800" lvl="0" marL="457200" rtl="0" algn="l">
+            <a:pPr marL="457200" lvl="0" indent="-304800" algn="l" rtl="0">
               <a:lnSpc>
                 <a:spcPct val="105000"/>
               </a:lnSpc>
@@ -2262,7 +2458,7 @@
             </a:endParaRPr>
           </a:p>
           <a:p>
-            <a:pPr indent="-304800" lvl="1" marL="914400" rtl="0" algn="l">
+            <a:pPr marL="914400" lvl="1" indent="-304800" algn="l" rtl="0">
               <a:lnSpc>
                 <a:spcPct val="115000"/>
               </a:lnSpc>
@@ -2302,7 +2498,7 @@
             </a:endParaRPr>
           </a:p>
           <a:p>
-            <a:pPr indent="0" lvl="0" marL="0" rtl="0" algn="l">
+            <a:pPr marL="0" lvl="0" indent="0" algn="l" rtl="0">
               <a:spcBef>
                 <a:spcPts val="1200"/>
               </a:spcBef>
@@ -2311,9 +2507,6 @@
               </a:spcAft>
               <a:buNone/>
             </a:pPr>
-            <a:r>
-              <a:t/>
-            </a:r>
             <a:endParaRPr/>
           </a:p>
         </p:txBody>
@@ -2327,11 +2520,11 @@
 </file>
 
 <file path=ppt/notesSlides/notesSlide15.xml><?xml version="1.0" encoding="utf-8"?>
-<p:notes xmlns:a="http://schemas.openxmlformats.org/drawingml/2006/main" xmlns:r="http://schemas.openxmlformats.org/officeDocument/2006/relationships" xmlns:mc="http://schemas.openxmlformats.org/markup-compatibility/2006" xmlns:mv="urn:schemas-microsoft-com:mac:vml" xmlns:p="http://schemas.openxmlformats.org/presentationml/2006/main" xmlns:c="http://schemas.openxmlformats.org/drawingml/2006/chart" xmlns:dgm="http://schemas.openxmlformats.org/drawingml/2006/diagram" xmlns:o="urn:schemas-microsoft-com:office:office" xmlns:v="urn:schemas-microsoft-com:vml" xmlns:pvml="urn:schemas-microsoft-com:office:powerpoint" xmlns:com="http://schemas.openxmlformats.org/drawingml/2006/compatibility" xmlns:p14="http://schemas.microsoft.com/office/powerpoint/2010/main" xmlns:p15="http://schemas.microsoft.com/office/powerpoint/2012/main" xmlns:ahyp="http://schemas.microsoft.com/office/drawing/2018/hyperlinkcolor" showMasterPhAnim="0" showMasterSp="0">
+<p:notes xmlns:a="http://schemas.openxmlformats.org/drawingml/2006/main" xmlns:r="http://schemas.openxmlformats.org/officeDocument/2006/relationships" xmlns:p="http://schemas.openxmlformats.org/presentationml/2006/main" showMasterSp="0" showMasterPhAnim="0">
   <p:cSld>
     <p:spTree>
       <p:nvGrpSpPr>
-        <p:cNvPr id="183" name="Shape 183"/>
+        <p:cNvPr id="1" name="Shape 183"/>
         <p:cNvGrpSpPr/>
         <p:nvPr/>
       </p:nvGrpSpPr>
@@ -2346,20 +2539,26 @@
       <p:sp>
         <p:nvSpPr>
           <p:cNvPr id="184" name="Google Shape;184;g1219c0acaa9_0_148:notes"/>
-          <p:cNvSpPr/>
+          <p:cNvSpPr>
+            <a:spLocks noGrp="1" noRot="1" noChangeAspect="1"/>
+          </p:cNvSpPr>
           <p:nvPr>
-            <p:ph idx="2" type="sldImg"/>
+            <p:ph type="sldImg" idx="2"/>
           </p:nvPr>
         </p:nvSpPr>
         <p:spPr>
           <a:xfrm>
-            <a:off x="381300" y="685800"/>
+            <a:off x="381000" y="685800"/>
             <a:ext cx="6096000" cy="3429000"/>
           </a:xfrm>
           <a:custGeom>
-            <a:rect b="b" l="l" r="r" t="t"/>
+            <a:avLst/>
+            <a:gdLst/>
+            <a:ahLst/>
+            <a:cxnLst/>
+            <a:rect l="l" t="t" r="r" b="b"/>
             <a:pathLst>
-              <a:path extrusionOk="0" h="120000" w="120000">
+              <a:path w="120000" h="120000" extrusionOk="0">
                 <a:moveTo>
                   <a:pt x="0" y="0"/>
                 </a:moveTo>
@@ -2381,9 +2580,11 @@
       <p:sp>
         <p:nvSpPr>
           <p:cNvPr id="185" name="Google Shape;185;g1219c0acaa9_0_148:notes"/>
-          <p:cNvSpPr txBox="1"/>
+          <p:cNvSpPr txBox="1">
+            <a:spLocks noGrp="1"/>
+          </p:cNvSpPr>
           <p:nvPr>
-            <p:ph idx="1" type="body"/>
+            <p:ph type="body" idx="1"/>
           </p:nvPr>
         </p:nvSpPr>
         <p:spPr>
@@ -2396,12 +2597,12 @@
           </a:prstGeom>
         </p:spPr>
         <p:txBody>
-          <a:bodyPr anchorCtr="0" anchor="t" bIns="91425" lIns="91425" spcFirstLastPara="1" rIns="91425" wrap="square" tIns="91425">
+          <a:bodyPr spcFirstLastPara="1" wrap="square" lIns="91425" tIns="91425" rIns="91425" bIns="91425" anchor="t" anchorCtr="0">
             <a:noAutofit/>
           </a:bodyPr>
           <a:lstStyle/>
           <a:p>
-            <a:pPr indent="0" lvl="0" marL="457200" rtl="0" algn="l">
+            <a:pPr marL="457200" lvl="0" indent="0" algn="l" rtl="0">
               <a:lnSpc>
                 <a:spcPct val="115000"/>
               </a:lnSpc>
@@ -2436,7 +2637,7 @@
             </a:endParaRPr>
           </a:p>
           <a:p>
-            <a:pPr indent="-304800" lvl="0" marL="457200" rtl="0" algn="l">
+            <a:pPr marL="457200" lvl="0" indent="-304800" algn="l" rtl="0">
               <a:lnSpc>
                 <a:spcPct val="115000"/>
               </a:lnSpc>
@@ -2476,7 +2677,7 @@
             </a:endParaRPr>
           </a:p>
           <a:p>
-            <a:pPr indent="-304800" lvl="1" marL="914400" rtl="0" algn="l">
+            <a:pPr marL="914400" lvl="1" indent="-304800" algn="l" rtl="0">
               <a:lnSpc>
                 <a:spcPct val="115000"/>
               </a:lnSpc>
@@ -2516,7 +2717,7 @@
             </a:endParaRPr>
           </a:p>
           <a:p>
-            <a:pPr indent="-304800" lvl="1" marL="914400" rtl="0" algn="l">
+            <a:pPr marL="914400" lvl="1" indent="-304800" algn="l" rtl="0">
               <a:lnSpc>
                 <a:spcPct val="115000"/>
               </a:lnSpc>
@@ -2556,7 +2757,7 @@
             </a:endParaRPr>
           </a:p>
           <a:p>
-            <a:pPr indent="-304800" lvl="1" marL="914400" rtl="0" algn="l">
+            <a:pPr marL="914400" lvl="1" indent="-304800" algn="l" rtl="0">
               <a:lnSpc>
                 <a:spcPct val="115000"/>
               </a:lnSpc>
@@ -2596,7 +2797,7 @@
             </a:endParaRPr>
           </a:p>
           <a:p>
-            <a:pPr indent="-304800" lvl="1" marL="914400" rtl="0" algn="l">
+            <a:pPr marL="914400" lvl="1" indent="-304800" algn="l" rtl="0">
               <a:lnSpc>
                 <a:spcPct val="115000"/>
               </a:lnSpc>
@@ -2636,7 +2837,7 @@
             </a:endParaRPr>
           </a:p>
           <a:p>
-            <a:pPr indent="-304800" lvl="0" marL="457200" rtl="0" algn="l">
+            <a:pPr marL="457200" lvl="0" indent="-304800" algn="l" rtl="0">
               <a:lnSpc>
                 <a:spcPct val="115000"/>
               </a:lnSpc>
@@ -2676,7 +2877,7 @@
             </a:endParaRPr>
           </a:p>
           <a:p>
-            <a:pPr indent="-304800" lvl="1" marL="914400" rtl="0" algn="l">
+            <a:pPr marL="914400" lvl="1" indent="-304800" algn="l" rtl="0">
               <a:lnSpc>
                 <a:spcPct val="115000"/>
               </a:lnSpc>
@@ -2716,7 +2917,7 @@
             </a:endParaRPr>
           </a:p>
           <a:p>
-            <a:pPr indent="0" lvl="0" marL="0" rtl="0" algn="l">
+            <a:pPr marL="0" lvl="0" indent="0" algn="l" rtl="0">
               <a:lnSpc>
                 <a:spcPct val="115000"/>
               </a:lnSpc>
@@ -2751,7 +2952,7 @@
             </a:endParaRPr>
           </a:p>
           <a:p>
-            <a:pPr indent="-304800" lvl="0" marL="457200" rtl="0" algn="l">
+            <a:pPr marL="457200" lvl="0" indent="-304800" algn="l" rtl="0">
               <a:lnSpc>
                 <a:spcPct val="115000"/>
               </a:lnSpc>
@@ -2791,7 +2992,7 @@
             </a:endParaRPr>
           </a:p>
           <a:p>
-            <a:pPr indent="-304800" lvl="1" marL="914400" rtl="0" algn="l">
+            <a:pPr marL="914400" lvl="1" indent="-304800" algn="l" rtl="0">
               <a:lnSpc>
                 <a:spcPct val="115000"/>
               </a:lnSpc>
@@ -2831,7 +3032,7 @@
             </a:endParaRPr>
           </a:p>
           <a:p>
-            <a:pPr indent="-304800" lvl="0" marL="457200" rtl="0" algn="l">
+            <a:pPr marL="457200" lvl="0" indent="-304800" algn="l" rtl="0">
               <a:lnSpc>
                 <a:spcPct val="115000"/>
               </a:lnSpc>
@@ -2871,7 +3072,7 @@
             </a:endParaRPr>
           </a:p>
           <a:p>
-            <a:pPr indent="-304800" lvl="1" marL="914400" rtl="0" algn="l">
+            <a:pPr marL="914400" lvl="1" indent="-304800" algn="l" rtl="0">
               <a:lnSpc>
                 <a:spcPct val="115000"/>
               </a:lnSpc>
@@ -2911,7 +3112,7 @@
             </a:endParaRPr>
           </a:p>
           <a:p>
-            <a:pPr indent="-304800" lvl="0" marL="457200" rtl="0" algn="l">
+            <a:pPr marL="457200" lvl="0" indent="-304800" algn="l" rtl="0">
               <a:lnSpc>
                 <a:spcPct val="115000"/>
               </a:lnSpc>
@@ -2951,7 +3152,7 @@
             </a:endParaRPr>
           </a:p>
           <a:p>
-            <a:pPr indent="-304800" lvl="1" marL="914400" rtl="0" algn="l">
+            <a:pPr marL="914400" lvl="1" indent="-304800" algn="l" rtl="0">
               <a:lnSpc>
                 <a:spcPct val="115000"/>
               </a:lnSpc>
@@ -2991,18 +3192,15 @@
             </a:endParaRPr>
           </a:p>
           <a:p>
-            <a:pPr indent="0" lvl="0" marL="0" rtl="0" algn="l">
-              <a:spcBef>
-                <a:spcPts val="0"/>
-              </a:spcBef>
-              <a:spcAft>
-                <a:spcPts val="0"/>
-              </a:spcAft>
-              <a:buNone/>
-            </a:pPr>
-            <a:r>
-              <a:t/>
-            </a:r>
+            <a:pPr marL="0" lvl="0" indent="0" algn="l" rtl="0">
+              <a:spcBef>
+                <a:spcPts val="0"/>
+              </a:spcBef>
+              <a:spcAft>
+                <a:spcPts val="0"/>
+              </a:spcAft>
+              <a:buNone/>
+            </a:pPr>
             <a:endParaRPr/>
           </a:p>
         </p:txBody>
@@ -3016,11 +3214,11 @@
 </file>
 
 <file path=ppt/notesSlides/notesSlide16.xml><?xml version="1.0" encoding="utf-8"?>
-<p:notes xmlns:a="http://schemas.openxmlformats.org/drawingml/2006/main" xmlns:r="http://schemas.openxmlformats.org/officeDocument/2006/relationships" xmlns:mc="http://schemas.openxmlformats.org/markup-compatibility/2006" xmlns:mv="urn:schemas-microsoft-com:mac:vml" xmlns:p="http://schemas.openxmlformats.org/presentationml/2006/main" xmlns:c="http://schemas.openxmlformats.org/drawingml/2006/chart" xmlns:dgm="http://schemas.openxmlformats.org/drawingml/2006/diagram" xmlns:o="urn:schemas-microsoft-com:office:office" xmlns:v="urn:schemas-microsoft-com:vml" xmlns:pvml="urn:schemas-microsoft-com:office:powerpoint" xmlns:com="http://schemas.openxmlformats.org/drawingml/2006/compatibility" xmlns:p14="http://schemas.microsoft.com/office/powerpoint/2010/main" xmlns:p15="http://schemas.microsoft.com/office/powerpoint/2012/main" xmlns:ahyp="http://schemas.microsoft.com/office/drawing/2018/hyperlinkcolor" showMasterPhAnim="0" showMasterSp="0">
+<p:notes xmlns:a="http://schemas.openxmlformats.org/drawingml/2006/main" xmlns:r="http://schemas.openxmlformats.org/officeDocument/2006/relationships" xmlns:p="http://schemas.openxmlformats.org/presentationml/2006/main" showMasterSp="0" showMasterPhAnim="0">
   <p:cSld>
     <p:spTree>
       <p:nvGrpSpPr>
-        <p:cNvPr id="192" name="Shape 192"/>
+        <p:cNvPr id="1" name="Shape 192"/>
         <p:cNvGrpSpPr/>
         <p:nvPr/>
       </p:nvGrpSpPr>
@@ -3035,20 +3233,26 @@
       <p:sp>
         <p:nvSpPr>
           <p:cNvPr id="193" name="Google Shape;193;g1219c0acaa9_0_154:notes"/>
-          <p:cNvSpPr/>
+          <p:cNvSpPr>
+            <a:spLocks noGrp="1" noRot="1" noChangeAspect="1"/>
+          </p:cNvSpPr>
           <p:nvPr>
-            <p:ph idx="2" type="sldImg"/>
+            <p:ph type="sldImg" idx="2"/>
           </p:nvPr>
         </p:nvSpPr>
         <p:spPr>
           <a:xfrm>
-            <a:off x="381300" y="685800"/>
+            <a:off x="381000" y="685800"/>
             <a:ext cx="6096000" cy="3429000"/>
           </a:xfrm>
           <a:custGeom>
-            <a:rect b="b" l="l" r="r" t="t"/>
+            <a:avLst/>
+            <a:gdLst/>
+            <a:ahLst/>
+            <a:cxnLst/>
+            <a:rect l="l" t="t" r="r" b="b"/>
             <a:pathLst>
-              <a:path extrusionOk="0" h="120000" w="120000">
+              <a:path w="120000" h="120000" extrusionOk="0">
                 <a:moveTo>
                   <a:pt x="0" y="0"/>
                 </a:moveTo>
@@ -3070,9 +3274,11 @@
       <p:sp>
         <p:nvSpPr>
           <p:cNvPr id="194" name="Google Shape;194;g1219c0acaa9_0_154:notes"/>
-          <p:cNvSpPr txBox="1"/>
+          <p:cNvSpPr txBox="1">
+            <a:spLocks noGrp="1"/>
+          </p:cNvSpPr>
           <p:nvPr>
-            <p:ph idx="1" type="body"/>
+            <p:ph type="body" idx="1"/>
           </p:nvPr>
         </p:nvSpPr>
         <p:spPr>
@@ -3085,12 +3291,12 @@
           </a:prstGeom>
         </p:spPr>
         <p:txBody>
-          <a:bodyPr anchorCtr="0" anchor="t" bIns="91425" lIns="91425" spcFirstLastPara="1" rIns="91425" wrap="square" tIns="91425">
+          <a:bodyPr spcFirstLastPara="1" wrap="square" lIns="91425" tIns="91425" rIns="91425" bIns="91425" anchor="t" anchorCtr="0">
             <a:noAutofit/>
           </a:bodyPr>
           <a:lstStyle/>
           <a:p>
-            <a:pPr indent="-304800" lvl="0" marL="457200" rtl="0" algn="l">
+            <a:pPr marL="457200" lvl="0" indent="-304800" algn="l" rtl="0">
               <a:lnSpc>
                 <a:spcPct val="115000"/>
               </a:lnSpc>
@@ -3130,7 +3336,7 @@
             </a:endParaRPr>
           </a:p>
           <a:p>
-            <a:pPr indent="-304800" lvl="0" marL="457200" rtl="0" algn="l">
+            <a:pPr marL="457200" lvl="0" indent="-304800" algn="l" rtl="0">
               <a:lnSpc>
                 <a:spcPct val="115000"/>
               </a:lnSpc>
@@ -3170,7 +3376,7 @@
             </a:endParaRPr>
           </a:p>
           <a:p>
-            <a:pPr indent="-304800" lvl="0" marL="457200" rtl="0" algn="l">
+            <a:pPr marL="457200" lvl="0" indent="-304800" algn="l" rtl="0">
               <a:lnSpc>
                 <a:spcPct val="115000"/>
               </a:lnSpc>
@@ -3210,7 +3416,7 @@
             </a:endParaRPr>
           </a:p>
           <a:p>
-            <a:pPr indent="-304800" lvl="0" marL="457200" rtl="0" algn="l">
+            <a:pPr marL="457200" lvl="0" indent="-304800" algn="l" rtl="0">
               <a:lnSpc>
                 <a:spcPct val="115000"/>
               </a:lnSpc>
@@ -3252,11 +3458,11 @@
 </file>
 
 <file path=ppt/notesSlides/notesSlide17.xml><?xml version="1.0" encoding="utf-8"?>
-<p:notes xmlns:a="http://schemas.openxmlformats.org/drawingml/2006/main" xmlns:r="http://schemas.openxmlformats.org/officeDocument/2006/relationships" xmlns:mc="http://schemas.openxmlformats.org/markup-compatibility/2006" xmlns:mv="urn:schemas-microsoft-com:mac:vml" xmlns:p="http://schemas.openxmlformats.org/presentationml/2006/main" xmlns:c="http://schemas.openxmlformats.org/drawingml/2006/chart" xmlns:dgm="http://schemas.openxmlformats.org/drawingml/2006/diagram" xmlns:o="urn:schemas-microsoft-com:office:office" xmlns:v="urn:schemas-microsoft-com:vml" xmlns:pvml="urn:schemas-microsoft-com:office:powerpoint" xmlns:com="http://schemas.openxmlformats.org/drawingml/2006/compatibility" xmlns:p14="http://schemas.microsoft.com/office/powerpoint/2010/main" xmlns:p15="http://schemas.microsoft.com/office/powerpoint/2012/main" xmlns:ahyp="http://schemas.microsoft.com/office/drawing/2018/hyperlinkcolor" showMasterPhAnim="0" showMasterSp="0">
+<p:notes xmlns:a="http://schemas.openxmlformats.org/drawingml/2006/main" xmlns:r="http://schemas.openxmlformats.org/officeDocument/2006/relationships" xmlns:p="http://schemas.openxmlformats.org/presentationml/2006/main" showMasterSp="0" showMasterPhAnim="0">
   <p:cSld>
     <p:spTree>
       <p:nvGrpSpPr>
-        <p:cNvPr id="199" name="Shape 199"/>
+        <p:cNvPr id="1" name="Shape 199"/>
         <p:cNvGrpSpPr/>
         <p:nvPr/>
       </p:nvGrpSpPr>
@@ -3271,9 +3477,11 @@
       <p:sp>
         <p:nvSpPr>
           <p:cNvPr id="200" name="Google Shape;200;g1231fd745f2_0_8:notes"/>
-          <p:cNvSpPr/>
+          <p:cNvSpPr>
+            <a:spLocks noGrp="1" noRot="1" noChangeAspect="1"/>
+          </p:cNvSpPr>
           <p:nvPr>
-            <p:ph idx="2" type="sldImg"/>
+            <p:ph type="sldImg" idx="2"/>
           </p:nvPr>
         </p:nvSpPr>
         <p:spPr>
@@ -3282,9 +3490,13 @@
             <a:ext cx="6096000" cy="3429000"/>
           </a:xfrm>
           <a:custGeom>
-            <a:rect b="b" l="l" r="r" t="t"/>
+            <a:avLst/>
+            <a:gdLst/>
+            <a:ahLst/>
+            <a:cxnLst/>
+            <a:rect l="l" t="t" r="r" b="b"/>
             <a:pathLst>
-              <a:path extrusionOk="0" h="120000" w="120000">
+              <a:path w="120000" h="120000" extrusionOk="0">
                 <a:moveTo>
                   <a:pt x="0" y="0"/>
                 </a:moveTo>
@@ -3306,9 +3518,11 @@
       <p:sp>
         <p:nvSpPr>
           <p:cNvPr id="201" name="Google Shape;201;g1231fd745f2_0_8:notes"/>
-          <p:cNvSpPr txBox="1"/>
+          <p:cNvSpPr txBox="1">
+            <a:spLocks noGrp="1"/>
+          </p:cNvSpPr>
           <p:nvPr>
-            <p:ph idx="1" type="body"/>
+            <p:ph type="body" idx="1"/>
           </p:nvPr>
         </p:nvSpPr>
         <p:spPr>
@@ -3321,23 +3535,20 @@
           </a:prstGeom>
         </p:spPr>
         <p:txBody>
-          <a:bodyPr anchorCtr="0" anchor="t" bIns="91425" lIns="91425" spcFirstLastPara="1" rIns="91425" wrap="square" tIns="91425">
+          <a:bodyPr spcFirstLastPara="1" wrap="square" lIns="91425" tIns="91425" rIns="91425" bIns="91425" anchor="t" anchorCtr="0">
             <a:noAutofit/>
           </a:bodyPr>
           <a:lstStyle/>
           <a:p>
-            <a:pPr indent="0" lvl="0" marL="0" rtl="0" algn="l">
-              <a:spcBef>
-                <a:spcPts val="0"/>
-              </a:spcBef>
-              <a:spcAft>
-                <a:spcPts val="0"/>
-              </a:spcAft>
-              <a:buNone/>
-            </a:pPr>
-            <a:r>
-              <a:t/>
-            </a:r>
+            <a:pPr marL="0" lvl="0" indent="0" algn="l" rtl="0">
+              <a:spcBef>
+                <a:spcPts val="0"/>
+              </a:spcBef>
+              <a:spcAft>
+                <a:spcPts val="0"/>
+              </a:spcAft>
+              <a:buNone/>
+            </a:pPr>
             <a:endParaRPr/>
           </a:p>
         </p:txBody>
@@ -3351,11 +3562,11 @@
 </file>
 
 <file path=ppt/notesSlides/notesSlide2.xml><?xml version="1.0" encoding="utf-8"?>
-<p:notes xmlns:a="http://schemas.openxmlformats.org/drawingml/2006/main" xmlns:r="http://schemas.openxmlformats.org/officeDocument/2006/relationships" xmlns:mc="http://schemas.openxmlformats.org/markup-compatibility/2006" xmlns:mv="urn:schemas-microsoft-com:mac:vml" xmlns:p="http://schemas.openxmlformats.org/presentationml/2006/main" xmlns:c="http://schemas.openxmlformats.org/drawingml/2006/chart" xmlns:dgm="http://schemas.openxmlformats.org/drawingml/2006/diagram" xmlns:o="urn:schemas-microsoft-com:office:office" xmlns:v="urn:schemas-microsoft-com:vml" xmlns:pvml="urn:schemas-microsoft-com:office:powerpoint" xmlns:com="http://schemas.openxmlformats.org/drawingml/2006/compatibility" xmlns:p14="http://schemas.microsoft.com/office/powerpoint/2010/main" xmlns:p15="http://schemas.microsoft.com/office/powerpoint/2012/main" xmlns:ahyp="http://schemas.microsoft.com/office/drawing/2018/hyperlinkcolor" showMasterPhAnim="0" showMasterSp="0">
+<p:notes xmlns:a="http://schemas.openxmlformats.org/drawingml/2006/main" xmlns:r="http://schemas.openxmlformats.org/officeDocument/2006/relationships" xmlns:p="http://schemas.openxmlformats.org/presentationml/2006/main" showMasterSp="0" showMasterPhAnim="0">
   <p:cSld>
     <p:spTree>
       <p:nvGrpSpPr>
-        <p:cNvPr id="66" name="Shape 66"/>
+        <p:cNvPr id="1" name="Shape 66"/>
         <p:cNvGrpSpPr/>
         <p:nvPr/>
       </p:nvGrpSpPr>
@@ -3370,9 +3581,11 @@
       <p:sp>
         <p:nvSpPr>
           <p:cNvPr id="67" name="Google Shape;67;g1219c0acaa9_0_14:notes"/>
-          <p:cNvSpPr/>
+          <p:cNvSpPr>
+            <a:spLocks noGrp="1" noRot="1" noChangeAspect="1"/>
+          </p:cNvSpPr>
           <p:nvPr>
-            <p:ph idx="2" type="sldImg"/>
+            <p:ph type="sldImg" idx="2"/>
           </p:nvPr>
         </p:nvSpPr>
         <p:spPr>
@@ -3381,9 +3594,13 @@
             <a:ext cx="6096000" cy="3429000"/>
           </a:xfrm>
           <a:custGeom>
-            <a:rect b="b" l="l" r="r" t="t"/>
+            <a:avLst/>
+            <a:gdLst/>
+            <a:ahLst/>
+            <a:cxnLst/>
+            <a:rect l="l" t="t" r="r" b="b"/>
             <a:pathLst>
-              <a:path extrusionOk="0" h="120000" w="120000">
+              <a:path w="120000" h="120000" extrusionOk="0">
                 <a:moveTo>
                   <a:pt x="0" y="0"/>
                 </a:moveTo>
@@ -3405,9 +3622,11 @@
       <p:sp>
         <p:nvSpPr>
           <p:cNvPr id="68" name="Google Shape;68;g1219c0acaa9_0_14:notes"/>
-          <p:cNvSpPr txBox="1"/>
+          <p:cNvSpPr txBox="1">
+            <a:spLocks noGrp="1"/>
+          </p:cNvSpPr>
           <p:nvPr>
-            <p:ph idx="1" type="body"/>
+            <p:ph type="body" idx="1"/>
           </p:nvPr>
         </p:nvSpPr>
         <p:spPr>
@@ -3420,23 +3639,20 @@
           </a:prstGeom>
         </p:spPr>
         <p:txBody>
-          <a:bodyPr anchorCtr="0" anchor="t" bIns="91425" lIns="91425" spcFirstLastPara="1" rIns="91425" wrap="square" tIns="91425">
+          <a:bodyPr spcFirstLastPara="1" wrap="square" lIns="91425" tIns="91425" rIns="91425" bIns="91425" anchor="t" anchorCtr="0">
             <a:noAutofit/>
           </a:bodyPr>
           <a:lstStyle/>
           <a:p>
-            <a:pPr indent="0" lvl="0" marL="0" rtl="0" algn="l">
-              <a:spcBef>
-                <a:spcPts val="0"/>
-              </a:spcBef>
-              <a:spcAft>
-                <a:spcPts val="0"/>
-              </a:spcAft>
-              <a:buNone/>
-            </a:pPr>
-            <a:r>
-              <a:t/>
-            </a:r>
+            <a:pPr marL="0" lvl="0" indent="0" algn="l" rtl="0">
+              <a:spcBef>
+                <a:spcPts val="0"/>
+              </a:spcBef>
+              <a:spcAft>
+                <a:spcPts val="0"/>
+              </a:spcAft>
+              <a:buNone/>
+            </a:pPr>
             <a:endParaRPr/>
           </a:p>
         </p:txBody>
@@ -3450,11 +3666,11 @@
 </file>
 
 <file path=ppt/notesSlides/notesSlide3.xml><?xml version="1.0" encoding="utf-8"?>
-<p:notes xmlns:a="http://schemas.openxmlformats.org/drawingml/2006/main" xmlns:r="http://schemas.openxmlformats.org/officeDocument/2006/relationships" xmlns:mc="http://schemas.openxmlformats.org/markup-compatibility/2006" xmlns:mv="urn:schemas-microsoft-com:mac:vml" xmlns:p="http://schemas.openxmlformats.org/presentationml/2006/main" xmlns:c="http://schemas.openxmlformats.org/drawingml/2006/chart" xmlns:dgm="http://schemas.openxmlformats.org/drawingml/2006/diagram" xmlns:o="urn:schemas-microsoft-com:office:office" xmlns:v="urn:schemas-microsoft-com:vml" xmlns:pvml="urn:schemas-microsoft-com:office:powerpoint" xmlns:com="http://schemas.openxmlformats.org/drawingml/2006/compatibility" xmlns:p14="http://schemas.microsoft.com/office/powerpoint/2010/main" xmlns:p15="http://schemas.microsoft.com/office/powerpoint/2012/main" xmlns:ahyp="http://schemas.microsoft.com/office/drawing/2018/hyperlinkcolor" showMasterPhAnim="0" showMasterSp="0">
+<p:notes xmlns:a="http://schemas.openxmlformats.org/drawingml/2006/main" xmlns:r="http://schemas.openxmlformats.org/officeDocument/2006/relationships" xmlns:p="http://schemas.openxmlformats.org/presentationml/2006/main" showMasterSp="0" showMasterPhAnim="0">
   <p:cSld>
     <p:spTree>
       <p:nvGrpSpPr>
-        <p:cNvPr id="73" name="Shape 73"/>
+        <p:cNvPr id="1" name="Shape 73"/>
         <p:cNvGrpSpPr/>
         <p:nvPr/>
       </p:nvGrpSpPr>
@@ -3469,9 +3685,11 @@
       <p:sp>
         <p:nvSpPr>
           <p:cNvPr id="74" name="Google Shape;74;g123d48cdcae_0_0:notes"/>
-          <p:cNvSpPr/>
+          <p:cNvSpPr>
+            <a:spLocks noGrp="1" noRot="1" noChangeAspect="1"/>
+          </p:cNvSpPr>
           <p:nvPr>
-            <p:ph idx="2" type="sldImg"/>
+            <p:ph type="sldImg" idx="2"/>
           </p:nvPr>
         </p:nvSpPr>
         <p:spPr>
@@ -3480,9 +3698,13 @@
             <a:ext cx="6096000" cy="3429000"/>
           </a:xfrm>
           <a:custGeom>
-            <a:rect b="b" l="l" r="r" t="t"/>
+            <a:avLst/>
+            <a:gdLst/>
+            <a:ahLst/>
+            <a:cxnLst/>
+            <a:rect l="l" t="t" r="r" b="b"/>
             <a:pathLst>
-              <a:path extrusionOk="0" h="120000" w="120000">
+              <a:path w="120000" h="120000" extrusionOk="0">
                 <a:moveTo>
                   <a:pt x="0" y="0"/>
                 </a:moveTo>
@@ -3504,9 +3726,11 @@
       <p:sp>
         <p:nvSpPr>
           <p:cNvPr id="75" name="Google Shape;75;g123d48cdcae_0_0:notes"/>
-          <p:cNvSpPr txBox="1"/>
+          <p:cNvSpPr txBox="1">
+            <a:spLocks noGrp="1"/>
+          </p:cNvSpPr>
           <p:nvPr>
-            <p:ph idx="1" type="body"/>
+            <p:ph type="body" idx="1"/>
           </p:nvPr>
         </p:nvSpPr>
         <p:spPr>
@@ -3519,23 +3743,20 @@
           </a:prstGeom>
         </p:spPr>
         <p:txBody>
-          <a:bodyPr anchorCtr="0" anchor="t" bIns="91425" lIns="91425" spcFirstLastPara="1" rIns="91425" wrap="square" tIns="91425">
+          <a:bodyPr spcFirstLastPara="1" wrap="square" lIns="91425" tIns="91425" rIns="91425" bIns="91425" anchor="t" anchorCtr="0">
             <a:noAutofit/>
           </a:bodyPr>
           <a:lstStyle/>
           <a:p>
-            <a:pPr indent="0" lvl="0" marL="0" rtl="0" algn="l">
-              <a:spcBef>
-                <a:spcPts val="0"/>
-              </a:spcBef>
-              <a:spcAft>
-                <a:spcPts val="0"/>
-              </a:spcAft>
-              <a:buNone/>
-            </a:pPr>
-            <a:r>
-              <a:t/>
-            </a:r>
+            <a:pPr marL="0" lvl="0" indent="0" algn="l" rtl="0">
+              <a:spcBef>
+                <a:spcPts val="0"/>
+              </a:spcBef>
+              <a:spcAft>
+                <a:spcPts val="0"/>
+              </a:spcAft>
+              <a:buNone/>
+            </a:pPr>
             <a:endParaRPr/>
           </a:p>
         </p:txBody>
@@ -3549,11 +3770,11 @@
 </file>
 
 <file path=ppt/notesSlides/notesSlide4.xml><?xml version="1.0" encoding="utf-8"?>
-<p:notes xmlns:a="http://schemas.openxmlformats.org/drawingml/2006/main" xmlns:r="http://schemas.openxmlformats.org/officeDocument/2006/relationships" xmlns:mc="http://schemas.openxmlformats.org/markup-compatibility/2006" xmlns:mv="urn:schemas-microsoft-com:mac:vml" xmlns:p="http://schemas.openxmlformats.org/presentationml/2006/main" xmlns:c="http://schemas.openxmlformats.org/drawingml/2006/chart" xmlns:dgm="http://schemas.openxmlformats.org/drawingml/2006/diagram" xmlns:o="urn:schemas-microsoft-com:office:office" xmlns:v="urn:schemas-microsoft-com:vml" xmlns:pvml="urn:schemas-microsoft-com:office:powerpoint" xmlns:com="http://schemas.openxmlformats.org/drawingml/2006/compatibility" xmlns:p14="http://schemas.microsoft.com/office/powerpoint/2010/main" xmlns:p15="http://schemas.microsoft.com/office/powerpoint/2012/main" xmlns:ahyp="http://schemas.microsoft.com/office/drawing/2018/hyperlinkcolor" showMasterPhAnim="0" showMasterSp="0">
+<p:notes xmlns:a="http://schemas.openxmlformats.org/drawingml/2006/main" xmlns:r="http://schemas.openxmlformats.org/officeDocument/2006/relationships" xmlns:p="http://schemas.openxmlformats.org/presentationml/2006/main" showMasterSp="0" showMasterPhAnim="0">
   <p:cSld>
     <p:spTree>
       <p:nvGrpSpPr>
-        <p:cNvPr id="80" name="Shape 80"/>
+        <p:cNvPr id="1" name="Shape 80"/>
         <p:cNvGrpSpPr/>
         <p:nvPr/>
       </p:nvGrpSpPr>
@@ -3568,9 +3789,11 @@
       <p:sp>
         <p:nvSpPr>
           <p:cNvPr id="81" name="Google Shape;81;g12143f04ae5_0_21:notes"/>
-          <p:cNvSpPr/>
+          <p:cNvSpPr>
+            <a:spLocks noGrp="1" noRot="1" noChangeAspect="1"/>
+          </p:cNvSpPr>
           <p:nvPr>
-            <p:ph idx="2" type="sldImg"/>
+            <p:ph type="sldImg" idx="2"/>
           </p:nvPr>
         </p:nvSpPr>
         <p:spPr>
@@ -3579,9 +3802,13 @@
             <a:ext cx="6096000" cy="3429000"/>
           </a:xfrm>
           <a:custGeom>
-            <a:rect b="b" l="l" r="r" t="t"/>
+            <a:avLst/>
+            <a:gdLst/>
+            <a:ahLst/>
+            <a:cxnLst/>
+            <a:rect l="l" t="t" r="r" b="b"/>
             <a:pathLst>
-              <a:path extrusionOk="0" h="120000" w="120000">
+              <a:path w="120000" h="120000" extrusionOk="0">
                 <a:moveTo>
                   <a:pt x="0" y="0"/>
                 </a:moveTo>
@@ -3603,9 +3830,11 @@
       <p:sp>
         <p:nvSpPr>
           <p:cNvPr id="82" name="Google Shape;82;g12143f04ae5_0_21:notes"/>
-          <p:cNvSpPr txBox="1"/>
+          <p:cNvSpPr txBox="1">
+            <a:spLocks noGrp="1"/>
+          </p:cNvSpPr>
           <p:nvPr>
-            <p:ph idx="1" type="body"/>
+            <p:ph type="body" idx="1"/>
           </p:nvPr>
         </p:nvSpPr>
         <p:spPr>
@@ -3618,12 +3847,12 @@
           </a:prstGeom>
         </p:spPr>
         <p:txBody>
-          <a:bodyPr anchorCtr="0" anchor="t" bIns="91425" lIns="91425" spcFirstLastPara="1" rIns="91425" wrap="square" tIns="91425">
+          <a:bodyPr spcFirstLastPara="1" wrap="square" lIns="91425" tIns="91425" rIns="91425" bIns="91425" anchor="t" anchorCtr="0">
             <a:noAutofit/>
           </a:bodyPr>
           <a:lstStyle/>
           <a:p>
-            <a:pPr indent="0" lvl="0" marL="0" rtl="0" algn="l">
+            <a:pPr marL="0" lvl="0" indent="0" algn="l" rtl="0">
               <a:lnSpc>
                 <a:spcPct val="115000"/>
               </a:lnSpc>
@@ -3635,9 +3864,6 @@
               </a:spcAft>
               <a:buNone/>
             </a:pPr>
-            <a:r>
-              <a:t/>
-            </a:r>
             <a:endParaRPr/>
           </a:p>
         </p:txBody>
@@ -3651,11 +3877,11 @@
 </file>
 
 <file path=ppt/notesSlides/notesSlide5.xml><?xml version="1.0" encoding="utf-8"?>
-<p:notes xmlns:a="http://schemas.openxmlformats.org/drawingml/2006/main" xmlns:r="http://schemas.openxmlformats.org/officeDocument/2006/relationships" xmlns:mc="http://schemas.openxmlformats.org/markup-compatibility/2006" xmlns:mv="urn:schemas-microsoft-com:mac:vml" xmlns:p="http://schemas.openxmlformats.org/presentationml/2006/main" xmlns:c="http://schemas.openxmlformats.org/drawingml/2006/chart" xmlns:dgm="http://schemas.openxmlformats.org/drawingml/2006/diagram" xmlns:o="urn:schemas-microsoft-com:office:office" xmlns:v="urn:schemas-microsoft-com:vml" xmlns:pvml="urn:schemas-microsoft-com:office:powerpoint" xmlns:com="http://schemas.openxmlformats.org/drawingml/2006/compatibility" xmlns:p14="http://schemas.microsoft.com/office/powerpoint/2010/main" xmlns:p15="http://schemas.microsoft.com/office/powerpoint/2012/main" xmlns:ahyp="http://schemas.microsoft.com/office/drawing/2018/hyperlinkcolor" showMasterPhAnim="0" showMasterSp="0">
+<p:notes xmlns:a="http://schemas.openxmlformats.org/drawingml/2006/main" xmlns:r="http://schemas.openxmlformats.org/officeDocument/2006/relationships" xmlns:p="http://schemas.openxmlformats.org/presentationml/2006/main" showMasterSp="0" showMasterPhAnim="0">
   <p:cSld>
     <p:spTree>
       <p:nvGrpSpPr>
-        <p:cNvPr id="87" name="Shape 87"/>
+        <p:cNvPr id="1" name="Shape 87"/>
         <p:cNvGrpSpPr/>
         <p:nvPr/>
       </p:nvGrpSpPr>
@@ -3670,9 +3896,11 @@
       <p:sp>
         <p:nvSpPr>
           <p:cNvPr id="88" name="Google Shape;88;g1219c0acaa9_0_20:notes"/>
-          <p:cNvSpPr/>
+          <p:cNvSpPr>
+            <a:spLocks noGrp="1" noRot="1" noChangeAspect="1"/>
+          </p:cNvSpPr>
           <p:nvPr>
-            <p:ph idx="2" type="sldImg"/>
+            <p:ph type="sldImg" idx="2"/>
           </p:nvPr>
         </p:nvSpPr>
         <p:spPr>
@@ -3681,9 +3909,13 @@
             <a:ext cx="6096000" cy="3429000"/>
           </a:xfrm>
           <a:custGeom>
-            <a:rect b="b" l="l" r="r" t="t"/>
+            <a:avLst/>
+            <a:gdLst/>
+            <a:ahLst/>
+            <a:cxnLst/>
+            <a:rect l="l" t="t" r="r" b="b"/>
             <a:pathLst>
-              <a:path extrusionOk="0" h="120000" w="120000">
+              <a:path w="120000" h="120000" extrusionOk="0">
                 <a:moveTo>
                   <a:pt x="0" y="0"/>
                 </a:moveTo>
@@ -3705,9 +3937,11 @@
       <p:sp>
         <p:nvSpPr>
           <p:cNvPr id="89" name="Google Shape;89;g1219c0acaa9_0_20:notes"/>
-          <p:cNvSpPr txBox="1"/>
+          <p:cNvSpPr txBox="1">
+            <a:spLocks noGrp="1"/>
+          </p:cNvSpPr>
           <p:nvPr>
-            <p:ph idx="1" type="body"/>
+            <p:ph type="body" idx="1"/>
           </p:nvPr>
         </p:nvSpPr>
         <p:spPr>
@@ -3720,23 +3954,20 @@
           </a:prstGeom>
         </p:spPr>
         <p:txBody>
-          <a:bodyPr anchorCtr="0" anchor="t" bIns="91425" lIns="91425" spcFirstLastPara="1" rIns="91425" wrap="square" tIns="91425">
+          <a:bodyPr spcFirstLastPara="1" wrap="square" lIns="91425" tIns="91425" rIns="91425" bIns="91425" anchor="t" anchorCtr="0">
             <a:noAutofit/>
           </a:bodyPr>
           <a:lstStyle/>
           <a:p>
-            <a:pPr indent="0" lvl="0" marL="0" rtl="0" algn="l">
-              <a:spcBef>
-                <a:spcPts val="0"/>
-              </a:spcBef>
-              <a:spcAft>
-                <a:spcPts val="0"/>
-              </a:spcAft>
-              <a:buNone/>
-            </a:pPr>
-            <a:r>
-              <a:t/>
-            </a:r>
+            <a:pPr marL="0" lvl="0" indent="0" algn="l" rtl="0">
+              <a:spcBef>
+                <a:spcPts val="0"/>
+              </a:spcBef>
+              <a:spcAft>
+                <a:spcPts val="0"/>
+              </a:spcAft>
+              <a:buNone/>
+            </a:pPr>
             <a:endParaRPr/>
           </a:p>
         </p:txBody>
@@ -3750,11 +3981,11 @@
 </file>
 
 <file path=ppt/notesSlides/notesSlide6.xml><?xml version="1.0" encoding="utf-8"?>
-<p:notes xmlns:a="http://schemas.openxmlformats.org/drawingml/2006/main" xmlns:r="http://schemas.openxmlformats.org/officeDocument/2006/relationships" xmlns:mc="http://schemas.openxmlformats.org/markup-compatibility/2006" xmlns:mv="urn:schemas-microsoft-com:mac:vml" xmlns:p="http://schemas.openxmlformats.org/presentationml/2006/main" xmlns:c="http://schemas.openxmlformats.org/drawingml/2006/chart" xmlns:dgm="http://schemas.openxmlformats.org/drawingml/2006/diagram" xmlns:o="urn:schemas-microsoft-com:office:office" xmlns:v="urn:schemas-microsoft-com:vml" xmlns:pvml="urn:schemas-microsoft-com:office:powerpoint" xmlns:com="http://schemas.openxmlformats.org/drawingml/2006/compatibility" xmlns:p14="http://schemas.microsoft.com/office/powerpoint/2010/main" xmlns:p15="http://schemas.microsoft.com/office/powerpoint/2012/main" xmlns:ahyp="http://schemas.microsoft.com/office/drawing/2018/hyperlinkcolor" showMasterPhAnim="0" showMasterSp="0">
+<p:notes xmlns:a="http://schemas.openxmlformats.org/drawingml/2006/main" xmlns:r="http://schemas.openxmlformats.org/officeDocument/2006/relationships" xmlns:p="http://schemas.openxmlformats.org/presentationml/2006/main" showMasterSp="0" showMasterPhAnim="0">
   <p:cSld>
     <p:spTree>
       <p:nvGrpSpPr>
-        <p:cNvPr id="100" name="Shape 100"/>
+        <p:cNvPr id="1" name="Shape 100"/>
         <p:cNvGrpSpPr/>
         <p:nvPr/>
       </p:nvGrpSpPr>
@@ -3769,9 +4000,11 @@
       <p:sp>
         <p:nvSpPr>
           <p:cNvPr id="101" name="Google Shape;101;g12143f04ae5_0_47:notes"/>
-          <p:cNvSpPr/>
+          <p:cNvSpPr>
+            <a:spLocks noGrp="1" noRot="1" noChangeAspect="1"/>
+          </p:cNvSpPr>
           <p:nvPr>
-            <p:ph idx="2" type="sldImg"/>
+            <p:ph type="sldImg" idx="2"/>
           </p:nvPr>
         </p:nvSpPr>
         <p:spPr>
@@ -3780,9 +4013,13 @@
             <a:ext cx="6096000" cy="3429000"/>
           </a:xfrm>
           <a:custGeom>
-            <a:rect b="b" l="l" r="r" t="t"/>
+            <a:avLst/>
+            <a:gdLst/>
+            <a:ahLst/>
+            <a:cxnLst/>
+            <a:rect l="l" t="t" r="r" b="b"/>
             <a:pathLst>
-              <a:path extrusionOk="0" h="120000" w="120000">
+              <a:path w="120000" h="120000" extrusionOk="0">
                 <a:moveTo>
                   <a:pt x="0" y="0"/>
                 </a:moveTo>
@@ -3804,9 +4041,11 @@
       <p:sp>
         <p:nvSpPr>
           <p:cNvPr id="102" name="Google Shape;102;g12143f04ae5_0_47:notes"/>
-          <p:cNvSpPr txBox="1"/>
+          <p:cNvSpPr txBox="1">
+            <a:spLocks noGrp="1"/>
+          </p:cNvSpPr>
           <p:nvPr>
-            <p:ph idx="1" type="body"/>
+            <p:ph type="body" idx="1"/>
           </p:nvPr>
         </p:nvSpPr>
         <p:spPr>
@@ -3819,23 +4058,20 @@
           </a:prstGeom>
         </p:spPr>
         <p:txBody>
-          <a:bodyPr anchorCtr="0" anchor="t" bIns="91425" lIns="91425" spcFirstLastPara="1" rIns="91425" wrap="square" tIns="91425">
+          <a:bodyPr spcFirstLastPara="1" wrap="square" lIns="91425" tIns="91425" rIns="91425" bIns="91425" anchor="t" anchorCtr="0">
             <a:noAutofit/>
           </a:bodyPr>
           <a:lstStyle/>
           <a:p>
-            <a:pPr indent="0" lvl="0" marL="0" rtl="0" algn="l">
-              <a:spcBef>
-                <a:spcPts val="0"/>
-              </a:spcBef>
-              <a:spcAft>
-                <a:spcPts val="0"/>
-              </a:spcAft>
-              <a:buNone/>
-            </a:pPr>
-            <a:r>
-              <a:t/>
-            </a:r>
+            <a:pPr marL="0" lvl="0" indent="0" algn="l" rtl="0">
+              <a:spcBef>
+                <a:spcPts val="0"/>
+              </a:spcBef>
+              <a:spcAft>
+                <a:spcPts val="0"/>
+              </a:spcAft>
+              <a:buNone/>
+            </a:pPr>
             <a:endParaRPr/>
           </a:p>
         </p:txBody>
@@ -3849,11 +4085,11 @@
 </file>
 
 <file path=ppt/notesSlides/notesSlide7.xml><?xml version="1.0" encoding="utf-8"?>
-<p:notes xmlns:a="http://schemas.openxmlformats.org/drawingml/2006/main" xmlns:r="http://schemas.openxmlformats.org/officeDocument/2006/relationships" xmlns:mc="http://schemas.openxmlformats.org/markup-compatibility/2006" xmlns:mv="urn:schemas-microsoft-com:mac:vml" xmlns:p="http://schemas.openxmlformats.org/presentationml/2006/main" xmlns:c="http://schemas.openxmlformats.org/drawingml/2006/chart" xmlns:dgm="http://schemas.openxmlformats.org/drawingml/2006/diagram" xmlns:o="urn:schemas-microsoft-com:office:office" xmlns:v="urn:schemas-microsoft-com:vml" xmlns:pvml="urn:schemas-microsoft-com:office:powerpoint" xmlns:com="http://schemas.openxmlformats.org/drawingml/2006/compatibility" xmlns:p14="http://schemas.microsoft.com/office/powerpoint/2010/main" xmlns:p15="http://schemas.microsoft.com/office/powerpoint/2012/main" xmlns:ahyp="http://schemas.microsoft.com/office/drawing/2018/hyperlinkcolor" showMasterPhAnim="0" showMasterSp="0">
+<p:notes xmlns:a="http://schemas.openxmlformats.org/drawingml/2006/main" xmlns:r="http://schemas.openxmlformats.org/officeDocument/2006/relationships" xmlns:p="http://schemas.openxmlformats.org/presentationml/2006/main" showMasterSp="0" showMasterPhAnim="0">
   <p:cSld>
     <p:spTree>
       <p:nvGrpSpPr>
-        <p:cNvPr id="111" name="Shape 111"/>
+        <p:cNvPr id="1" name="Shape 111"/>
         <p:cNvGrpSpPr/>
         <p:nvPr/>
       </p:nvGrpSpPr>
@@ -3868,20 +4104,26 @@
       <p:sp>
         <p:nvSpPr>
           <p:cNvPr id="112" name="Google Shape;112;g1219c0acaa9_0_44:notes"/>
-          <p:cNvSpPr/>
+          <p:cNvSpPr>
+            <a:spLocks noGrp="1" noRot="1" noChangeAspect="1"/>
+          </p:cNvSpPr>
           <p:nvPr>
-            <p:ph idx="2" type="sldImg"/>
+            <p:ph type="sldImg" idx="2"/>
           </p:nvPr>
         </p:nvSpPr>
         <p:spPr>
           <a:xfrm>
-            <a:off x="381300" y="685800"/>
+            <a:off x="381000" y="685800"/>
             <a:ext cx="6096000" cy="3429000"/>
           </a:xfrm>
           <a:custGeom>
-            <a:rect b="b" l="l" r="r" t="t"/>
+            <a:avLst/>
+            <a:gdLst/>
+            <a:ahLst/>
+            <a:cxnLst/>
+            <a:rect l="l" t="t" r="r" b="b"/>
             <a:pathLst>
-              <a:path extrusionOk="0" h="120000" w="120000">
+              <a:path w="120000" h="120000" extrusionOk="0">
                 <a:moveTo>
                   <a:pt x="0" y="0"/>
                 </a:moveTo>
@@ -3903,9 +4145,11 @@
       <p:sp>
         <p:nvSpPr>
           <p:cNvPr id="113" name="Google Shape;113;g1219c0acaa9_0_44:notes"/>
-          <p:cNvSpPr txBox="1"/>
+          <p:cNvSpPr txBox="1">
+            <a:spLocks noGrp="1"/>
+          </p:cNvSpPr>
           <p:nvPr>
-            <p:ph idx="1" type="body"/>
+            <p:ph type="body" idx="1"/>
           </p:nvPr>
         </p:nvSpPr>
         <p:spPr>
@@ -3918,23 +4162,20 @@
           </a:prstGeom>
         </p:spPr>
         <p:txBody>
-          <a:bodyPr anchorCtr="0" anchor="t" bIns="91425" lIns="91425" spcFirstLastPara="1" rIns="91425" wrap="square" tIns="91425">
+          <a:bodyPr spcFirstLastPara="1" wrap="square" lIns="91425" tIns="91425" rIns="91425" bIns="91425" anchor="t" anchorCtr="0">
             <a:noAutofit/>
           </a:bodyPr>
           <a:lstStyle/>
           <a:p>
-            <a:pPr indent="0" lvl="0" marL="0" rtl="0" algn="l">
-              <a:spcBef>
-                <a:spcPts val="0"/>
-              </a:spcBef>
-              <a:spcAft>
-                <a:spcPts val="0"/>
-              </a:spcAft>
-              <a:buNone/>
-            </a:pPr>
-            <a:r>
-              <a:t/>
-            </a:r>
+            <a:pPr marL="0" lvl="0" indent="0" algn="l" rtl="0">
+              <a:spcBef>
+                <a:spcPts val="0"/>
+              </a:spcBef>
+              <a:spcAft>
+                <a:spcPts val="0"/>
+              </a:spcAft>
+              <a:buNone/>
+            </a:pPr>
             <a:endParaRPr/>
           </a:p>
         </p:txBody>
@@ -3948,11 +4189,11 @@
 </file>
 
 <file path=ppt/notesSlides/notesSlide8.xml><?xml version="1.0" encoding="utf-8"?>
-<p:notes xmlns:a="http://schemas.openxmlformats.org/drawingml/2006/main" xmlns:r="http://schemas.openxmlformats.org/officeDocument/2006/relationships" xmlns:mc="http://schemas.openxmlformats.org/markup-compatibility/2006" xmlns:mv="urn:schemas-microsoft-com:mac:vml" xmlns:p="http://schemas.openxmlformats.org/presentationml/2006/main" xmlns:c="http://schemas.openxmlformats.org/drawingml/2006/chart" xmlns:dgm="http://schemas.openxmlformats.org/drawingml/2006/diagram" xmlns:o="urn:schemas-microsoft-com:office:office" xmlns:v="urn:schemas-microsoft-com:vml" xmlns:pvml="urn:schemas-microsoft-com:office:powerpoint" xmlns:com="http://schemas.openxmlformats.org/drawingml/2006/compatibility" xmlns:p14="http://schemas.microsoft.com/office/powerpoint/2010/main" xmlns:p15="http://schemas.microsoft.com/office/powerpoint/2012/main" xmlns:ahyp="http://schemas.microsoft.com/office/drawing/2018/hyperlinkcolor" showMasterPhAnim="0" showMasterSp="0">
+<p:notes xmlns:a="http://schemas.openxmlformats.org/drawingml/2006/main" xmlns:r="http://schemas.openxmlformats.org/officeDocument/2006/relationships" xmlns:p="http://schemas.openxmlformats.org/presentationml/2006/main" showMasterSp="0" showMasterPhAnim="0">
   <p:cSld>
     <p:spTree>
       <p:nvGrpSpPr>
-        <p:cNvPr id="120" name="Shape 120"/>
+        <p:cNvPr id="1" name="Shape 120"/>
         <p:cNvGrpSpPr/>
         <p:nvPr/>
       </p:nvGrpSpPr>
@@ -3967,20 +4208,26 @@
       <p:sp>
         <p:nvSpPr>
           <p:cNvPr id="121" name="Google Shape;121;g1219c0acaa9_0_52:notes"/>
-          <p:cNvSpPr/>
+          <p:cNvSpPr>
+            <a:spLocks noGrp="1" noRot="1" noChangeAspect="1"/>
+          </p:cNvSpPr>
           <p:nvPr>
-            <p:ph idx="2" type="sldImg"/>
+            <p:ph type="sldImg" idx="2"/>
           </p:nvPr>
         </p:nvSpPr>
         <p:spPr>
           <a:xfrm>
-            <a:off x="381300" y="685800"/>
+            <a:off x="381000" y="685800"/>
             <a:ext cx="6096000" cy="3429000"/>
           </a:xfrm>
           <a:custGeom>
-            <a:rect b="b" l="l" r="r" t="t"/>
+            <a:avLst/>
+            <a:gdLst/>
+            <a:ahLst/>
+            <a:cxnLst/>
+            <a:rect l="l" t="t" r="r" b="b"/>
             <a:pathLst>
-              <a:path extrusionOk="0" h="120000" w="120000">
+              <a:path w="120000" h="120000" extrusionOk="0">
                 <a:moveTo>
                   <a:pt x="0" y="0"/>
                 </a:moveTo>
@@ -4002,9 +4249,11 @@
       <p:sp>
         <p:nvSpPr>
           <p:cNvPr id="122" name="Google Shape;122;g1219c0acaa9_0_52:notes"/>
-          <p:cNvSpPr txBox="1"/>
+          <p:cNvSpPr txBox="1">
+            <a:spLocks noGrp="1"/>
+          </p:cNvSpPr>
           <p:nvPr>
-            <p:ph idx="1" type="body"/>
+            <p:ph type="body" idx="1"/>
           </p:nvPr>
         </p:nvSpPr>
         <p:spPr>
@@ -4017,23 +4266,20 @@
           </a:prstGeom>
         </p:spPr>
         <p:txBody>
-          <a:bodyPr anchorCtr="0" anchor="t" bIns="91425" lIns="91425" spcFirstLastPara="1" rIns="91425" wrap="square" tIns="91425">
+          <a:bodyPr spcFirstLastPara="1" wrap="square" lIns="91425" tIns="91425" rIns="91425" bIns="91425" anchor="t" anchorCtr="0">
             <a:noAutofit/>
           </a:bodyPr>
           <a:lstStyle/>
           <a:p>
-            <a:pPr indent="0" lvl="0" marL="0" rtl="0" algn="l">
-              <a:spcBef>
-                <a:spcPts val="0"/>
-              </a:spcBef>
-              <a:spcAft>
-                <a:spcPts val="0"/>
-              </a:spcAft>
-              <a:buNone/>
-            </a:pPr>
-            <a:r>
-              <a:t/>
-            </a:r>
+            <a:pPr marL="0" lvl="0" indent="0" algn="l" rtl="0">
+              <a:spcBef>
+                <a:spcPts val="0"/>
+              </a:spcBef>
+              <a:spcAft>
+                <a:spcPts val="0"/>
+              </a:spcAft>
+              <a:buNone/>
+            </a:pPr>
             <a:endParaRPr/>
           </a:p>
         </p:txBody>
@@ -4047,11 +4293,11 @@
 </file>
 
 <file path=ppt/notesSlides/notesSlide9.xml><?xml version="1.0" encoding="utf-8"?>
-<p:notes xmlns:a="http://schemas.openxmlformats.org/drawingml/2006/main" xmlns:r="http://schemas.openxmlformats.org/officeDocument/2006/relationships" xmlns:mc="http://schemas.openxmlformats.org/markup-compatibility/2006" xmlns:mv="urn:schemas-microsoft-com:mac:vml" xmlns:p="http://schemas.openxmlformats.org/presentationml/2006/main" xmlns:c="http://schemas.openxmlformats.org/drawingml/2006/chart" xmlns:dgm="http://schemas.openxmlformats.org/drawingml/2006/diagram" xmlns:o="urn:schemas-microsoft-com:office:office" xmlns:v="urn:schemas-microsoft-com:vml" xmlns:pvml="urn:schemas-microsoft-com:office:powerpoint" xmlns:com="http://schemas.openxmlformats.org/drawingml/2006/compatibility" xmlns:p14="http://schemas.microsoft.com/office/powerpoint/2010/main" xmlns:p15="http://schemas.microsoft.com/office/powerpoint/2012/main" xmlns:ahyp="http://schemas.microsoft.com/office/drawing/2018/hyperlinkcolor" showMasterPhAnim="0" showMasterSp="0">
+<p:notes xmlns:a="http://schemas.openxmlformats.org/drawingml/2006/main" xmlns:r="http://schemas.openxmlformats.org/officeDocument/2006/relationships" xmlns:p="http://schemas.openxmlformats.org/presentationml/2006/main" showMasterSp="0" showMasterPhAnim="0">
   <p:cSld>
     <p:spTree>
       <p:nvGrpSpPr>
-        <p:cNvPr id="129" name="Shape 129"/>
+        <p:cNvPr id="1" name="Shape 129"/>
         <p:cNvGrpSpPr/>
         <p:nvPr/>
       </p:nvGrpSpPr>
@@ -4066,9 +4312,11 @@
       <p:sp>
         <p:nvSpPr>
           <p:cNvPr id="130" name="Google Shape;130;g1219c0acaa9_0_68:notes"/>
-          <p:cNvSpPr/>
+          <p:cNvSpPr>
+            <a:spLocks noGrp="1" noRot="1" noChangeAspect="1"/>
+          </p:cNvSpPr>
           <p:nvPr>
-            <p:ph idx="2" type="sldImg"/>
+            <p:ph type="sldImg" idx="2"/>
           </p:nvPr>
         </p:nvSpPr>
         <p:spPr>
@@ -4077,9 +4325,13 @@
             <a:ext cx="6096000" cy="3429000"/>
           </a:xfrm>
           <a:custGeom>
-            <a:rect b="b" l="l" r="r" t="t"/>
+            <a:avLst/>
+            <a:gdLst/>
+            <a:ahLst/>
+            <a:cxnLst/>
+            <a:rect l="l" t="t" r="r" b="b"/>
             <a:pathLst>
-              <a:path extrusionOk="0" h="120000" w="120000">
+              <a:path w="120000" h="120000" extrusionOk="0">
                 <a:moveTo>
                   <a:pt x="0" y="0"/>
                 </a:moveTo>
@@ -4101,9 +4353,11 @@
       <p:sp>
         <p:nvSpPr>
           <p:cNvPr id="131" name="Google Shape;131;g1219c0acaa9_0_68:notes"/>
-          <p:cNvSpPr txBox="1"/>
+          <p:cNvSpPr txBox="1">
+            <a:spLocks noGrp="1"/>
+          </p:cNvSpPr>
           <p:nvPr>
-            <p:ph idx="1" type="body"/>
+            <p:ph type="body" idx="1"/>
           </p:nvPr>
         </p:nvSpPr>
         <p:spPr>
@@ -4116,23 +4370,20 @@
           </a:prstGeom>
         </p:spPr>
         <p:txBody>
-          <a:bodyPr anchorCtr="0" anchor="t" bIns="91425" lIns="91425" spcFirstLastPara="1" rIns="91425" wrap="square" tIns="91425">
+          <a:bodyPr spcFirstLastPara="1" wrap="square" lIns="91425" tIns="91425" rIns="91425" bIns="91425" anchor="t" anchorCtr="0">
             <a:noAutofit/>
           </a:bodyPr>
           <a:lstStyle/>
           <a:p>
-            <a:pPr indent="0" lvl="0" marL="0" rtl="0" algn="l">
-              <a:spcBef>
-                <a:spcPts val="0"/>
-              </a:spcBef>
-              <a:spcAft>
-                <a:spcPts val="0"/>
-              </a:spcAft>
-              <a:buNone/>
-            </a:pPr>
-            <a:r>
-              <a:t/>
-            </a:r>
+            <a:pPr marL="0" lvl="0" indent="0" algn="l" rtl="0">
+              <a:spcBef>
+                <a:spcPts val="0"/>
+              </a:spcBef>
+              <a:spcAft>
+                <a:spcPts val="0"/>
+              </a:spcAft>
+              <a:buNone/>
+            </a:pPr>
             <a:endParaRPr/>
           </a:p>
         </p:txBody>
@@ -4146,11 +4397,11 @@
 </file>
 
 <file path=ppt/slideLayouts/slideLayout1.xml><?xml version="1.0" encoding="utf-8"?>
-<p:sldLayout xmlns:a="http://schemas.openxmlformats.org/drawingml/2006/main" xmlns:r="http://schemas.openxmlformats.org/officeDocument/2006/relationships" xmlns:mc="http://schemas.openxmlformats.org/markup-compatibility/2006" xmlns:mv="urn:schemas-microsoft-com:mac:vml" xmlns:p="http://schemas.openxmlformats.org/presentationml/2006/main" xmlns:c="http://schemas.openxmlformats.org/drawingml/2006/chart" xmlns:dgm="http://schemas.openxmlformats.org/drawingml/2006/diagram" xmlns:o="urn:schemas-microsoft-com:office:office" xmlns:v="urn:schemas-microsoft-com:vml" xmlns:pvml="urn:schemas-microsoft-com:office:powerpoint" xmlns:com="http://schemas.openxmlformats.org/drawingml/2006/compatibility" xmlns:p14="http://schemas.microsoft.com/office/powerpoint/2010/main" xmlns:p15="http://schemas.microsoft.com/office/powerpoint/2012/main" xmlns:ahyp="http://schemas.microsoft.com/office/drawing/2018/hyperlinkcolor" matchingName="Title slide" type="title">
+<p:sldLayout xmlns:a="http://schemas.openxmlformats.org/drawingml/2006/main" xmlns:r="http://schemas.openxmlformats.org/officeDocument/2006/relationships" xmlns:p="http://schemas.openxmlformats.org/presentationml/2006/main" matchingName="Title slide" type="title">
   <p:cSld name="TITLE">
     <p:spTree>
       <p:nvGrpSpPr>
-        <p:cNvPr id="9" name="Shape 9"/>
+        <p:cNvPr id="1" name="Shape 9"/>
         <p:cNvGrpSpPr/>
         <p:nvPr/>
       </p:nvGrpSpPr>
@@ -4174,9 +4425,13 @@
             <a:ext cx="1081625" cy="1124950"/>
           </a:xfrm>
           <a:custGeom>
-            <a:rect b="b" l="l" r="r" t="t"/>
+            <a:avLst/>
+            <a:gdLst/>
+            <a:ahLst/>
+            <a:cxnLst/>
+            <a:rect l="l" t="t" r="r" b="b"/>
             <a:pathLst>
-              <a:path extrusionOk="0" h="44998" w="43265">
+              <a:path w="43265" h="44998" extrusionOk="0">
                 <a:moveTo>
                   <a:pt x="0" y="44998"/>
                 </a:moveTo>
@@ -4190,14 +4445,14 @@
             </a:pathLst>
           </a:custGeom>
           <a:noFill/>
-          <a:ln cap="flat" cmpd="sng" w="28575">
+          <a:ln w="28575" cap="flat" cmpd="sng">
             <a:solidFill>
               <a:schemeClr val="accent5"/>
             </a:solidFill>
             <a:prstDash val="solid"/>
             <a:miter lim="8000"/>
-            <a:headEnd len="sm" w="sm" type="none"/>
-            <a:tailEnd len="sm" w="sm" type="none"/>
+            <a:headEnd type="none" w="sm" len="sm"/>
+            <a:tailEnd type="none" w="sm" len="sm"/>
           </a:ln>
         </p:spPr>
       </p:sp>
@@ -4213,9 +4468,13 @@
             <a:ext cx="1081625" cy="1124950"/>
           </a:xfrm>
           <a:custGeom>
-            <a:rect b="b" l="l" r="r" t="t"/>
+            <a:avLst/>
+            <a:gdLst/>
+            <a:ahLst/>
+            <a:cxnLst/>
+            <a:rect l="l" t="t" r="r" b="b"/>
             <a:pathLst>
-              <a:path extrusionOk="0" h="44998" w="43265">
+              <a:path w="43265" h="44998" extrusionOk="0">
                 <a:moveTo>
                   <a:pt x="0" y="44998"/>
                 </a:moveTo>
@@ -4229,14 +4488,14 @@
             </a:pathLst>
           </a:custGeom>
           <a:noFill/>
-          <a:ln cap="flat" cmpd="sng" w="28575">
+          <a:ln w="28575" cap="flat" cmpd="sng">
             <a:solidFill>
               <a:schemeClr val="accent5"/>
             </a:solidFill>
             <a:prstDash val="solid"/>
             <a:miter lim="8000"/>
-            <a:headEnd len="sm" w="sm" type="none"/>
-            <a:tailEnd len="sm" w="sm" type="none"/>
+            <a:headEnd type="none" w="sm" len="sm"/>
+            <a:tailEnd type="none" w="sm" len="sm"/>
           </a:ln>
         </p:spPr>
       </p:sp>
@@ -4255,21 +4514,23 @@
             <a:avLst/>
           </a:prstGeom>
           <a:noFill/>
-          <a:ln cap="flat" cmpd="sng" w="38100">
+          <a:ln w="38100" cap="flat" cmpd="sng">
             <a:solidFill>
               <a:schemeClr val="accent4"/>
             </a:solidFill>
             <a:prstDash val="solid"/>
             <a:round/>
-            <a:headEnd len="sm" w="sm" type="none"/>
-            <a:tailEnd len="sm" w="sm" type="none"/>
+            <a:headEnd type="none" w="sm" len="sm"/>
+            <a:tailEnd type="none" w="sm" len="sm"/>
           </a:ln>
         </p:spPr>
       </p:cxnSp>
       <p:sp>
         <p:nvSpPr>
           <p:cNvPr id="13" name="Google Shape;13;p2"/>
-          <p:cNvSpPr txBox="1"/>
+          <p:cNvSpPr txBox="1">
+            <a:spLocks noGrp="1"/>
+          </p:cNvSpPr>
           <p:nvPr>
             <p:ph type="ctrTitle"/>
           </p:nvPr>
@@ -4284,7 +4545,7 @@
           </a:prstGeom>
         </p:spPr>
         <p:txBody>
-          <a:bodyPr anchorCtr="0" anchor="b" bIns="91425" lIns="91425" spcFirstLastPara="1" rIns="91425" wrap="square" tIns="91425">
+          <a:bodyPr spcFirstLastPara="1" wrap="square" lIns="91425" tIns="91425" rIns="91425" bIns="91425" anchor="b" anchorCtr="0">
             <a:normAutofit/>
           </a:bodyPr>
           <a:lstStyle>
@@ -4388,15 +4649,19 @@
               <a:defRPr sz="4000"/>
             </a:lvl9pPr>
           </a:lstStyle>
-          <a:p/>
+          <a:p>
+            <a:endParaRPr/>
+          </a:p>
         </p:txBody>
       </p:sp>
       <p:sp>
         <p:nvSpPr>
           <p:cNvPr id="14" name="Google Shape;14;p2"/>
-          <p:cNvSpPr txBox="1"/>
+          <p:cNvSpPr txBox="1">
+            <a:spLocks noGrp="1"/>
+          </p:cNvSpPr>
           <p:nvPr>
-            <p:ph idx="1" type="subTitle"/>
+            <p:ph type="subTitle" idx="1"/>
           </p:nvPr>
         </p:nvSpPr>
         <p:spPr>
@@ -4409,7 +4674,7 @@
           </a:prstGeom>
         </p:spPr>
         <p:txBody>
-          <a:bodyPr anchorCtr="0" anchor="t" bIns="91425" lIns="91425" spcFirstLastPara="1" rIns="91425" wrap="square" tIns="91425">
+          <a:bodyPr spcFirstLastPara="1" wrap="square" lIns="91425" tIns="91425" rIns="91425" bIns="91425" anchor="t" anchorCtr="0">
             <a:normAutofit/>
           </a:bodyPr>
           <a:lstStyle>
@@ -4648,15 +4913,19 @@
               </a:defRPr>
             </a:lvl9pPr>
           </a:lstStyle>
-          <a:p/>
+          <a:p>
+            <a:endParaRPr/>
+          </a:p>
         </p:txBody>
       </p:sp>
       <p:sp>
         <p:nvSpPr>
           <p:cNvPr id="15" name="Google Shape;15;p2"/>
-          <p:cNvSpPr txBox="1"/>
+          <p:cNvSpPr txBox="1">
+            <a:spLocks noGrp="1"/>
+          </p:cNvSpPr>
           <p:nvPr>
-            <p:ph idx="12" type="sldNum"/>
+            <p:ph type="sldNum" idx="12"/>
           </p:nvPr>
         </p:nvSpPr>
         <p:spPr>
@@ -4669,7 +4938,7 @@
           </a:prstGeom>
         </p:spPr>
         <p:txBody>
-          <a:bodyPr anchorCtr="0" anchor="ctr" bIns="91425" lIns="91425" spcFirstLastPara="1" rIns="91425" wrap="square" tIns="91425">
+          <a:bodyPr spcFirstLastPara="1" wrap="square" lIns="91425" tIns="91425" rIns="91425" bIns="91425" anchor="ctr" anchorCtr="0">
             <a:normAutofit/>
           </a:bodyPr>
           <a:lstStyle>
@@ -4711,7 +4980,7 @@
             </a:lvl9pPr>
           </a:lstStyle>
           <a:p>
-            <a:pPr indent="0" lvl="0" marL="0" rtl="0" algn="r">
+            <a:pPr marL="0" lvl="0" indent="0" algn="r" rtl="0">
               <a:spcBef>
                 <a:spcPts val="0"/>
               </a:spcBef>
@@ -4737,11 +5006,11 @@
 </file>
 
 <file path=ppt/slideLayouts/slideLayout10.xml><?xml version="1.0" encoding="utf-8"?>
-<p:sldLayout xmlns:a="http://schemas.openxmlformats.org/drawingml/2006/main" xmlns:r="http://schemas.openxmlformats.org/officeDocument/2006/relationships" xmlns:mc="http://schemas.openxmlformats.org/markup-compatibility/2006" xmlns:mv="urn:schemas-microsoft-com:mac:vml" xmlns:p="http://schemas.openxmlformats.org/presentationml/2006/main" xmlns:c="http://schemas.openxmlformats.org/drawingml/2006/chart" xmlns:dgm="http://schemas.openxmlformats.org/drawingml/2006/diagram" xmlns:o="urn:schemas-microsoft-com:office:office" xmlns:v="urn:schemas-microsoft-com:vml" xmlns:pvml="urn:schemas-microsoft-com:office:powerpoint" xmlns:com="http://schemas.openxmlformats.org/drawingml/2006/compatibility" xmlns:p14="http://schemas.microsoft.com/office/powerpoint/2010/main" xmlns:p15="http://schemas.microsoft.com/office/powerpoint/2012/main" xmlns:ahyp="http://schemas.microsoft.com/office/drawing/2018/hyperlinkcolor" matchingName="Big number">
+<p:sldLayout xmlns:a="http://schemas.openxmlformats.org/drawingml/2006/main" xmlns:r="http://schemas.openxmlformats.org/officeDocument/2006/relationships" xmlns:p="http://schemas.openxmlformats.org/presentationml/2006/main" matchingName="Big number">
   <p:cSld name="BIG_NUMBER">
     <p:spTree>
       <p:nvGrpSpPr>
-        <p:cNvPr id="52" name="Shape 52"/>
+        <p:cNvPr id="1" name="Shape 52"/>
         <p:cNvGrpSpPr/>
         <p:nvPr/>
       </p:nvGrpSpPr>
@@ -4775,23 +5044,20 @@
           </a:ln>
         </p:spPr>
         <p:txBody>
-          <a:bodyPr anchorCtr="0" anchor="ctr" bIns="91425" lIns="91425" spcFirstLastPara="1" rIns="91425" wrap="square" tIns="91425">
+          <a:bodyPr spcFirstLastPara="1" wrap="square" lIns="91425" tIns="91425" rIns="91425" bIns="91425" anchor="ctr" anchorCtr="0">
             <a:noAutofit/>
           </a:bodyPr>
           <a:lstStyle/>
           <a:p>
-            <a:pPr indent="0" lvl="0" marL="0" rtl="0" algn="l">
-              <a:spcBef>
-                <a:spcPts val="0"/>
-              </a:spcBef>
-              <a:spcAft>
-                <a:spcPts val="0"/>
-              </a:spcAft>
-              <a:buNone/>
-            </a:pPr>
-            <a:r>
-              <a:t/>
-            </a:r>
+            <a:pPr marL="0" lvl="0" indent="0" algn="l" rtl="0">
+              <a:spcBef>
+                <a:spcPts val="0"/>
+              </a:spcBef>
+              <a:spcAft>
+                <a:spcPts val="0"/>
+              </a:spcAft>
+              <a:buNone/>
+            </a:pPr>
             <a:endParaRPr/>
           </a:p>
         </p:txBody>
@@ -4799,9 +5065,11 @@
       <p:sp>
         <p:nvSpPr>
           <p:cNvPr id="54" name="Google Shape;54;p11"/>
-          <p:cNvSpPr txBox="1"/>
+          <p:cNvSpPr txBox="1">
+            <a:spLocks noGrp="1"/>
+          </p:cNvSpPr>
           <p:nvPr>
-            <p:ph hasCustomPrompt="1" type="title"/>
+            <p:ph type="title" hasCustomPrompt="1"/>
           </p:nvPr>
         </p:nvSpPr>
         <p:spPr>
@@ -4814,7 +5082,7 @@
           </a:prstGeom>
         </p:spPr>
         <p:txBody>
-          <a:bodyPr anchorCtr="0" anchor="ctr" bIns="91425" lIns="91425" spcFirstLastPara="1" rIns="91425" wrap="square" tIns="91425">
+          <a:bodyPr spcFirstLastPara="1" wrap="square" lIns="91425" tIns="91425" rIns="91425" bIns="91425" anchor="ctr" anchorCtr="0">
             <a:normAutofit/>
           </a:bodyPr>
           <a:lstStyle>
@@ -4991,9 +5259,11 @@
       <p:sp>
         <p:nvSpPr>
           <p:cNvPr id="55" name="Google Shape;55;p11"/>
-          <p:cNvSpPr txBox="1"/>
+          <p:cNvSpPr txBox="1">
+            <a:spLocks noGrp="1"/>
+          </p:cNvSpPr>
           <p:nvPr>
-            <p:ph idx="1" type="body"/>
+            <p:ph type="body" idx="1"/>
           </p:nvPr>
         </p:nvSpPr>
         <p:spPr>
@@ -5006,11 +5276,11 @@
           </a:prstGeom>
         </p:spPr>
         <p:txBody>
-          <a:bodyPr anchorCtr="0" anchor="t" bIns="91425" lIns="91425" spcFirstLastPara="1" rIns="91425" wrap="square" tIns="91425">
+          <a:bodyPr spcFirstLastPara="1" wrap="square" lIns="91425" tIns="91425" rIns="91425" bIns="91425" anchor="t" anchorCtr="0">
             <a:normAutofit/>
           </a:bodyPr>
           <a:lstStyle>
-            <a:lvl1pPr indent="-342900" lvl="0" marL="457200" algn="ctr">
+            <a:lvl1pPr marL="457200" lvl="0" indent="-342900" algn="ctr">
               <a:spcBef>
                 <a:spcPts val="0"/>
               </a:spcBef>
@@ -5021,7 +5291,7 @@
               <a:buChar char="●"/>
               <a:defRPr/>
             </a:lvl1pPr>
-            <a:lvl2pPr indent="-317500" lvl="1" marL="914400" algn="ctr">
+            <a:lvl2pPr marL="914400" lvl="1" indent="-317500" algn="ctr">
               <a:spcBef>
                 <a:spcPts val="0"/>
               </a:spcBef>
@@ -5032,7 +5302,7 @@
               <a:buChar char="○"/>
               <a:defRPr/>
             </a:lvl2pPr>
-            <a:lvl3pPr indent="-317500" lvl="2" marL="1371600" algn="ctr">
+            <a:lvl3pPr marL="1371600" lvl="2" indent="-317500" algn="ctr">
               <a:spcBef>
                 <a:spcPts val="0"/>
               </a:spcBef>
@@ -5043,7 +5313,7 @@
               <a:buChar char="■"/>
               <a:defRPr/>
             </a:lvl3pPr>
-            <a:lvl4pPr indent="-317500" lvl="3" marL="1828800" algn="ctr">
+            <a:lvl4pPr marL="1828800" lvl="3" indent="-317500" algn="ctr">
               <a:spcBef>
                 <a:spcPts val="0"/>
               </a:spcBef>
@@ -5054,7 +5324,7 @@
               <a:buChar char="●"/>
               <a:defRPr/>
             </a:lvl4pPr>
-            <a:lvl5pPr indent="-317500" lvl="4" marL="2286000" algn="ctr">
+            <a:lvl5pPr marL="2286000" lvl="4" indent="-317500" algn="ctr">
               <a:spcBef>
                 <a:spcPts val="0"/>
               </a:spcBef>
@@ -5065,7 +5335,7 @@
               <a:buChar char="○"/>
               <a:defRPr/>
             </a:lvl5pPr>
-            <a:lvl6pPr indent="-317500" lvl="5" marL="2743200" algn="ctr">
+            <a:lvl6pPr marL="2743200" lvl="5" indent="-317500" algn="ctr">
               <a:spcBef>
                 <a:spcPts val="0"/>
               </a:spcBef>
@@ -5076,7 +5346,7 @@
               <a:buChar char="■"/>
               <a:defRPr/>
             </a:lvl6pPr>
-            <a:lvl7pPr indent="-317500" lvl="6" marL="3200400" algn="ctr">
+            <a:lvl7pPr marL="3200400" lvl="6" indent="-317500" algn="ctr">
               <a:spcBef>
                 <a:spcPts val="0"/>
               </a:spcBef>
@@ -5087,7 +5357,7 @@
               <a:buChar char="●"/>
               <a:defRPr/>
             </a:lvl7pPr>
-            <a:lvl8pPr indent="-317500" lvl="7" marL="3657600" algn="ctr">
+            <a:lvl8pPr marL="3657600" lvl="7" indent="-317500" algn="ctr">
               <a:spcBef>
                 <a:spcPts val="0"/>
               </a:spcBef>
@@ -5098,7 +5368,7 @@
               <a:buChar char="○"/>
               <a:defRPr/>
             </a:lvl8pPr>
-            <a:lvl9pPr indent="-317500" lvl="8" marL="4114800" algn="ctr">
+            <a:lvl9pPr marL="4114800" lvl="8" indent="-317500" algn="ctr">
               <a:spcBef>
                 <a:spcPts val="0"/>
               </a:spcBef>
@@ -5110,15 +5380,19 @@
               <a:defRPr/>
             </a:lvl9pPr>
           </a:lstStyle>
-          <a:p/>
+          <a:p>
+            <a:endParaRPr/>
+          </a:p>
         </p:txBody>
       </p:sp>
       <p:sp>
         <p:nvSpPr>
           <p:cNvPr id="56" name="Google Shape;56;p11"/>
-          <p:cNvSpPr txBox="1"/>
+          <p:cNvSpPr txBox="1">
+            <a:spLocks noGrp="1"/>
+          </p:cNvSpPr>
           <p:nvPr>
-            <p:ph idx="12" type="sldNum"/>
+            <p:ph type="sldNum" idx="12"/>
           </p:nvPr>
         </p:nvSpPr>
         <p:spPr>
@@ -5131,7 +5405,7 @@
           </a:prstGeom>
         </p:spPr>
         <p:txBody>
-          <a:bodyPr anchorCtr="0" anchor="ctr" bIns="91425" lIns="91425" spcFirstLastPara="1" rIns="91425" wrap="square" tIns="91425">
+          <a:bodyPr spcFirstLastPara="1" wrap="square" lIns="91425" tIns="91425" rIns="91425" bIns="91425" anchor="ctr" anchorCtr="0">
             <a:normAutofit/>
           </a:bodyPr>
           <a:lstStyle>
@@ -5173,7 +5447,7 @@
             </a:lvl9pPr>
           </a:lstStyle>
           <a:p>
-            <a:pPr indent="0" lvl="0" marL="0" rtl="0" algn="r">
+            <a:pPr marL="0" lvl="0" indent="0" algn="r" rtl="0">
               <a:spcBef>
                 <a:spcPts val="0"/>
               </a:spcBef>
@@ -5199,11 +5473,11 @@
 </file>
 
 <file path=ppt/slideLayouts/slideLayout11.xml><?xml version="1.0" encoding="utf-8"?>
-<p:sldLayout xmlns:a="http://schemas.openxmlformats.org/drawingml/2006/main" xmlns:r="http://schemas.openxmlformats.org/officeDocument/2006/relationships" xmlns:mc="http://schemas.openxmlformats.org/markup-compatibility/2006" xmlns:mv="urn:schemas-microsoft-com:mac:vml" xmlns:p="http://schemas.openxmlformats.org/presentationml/2006/main" xmlns:c="http://schemas.openxmlformats.org/drawingml/2006/chart" xmlns:dgm="http://schemas.openxmlformats.org/drawingml/2006/diagram" xmlns:o="urn:schemas-microsoft-com:office:office" xmlns:v="urn:schemas-microsoft-com:vml" xmlns:pvml="urn:schemas-microsoft-com:office:powerpoint" xmlns:com="http://schemas.openxmlformats.org/drawingml/2006/compatibility" xmlns:p14="http://schemas.microsoft.com/office/powerpoint/2010/main" xmlns:p15="http://schemas.microsoft.com/office/powerpoint/2012/main" xmlns:ahyp="http://schemas.microsoft.com/office/drawing/2018/hyperlinkcolor" matchingName="Blank" type="blank">
+<p:sldLayout xmlns:a="http://schemas.openxmlformats.org/drawingml/2006/main" xmlns:r="http://schemas.openxmlformats.org/officeDocument/2006/relationships" xmlns:p="http://schemas.openxmlformats.org/presentationml/2006/main" matchingName="Blank" type="blank">
   <p:cSld name="BLANK">
     <p:spTree>
       <p:nvGrpSpPr>
-        <p:cNvPr id="57" name="Shape 57"/>
+        <p:cNvPr id="1" name="Shape 57"/>
         <p:cNvGrpSpPr/>
         <p:nvPr/>
       </p:nvGrpSpPr>
@@ -5218,9 +5492,11 @@
       <p:sp>
         <p:nvSpPr>
           <p:cNvPr id="58" name="Google Shape;58;p12"/>
-          <p:cNvSpPr txBox="1"/>
+          <p:cNvSpPr txBox="1">
+            <a:spLocks noGrp="1"/>
+          </p:cNvSpPr>
           <p:nvPr>
-            <p:ph idx="12" type="sldNum"/>
+            <p:ph type="sldNum" idx="12"/>
           </p:nvPr>
         </p:nvSpPr>
         <p:spPr>
@@ -5233,7 +5509,7 @@
           </a:prstGeom>
         </p:spPr>
         <p:txBody>
-          <a:bodyPr anchorCtr="0" anchor="ctr" bIns="91425" lIns="91425" spcFirstLastPara="1" rIns="91425" wrap="square" tIns="91425">
+          <a:bodyPr spcFirstLastPara="1" wrap="square" lIns="91425" tIns="91425" rIns="91425" bIns="91425" anchor="ctr" anchorCtr="0">
             <a:normAutofit/>
           </a:bodyPr>
           <a:lstStyle>
@@ -5275,7 +5551,7 @@
             </a:lvl9pPr>
           </a:lstStyle>
           <a:p>
-            <a:pPr indent="0" lvl="0" marL="0" rtl="0" algn="r">
+            <a:pPr marL="0" lvl="0" indent="0" algn="r" rtl="0">
               <a:spcBef>
                 <a:spcPts val="0"/>
               </a:spcBef>
@@ -5301,11 +5577,11 @@
 </file>
 
 <file path=ppt/slideLayouts/slideLayout2.xml><?xml version="1.0" encoding="utf-8"?>
-<p:sldLayout xmlns:a="http://schemas.openxmlformats.org/drawingml/2006/main" xmlns:r="http://schemas.openxmlformats.org/officeDocument/2006/relationships" xmlns:mc="http://schemas.openxmlformats.org/markup-compatibility/2006" xmlns:mv="urn:schemas-microsoft-com:mac:vml" xmlns:p="http://schemas.openxmlformats.org/presentationml/2006/main" xmlns:c="http://schemas.openxmlformats.org/drawingml/2006/chart" xmlns:dgm="http://schemas.openxmlformats.org/drawingml/2006/diagram" xmlns:o="urn:schemas-microsoft-com:office:office" xmlns:v="urn:schemas-microsoft-com:vml" xmlns:pvml="urn:schemas-microsoft-com:office:powerpoint" xmlns:com="http://schemas.openxmlformats.org/drawingml/2006/compatibility" xmlns:p14="http://schemas.microsoft.com/office/powerpoint/2010/main" xmlns:p15="http://schemas.microsoft.com/office/powerpoint/2012/main" xmlns:ahyp="http://schemas.microsoft.com/office/drawing/2018/hyperlinkcolor" matchingName="Section header" type="secHead">
+<p:sldLayout xmlns:a="http://schemas.openxmlformats.org/drawingml/2006/main" xmlns:r="http://schemas.openxmlformats.org/officeDocument/2006/relationships" xmlns:p="http://schemas.openxmlformats.org/presentationml/2006/main" matchingName="Section header" type="secHead">
   <p:cSld name="SECTION_HEADER">
     <p:spTree>
       <p:nvGrpSpPr>
-        <p:cNvPr id="16" name="Shape 16"/>
+        <p:cNvPr id="1" name="Shape 16"/>
         <p:cNvGrpSpPr/>
         <p:nvPr/>
       </p:nvGrpSpPr>
@@ -5332,21 +5608,23 @@
             <a:avLst/>
           </a:prstGeom>
           <a:noFill/>
-          <a:ln cap="flat" cmpd="sng" w="38100">
+          <a:ln w="38100" cap="flat" cmpd="sng">
             <a:solidFill>
               <a:schemeClr val="accent4"/>
             </a:solidFill>
             <a:prstDash val="solid"/>
             <a:round/>
-            <a:headEnd len="sm" w="sm" type="none"/>
-            <a:tailEnd len="sm" w="sm" type="none"/>
+            <a:headEnd type="none" w="sm" len="sm"/>
+            <a:tailEnd type="none" w="sm" len="sm"/>
           </a:ln>
         </p:spPr>
       </p:cxnSp>
       <p:sp>
         <p:nvSpPr>
           <p:cNvPr id="18" name="Google Shape;18;p3"/>
-          <p:cNvSpPr txBox="1"/>
+          <p:cNvSpPr txBox="1">
+            <a:spLocks noGrp="1"/>
+          </p:cNvSpPr>
           <p:nvPr>
             <p:ph type="title"/>
           </p:nvPr>
@@ -5361,7 +5639,7 @@
           </a:prstGeom>
         </p:spPr>
         <p:txBody>
-          <a:bodyPr anchorCtr="0" anchor="b" bIns="91425" lIns="91425" spcFirstLastPara="1" rIns="91425" wrap="square" tIns="91425">
+          <a:bodyPr spcFirstLastPara="1" wrap="square" lIns="91425" tIns="91425" rIns="91425" bIns="91425" anchor="b" anchorCtr="0">
             <a:normAutofit/>
           </a:bodyPr>
           <a:lstStyle>
@@ -5465,15 +5743,19 @@
               <a:defRPr sz="4800"/>
             </a:lvl9pPr>
           </a:lstStyle>
-          <a:p/>
+          <a:p>
+            <a:endParaRPr/>
+          </a:p>
         </p:txBody>
       </p:sp>
       <p:sp>
         <p:nvSpPr>
           <p:cNvPr id="19" name="Google Shape;19;p3"/>
-          <p:cNvSpPr txBox="1"/>
+          <p:cNvSpPr txBox="1">
+            <a:spLocks noGrp="1"/>
+          </p:cNvSpPr>
           <p:nvPr>
-            <p:ph idx="12" type="sldNum"/>
+            <p:ph type="sldNum" idx="12"/>
           </p:nvPr>
         </p:nvSpPr>
         <p:spPr>
@@ -5486,7 +5768,7 @@
           </a:prstGeom>
         </p:spPr>
         <p:txBody>
-          <a:bodyPr anchorCtr="0" anchor="ctr" bIns="91425" lIns="91425" spcFirstLastPara="1" rIns="91425" wrap="square" tIns="91425">
+          <a:bodyPr spcFirstLastPara="1" wrap="square" lIns="91425" tIns="91425" rIns="91425" bIns="91425" anchor="ctr" anchorCtr="0">
             <a:normAutofit/>
           </a:bodyPr>
           <a:lstStyle>
@@ -5528,7 +5810,7 @@
             </a:lvl9pPr>
           </a:lstStyle>
           <a:p>
-            <a:pPr indent="0" lvl="0" marL="0" rtl="0" algn="r">
+            <a:pPr marL="0" lvl="0" indent="0" algn="r" rtl="0">
               <a:spcBef>
                 <a:spcPts val="0"/>
               </a:spcBef>
@@ -5554,11 +5836,11 @@
 </file>
 
 <file path=ppt/slideLayouts/slideLayout3.xml><?xml version="1.0" encoding="utf-8"?>
-<p:sldLayout xmlns:a="http://schemas.openxmlformats.org/drawingml/2006/main" xmlns:r="http://schemas.openxmlformats.org/officeDocument/2006/relationships" xmlns:mc="http://schemas.openxmlformats.org/markup-compatibility/2006" xmlns:mv="urn:schemas-microsoft-com:mac:vml" xmlns:p="http://schemas.openxmlformats.org/presentationml/2006/main" xmlns:c="http://schemas.openxmlformats.org/drawingml/2006/chart" xmlns:dgm="http://schemas.openxmlformats.org/drawingml/2006/diagram" xmlns:o="urn:schemas-microsoft-com:office:office" xmlns:v="urn:schemas-microsoft-com:vml" xmlns:pvml="urn:schemas-microsoft-com:office:powerpoint" xmlns:com="http://schemas.openxmlformats.org/drawingml/2006/compatibility" xmlns:p14="http://schemas.microsoft.com/office/powerpoint/2010/main" xmlns:p15="http://schemas.microsoft.com/office/powerpoint/2012/main" xmlns:ahyp="http://schemas.microsoft.com/office/drawing/2018/hyperlinkcolor" matchingName="Title and body" type="tx">
+<p:sldLayout xmlns:a="http://schemas.openxmlformats.org/drawingml/2006/main" xmlns:r="http://schemas.openxmlformats.org/officeDocument/2006/relationships" xmlns:p="http://schemas.openxmlformats.org/presentationml/2006/main" matchingName="Title and body" type="tx">
   <p:cSld name="TITLE_AND_BODY">
     <p:spTree>
       <p:nvGrpSpPr>
-        <p:cNvPr id="20" name="Shape 20"/>
+        <p:cNvPr id="1" name="Shape 20"/>
         <p:cNvGrpSpPr/>
         <p:nvPr/>
       </p:nvGrpSpPr>
@@ -5585,21 +5867,23 @@
             <a:avLst/>
           </a:prstGeom>
           <a:noFill/>
-          <a:ln cap="flat" cmpd="sng" w="38100">
+          <a:ln w="38100" cap="flat" cmpd="sng">
             <a:solidFill>
               <a:schemeClr val="accent4"/>
             </a:solidFill>
             <a:prstDash val="solid"/>
             <a:round/>
-            <a:headEnd len="sm" w="sm" type="none"/>
-            <a:tailEnd len="sm" w="sm" type="none"/>
+            <a:headEnd type="none" w="sm" len="sm"/>
+            <a:tailEnd type="none" w="sm" len="sm"/>
           </a:ln>
         </p:spPr>
       </p:cxnSp>
       <p:sp>
         <p:nvSpPr>
           <p:cNvPr id="22" name="Google Shape;22;p4"/>
-          <p:cNvSpPr txBox="1"/>
+          <p:cNvSpPr txBox="1">
+            <a:spLocks noGrp="1"/>
+          </p:cNvSpPr>
           <p:nvPr>
             <p:ph type="title"/>
           </p:nvPr>
@@ -5614,7 +5898,7 @@
           </a:prstGeom>
         </p:spPr>
         <p:txBody>
-          <a:bodyPr anchorCtr="0" anchor="b" bIns="91425" lIns="91425" spcFirstLastPara="1" rIns="91425" wrap="square" tIns="91425">
+          <a:bodyPr spcFirstLastPara="1" wrap="square" lIns="91425" tIns="91425" rIns="91425" bIns="91425" anchor="b" anchorCtr="0">
             <a:normAutofit/>
           </a:bodyPr>
           <a:lstStyle>
@@ -5718,15 +6002,19 @@
               <a:defRPr/>
             </a:lvl9pPr>
           </a:lstStyle>
-          <a:p/>
+          <a:p>
+            <a:endParaRPr/>
+          </a:p>
         </p:txBody>
       </p:sp>
       <p:sp>
         <p:nvSpPr>
           <p:cNvPr id="23" name="Google Shape;23;p4"/>
-          <p:cNvSpPr txBox="1"/>
+          <p:cNvSpPr txBox="1">
+            <a:spLocks noGrp="1"/>
+          </p:cNvSpPr>
           <p:nvPr>
-            <p:ph idx="1" type="body"/>
+            <p:ph type="body" idx="1"/>
           </p:nvPr>
         </p:nvSpPr>
         <p:spPr>
@@ -5739,11 +6027,11 @@
           </a:prstGeom>
         </p:spPr>
         <p:txBody>
-          <a:bodyPr anchorCtr="0" anchor="t" bIns="91425" lIns="91425" spcFirstLastPara="1" rIns="91425" wrap="square" tIns="91425">
+          <a:bodyPr spcFirstLastPara="1" wrap="square" lIns="91425" tIns="91425" rIns="91425" bIns="91425" anchor="t" anchorCtr="0">
             <a:normAutofit/>
           </a:bodyPr>
           <a:lstStyle>
-            <a:lvl1pPr indent="-342900" lvl="0" marL="457200">
+            <a:lvl1pPr marL="457200" lvl="0" indent="-342900">
               <a:spcBef>
                 <a:spcPts val="0"/>
               </a:spcBef>
@@ -5754,7 +6042,7 @@
               <a:buChar char="●"/>
               <a:defRPr/>
             </a:lvl1pPr>
-            <a:lvl2pPr indent="-317500" lvl="1" marL="914400">
+            <a:lvl2pPr marL="914400" lvl="1" indent="-317500">
               <a:spcBef>
                 <a:spcPts val="0"/>
               </a:spcBef>
@@ -5765,7 +6053,7 @@
               <a:buChar char="○"/>
               <a:defRPr/>
             </a:lvl2pPr>
-            <a:lvl3pPr indent="-317500" lvl="2" marL="1371600">
+            <a:lvl3pPr marL="1371600" lvl="2" indent="-317500">
               <a:spcBef>
                 <a:spcPts val="0"/>
               </a:spcBef>
@@ -5776,7 +6064,7 @@
               <a:buChar char="■"/>
               <a:defRPr/>
             </a:lvl3pPr>
-            <a:lvl4pPr indent="-317500" lvl="3" marL="1828800">
+            <a:lvl4pPr marL="1828800" lvl="3" indent="-317500">
               <a:spcBef>
                 <a:spcPts val="0"/>
               </a:spcBef>
@@ -5787,7 +6075,7 @@
               <a:buChar char="●"/>
               <a:defRPr/>
             </a:lvl4pPr>
-            <a:lvl5pPr indent="-317500" lvl="4" marL="2286000">
+            <a:lvl5pPr marL="2286000" lvl="4" indent="-317500">
               <a:spcBef>
                 <a:spcPts val="0"/>
               </a:spcBef>
@@ -5798,7 +6086,7 @@
               <a:buChar char="○"/>
               <a:defRPr/>
             </a:lvl5pPr>
-            <a:lvl6pPr indent="-317500" lvl="5" marL="2743200">
+            <a:lvl6pPr marL="2743200" lvl="5" indent="-317500">
               <a:spcBef>
                 <a:spcPts val="0"/>
               </a:spcBef>
@@ -5809,7 +6097,7 @@
               <a:buChar char="■"/>
               <a:defRPr/>
             </a:lvl6pPr>
-            <a:lvl7pPr indent="-317500" lvl="6" marL="3200400">
+            <a:lvl7pPr marL="3200400" lvl="6" indent="-317500">
               <a:spcBef>
                 <a:spcPts val="0"/>
               </a:spcBef>
@@ -5820,7 +6108,7 @@
               <a:buChar char="●"/>
               <a:defRPr/>
             </a:lvl7pPr>
-            <a:lvl8pPr indent="-317500" lvl="7" marL="3657600">
+            <a:lvl8pPr marL="3657600" lvl="7" indent="-317500">
               <a:spcBef>
                 <a:spcPts val="0"/>
               </a:spcBef>
@@ -5831,7 +6119,7 @@
               <a:buChar char="○"/>
               <a:defRPr/>
             </a:lvl8pPr>
-            <a:lvl9pPr indent="-317500" lvl="8" marL="4114800">
+            <a:lvl9pPr marL="4114800" lvl="8" indent="-317500">
               <a:spcBef>
                 <a:spcPts val="0"/>
               </a:spcBef>
@@ -5843,15 +6131,19 @@
               <a:defRPr/>
             </a:lvl9pPr>
           </a:lstStyle>
-          <a:p/>
+          <a:p>
+            <a:endParaRPr/>
+          </a:p>
         </p:txBody>
       </p:sp>
       <p:sp>
         <p:nvSpPr>
           <p:cNvPr id="24" name="Google Shape;24;p4"/>
-          <p:cNvSpPr txBox="1"/>
+          <p:cNvSpPr txBox="1">
+            <a:spLocks noGrp="1"/>
+          </p:cNvSpPr>
           <p:nvPr>
-            <p:ph idx="12" type="sldNum"/>
+            <p:ph type="sldNum" idx="12"/>
           </p:nvPr>
         </p:nvSpPr>
         <p:spPr>
@@ -5864,7 +6156,7 @@
           </a:prstGeom>
         </p:spPr>
         <p:txBody>
-          <a:bodyPr anchorCtr="0" anchor="ctr" bIns="91425" lIns="91425" spcFirstLastPara="1" rIns="91425" wrap="square" tIns="91425">
+          <a:bodyPr spcFirstLastPara="1" wrap="square" lIns="91425" tIns="91425" rIns="91425" bIns="91425" anchor="ctr" anchorCtr="0">
             <a:normAutofit/>
           </a:bodyPr>
           <a:lstStyle>
@@ -5906,7 +6198,7 @@
             </a:lvl9pPr>
           </a:lstStyle>
           <a:p>
-            <a:pPr indent="0" lvl="0" marL="0" rtl="0" algn="r">
+            <a:pPr marL="0" lvl="0" indent="0" algn="r" rtl="0">
               <a:spcBef>
                 <a:spcPts val="0"/>
               </a:spcBef>
@@ -5932,11 +6224,11 @@
 </file>
 
 <file path=ppt/slideLayouts/slideLayout4.xml><?xml version="1.0" encoding="utf-8"?>
-<p:sldLayout xmlns:a="http://schemas.openxmlformats.org/drawingml/2006/main" xmlns:r="http://schemas.openxmlformats.org/officeDocument/2006/relationships" xmlns:mc="http://schemas.openxmlformats.org/markup-compatibility/2006" xmlns:mv="urn:schemas-microsoft-com:mac:vml" xmlns:p="http://schemas.openxmlformats.org/presentationml/2006/main" xmlns:c="http://schemas.openxmlformats.org/drawingml/2006/chart" xmlns:dgm="http://schemas.openxmlformats.org/drawingml/2006/diagram" xmlns:o="urn:schemas-microsoft-com:office:office" xmlns:v="urn:schemas-microsoft-com:vml" xmlns:pvml="urn:schemas-microsoft-com:office:powerpoint" xmlns:com="http://schemas.openxmlformats.org/drawingml/2006/compatibility" xmlns:p14="http://schemas.microsoft.com/office/powerpoint/2010/main" xmlns:p15="http://schemas.microsoft.com/office/powerpoint/2012/main" xmlns:ahyp="http://schemas.microsoft.com/office/drawing/2018/hyperlinkcolor" matchingName="Title and two columns" type="twoColTx">
+<p:sldLayout xmlns:a="http://schemas.openxmlformats.org/drawingml/2006/main" xmlns:r="http://schemas.openxmlformats.org/officeDocument/2006/relationships" xmlns:p="http://schemas.openxmlformats.org/presentationml/2006/main" matchingName="Title and two columns" type="twoColTx">
   <p:cSld name="TITLE_AND_TWO_COLUMNS">
     <p:spTree>
       <p:nvGrpSpPr>
-        <p:cNvPr id="25" name="Shape 25"/>
+        <p:cNvPr id="1" name="Shape 25"/>
         <p:cNvGrpSpPr/>
         <p:nvPr/>
       </p:nvGrpSpPr>
@@ -5963,21 +6255,23 @@
             <a:avLst/>
           </a:prstGeom>
           <a:noFill/>
-          <a:ln cap="flat" cmpd="sng" w="38100">
+          <a:ln w="38100" cap="flat" cmpd="sng">
             <a:solidFill>
               <a:schemeClr val="accent4"/>
             </a:solidFill>
             <a:prstDash val="solid"/>
             <a:round/>
-            <a:headEnd len="sm" w="sm" type="none"/>
-            <a:tailEnd len="sm" w="sm" type="none"/>
+            <a:headEnd type="none" w="sm" len="sm"/>
+            <a:tailEnd type="none" w="sm" len="sm"/>
           </a:ln>
         </p:spPr>
       </p:cxnSp>
       <p:sp>
         <p:nvSpPr>
           <p:cNvPr id="27" name="Google Shape;27;p5"/>
-          <p:cNvSpPr txBox="1"/>
+          <p:cNvSpPr txBox="1">
+            <a:spLocks noGrp="1"/>
+          </p:cNvSpPr>
           <p:nvPr>
             <p:ph type="title"/>
           </p:nvPr>
@@ -5992,7 +6286,7 @@
           </a:prstGeom>
         </p:spPr>
         <p:txBody>
-          <a:bodyPr anchorCtr="0" anchor="b" bIns="91425" lIns="91425" spcFirstLastPara="1" rIns="91425" wrap="square" tIns="91425">
+          <a:bodyPr spcFirstLastPara="1" wrap="square" lIns="91425" tIns="91425" rIns="91425" bIns="91425" anchor="b" anchorCtr="0">
             <a:normAutofit/>
           </a:bodyPr>
           <a:lstStyle>
@@ -6096,15 +6390,19 @@
               <a:defRPr/>
             </a:lvl9pPr>
           </a:lstStyle>
-          <a:p/>
+          <a:p>
+            <a:endParaRPr/>
+          </a:p>
         </p:txBody>
       </p:sp>
       <p:sp>
         <p:nvSpPr>
           <p:cNvPr id="28" name="Google Shape;28;p5"/>
-          <p:cNvSpPr txBox="1"/>
+          <p:cNvSpPr txBox="1">
+            <a:spLocks noGrp="1"/>
+          </p:cNvSpPr>
           <p:nvPr>
-            <p:ph idx="1" type="body"/>
+            <p:ph type="body" idx="1"/>
           </p:nvPr>
         </p:nvSpPr>
         <p:spPr>
@@ -6117,11 +6415,11 @@
           </a:prstGeom>
         </p:spPr>
         <p:txBody>
-          <a:bodyPr anchorCtr="0" anchor="t" bIns="91425" lIns="91425" spcFirstLastPara="1" rIns="91425" wrap="square" tIns="91425">
+          <a:bodyPr spcFirstLastPara="1" wrap="square" lIns="91425" tIns="91425" rIns="91425" bIns="91425" anchor="t" anchorCtr="0">
             <a:normAutofit/>
           </a:bodyPr>
           <a:lstStyle>
-            <a:lvl1pPr indent="-317500" lvl="0" marL="457200">
+            <a:lvl1pPr marL="457200" lvl="0" indent="-317500">
               <a:spcBef>
                 <a:spcPts val="0"/>
               </a:spcBef>
@@ -6132,7 +6430,7 @@
               <a:buChar char="●"/>
               <a:defRPr sz="1400"/>
             </a:lvl1pPr>
-            <a:lvl2pPr indent="-304800" lvl="1" marL="914400">
+            <a:lvl2pPr marL="914400" lvl="1" indent="-304800">
               <a:spcBef>
                 <a:spcPts val="0"/>
               </a:spcBef>
@@ -6143,7 +6441,7 @@
               <a:buChar char="○"/>
               <a:defRPr sz="1200"/>
             </a:lvl2pPr>
-            <a:lvl3pPr indent="-304800" lvl="2" marL="1371600">
+            <a:lvl3pPr marL="1371600" lvl="2" indent="-304800">
               <a:spcBef>
                 <a:spcPts val="0"/>
               </a:spcBef>
@@ -6154,7 +6452,7 @@
               <a:buChar char="■"/>
               <a:defRPr sz="1200"/>
             </a:lvl3pPr>
-            <a:lvl4pPr indent="-304800" lvl="3" marL="1828800">
+            <a:lvl4pPr marL="1828800" lvl="3" indent="-304800">
               <a:spcBef>
                 <a:spcPts val="0"/>
               </a:spcBef>
@@ -6165,7 +6463,7 @@
               <a:buChar char="●"/>
               <a:defRPr sz="1200"/>
             </a:lvl4pPr>
-            <a:lvl5pPr indent="-304800" lvl="4" marL="2286000">
+            <a:lvl5pPr marL="2286000" lvl="4" indent="-304800">
               <a:spcBef>
                 <a:spcPts val="0"/>
               </a:spcBef>
@@ -6176,7 +6474,7 @@
               <a:buChar char="○"/>
               <a:defRPr sz="1200"/>
             </a:lvl5pPr>
-            <a:lvl6pPr indent="-304800" lvl="5" marL="2743200">
+            <a:lvl6pPr marL="2743200" lvl="5" indent="-304800">
               <a:spcBef>
                 <a:spcPts val="0"/>
               </a:spcBef>
@@ -6187,7 +6485,7 @@
               <a:buChar char="■"/>
               <a:defRPr sz="1200"/>
             </a:lvl6pPr>
-            <a:lvl7pPr indent="-304800" lvl="6" marL="3200400">
+            <a:lvl7pPr marL="3200400" lvl="6" indent="-304800">
               <a:spcBef>
                 <a:spcPts val="0"/>
               </a:spcBef>
@@ -6198,7 +6496,7 @@
               <a:buChar char="●"/>
               <a:defRPr sz="1200"/>
             </a:lvl7pPr>
-            <a:lvl8pPr indent="-304800" lvl="7" marL="3657600">
+            <a:lvl8pPr marL="3657600" lvl="7" indent="-304800">
               <a:spcBef>
                 <a:spcPts val="0"/>
               </a:spcBef>
@@ -6209,7 +6507,7 @@
               <a:buChar char="○"/>
               <a:defRPr sz="1200"/>
             </a:lvl8pPr>
-            <a:lvl9pPr indent="-304800" lvl="8" marL="4114800">
+            <a:lvl9pPr marL="4114800" lvl="8" indent="-304800">
               <a:spcBef>
                 <a:spcPts val="0"/>
               </a:spcBef>
@@ -6221,15 +6519,19 @@
               <a:defRPr sz="1200"/>
             </a:lvl9pPr>
           </a:lstStyle>
-          <a:p/>
+          <a:p>
+            <a:endParaRPr/>
+          </a:p>
         </p:txBody>
       </p:sp>
       <p:sp>
         <p:nvSpPr>
           <p:cNvPr id="29" name="Google Shape;29;p5"/>
-          <p:cNvSpPr txBox="1"/>
+          <p:cNvSpPr txBox="1">
+            <a:spLocks noGrp="1"/>
+          </p:cNvSpPr>
           <p:nvPr>
-            <p:ph idx="2" type="body"/>
+            <p:ph type="body" idx="2"/>
           </p:nvPr>
         </p:nvSpPr>
         <p:spPr>
@@ -6242,11 +6544,11 @@
           </a:prstGeom>
         </p:spPr>
         <p:txBody>
-          <a:bodyPr anchorCtr="0" anchor="t" bIns="91425" lIns="91425" spcFirstLastPara="1" rIns="91425" wrap="square" tIns="91425">
+          <a:bodyPr spcFirstLastPara="1" wrap="square" lIns="91425" tIns="91425" rIns="91425" bIns="91425" anchor="t" anchorCtr="0">
             <a:normAutofit/>
           </a:bodyPr>
           <a:lstStyle>
-            <a:lvl1pPr indent="-317500" lvl="0" marL="457200">
+            <a:lvl1pPr marL="457200" lvl="0" indent="-317500">
               <a:spcBef>
                 <a:spcPts val="0"/>
               </a:spcBef>
@@ -6257,7 +6559,7 @@
               <a:buChar char="●"/>
               <a:defRPr sz="1400"/>
             </a:lvl1pPr>
-            <a:lvl2pPr indent="-304800" lvl="1" marL="914400">
+            <a:lvl2pPr marL="914400" lvl="1" indent="-304800">
               <a:spcBef>
                 <a:spcPts val="0"/>
               </a:spcBef>
@@ -6268,7 +6570,7 @@
               <a:buChar char="○"/>
               <a:defRPr sz="1200"/>
             </a:lvl2pPr>
-            <a:lvl3pPr indent="-304800" lvl="2" marL="1371600">
+            <a:lvl3pPr marL="1371600" lvl="2" indent="-304800">
               <a:spcBef>
                 <a:spcPts val="0"/>
               </a:spcBef>
@@ -6279,7 +6581,7 @@
               <a:buChar char="■"/>
               <a:defRPr sz="1200"/>
             </a:lvl3pPr>
-            <a:lvl4pPr indent="-304800" lvl="3" marL="1828800">
+            <a:lvl4pPr marL="1828800" lvl="3" indent="-304800">
               <a:spcBef>
                 <a:spcPts val="0"/>
               </a:spcBef>
@@ -6290,7 +6592,7 @@
               <a:buChar char="●"/>
               <a:defRPr sz="1200"/>
             </a:lvl4pPr>
-            <a:lvl5pPr indent="-304800" lvl="4" marL="2286000">
+            <a:lvl5pPr marL="2286000" lvl="4" indent="-304800">
               <a:spcBef>
                 <a:spcPts val="0"/>
               </a:spcBef>
@@ -6301,7 +6603,7 @@
               <a:buChar char="○"/>
               <a:defRPr sz="1200"/>
             </a:lvl5pPr>
-            <a:lvl6pPr indent="-304800" lvl="5" marL="2743200">
+            <a:lvl6pPr marL="2743200" lvl="5" indent="-304800">
               <a:spcBef>
                 <a:spcPts val="0"/>
               </a:spcBef>
@@ -6312,7 +6614,7 @@
               <a:buChar char="■"/>
               <a:defRPr sz="1200"/>
             </a:lvl6pPr>
-            <a:lvl7pPr indent="-304800" lvl="6" marL="3200400">
+            <a:lvl7pPr marL="3200400" lvl="6" indent="-304800">
               <a:spcBef>
                 <a:spcPts val="0"/>
               </a:spcBef>
@@ -6323,7 +6625,7 @@
               <a:buChar char="●"/>
               <a:defRPr sz="1200"/>
             </a:lvl7pPr>
-            <a:lvl8pPr indent="-304800" lvl="7" marL="3657600">
+            <a:lvl8pPr marL="3657600" lvl="7" indent="-304800">
               <a:spcBef>
                 <a:spcPts val="0"/>
               </a:spcBef>
@@ -6334,7 +6636,7 @@
               <a:buChar char="○"/>
               <a:defRPr sz="1200"/>
             </a:lvl8pPr>
-            <a:lvl9pPr indent="-304800" lvl="8" marL="4114800">
+            <a:lvl9pPr marL="4114800" lvl="8" indent="-304800">
               <a:spcBef>
                 <a:spcPts val="0"/>
               </a:spcBef>
@@ -6346,15 +6648,19 @@
               <a:defRPr sz="1200"/>
             </a:lvl9pPr>
           </a:lstStyle>
-          <a:p/>
+          <a:p>
+            <a:endParaRPr/>
+          </a:p>
         </p:txBody>
       </p:sp>
       <p:sp>
         <p:nvSpPr>
           <p:cNvPr id="30" name="Google Shape;30;p5"/>
-          <p:cNvSpPr txBox="1"/>
+          <p:cNvSpPr txBox="1">
+            <a:spLocks noGrp="1"/>
+          </p:cNvSpPr>
           <p:nvPr>
-            <p:ph idx="12" type="sldNum"/>
+            <p:ph type="sldNum" idx="12"/>
           </p:nvPr>
         </p:nvSpPr>
         <p:spPr>
@@ -6367,7 +6673,7 @@
           </a:prstGeom>
         </p:spPr>
         <p:txBody>
-          <a:bodyPr anchorCtr="0" anchor="ctr" bIns="91425" lIns="91425" spcFirstLastPara="1" rIns="91425" wrap="square" tIns="91425">
+          <a:bodyPr spcFirstLastPara="1" wrap="square" lIns="91425" tIns="91425" rIns="91425" bIns="91425" anchor="ctr" anchorCtr="0">
             <a:normAutofit/>
           </a:bodyPr>
           <a:lstStyle>
@@ -6409,7 +6715,7 @@
             </a:lvl9pPr>
           </a:lstStyle>
           <a:p>
-            <a:pPr indent="0" lvl="0" marL="0" rtl="0" algn="r">
+            <a:pPr marL="0" lvl="0" indent="0" algn="r" rtl="0">
               <a:spcBef>
                 <a:spcPts val="0"/>
               </a:spcBef>
@@ -6435,11 +6741,11 @@
 </file>
 
 <file path=ppt/slideLayouts/slideLayout5.xml><?xml version="1.0" encoding="utf-8"?>
-<p:sldLayout xmlns:a="http://schemas.openxmlformats.org/drawingml/2006/main" xmlns:r="http://schemas.openxmlformats.org/officeDocument/2006/relationships" xmlns:mc="http://schemas.openxmlformats.org/markup-compatibility/2006" xmlns:mv="urn:schemas-microsoft-com:mac:vml" xmlns:p="http://schemas.openxmlformats.org/presentationml/2006/main" xmlns:c="http://schemas.openxmlformats.org/drawingml/2006/chart" xmlns:dgm="http://schemas.openxmlformats.org/drawingml/2006/diagram" xmlns:o="urn:schemas-microsoft-com:office:office" xmlns:v="urn:schemas-microsoft-com:vml" xmlns:pvml="urn:schemas-microsoft-com:office:powerpoint" xmlns:com="http://schemas.openxmlformats.org/drawingml/2006/compatibility" xmlns:p14="http://schemas.microsoft.com/office/powerpoint/2010/main" xmlns:p15="http://schemas.microsoft.com/office/powerpoint/2012/main" xmlns:ahyp="http://schemas.microsoft.com/office/drawing/2018/hyperlinkcolor" matchingName="Title only" type="titleOnly">
+<p:sldLayout xmlns:a="http://schemas.openxmlformats.org/drawingml/2006/main" xmlns:r="http://schemas.openxmlformats.org/officeDocument/2006/relationships" xmlns:p="http://schemas.openxmlformats.org/presentationml/2006/main" matchingName="Title only" type="titleOnly">
   <p:cSld name="TITLE_ONLY">
     <p:spTree>
       <p:nvGrpSpPr>
-        <p:cNvPr id="31" name="Shape 31"/>
+        <p:cNvPr id="1" name="Shape 31"/>
         <p:cNvGrpSpPr/>
         <p:nvPr/>
       </p:nvGrpSpPr>
@@ -6454,7 +6760,9 @@
       <p:sp>
         <p:nvSpPr>
           <p:cNvPr id="32" name="Google Shape;32;p6"/>
-          <p:cNvSpPr txBox="1"/>
+          <p:cNvSpPr txBox="1">
+            <a:spLocks noGrp="1"/>
+          </p:cNvSpPr>
           <p:nvPr>
             <p:ph type="title"/>
           </p:nvPr>
@@ -6469,7 +6777,7 @@
           </a:prstGeom>
         </p:spPr>
         <p:txBody>
-          <a:bodyPr anchorCtr="0" anchor="b" bIns="91425" lIns="91425" spcFirstLastPara="1" rIns="91425" wrap="square" tIns="91425">
+          <a:bodyPr spcFirstLastPara="1" wrap="square" lIns="91425" tIns="91425" rIns="91425" bIns="91425" anchor="b" anchorCtr="0">
             <a:normAutofit/>
           </a:bodyPr>
           <a:lstStyle>
@@ -6573,15 +6881,19 @@
               <a:defRPr/>
             </a:lvl9pPr>
           </a:lstStyle>
-          <a:p/>
+          <a:p>
+            <a:endParaRPr/>
+          </a:p>
         </p:txBody>
       </p:sp>
       <p:sp>
         <p:nvSpPr>
           <p:cNvPr id="33" name="Google Shape;33;p6"/>
-          <p:cNvSpPr txBox="1"/>
+          <p:cNvSpPr txBox="1">
+            <a:spLocks noGrp="1"/>
+          </p:cNvSpPr>
           <p:nvPr>
-            <p:ph idx="12" type="sldNum"/>
+            <p:ph type="sldNum" idx="12"/>
           </p:nvPr>
         </p:nvSpPr>
         <p:spPr>
@@ -6594,7 +6906,7 @@
           </a:prstGeom>
         </p:spPr>
         <p:txBody>
-          <a:bodyPr anchorCtr="0" anchor="ctr" bIns="91425" lIns="91425" spcFirstLastPara="1" rIns="91425" wrap="square" tIns="91425">
+          <a:bodyPr spcFirstLastPara="1" wrap="square" lIns="91425" tIns="91425" rIns="91425" bIns="91425" anchor="ctr" anchorCtr="0">
             <a:normAutofit/>
           </a:bodyPr>
           <a:lstStyle>
@@ -6636,7 +6948,7 @@
             </a:lvl9pPr>
           </a:lstStyle>
           <a:p>
-            <a:pPr indent="0" lvl="0" marL="0" rtl="0" algn="r">
+            <a:pPr marL="0" lvl="0" indent="0" algn="r" rtl="0">
               <a:spcBef>
                 <a:spcPts val="0"/>
               </a:spcBef>
@@ -6662,11 +6974,11 @@
 </file>
 
 <file path=ppt/slideLayouts/slideLayout6.xml><?xml version="1.0" encoding="utf-8"?>
-<p:sldLayout xmlns:a="http://schemas.openxmlformats.org/drawingml/2006/main" xmlns:r="http://schemas.openxmlformats.org/officeDocument/2006/relationships" xmlns:mc="http://schemas.openxmlformats.org/markup-compatibility/2006" xmlns:mv="urn:schemas-microsoft-com:mac:vml" xmlns:p="http://schemas.openxmlformats.org/presentationml/2006/main" xmlns:c="http://schemas.openxmlformats.org/drawingml/2006/chart" xmlns:dgm="http://schemas.openxmlformats.org/drawingml/2006/diagram" xmlns:o="urn:schemas-microsoft-com:office:office" xmlns:v="urn:schemas-microsoft-com:vml" xmlns:pvml="urn:schemas-microsoft-com:office:powerpoint" xmlns:com="http://schemas.openxmlformats.org/drawingml/2006/compatibility" xmlns:p14="http://schemas.microsoft.com/office/powerpoint/2010/main" xmlns:p15="http://schemas.microsoft.com/office/powerpoint/2012/main" xmlns:ahyp="http://schemas.microsoft.com/office/drawing/2018/hyperlinkcolor" matchingName="One column text">
+<p:sldLayout xmlns:a="http://schemas.openxmlformats.org/drawingml/2006/main" xmlns:r="http://schemas.openxmlformats.org/officeDocument/2006/relationships" xmlns:p="http://schemas.openxmlformats.org/presentationml/2006/main" matchingName="One column text">
   <p:cSld name="ONE_COLUMN_TEXT">
     <p:spTree>
       <p:nvGrpSpPr>
-        <p:cNvPr id="34" name="Shape 34"/>
+        <p:cNvPr id="1" name="Shape 34"/>
         <p:cNvGrpSpPr/>
         <p:nvPr/>
       </p:nvGrpSpPr>
@@ -6693,21 +7005,23 @@
             <a:avLst/>
           </a:prstGeom>
           <a:noFill/>
-          <a:ln cap="flat" cmpd="sng" w="38100">
+          <a:ln w="38100" cap="flat" cmpd="sng">
             <a:solidFill>
               <a:schemeClr val="accent4"/>
             </a:solidFill>
             <a:prstDash val="solid"/>
             <a:round/>
-            <a:headEnd len="sm" w="sm" type="none"/>
-            <a:tailEnd len="sm" w="sm" type="none"/>
+            <a:headEnd type="none" w="sm" len="sm"/>
+            <a:tailEnd type="none" w="sm" len="sm"/>
           </a:ln>
         </p:spPr>
       </p:cxnSp>
       <p:sp>
         <p:nvSpPr>
           <p:cNvPr id="36" name="Google Shape;36;p7"/>
-          <p:cNvSpPr txBox="1"/>
+          <p:cNvSpPr txBox="1">
+            <a:spLocks noGrp="1"/>
+          </p:cNvSpPr>
           <p:nvPr>
             <p:ph type="title"/>
           </p:nvPr>
@@ -6722,7 +7036,7 @@
           </a:prstGeom>
         </p:spPr>
         <p:txBody>
-          <a:bodyPr anchorCtr="0" anchor="b" bIns="91425" lIns="91425" spcFirstLastPara="1" rIns="91425" wrap="square" tIns="91425">
+          <a:bodyPr spcFirstLastPara="1" wrap="square" lIns="91425" tIns="91425" rIns="91425" bIns="91425" anchor="b" anchorCtr="0">
             <a:normAutofit/>
           </a:bodyPr>
           <a:lstStyle>
@@ -6826,15 +7140,19 @@
               <a:defRPr sz="2400"/>
             </a:lvl9pPr>
           </a:lstStyle>
-          <a:p/>
+          <a:p>
+            <a:endParaRPr/>
+          </a:p>
         </p:txBody>
       </p:sp>
       <p:sp>
         <p:nvSpPr>
           <p:cNvPr id="37" name="Google Shape;37;p7"/>
-          <p:cNvSpPr txBox="1"/>
+          <p:cNvSpPr txBox="1">
+            <a:spLocks noGrp="1"/>
+          </p:cNvSpPr>
           <p:nvPr>
-            <p:ph idx="1" type="body"/>
+            <p:ph type="body" idx="1"/>
           </p:nvPr>
         </p:nvSpPr>
         <p:spPr>
@@ -6847,11 +7165,11 @@
           </a:prstGeom>
         </p:spPr>
         <p:txBody>
-          <a:bodyPr anchorCtr="0" anchor="t" bIns="91425" lIns="91425" spcFirstLastPara="1" rIns="91425" wrap="square" tIns="91425">
+          <a:bodyPr spcFirstLastPara="1" wrap="square" lIns="91425" tIns="91425" rIns="91425" bIns="91425" anchor="t" anchorCtr="0">
             <a:normAutofit/>
           </a:bodyPr>
           <a:lstStyle>
-            <a:lvl1pPr indent="-304800" lvl="0" marL="457200">
+            <a:lvl1pPr marL="457200" lvl="0" indent="-304800">
               <a:spcBef>
                 <a:spcPts val="0"/>
               </a:spcBef>
@@ -6862,7 +7180,7 @@
               <a:buChar char="●"/>
               <a:defRPr sz="1200"/>
             </a:lvl1pPr>
-            <a:lvl2pPr indent="-304800" lvl="1" marL="914400">
+            <a:lvl2pPr marL="914400" lvl="1" indent="-304800">
               <a:spcBef>
                 <a:spcPts val="0"/>
               </a:spcBef>
@@ -6873,7 +7191,7 @@
               <a:buChar char="○"/>
               <a:defRPr sz="1200"/>
             </a:lvl2pPr>
-            <a:lvl3pPr indent="-304800" lvl="2" marL="1371600">
+            <a:lvl3pPr marL="1371600" lvl="2" indent="-304800">
               <a:spcBef>
                 <a:spcPts val="0"/>
               </a:spcBef>
@@ -6884,7 +7202,7 @@
               <a:buChar char="■"/>
               <a:defRPr sz="1200"/>
             </a:lvl3pPr>
-            <a:lvl4pPr indent="-304800" lvl="3" marL="1828800">
+            <a:lvl4pPr marL="1828800" lvl="3" indent="-304800">
               <a:spcBef>
                 <a:spcPts val="0"/>
               </a:spcBef>
@@ -6895,7 +7213,7 @@
               <a:buChar char="●"/>
               <a:defRPr sz="1200"/>
             </a:lvl4pPr>
-            <a:lvl5pPr indent="-304800" lvl="4" marL="2286000">
+            <a:lvl5pPr marL="2286000" lvl="4" indent="-304800">
               <a:spcBef>
                 <a:spcPts val="0"/>
               </a:spcBef>
@@ -6906,7 +7224,7 @@
               <a:buChar char="○"/>
               <a:defRPr sz="1200"/>
             </a:lvl5pPr>
-            <a:lvl6pPr indent="-304800" lvl="5" marL="2743200">
+            <a:lvl6pPr marL="2743200" lvl="5" indent="-304800">
               <a:spcBef>
                 <a:spcPts val="0"/>
               </a:spcBef>
@@ -6917,7 +7235,7 @@
               <a:buChar char="■"/>
               <a:defRPr sz="1200"/>
             </a:lvl6pPr>
-            <a:lvl7pPr indent="-304800" lvl="6" marL="3200400">
+            <a:lvl7pPr marL="3200400" lvl="6" indent="-304800">
               <a:spcBef>
                 <a:spcPts val="0"/>
               </a:spcBef>
@@ -6928,7 +7246,7 @@
               <a:buChar char="●"/>
               <a:defRPr sz="1200"/>
             </a:lvl7pPr>
-            <a:lvl8pPr indent="-304800" lvl="7" marL="3657600">
+            <a:lvl8pPr marL="3657600" lvl="7" indent="-304800">
               <a:spcBef>
                 <a:spcPts val="0"/>
               </a:spcBef>
@@ -6939,7 +7257,7 @@
               <a:buChar char="○"/>
               <a:defRPr sz="1200"/>
             </a:lvl8pPr>
-            <a:lvl9pPr indent="-304800" lvl="8" marL="4114800">
+            <a:lvl9pPr marL="4114800" lvl="8" indent="-304800">
               <a:spcBef>
                 <a:spcPts val="0"/>
               </a:spcBef>
@@ -6951,15 +7269,19 @@
               <a:defRPr sz="1200"/>
             </a:lvl9pPr>
           </a:lstStyle>
-          <a:p/>
+          <a:p>
+            <a:endParaRPr/>
+          </a:p>
         </p:txBody>
       </p:sp>
       <p:sp>
         <p:nvSpPr>
           <p:cNvPr id="38" name="Google Shape;38;p7"/>
-          <p:cNvSpPr txBox="1"/>
+          <p:cNvSpPr txBox="1">
+            <a:spLocks noGrp="1"/>
+          </p:cNvSpPr>
           <p:nvPr>
-            <p:ph idx="12" type="sldNum"/>
+            <p:ph type="sldNum" idx="12"/>
           </p:nvPr>
         </p:nvSpPr>
         <p:spPr>
@@ -6972,7 +7294,7 @@
           </a:prstGeom>
         </p:spPr>
         <p:txBody>
-          <a:bodyPr anchorCtr="0" anchor="ctr" bIns="91425" lIns="91425" spcFirstLastPara="1" rIns="91425" wrap="square" tIns="91425">
+          <a:bodyPr spcFirstLastPara="1" wrap="square" lIns="91425" tIns="91425" rIns="91425" bIns="91425" anchor="ctr" anchorCtr="0">
             <a:normAutofit/>
           </a:bodyPr>
           <a:lstStyle>
@@ -7014,7 +7336,7 @@
             </a:lvl9pPr>
           </a:lstStyle>
           <a:p>
-            <a:pPr indent="0" lvl="0" marL="0" rtl="0" algn="r">
+            <a:pPr marL="0" lvl="0" indent="0" algn="r" rtl="0">
               <a:spcBef>
                 <a:spcPts val="0"/>
               </a:spcBef>
@@ -7040,11 +7362,11 @@
 </file>
 
 <file path=ppt/slideLayouts/slideLayout7.xml><?xml version="1.0" encoding="utf-8"?>
-<p:sldLayout xmlns:a="http://schemas.openxmlformats.org/drawingml/2006/main" xmlns:r="http://schemas.openxmlformats.org/officeDocument/2006/relationships" xmlns:mc="http://schemas.openxmlformats.org/markup-compatibility/2006" xmlns:mv="urn:schemas-microsoft-com:mac:vml" xmlns:p="http://schemas.openxmlformats.org/presentationml/2006/main" xmlns:c="http://schemas.openxmlformats.org/drawingml/2006/chart" xmlns:dgm="http://schemas.openxmlformats.org/drawingml/2006/diagram" xmlns:o="urn:schemas-microsoft-com:office:office" xmlns:v="urn:schemas-microsoft-com:vml" xmlns:pvml="urn:schemas-microsoft-com:office:powerpoint" xmlns:com="http://schemas.openxmlformats.org/drawingml/2006/compatibility" xmlns:p14="http://schemas.microsoft.com/office/powerpoint/2010/main" xmlns:p15="http://schemas.microsoft.com/office/powerpoint/2012/main" xmlns:ahyp="http://schemas.microsoft.com/office/drawing/2018/hyperlinkcolor" matchingName="Main point">
+<p:sldLayout xmlns:a="http://schemas.openxmlformats.org/drawingml/2006/main" xmlns:r="http://schemas.openxmlformats.org/officeDocument/2006/relationships" xmlns:p="http://schemas.openxmlformats.org/presentationml/2006/main" matchingName="Main point">
   <p:cSld name="MAIN_POINT">
     <p:spTree>
       <p:nvGrpSpPr>
-        <p:cNvPr id="39" name="Shape 39"/>
+        <p:cNvPr id="1" name="Shape 39"/>
         <p:cNvGrpSpPr/>
         <p:nvPr/>
       </p:nvGrpSpPr>
@@ -7059,7 +7381,9 @@
       <p:sp>
         <p:nvSpPr>
           <p:cNvPr id="40" name="Google Shape;40;p8"/>
-          <p:cNvSpPr txBox="1"/>
+          <p:cNvSpPr txBox="1">
+            <a:spLocks noGrp="1"/>
+          </p:cNvSpPr>
           <p:nvPr>
             <p:ph type="title"/>
           </p:nvPr>
@@ -7074,7 +7398,7 @@
           </a:prstGeom>
         </p:spPr>
         <p:txBody>
-          <a:bodyPr anchorCtr="0" anchor="ctr" bIns="91425" lIns="91425" spcFirstLastPara="1" rIns="91425" wrap="square" tIns="91425">
+          <a:bodyPr spcFirstLastPara="1" wrap="square" lIns="91425" tIns="91425" rIns="91425" bIns="91425" anchor="ctr" anchorCtr="0">
             <a:normAutofit/>
           </a:bodyPr>
           <a:lstStyle>
@@ -7178,15 +7502,19 @@
               <a:defRPr sz="4800"/>
             </a:lvl9pPr>
           </a:lstStyle>
-          <a:p/>
+          <a:p>
+            <a:endParaRPr/>
+          </a:p>
         </p:txBody>
       </p:sp>
       <p:sp>
         <p:nvSpPr>
           <p:cNvPr id="41" name="Google Shape;41;p8"/>
-          <p:cNvSpPr txBox="1"/>
+          <p:cNvSpPr txBox="1">
+            <a:spLocks noGrp="1"/>
+          </p:cNvSpPr>
           <p:nvPr>
-            <p:ph idx="12" type="sldNum"/>
+            <p:ph type="sldNum" idx="12"/>
           </p:nvPr>
         </p:nvSpPr>
         <p:spPr>
@@ -7199,7 +7527,7 @@
           </a:prstGeom>
         </p:spPr>
         <p:txBody>
-          <a:bodyPr anchorCtr="0" anchor="ctr" bIns="91425" lIns="91425" spcFirstLastPara="1" rIns="91425" wrap="square" tIns="91425">
+          <a:bodyPr spcFirstLastPara="1" wrap="square" lIns="91425" tIns="91425" rIns="91425" bIns="91425" anchor="ctr" anchorCtr="0">
             <a:normAutofit/>
           </a:bodyPr>
           <a:lstStyle>
@@ -7241,7 +7569,7 @@
             </a:lvl9pPr>
           </a:lstStyle>
           <a:p>
-            <a:pPr indent="0" lvl="0" marL="0" rtl="0" algn="r">
+            <a:pPr marL="0" lvl="0" indent="0" algn="r" rtl="0">
               <a:spcBef>
                 <a:spcPts val="0"/>
               </a:spcBef>
@@ -7267,11 +7595,11 @@
 </file>
 
 <file path=ppt/slideLayouts/slideLayout8.xml><?xml version="1.0" encoding="utf-8"?>
-<p:sldLayout xmlns:a="http://schemas.openxmlformats.org/drawingml/2006/main" xmlns:r="http://schemas.openxmlformats.org/officeDocument/2006/relationships" xmlns:mc="http://schemas.openxmlformats.org/markup-compatibility/2006" xmlns:mv="urn:schemas-microsoft-com:mac:vml" xmlns:p="http://schemas.openxmlformats.org/presentationml/2006/main" xmlns:c="http://schemas.openxmlformats.org/drawingml/2006/chart" xmlns:dgm="http://schemas.openxmlformats.org/drawingml/2006/diagram" xmlns:o="urn:schemas-microsoft-com:office:office" xmlns:v="urn:schemas-microsoft-com:vml" xmlns:pvml="urn:schemas-microsoft-com:office:powerpoint" xmlns:com="http://schemas.openxmlformats.org/drawingml/2006/compatibility" xmlns:p14="http://schemas.microsoft.com/office/powerpoint/2010/main" xmlns:p15="http://schemas.microsoft.com/office/powerpoint/2012/main" xmlns:ahyp="http://schemas.microsoft.com/office/drawing/2018/hyperlinkcolor" matchingName="Section title and description">
+<p:sldLayout xmlns:a="http://schemas.openxmlformats.org/drawingml/2006/main" xmlns:r="http://schemas.openxmlformats.org/officeDocument/2006/relationships" xmlns:p="http://schemas.openxmlformats.org/presentationml/2006/main" matchingName="Section title and description">
   <p:cSld name="SECTION_TITLE_AND_DESCRIPTION">
     <p:spTree>
       <p:nvGrpSpPr>
-        <p:cNvPr id="42" name="Shape 42"/>
+        <p:cNvPr id="1" name="Shape 42"/>
         <p:cNvGrpSpPr/>
         <p:nvPr/>
       </p:nvGrpSpPr>
@@ -7305,23 +7633,20 @@
           </a:ln>
         </p:spPr>
         <p:txBody>
-          <a:bodyPr anchorCtr="0" anchor="ctr" bIns="91425" lIns="91425" spcFirstLastPara="1" rIns="91425" wrap="square" tIns="91425">
+          <a:bodyPr spcFirstLastPara="1" wrap="square" lIns="91425" tIns="91425" rIns="91425" bIns="91425" anchor="ctr" anchorCtr="0">
             <a:noAutofit/>
           </a:bodyPr>
           <a:lstStyle/>
           <a:p>
-            <a:pPr indent="0" lvl="0" marL="0" rtl="0" algn="l">
-              <a:spcBef>
-                <a:spcPts val="0"/>
-              </a:spcBef>
-              <a:spcAft>
-                <a:spcPts val="0"/>
-              </a:spcAft>
-              <a:buNone/>
-            </a:pPr>
-            <a:r>
-              <a:t/>
-            </a:r>
+            <a:pPr marL="0" lvl="0" indent="0" algn="l" rtl="0">
+              <a:spcBef>
+                <a:spcPts val="0"/>
+              </a:spcBef>
+              <a:spcAft>
+                <a:spcPts val="0"/>
+              </a:spcAft>
+              <a:buNone/>
+            </a:pPr>
             <a:endParaRPr/>
           </a:p>
         </p:txBody>
@@ -7341,21 +7666,23 @@
             <a:avLst/>
           </a:prstGeom>
           <a:noFill/>
-          <a:ln cap="flat" cmpd="sng" w="38100">
+          <a:ln w="38100" cap="flat" cmpd="sng">
             <a:solidFill>
               <a:schemeClr val="accent5"/>
             </a:solidFill>
             <a:prstDash val="solid"/>
             <a:round/>
-            <a:headEnd len="sm" w="sm" type="none"/>
-            <a:tailEnd len="sm" w="sm" type="none"/>
+            <a:headEnd type="none" w="sm" len="sm"/>
+            <a:tailEnd type="none" w="sm" len="sm"/>
           </a:ln>
         </p:spPr>
       </p:cxnSp>
       <p:sp>
         <p:nvSpPr>
           <p:cNvPr id="45" name="Google Shape;45;p9"/>
-          <p:cNvSpPr txBox="1"/>
+          <p:cNvSpPr txBox="1">
+            <a:spLocks noGrp="1"/>
+          </p:cNvSpPr>
           <p:nvPr>
             <p:ph type="title"/>
           </p:nvPr>
@@ -7370,7 +7697,7 @@
           </a:prstGeom>
         </p:spPr>
         <p:txBody>
-          <a:bodyPr anchorCtr="0" anchor="b" bIns="91425" lIns="91425" spcFirstLastPara="1" rIns="91425" wrap="square" tIns="91425">
+          <a:bodyPr spcFirstLastPara="1" wrap="square" lIns="91425" tIns="91425" rIns="91425" bIns="91425" anchor="b" anchorCtr="0">
             <a:normAutofit/>
           </a:bodyPr>
           <a:lstStyle>
@@ -7474,15 +7801,19 @@
               <a:defRPr sz="3800"/>
             </a:lvl9pPr>
           </a:lstStyle>
-          <a:p/>
+          <a:p>
+            <a:endParaRPr/>
+          </a:p>
         </p:txBody>
       </p:sp>
       <p:sp>
         <p:nvSpPr>
           <p:cNvPr id="46" name="Google Shape;46;p9"/>
-          <p:cNvSpPr txBox="1"/>
+          <p:cNvSpPr txBox="1">
+            <a:spLocks noGrp="1"/>
+          </p:cNvSpPr>
           <p:nvPr>
-            <p:ph idx="1" type="subTitle"/>
+            <p:ph type="subTitle" idx="1"/>
           </p:nvPr>
         </p:nvSpPr>
         <p:spPr>
@@ -7495,7 +7826,7 @@
           </a:prstGeom>
         </p:spPr>
         <p:txBody>
-          <a:bodyPr anchorCtr="0" anchor="t" bIns="91425" lIns="91425" spcFirstLastPara="1" rIns="91425" wrap="square" tIns="91425">
+          <a:bodyPr spcFirstLastPara="1" wrap="square" lIns="91425" tIns="91425" rIns="91425" bIns="91425" anchor="t" anchorCtr="0">
             <a:normAutofit/>
           </a:bodyPr>
           <a:lstStyle>
@@ -7689,15 +8020,19 @@
               </a:defRPr>
             </a:lvl9pPr>
           </a:lstStyle>
-          <a:p/>
+          <a:p>
+            <a:endParaRPr/>
+          </a:p>
         </p:txBody>
       </p:sp>
       <p:sp>
         <p:nvSpPr>
           <p:cNvPr id="47" name="Google Shape;47;p9"/>
-          <p:cNvSpPr txBox="1"/>
+          <p:cNvSpPr txBox="1">
+            <a:spLocks noGrp="1"/>
+          </p:cNvSpPr>
           <p:nvPr>
-            <p:ph idx="2" type="body"/>
+            <p:ph type="body" idx="2"/>
           </p:nvPr>
         </p:nvSpPr>
         <p:spPr>
@@ -7710,11 +8045,11 @@
           </a:prstGeom>
         </p:spPr>
         <p:txBody>
-          <a:bodyPr anchorCtr="0" anchor="ctr" bIns="91425" lIns="91425" spcFirstLastPara="1" rIns="91425" wrap="square" tIns="91425">
+          <a:bodyPr spcFirstLastPara="1" wrap="square" lIns="91425" tIns="91425" rIns="91425" bIns="91425" anchor="ctr" anchorCtr="0">
             <a:normAutofit/>
           </a:bodyPr>
           <a:lstStyle>
-            <a:lvl1pPr indent="-342900" lvl="0" marL="457200">
+            <a:lvl1pPr marL="457200" lvl="0" indent="-342900">
               <a:spcBef>
                 <a:spcPts val="0"/>
               </a:spcBef>
@@ -7725,7 +8060,7 @@
               <a:buChar char="●"/>
               <a:defRPr/>
             </a:lvl1pPr>
-            <a:lvl2pPr indent="-317500" lvl="1" marL="914400">
+            <a:lvl2pPr marL="914400" lvl="1" indent="-317500">
               <a:spcBef>
                 <a:spcPts val="0"/>
               </a:spcBef>
@@ -7736,7 +8071,7 @@
               <a:buChar char="○"/>
               <a:defRPr/>
             </a:lvl2pPr>
-            <a:lvl3pPr indent="-317500" lvl="2" marL="1371600">
+            <a:lvl3pPr marL="1371600" lvl="2" indent="-317500">
               <a:spcBef>
                 <a:spcPts val="0"/>
               </a:spcBef>
@@ -7747,7 +8082,7 @@
               <a:buChar char="■"/>
               <a:defRPr/>
             </a:lvl3pPr>
-            <a:lvl4pPr indent="-317500" lvl="3" marL="1828800">
+            <a:lvl4pPr marL="1828800" lvl="3" indent="-317500">
               <a:spcBef>
                 <a:spcPts val="0"/>
               </a:spcBef>
@@ -7758,7 +8093,7 @@
               <a:buChar char="●"/>
               <a:defRPr/>
             </a:lvl4pPr>
-            <a:lvl5pPr indent="-317500" lvl="4" marL="2286000">
+            <a:lvl5pPr marL="2286000" lvl="4" indent="-317500">
               <a:spcBef>
                 <a:spcPts val="0"/>
               </a:spcBef>
@@ -7769,7 +8104,7 @@
               <a:buChar char="○"/>
               <a:defRPr/>
             </a:lvl5pPr>
-            <a:lvl6pPr indent="-317500" lvl="5" marL="2743200">
+            <a:lvl6pPr marL="2743200" lvl="5" indent="-317500">
               <a:spcBef>
                 <a:spcPts val="0"/>
               </a:spcBef>
@@ -7780,7 +8115,7 @@
               <a:buChar char="■"/>
               <a:defRPr/>
             </a:lvl6pPr>
-            <a:lvl7pPr indent="-317500" lvl="6" marL="3200400">
+            <a:lvl7pPr marL="3200400" lvl="6" indent="-317500">
               <a:spcBef>
                 <a:spcPts val="0"/>
               </a:spcBef>
@@ -7791,7 +8126,7 @@
               <a:buChar char="●"/>
               <a:defRPr/>
             </a:lvl7pPr>
-            <a:lvl8pPr indent="-317500" lvl="7" marL="3657600">
+            <a:lvl8pPr marL="3657600" lvl="7" indent="-317500">
               <a:spcBef>
                 <a:spcPts val="0"/>
               </a:spcBef>
@@ -7802,7 +8137,7 @@
               <a:buChar char="○"/>
               <a:defRPr/>
             </a:lvl8pPr>
-            <a:lvl9pPr indent="-317500" lvl="8" marL="4114800">
+            <a:lvl9pPr marL="4114800" lvl="8" indent="-317500">
               <a:spcBef>
                 <a:spcPts val="0"/>
               </a:spcBef>
@@ -7814,15 +8149,19 @@
               <a:defRPr/>
             </a:lvl9pPr>
           </a:lstStyle>
-          <a:p/>
+          <a:p>
+            <a:endParaRPr/>
+          </a:p>
         </p:txBody>
       </p:sp>
       <p:sp>
         <p:nvSpPr>
           <p:cNvPr id="48" name="Google Shape;48;p9"/>
-          <p:cNvSpPr txBox="1"/>
+          <p:cNvSpPr txBox="1">
+            <a:spLocks noGrp="1"/>
+          </p:cNvSpPr>
           <p:nvPr>
-            <p:ph idx="12" type="sldNum"/>
+            <p:ph type="sldNum" idx="12"/>
           </p:nvPr>
         </p:nvSpPr>
         <p:spPr>
@@ -7835,7 +8174,7 @@
           </a:prstGeom>
         </p:spPr>
         <p:txBody>
-          <a:bodyPr anchorCtr="0" anchor="ctr" bIns="91425" lIns="91425" spcFirstLastPara="1" rIns="91425" wrap="square" tIns="91425">
+          <a:bodyPr spcFirstLastPara="1" wrap="square" lIns="91425" tIns="91425" rIns="91425" bIns="91425" anchor="ctr" anchorCtr="0">
             <a:normAutofit/>
           </a:bodyPr>
           <a:lstStyle>
@@ -7877,7 +8216,7 @@
             </a:lvl9pPr>
           </a:lstStyle>
           <a:p>
-            <a:pPr indent="0" lvl="0" marL="0" rtl="0" algn="r">
+            <a:pPr marL="0" lvl="0" indent="0" algn="r" rtl="0">
               <a:spcBef>
                 <a:spcPts val="0"/>
               </a:spcBef>
@@ -7903,11 +8242,11 @@
 </file>
 
 <file path=ppt/slideLayouts/slideLayout9.xml><?xml version="1.0" encoding="utf-8"?>
-<p:sldLayout xmlns:a="http://schemas.openxmlformats.org/drawingml/2006/main" xmlns:r="http://schemas.openxmlformats.org/officeDocument/2006/relationships" xmlns:mc="http://schemas.openxmlformats.org/markup-compatibility/2006" xmlns:mv="urn:schemas-microsoft-com:mac:vml" xmlns:p="http://schemas.openxmlformats.org/presentationml/2006/main" xmlns:c="http://schemas.openxmlformats.org/drawingml/2006/chart" xmlns:dgm="http://schemas.openxmlformats.org/drawingml/2006/diagram" xmlns:o="urn:schemas-microsoft-com:office:office" xmlns:v="urn:schemas-microsoft-com:vml" xmlns:pvml="urn:schemas-microsoft-com:office:powerpoint" xmlns:com="http://schemas.openxmlformats.org/drawingml/2006/compatibility" xmlns:p14="http://schemas.microsoft.com/office/powerpoint/2010/main" xmlns:p15="http://schemas.microsoft.com/office/powerpoint/2012/main" xmlns:ahyp="http://schemas.microsoft.com/office/drawing/2018/hyperlinkcolor" matchingName="Caption">
+<p:sldLayout xmlns:a="http://schemas.openxmlformats.org/drawingml/2006/main" xmlns:r="http://schemas.openxmlformats.org/officeDocument/2006/relationships" xmlns:p="http://schemas.openxmlformats.org/presentationml/2006/main" matchingName="Caption">
   <p:cSld name="CAPTION_ONLY">
     <p:spTree>
       <p:nvGrpSpPr>
-        <p:cNvPr id="49" name="Shape 49"/>
+        <p:cNvPr id="1" name="Shape 49"/>
         <p:cNvGrpSpPr/>
         <p:nvPr/>
       </p:nvGrpSpPr>
@@ -7922,9 +8261,11 @@
       <p:sp>
         <p:nvSpPr>
           <p:cNvPr id="50" name="Google Shape;50;p10"/>
-          <p:cNvSpPr txBox="1"/>
+          <p:cNvSpPr txBox="1">
+            <a:spLocks noGrp="1"/>
+          </p:cNvSpPr>
           <p:nvPr>
-            <p:ph idx="1" type="body"/>
+            <p:ph type="body" idx="1"/>
           </p:nvPr>
         </p:nvSpPr>
         <p:spPr>
@@ -7937,11 +8278,11 @@
           </a:prstGeom>
         </p:spPr>
         <p:txBody>
-          <a:bodyPr anchorCtr="0" anchor="ctr" bIns="91425" lIns="91425" spcFirstLastPara="1" rIns="91425" wrap="square" tIns="91425">
+          <a:bodyPr spcFirstLastPara="1" wrap="square" lIns="91425" tIns="91425" rIns="91425" bIns="91425" anchor="ctr" anchorCtr="0">
             <a:normAutofit/>
           </a:bodyPr>
           <a:lstStyle>
-            <a:lvl1pPr indent="-228600" lvl="0" marL="457200">
+            <a:lvl1pPr marL="457200" lvl="0" indent="-228600">
               <a:lnSpc>
                 <a:spcPct val="100000"/>
               </a:lnSpc>
@@ -7962,15 +8303,19 @@
               </a:defRPr>
             </a:lvl1pPr>
           </a:lstStyle>
-          <a:p/>
+          <a:p>
+            <a:endParaRPr/>
+          </a:p>
         </p:txBody>
       </p:sp>
       <p:sp>
         <p:nvSpPr>
           <p:cNvPr id="51" name="Google Shape;51;p10"/>
-          <p:cNvSpPr txBox="1"/>
+          <p:cNvSpPr txBox="1">
+            <a:spLocks noGrp="1"/>
+          </p:cNvSpPr>
           <p:nvPr>
-            <p:ph idx="12" type="sldNum"/>
+            <p:ph type="sldNum" idx="12"/>
           </p:nvPr>
         </p:nvSpPr>
         <p:spPr>
@@ -7983,7 +8328,7 @@
           </a:prstGeom>
         </p:spPr>
         <p:txBody>
-          <a:bodyPr anchorCtr="0" anchor="ctr" bIns="91425" lIns="91425" spcFirstLastPara="1" rIns="91425" wrap="square" tIns="91425">
+          <a:bodyPr spcFirstLastPara="1" wrap="square" lIns="91425" tIns="91425" rIns="91425" bIns="91425" anchor="ctr" anchorCtr="0">
             <a:normAutofit/>
           </a:bodyPr>
           <a:lstStyle>
@@ -8025,7 +8370,7 @@
             </a:lvl9pPr>
           </a:lstStyle>
           <a:p>
-            <a:pPr indent="0" lvl="0" marL="0" rtl="0" algn="r">
+            <a:pPr marL="0" lvl="0" indent="0" algn="r" rtl="0">
               <a:spcBef>
                 <a:spcPts val="0"/>
               </a:spcBef>
@@ -8051,18 +8396,19 @@
 </file>
 
 <file path=ppt/slideMasters/slideMaster1.xml><?xml version="1.0" encoding="utf-8"?>
-<p:sldMaster xmlns:a="http://schemas.openxmlformats.org/drawingml/2006/main" xmlns:r="http://schemas.openxmlformats.org/officeDocument/2006/relationships" xmlns:mc="http://schemas.openxmlformats.org/markup-compatibility/2006" xmlns:mv="urn:schemas-microsoft-com:mac:vml" xmlns:p="http://schemas.openxmlformats.org/presentationml/2006/main" xmlns:c="http://schemas.openxmlformats.org/drawingml/2006/chart" xmlns:dgm="http://schemas.openxmlformats.org/drawingml/2006/diagram" xmlns:o="urn:schemas-microsoft-com:office:office" xmlns:v="urn:schemas-microsoft-com:vml" xmlns:pvml="urn:schemas-microsoft-com:office:powerpoint" xmlns:com="http://schemas.openxmlformats.org/drawingml/2006/compatibility" xmlns:p14="http://schemas.microsoft.com/office/powerpoint/2010/main" xmlns:p15="http://schemas.microsoft.com/office/powerpoint/2012/main" xmlns:ahyp="http://schemas.microsoft.com/office/drawing/2018/hyperlinkcolor">
+<p:sldMaster xmlns:a="http://schemas.openxmlformats.org/drawingml/2006/main" xmlns:r="http://schemas.openxmlformats.org/officeDocument/2006/relationships" xmlns:p="http://schemas.openxmlformats.org/presentationml/2006/main">
   <p:cSld name="marina">
     <p:bg>
       <p:bgPr>
         <a:solidFill>
           <a:schemeClr val="lt1"/>
         </a:solidFill>
+        <a:effectLst/>
       </p:bgPr>
     </p:bg>
     <p:spTree>
       <p:nvGrpSpPr>
-        <p:cNvPr id="5" name="Shape 5"/>
+        <p:cNvPr id="1" name="Shape 5"/>
         <p:cNvGrpSpPr/>
         <p:nvPr/>
       </p:nvGrpSpPr>
@@ -8077,7 +8423,9 @@
       <p:sp>
         <p:nvSpPr>
           <p:cNvPr id="6" name="Google Shape;6;p1"/>
-          <p:cNvSpPr txBox="1"/>
+          <p:cNvSpPr txBox="1">
+            <a:spLocks noGrp="1"/>
+          </p:cNvSpPr>
           <p:nvPr>
             <p:ph type="title"/>
           </p:nvPr>
@@ -8096,7 +8444,7 @@
           </a:ln>
         </p:spPr>
         <p:txBody>
-          <a:bodyPr anchorCtr="0" anchor="b" bIns="91425" lIns="91425" spcFirstLastPara="1" rIns="91425" wrap="square" tIns="91425">
+          <a:bodyPr spcFirstLastPara="1" wrap="square" lIns="91425" tIns="91425" rIns="91425" bIns="91425" anchor="b" anchorCtr="0">
             <a:normAutofit/>
           </a:bodyPr>
           <a:lstStyle>
@@ -8308,15 +8656,19 @@
               </a:defRPr>
             </a:lvl9pPr>
           </a:lstStyle>
-          <a:p/>
+          <a:p>
+            <a:endParaRPr/>
+          </a:p>
         </p:txBody>
       </p:sp>
       <p:sp>
         <p:nvSpPr>
           <p:cNvPr id="7" name="Google Shape;7;p1"/>
-          <p:cNvSpPr txBox="1"/>
+          <p:cNvSpPr txBox="1">
+            <a:spLocks noGrp="1"/>
+          </p:cNvSpPr>
           <p:nvPr>
-            <p:ph idx="1" type="body"/>
+            <p:ph type="body" idx="1"/>
           </p:nvPr>
         </p:nvSpPr>
         <p:spPr>
@@ -8333,11 +8685,11 @@
           </a:ln>
         </p:spPr>
         <p:txBody>
-          <a:bodyPr anchorCtr="0" anchor="t" bIns="91425" lIns="91425" spcFirstLastPara="1" rIns="91425" wrap="square" tIns="91425">
+          <a:bodyPr spcFirstLastPara="1" wrap="square" lIns="91425" tIns="91425" rIns="91425" bIns="91425" anchor="t" anchorCtr="0">
             <a:normAutofit/>
           </a:bodyPr>
           <a:lstStyle>
-            <a:lvl1pPr indent="-342900" lvl="0" marL="457200">
+            <a:lvl1pPr marL="457200" lvl="0" indent="-342900">
               <a:lnSpc>
                 <a:spcPct val="115000"/>
               </a:lnSpc>
@@ -8363,7 +8715,7 @@
                 <a:sym typeface="Roboto"/>
               </a:defRPr>
             </a:lvl1pPr>
-            <a:lvl2pPr indent="-317500" lvl="1" marL="914400">
+            <a:lvl2pPr marL="914400" lvl="1" indent="-317500">
               <a:lnSpc>
                 <a:spcPct val="115000"/>
               </a:lnSpc>
@@ -8389,7 +8741,7 @@
                 <a:sym typeface="Roboto"/>
               </a:defRPr>
             </a:lvl2pPr>
-            <a:lvl3pPr indent="-317500" lvl="2" marL="1371600">
+            <a:lvl3pPr marL="1371600" lvl="2" indent="-317500">
               <a:lnSpc>
                 <a:spcPct val="115000"/>
               </a:lnSpc>
@@ -8415,7 +8767,7 @@
                 <a:sym typeface="Roboto"/>
               </a:defRPr>
             </a:lvl3pPr>
-            <a:lvl4pPr indent="-317500" lvl="3" marL="1828800">
+            <a:lvl4pPr marL="1828800" lvl="3" indent="-317500">
               <a:lnSpc>
                 <a:spcPct val="115000"/>
               </a:lnSpc>
@@ -8441,7 +8793,7 @@
                 <a:sym typeface="Roboto"/>
               </a:defRPr>
             </a:lvl4pPr>
-            <a:lvl5pPr indent="-317500" lvl="4" marL="2286000">
+            <a:lvl5pPr marL="2286000" lvl="4" indent="-317500">
               <a:lnSpc>
                 <a:spcPct val="115000"/>
               </a:lnSpc>
@@ -8467,7 +8819,7 @@
                 <a:sym typeface="Roboto"/>
               </a:defRPr>
             </a:lvl5pPr>
-            <a:lvl6pPr indent="-317500" lvl="5" marL="2743200">
+            <a:lvl6pPr marL="2743200" lvl="5" indent="-317500">
               <a:lnSpc>
                 <a:spcPct val="115000"/>
               </a:lnSpc>
@@ -8493,7 +8845,7 @@
                 <a:sym typeface="Roboto"/>
               </a:defRPr>
             </a:lvl6pPr>
-            <a:lvl7pPr indent="-317500" lvl="6" marL="3200400">
+            <a:lvl7pPr marL="3200400" lvl="6" indent="-317500">
               <a:lnSpc>
                 <a:spcPct val="115000"/>
               </a:lnSpc>
@@ -8519,7 +8871,7 @@
                 <a:sym typeface="Roboto"/>
               </a:defRPr>
             </a:lvl7pPr>
-            <a:lvl8pPr indent="-317500" lvl="7" marL="3657600">
+            <a:lvl8pPr marL="3657600" lvl="7" indent="-317500">
               <a:lnSpc>
                 <a:spcPct val="115000"/>
               </a:lnSpc>
@@ -8545,7 +8897,7 @@
                 <a:sym typeface="Roboto"/>
               </a:defRPr>
             </a:lvl8pPr>
-            <a:lvl9pPr indent="-317500" lvl="8" marL="4114800">
+            <a:lvl9pPr marL="4114800" lvl="8" indent="-317500">
               <a:lnSpc>
                 <a:spcPct val="115000"/>
               </a:lnSpc>
@@ -8572,15 +8924,19 @@
               </a:defRPr>
             </a:lvl9pPr>
           </a:lstStyle>
-          <a:p/>
+          <a:p>
+            <a:endParaRPr/>
+          </a:p>
         </p:txBody>
       </p:sp>
       <p:sp>
         <p:nvSpPr>
           <p:cNvPr id="8" name="Google Shape;8;p1"/>
-          <p:cNvSpPr txBox="1"/>
+          <p:cNvSpPr txBox="1">
+            <a:spLocks noGrp="1"/>
+          </p:cNvSpPr>
           <p:nvPr>
-            <p:ph idx="12" type="sldNum"/>
+            <p:ph type="sldNum" idx="12"/>
           </p:nvPr>
         </p:nvSpPr>
         <p:spPr>
@@ -8597,7 +8953,7 @@
           </a:ln>
         </p:spPr>
         <p:txBody>
-          <a:bodyPr anchorCtr="0" anchor="ctr" bIns="91425" lIns="91425" spcFirstLastPara="1" rIns="91425" wrap="square" tIns="91425">
+          <a:bodyPr spcFirstLastPara="1" wrap="square" lIns="91425" tIns="91425" rIns="91425" bIns="91425" anchor="ctr" anchorCtr="0">
             <a:normAutofit/>
           </a:bodyPr>
           <a:lstStyle>
@@ -8711,7 +9067,7 @@
             </a:lvl9pPr>
           </a:lstStyle>
           <a:p>
-            <a:pPr indent="0" lvl="0" marL="0" rtl="0" algn="r">
+            <a:pPr marL="0" lvl="0" indent="0" algn="r" rtl="0">
               <a:spcBef>
                 <a:spcPts val="0"/>
               </a:spcBef>
@@ -8730,7 +9086,7 @@
       </p:sp>
     </p:spTree>
   </p:cSld>
-  <p:clrMap accent1="accent1" accent2="accent2" accent3="accent3" accent4="accent4" accent5="accent5" accent6="accent6" bg1="lt1" bg2="dk2" tx1="dk1" tx2="lt2" folHlink="folHlink" hlink="hlink"/>
+  <p:clrMap bg1="lt1" tx1="dk1" bg2="dk2" tx2="lt2" accent1="accent1" accent2="accent2" accent3="accent3" accent4="accent4" accent5="accent5" accent6="accent6" hlink="hlink" folHlink="folHlink"/>
   <p:sldLayoutIdLst>
     <p:sldLayoutId id="2147483648" r:id="rId1"/>
     <p:sldLayoutId id="2147483649" r:id="rId2"/>
@@ -8744,10 +9100,10 @@
     <p:sldLayoutId id="2147483657" r:id="rId10"/>
     <p:sldLayoutId id="2147483658" r:id="rId11"/>
   </p:sldLayoutIdLst>
-  <p:hf dt="0" ftr="0" hdr="0"/>
+  <p:hf hdr="0" ftr="0" dt="0"/>
   <p:txStyles>
     <p:titleStyle>
-      <a:defPPr lvl="0" marR="0" rtl="0" algn="l">
+      <a:defPPr marR="0" lvl="0" algn="l" rtl="0">
         <a:lnSpc>
           <a:spcPct val="100000"/>
         </a:lnSpc>
@@ -8758,7 +9114,7 @@
           <a:spcPts val="0"/>
         </a:spcAft>
       </a:defPPr>
-      <a:lvl1pPr lvl="0" marR="0" rtl="0" algn="l">
+      <a:lvl1pPr marR="0" lvl="0" algn="l" rtl="0">
         <a:lnSpc>
           <a:spcPct val="100000"/>
         </a:lnSpc>
@@ -8772,7 +9128,7 @@
           <a:srgbClr val="000000"/>
         </a:buClr>
         <a:buFont typeface="Arial"/>
-        <a:defRPr b="0" i="0" sz="1400" u="none" cap="none" strike="noStrike">
+        <a:defRPr sz="1400" b="0" i="0" u="none" strike="noStrike" cap="none">
           <a:solidFill>
             <a:srgbClr val="000000"/>
           </a:solidFill>
@@ -8782,7 +9138,7 @@
           <a:sym typeface="Arial"/>
         </a:defRPr>
       </a:lvl1pPr>
-      <a:lvl2pPr lvl="1" marR="0" rtl="0" algn="l">
+      <a:lvl2pPr marR="0" lvl="1" algn="l" rtl="0">
         <a:lnSpc>
           <a:spcPct val="100000"/>
         </a:lnSpc>
@@ -8796,7 +9152,7 @@
           <a:srgbClr val="000000"/>
         </a:buClr>
         <a:buFont typeface="Arial"/>
-        <a:defRPr b="0" i="0" sz="1400" u="none" cap="none" strike="noStrike">
+        <a:defRPr sz="1400" b="0" i="0" u="none" strike="noStrike" cap="none">
           <a:solidFill>
             <a:srgbClr val="000000"/>
           </a:solidFill>
@@ -8806,7 +9162,7 @@
           <a:sym typeface="Arial"/>
         </a:defRPr>
       </a:lvl2pPr>
-      <a:lvl3pPr lvl="2" marR="0" rtl="0" algn="l">
+      <a:lvl3pPr marR="0" lvl="2" algn="l" rtl="0">
         <a:lnSpc>
           <a:spcPct val="100000"/>
         </a:lnSpc>
@@ -8820,7 +9176,7 @@
           <a:srgbClr val="000000"/>
         </a:buClr>
         <a:buFont typeface="Arial"/>
-        <a:defRPr b="0" i="0" sz="1400" u="none" cap="none" strike="noStrike">
+        <a:defRPr sz="1400" b="0" i="0" u="none" strike="noStrike" cap="none">
           <a:solidFill>
             <a:srgbClr val="000000"/>
           </a:solidFill>
@@ -8830,7 +9186,7 @@
           <a:sym typeface="Arial"/>
         </a:defRPr>
       </a:lvl3pPr>
-      <a:lvl4pPr lvl="3" marR="0" rtl="0" algn="l">
+      <a:lvl4pPr marR="0" lvl="3" algn="l" rtl="0">
         <a:lnSpc>
           <a:spcPct val="100000"/>
         </a:lnSpc>
@@ -8844,7 +9200,7 @@
           <a:srgbClr val="000000"/>
         </a:buClr>
         <a:buFont typeface="Arial"/>
-        <a:defRPr b="0" i="0" sz="1400" u="none" cap="none" strike="noStrike">
+        <a:defRPr sz="1400" b="0" i="0" u="none" strike="noStrike" cap="none">
           <a:solidFill>
             <a:srgbClr val="000000"/>
           </a:solidFill>
@@ -8854,7 +9210,7 @@
           <a:sym typeface="Arial"/>
         </a:defRPr>
       </a:lvl4pPr>
-      <a:lvl5pPr lvl="4" marR="0" rtl="0" algn="l">
+      <a:lvl5pPr marR="0" lvl="4" algn="l" rtl="0">
         <a:lnSpc>
           <a:spcPct val="100000"/>
         </a:lnSpc>
@@ -8868,7 +9224,7 @@
           <a:srgbClr val="000000"/>
         </a:buClr>
         <a:buFont typeface="Arial"/>
-        <a:defRPr b="0" i="0" sz="1400" u="none" cap="none" strike="noStrike">
+        <a:defRPr sz="1400" b="0" i="0" u="none" strike="noStrike" cap="none">
           <a:solidFill>
             <a:srgbClr val="000000"/>
           </a:solidFill>
@@ -8878,7 +9234,7 @@
           <a:sym typeface="Arial"/>
         </a:defRPr>
       </a:lvl5pPr>
-      <a:lvl6pPr lvl="5" marR="0" rtl="0" algn="l">
+      <a:lvl6pPr marR="0" lvl="5" algn="l" rtl="0">
         <a:lnSpc>
           <a:spcPct val="100000"/>
         </a:lnSpc>
@@ -8892,7 +9248,7 @@
           <a:srgbClr val="000000"/>
         </a:buClr>
         <a:buFont typeface="Arial"/>
-        <a:defRPr b="0" i="0" sz="1400" u="none" cap="none" strike="noStrike">
+        <a:defRPr sz="1400" b="0" i="0" u="none" strike="noStrike" cap="none">
           <a:solidFill>
             <a:srgbClr val="000000"/>
           </a:solidFill>
@@ -8902,7 +9258,7 @@
           <a:sym typeface="Arial"/>
         </a:defRPr>
       </a:lvl6pPr>
-      <a:lvl7pPr lvl="6" marR="0" rtl="0" algn="l">
+      <a:lvl7pPr marR="0" lvl="6" algn="l" rtl="0">
         <a:lnSpc>
           <a:spcPct val="100000"/>
         </a:lnSpc>
@@ -8916,7 +9272,7 @@
           <a:srgbClr val="000000"/>
         </a:buClr>
         <a:buFont typeface="Arial"/>
-        <a:defRPr b="0" i="0" sz="1400" u="none" cap="none" strike="noStrike">
+        <a:defRPr sz="1400" b="0" i="0" u="none" strike="noStrike" cap="none">
           <a:solidFill>
             <a:srgbClr val="000000"/>
           </a:solidFill>
@@ -8926,7 +9282,7 @@
           <a:sym typeface="Arial"/>
         </a:defRPr>
       </a:lvl7pPr>
-      <a:lvl8pPr lvl="7" marR="0" rtl="0" algn="l">
+      <a:lvl8pPr marR="0" lvl="7" algn="l" rtl="0">
         <a:lnSpc>
           <a:spcPct val="100000"/>
         </a:lnSpc>
@@ -8940,7 +9296,7 @@
           <a:srgbClr val="000000"/>
         </a:buClr>
         <a:buFont typeface="Arial"/>
-        <a:defRPr b="0" i="0" sz="1400" u="none" cap="none" strike="noStrike">
+        <a:defRPr sz="1400" b="0" i="0" u="none" strike="noStrike" cap="none">
           <a:solidFill>
             <a:srgbClr val="000000"/>
           </a:solidFill>
@@ -8950,7 +9306,7 @@
           <a:sym typeface="Arial"/>
         </a:defRPr>
       </a:lvl8pPr>
-      <a:lvl9pPr lvl="8" marR="0" rtl="0" algn="l">
+      <a:lvl9pPr marR="0" lvl="8" algn="l" rtl="0">
         <a:lnSpc>
           <a:spcPct val="100000"/>
         </a:lnSpc>
@@ -8964,7 +9320,7 @@
           <a:srgbClr val="000000"/>
         </a:buClr>
         <a:buFont typeface="Arial"/>
-        <a:defRPr b="0" i="0" sz="1400" u="none" cap="none" strike="noStrike">
+        <a:defRPr sz="1400" b="0" i="0" u="none" strike="noStrike" cap="none">
           <a:solidFill>
             <a:srgbClr val="000000"/>
           </a:solidFill>
@@ -8976,7 +9332,7 @@
       </a:lvl9pPr>
     </p:titleStyle>
     <p:bodyStyle>
-      <a:defPPr lvl="0" marR="0" rtl="0" algn="l">
+      <a:defPPr marR="0" lvl="0" algn="l" rtl="0">
         <a:lnSpc>
           <a:spcPct val="100000"/>
         </a:lnSpc>
@@ -8987,7 +9343,7 @@
           <a:spcPts val="0"/>
         </a:spcAft>
       </a:defPPr>
-      <a:lvl1pPr lvl="0" marR="0" rtl="0" algn="l">
+      <a:lvl1pPr marR="0" lvl="0" algn="l" rtl="0">
         <a:lnSpc>
           <a:spcPct val="100000"/>
         </a:lnSpc>
@@ -9001,7 +9357,7 @@
           <a:srgbClr val="000000"/>
         </a:buClr>
         <a:buFont typeface="Arial"/>
-        <a:defRPr b="0" i="0" sz="1400" u="none" cap="none" strike="noStrike">
+        <a:defRPr sz="1400" b="0" i="0" u="none" strike="noStrike" cap="none">
           <a:solidFill>
             <a:srgbClr val="000000"/>
           </a:solidFill>
@@ -9011,7 +9367,7 @@
           <a:sym typeface="Arial"/>
         </a:defRPr>
       </a:lvl1pPr>
-      <a:lvl2pPr lvl="1" marR="0" rtl="0" algn="l">
+      <a:lvl2pPr marR="0" lvl="1" algn="l" rtl="0">
         <a:lnSpc>
           <a:spcPct val="100000"/>
         </a:lnSpc>
@@ -9025,7 +9381,7 @@
           <a:srgbClr val="000000"/>
         </a:buClr>
         <a:buFont typeface="Arial"/>
-        <a:defRPr b="0" i="0" sz="1400" u="none" cap="none" strike="noStrike">
+        <a:defRPr sz="1400" b="0" i="0" u="none" strike="noStrike" cap="none">
           <a:solidFill>
             <a:srgbClr val="000000"/>
           </a:solidFill>
@@ -9035,7 +9391,7 @@
           <a:sym typeface="Arial"/>
         </a:defRPr>
       </a:lvl2pPr>
-      <a:lvl3pPr lvl="2" marR="0" rtl="0" algn="l">
+      <a:lvl3pPr marR="0" lvl="2" algn="l" rtl="0">
         <a:lnSpc>
           <a:spcPct val="100000"/>
         </a:lnSpc>
@@ -9049,7 +9405,7 @@
           <a:srgbClr val="000000"/>
         </a:buClr>
         <a:buFont typeface="Arial"/>
-        <a:defRPr b="0" i="0" sz="1400" u="none" cap="none" strike="noStrike">
+        <a:defRPr sz="1400" b="0" i="0" u="none" strike="noStrike" cap="none">
           <a:solidFill>
             <a:srgbClr val="000000"/>
           </a:solidFill>
@@ -9059,7 +9415,7 @@
           <a:sym typeface="Arial"/>
         </a:defRPr>
       </a:lvl3pPr>
-      <a:lvl4pPr lvl="3" marR="0" rtl="0" algn="l">
+      <a:lvl4pPr marR="0" lvl="3" algn="l" rtl="0">
         <a:lnSpc>
           <a:spcPct val="100000"/>
         </a:lnSpc>
@@ -9073,7 +9429,7 @@
           <a:srgbClr val="000000"/>
         </a:buClr>
         <a:buFont typeface="Arial"/>
-        <a:defRPr b="0" i="0" sz="1400" u="none" cap="none" strike="noStrike">
+        <a:defRPr sz="1400" b="0" i="0" u="none" strike="noStrike" cap="none">
           <a:solidFill>
             <a:srgbClr val="000000"/>
           </a:solidFill>
@@ -9083,7 +9439,7 @@
           <a:sym typeface="Arial"/>
         </a:defRPr>
       </a:lvl4pPr>
-      <a:lvl5pPr lvl="4" marR="0" rtl="0" algn="l">
+      <a:lvl5pPr marR="0" lvl="4" algn="l" rtl="0">
         <a:lnSpc>
           <a:spcPct val="100000"/>
         </a:lnSpc>
@@ -9097,7 +9453,7 @@
           <a:srgbClr val="000000"/>
         </a:buClr>
         <a:buFont typeface="Arial"/>
-        <a:defRPr b="0" i="0" sz="1400" u="none" cap="none" strike="noStrike">
+        <a:defRPr sz="1400" b="0" i="0" u="none" strike="noStrike" cap="none">
           <a:solidFill>
             <a:srgbClr val="000000"/>
           </a:solidFill>
@@ -9107,7 +9463,7 @@
           <a:sym typeface="Arial"/>
         </a:defRPr>
       </a:lvl5pPr>
-      <a:lvl6pPr lvl="5" marR="0" rtl="0" algn="l">
+      <a:lvl6pPr marR="0" lvl="5" algn="l" rtl="0">
         <a:lnSpc>
           <a:spcPct val="100000"/>
         </a:lnSpc>
@@ -9121,7 +9477,7 @@
           <a:srgbClr val="000000"/>
         </a:buClr>
         <a:buFont typeface="Arial"/>
-        <a:defRPr b="0" i="0" sz="1400" u="none" cap="none" strike="noStrike">
+        <a:defRPr sz="1400" b="0" i="0" u="none" strike="noStrike" cap="none">
           <a:solidFill>
             <a:srgbClr val="000000"/>
           </a:solidFill>
@@ -9131,7 +9487,7 @@
           <a:sym typeface="Arial"/>
         </a:defRPr>
       </a:lvl6pPr>
-      <a:lvl7pPr lvl="6" marR="0" rtl="0" algn="l">
+      <a:lvl7pPr marR="0" lvl="6" algn="l" rtl="0">
         <a:lnSpc>
           <a:spcPct val="100000"/>
         </a:lnSpc>
@@ -9145,7 +9501,7 @@
           <a:srgbClr val="000000"/>
         </a:buClr>
         <a:buFont typeface="Arial"/>
-        <a:defRPr b="0" i="0" sz="1400" u="none" cap="none" strike="noStrike">
+        <a:defRPr sz="1400" b="0" i="0" u="none" strike="noStrike" cap="none">
           <a:solidFill>
             <a:srgbClr val="000000"/>
           </a:solidFill>
@@ -9155,7 +9511,7 @@
           <a:sym typeface="Arial"/>
         </a:defRPr>
       </a:lvl7pPr>
-      <a:lvl8pPr lvl="7" marR="0" rtl="0" algn="l">
+      <a:lvl8pPr marR="0" lvl="7" algn="l" rtl="0">
         <a:lnSpc>
           <a:spcPct val="100000"/>
         </a:lnSpc>
@@ -9169,7 +9525,7 @@
           <a:srgbClr val="000000"/>
         </a:buClr>
         <a:buFont typeface="Arial"/>
-        <a:defRPr b="0" i="0" sz="1400" u="none" cap="none" strike="noStrike">
+        <a:defRPr sz="1400" b="0" i="0" u="none" strike="noStrike" cap="none">
           <a:solidFill>
             <a:srgbClr val="000000"/>
           </a:solidFill>
@@ -9179,7 +9535,7 @@
           <a:sym typeface="Arial"/>
         </a:defRPr>
       </a:lvl8pPr>
-      <a:lvl9pPr lvl="8" marR="0" rtl="0" algn="l">
+      <a:lvl9pPr marR="0" lvl="8" algn="l" rtl="0">
         <a:lnSpc>
           <a:spcPct val="100000"/>
         </a:lnSpc>
@@ -9193,7 +9549,7 @@
           <a:srgbClr val="000000"/>
         </a:buClr>
         <a:buFont typeface="Arial"/>
-        <a:defRPr b="0" i="0" sz="1400" u="none" cap="none" strike="noStrike">
+        <a:defRPr sz="1400" b="0" i="0" u="none" strike="noStrike" cap="none">
           <a:solidFill>
             <a:srgbClr val="000000"/>
           </a:solidFill>
@@ -9205,7 +9561,7 @@
       </a:lvl9pPr>
     </p:bodyStyle>
     <p:otherStyle>
-      <a:defPPr lvl="0" marR="0" rtl="0" algn="l">
+      <a:defPPr marR="0" lvl="0" algn="l" rtl="0">
         <a:lnSpc>
           <a:spcPct val="100000"/>
         </a:lnSpc>
@@ -9216,7 +9572,7 @@
           <a:spcPts val="0"/>
         </a:spcAft>
       </a:defPPr>
-      <a:lvl1pPr lvl="0" marR="0" rtl="0" algn="l">
+      <a:lvl1pPr marR="0" lvl="0" algn="l" rtl="0">
         <a:lnSpc>
           <a:spcPct val="100000"/>
         </a:lnSpc>
@@ -9230,7 +9586,7 @@
           <a:srgbClr val="000000"/>
         </a:buClr>
         <a:buFont typeface="Arial"/>
-        <a:defRPr b="0" i="0" sz="1400" u="none" cap="none" strike="noStrike">
+        <a:defRPr sz="1400" b="0" i="0" u="none" strike="noStrike" cap="none">
           <a:solidFill>
             <a:srgbClr val="000000"/>
           </a:solidFill>
@@ -9240,7 +9596,7 @@
           <a:sym typeface="Arial"/>
         </a:defRPr>
       </a:lvl1pPr>
-      <a:lvl2pPr lvl="1" marR="0" rtl="0" algn="l">
+      <a:lvl2pPr marR="0" lvl="1" algn="l" rtl="0">
         <a:lnSpc>
           <a:spcPct val="100000"/>
         </a:lnSpc>
@@ -9254,7 +9610,7 @@
           <a:srgbClr val="000000"/>
         </a:buClr>
         <a:buFont typeface="Arial"/>
-        <a:defRPr b="0" i="0" sz="1400" u="none" cap="none" strike="noStrike">
+        <a:defRPr sz="1400" b="0" i="0" u="none" strike="noStrike" cap="none">
           <a:solidFill>
             <a:srgbClr val="000000"/>
           </a:solidFill>
@@ -9264,7 +9620,7 @@
           <a:sym typeface="Arial"/>
         </a:defRPr>
       </a:lvl2pPr>
-      <a:lvl3pPr lvl="2" marR="0" rtl="0" algn="l">
+      <a:lvl3pPr marR="0" lvl="2" algn="l" rtl="0">
         <a:lnSpc>
           <a:spcPct val="100000"/>
         </a:lnSpc>
@@ -9278,7 +9634,7 @@
           <a:srgbClr val="000000"/>
         </a:buClr>
         <a:buFont typeface="Arial"/>
-        <a:defRPr b="0" i="0" sz="1400" u="none" cap="none" strike="noStrike">
+        <a:defRPr sz="1400" b="0" i="0" u="none" strike="noStrike" cap="none">
           <a:solidFill>
             <a:srgbClr val="000000"/>
           </a:solidFill>
@@ -9288,7 +9644,7 @@
           <a:sym typeface="Arial"/>
         </a:defRPr>
       </a:lvl3pPr>
-      <a:lvl4pPr lvl="3" marR="0" rtl="0" algn="l">
+      <a:lvl4pPr marR="0" lvl="3" algn="l" rtl="0">
         <a:lnSpc>
           <a:spcPct val="100000"/>
         </a:lnSpc>
@@ -9302,7 +9658,7 @@
           <a:srgbClr val="000000"/>
         </a:buClr>
         <a:buFont typeface="Arial"/>
-        <a:defRPr b="0" i="0" sz="1400" u="none" cap="none" strike="noStrike">
+        <a:defRPr sz="1400" b="0" i="0" u="none" strike="noStrike" cap="none">
           <a:solidFill>
             <a:srgbClr val="000000"/>
           </a:solidFill>
@@ -9312,7 +9668,7 @@
           <a:sym typeface="Arial"/>
         </a:defRPr>
       </a:lvl4pPr>
-      <a:lvl5pPr lvl="4" marR="0" rtl="0" algn="l">
+      <a:lvl5pPr marR="0" lvl="4" algn="l" rtl="0">
         <a:lnSpc>
           <a:spcPct val="100000"/>
         </a:lnSpc>
@@ -9326,7 +9682,7 @@
           <a:srgbClr val="000000"/>
         </a:buClr>
         <a:buFont typeface="Arial"/>
-        <a:defRPr b="0" i="0" sz="1400" u="none" cap="none" strike="noStrike">
+        <a:defRPr sz="1400" b="0" i="0" u="none" strike="noStrike" cap="none">
           <a:solidFill>
             <a:srgbClr val="000000"/>
           </a:solidFill>
@@ -9336,7 +9692,7 @@
           <a:sym typeface="Arial"/>
         </a:defRPr>
       </a:lvl5pPr>
-      <a:lvl6pPr lvl="5" marR="0" rtl="0" algn="l">
+      <a:lvl6pPr marR="0" lvl="5" algn="l" rtl="0">
         <a:lnSpc>
           <a:spcPct val="100000"/>
         </a:lnSpc>
@@ -9350,7 +9706,7 @@
           <a:srgbClr val="000000"/>
         </a:buClr>
         <a:buFont typeface="Arial"/>
-        <a:defRPr b="0" i="0" sz="1400" u="none" cap="none" strike="noStrike">
+        <a:defRPr sz="1400" b="0" i="0" u="none" strike="noStrike" cap="none">
           <a:solidFill>
             <a:srgbClr val="000000"/>
           </a:solidFill>
@@ -9360,7 +9716,7 @@
           <a:sym typeface="Arial"/>
         </a:defRPr>
       </a:lvl6pPr>
-      <a:lvl7pPr lvl="6" marR="0" rtl="0" algn="l">
+      <a:lvl7pPr marR="0" lvl="6" algn="l" rtl="0">
         <a:lnSpc>
           <a:spcPct val="100000"/>
         </a:lnSpc>
@@ -9374,7 +9730,7 @@
           <a:srgbClr val="000000"/>
         </a:buClr>
         <a:buFont typeface="Arial"/>
-        <a:defRPr b="0" i="0" sz="1400" u="none" cap="none" strike="noStrike">
+        <a:defRPr sz="1400" b="0" i="0" u="none" strike="noStrike" cap="none">
           <a:solidFill>
             <a:srgbClr val="000000"/>
           </a:solidFill>
@@ -9384,7 +9740,7 @@
           <a:sym typeface="Arial"/>
         </a:defRPr>
       </a:lvl7pPr>
-      <a:lvl8pPr lvl="7" marR="0" rtl="0" algn="l">
+      <a:lvl8pPr marR="0" lvl="7" algn="l" rtl="0">
         <a:lnSpc>
           <a:spcPct val="100000"/>
         </a:lnSpc>
@@ -9398,7 +9754,7 @@
           <a:srgbClr val="000000"/>
         </a:buClr>
         <a:buFont typeface="Arial"/>
-        <a:defRPr b="0" i="0" sz="1400" u="none" cap="none" strike="noStrike">
+        <a:defRPr sz="1400" b="0" i="0" u="none" strike="noStrike" cap="none">
           <a:solidFill>
             <a:srgbClr val="000000"/>
           </a:solidFill>
@@ -9408,7 +9764,7 @@
           <a:sym typeface="Arial"/>
         </a:defRPr>
       </a:lvl8pPr>
-      <a:lvl9pPr lvl="8" marR="0" rtl="0" algn="l">
+      <a:lvl9pPr marR="0" lvl="8" algn="l" rtl="0">
         <a:lnSpc>
           <a:spcPct val="100000"/>
         </a:lnSpc>
@@ -9422,7 +9778,7 @@
           <a:srgbClr val="000000"/>
         </a:buClr>
         <a:buFont typeface="Arial"/>
-        <a:defRPr b="0" i="0" sz="1400" u="none" cap="none" strike="noStrike">
+        <a:defRPr sz="1400" b="0" i="0" u="none" strike="noStrike" cap="none">
           <a:solidFill>
             <a:srgbClr val="000000"/>
           </a:solidFill>
@@ -9438,11 +9794,11 @@
 </file>
 
 <file path=ppt/slides/slide1.xml><?xml version="1.0" encoding="utf-8"?>
-<p:sld xmlns:a="http://schemas.openxmlformats.org/drawingml/2006/main" xmlns:r="http://schemas.openxmlformats.org/officeDocument/2006/relationships" xmlns:mc="http://schemas.openxmlformats.org/markup-compatibility/2006" xmlns:mv="urn:schemas-microsoft-com:mac:vml" xmlns:p="http://schemas.openxmlformats.org/presentationml/2006/main" xmlns:c="http://schemas.openxmlformats.org/drawingml/2006/chart" xmlns:dgm="http://schemas.openxmlformats.org/drawingml/2006/diagram" xmlns:o="urn:schemas-microsoft-com:office:office" xmlns:v="urn:schemas-microsoft-com:vml" xmlns:pvml="urn:schemas-microsoft-com:office:powerpoint" xmlns:com="http://schemas.openxmlformats.org/drawingml/2006/compatibility" xmlns:p14="http://schemas.microsoft.com/office/powerpoint/2010/main" xmlns:p15="http://schemas.microsoft.com/office/powerpoint/2012/main" xmlns:ahyp="http://schemas.microsoft.com/office/drawing/2018/hyperlinkcolor">
+<p:sld xmlns:a="http://schemas.openxmlformats.org/drawingml/2006/main" xmlns:r="http://schemas.openxmlformats.org/officeDocument/2006/relationships" xmlns:p="http://schemas.openxmlformats.org/presentationml/2006/main">
   <p:cSld>
     <p:spTree>
       <p:nvGrpSpPr>
-        <p:cNvPr id="62" name="Shape 62"/>
+        <p:cNvPr id="1" name="Shape 62"/>
         <p:cNvGrpSpPr/>
         <p:nvPr/>
       </p:nvGrpSpPr>
@@ -9457,7 +9813,9 @@
       <p:sp>
         <p:nvSpPr>
           <p:cNvPr id="63" name="Google Shape;63;p13"/>
-          <p:cNvSpPr txBox="1"/>
+          <p:cNvSpPr txBox="1">
+            <a:spLocks noGrp="1"/>
+          </p:cNvSpPr>
           <p:nvPr>
             <p:ph type="ctrTitle"/>
           </p:nvPr>
@@ -9472,12 +9830,12 @@
           </a:prstGeom>
         </p:spPr>
         <p:txBody>
-          <a:bodyPr anchorCtr="0" anchor="b" bIns="91425" lIns="91425" spcFirstLastPara="1" rIns="91425" wrap="square" tIns="91425">
+          <a:bodyPr spcFirstLastPara="1" wrap="square" lIns="91425" tIns="91425" rIns="91425" bIns="91425" anchor="b" anchorCtr="0">
             <a:normAutofit/>
           </a:bodyPr>
           <a:lstStyle/>
           <a:p>
-            <a:pPr indent="0" lvl="0" marL="0" rtl="0" algn="ctr">
+            <a:pPr marL="0" lvl="0" indent="0" algn="ctr" rtl="0">
               <a:spcBef>
                 <a:spcPts val="0"/>
               </a:spcBef>
@@ -9493,7 +9851,7 @@
             <a:endParaRPr/>
           </a:p>
           <a:p>
-            <a:pPr indent="0" lvl="0" marL="0" rtl="0" algn="ctr">
+            <a:pPr marL="0" lvl="0" indent="0" algn="ctr" rtl="0">
               <a:spcBef>
                 <a:spcPts val="0"/>
               </a:spcBef>
@@ -9513,9 +9871,11 @@
       <p:sp>
         <p:nvSpPr>
           <p:cNvPr id="64" name="Google Shape;64;p13"/>
-          <p:cNvSpPr txBox="1"/>
+          <p:cNvSpPr txBox="1">
+            <a:spLocks noGrp="1"/>
+          </p:cNvSpPr>
           <p:nvPr>
-            <p:ph idx="1" type="subTitle"/>
+            <p:ph type="subTitle" idx="1"/>
           </p:nvPr>
         </p:nvSpPr>
         <p:spPr>
@@ -9528,12 +9888,12 @@
           </a:prstGeom>
         </p:spPr>
         <p:txBody>
-          <a:bodyPr anchorCtr="0" anchor="t" bIns="91425" lIns="91425" spcFirstLastPara="1" rIns="91425" wrap="square" tIns="91425">
+          <a:bodyPr spcFirstLastPara="1" wrap="square" lIns="91425" tIns="91425" rIns="91425" bIns="91425" anchor="t" anchorCtr="0">
             <a:noAutofit/>
           </a:bodyPr>
           <a:lstStyle/>
           <a:p>
-            <a:pPr indent="0" lvl="0" marL="0" rtl="0" algn="ctr">
+            <a:pPr marL="0" lvl="0" indent="0" algn="ctr" rtl="0">
               <a:spcBef>
                 <a:spcPts val="0"/>
               </a:spcBef>
@@ -9549,18 +9909,15 @@
             <a:endParaRPr/>
           </a:p>
           <a:p>
-            <a:pPr indent="0" lvl="0" marL="0" rtl="0" algn="ctr">
-              <a:spcBef>
-                <a:spcPts val="0"/>
-              </a:spcBef>
-              <a:spcAft>
-                <a:spcPts val="0"/>
-              </a:spcAft>
-              <a:buNone/>
-            </a:pPr>
-            <a:r>
-              <a:t/>
-            </a:r>
+            <a:pPr marL="0" lvl="0" indent="0" algn="ctr" rtl="0">
+              <a:spcBef>
+                <a:spcPts val="0"/>
+              </a:spcBef>
+              <a:spcAft>
+                <a:spcPts val="0"/>
+              </a:spcAft>
+              <a:buNone/>
+            </a:pPr>
             <a:endParaRPr/>
           </a:p>
         </p:txBody>
@@ -9568,9 +9925,11 @@
       <p:sp>
         <p:nvSpPr>
           <p:cNvPr id="65" name="Google Shape;65;p13"/>
-          <p:cNvSpPr txBox="1"/>
+          <p:cNvSpPr txBox="1">
+            <a:spLocks noGrp="1"/>
+          </p:cNvSpPr>
           <p:nvPr>
-            <p:ph idx="12" type="sldNum"/>
+            <p:ph type="sldNum" idx="12"/>
           </p:nvPr>
         </p:nvSpPr>
         <p:spPr>
@@ -9583,12 +9942,12 @@
           </a:prstGeom>
         </p:spPr>
         <p:txBody>
-          <a:bodyPr anchorCtr="0" anchor="ctr" bIns="91425" lIns="91425" spcFirstLastPara="1" rIns="91425" wrap="square" tIns="91425">
+          <a:bodyPr spcFirstLastPara="1" wrap="square" lIns="91425" tIns="91425" rIns="91425" bIns="91425" anchor="ctr" anchorCtr="0">
             <a:normAutofit/>
           </a:bodyPr>
           <a:lstStyle/>
           <a:p>
-            <a:pPr indent="0" lvl="0" marL="0" rtl="0" algn="r">
+            <a:pPr marL="0" lvl="0" indent="0" algn="r" rtl="0">
               <a:spcBef>
                 <a:spcPts val="0"/>
               </a:spcBef>
@@ -9599,7 +9958,7 @@
             </a:pPr>
             <a:fld id="{00000000-1234-1234-1234-123412341234}" type="slidenum">
               <a:rPr lang="en"/>
-              <a:t>‹#›</a:t>
+              <a:t>1</a:t>
             </a:fld>
             <a:endParaRPr/>
           </a:p>
@@ -9614,11 +9973,11 @@
 </file>
 
 <file path=ppt/slides/slide10.xml><?xml version="1.0" encoding="utf-8"?>
-<p:sld xmlns:a="http://schemas.openxmlformats.org/drawingml/2006/main" xmlns:r="http://schemas.openxmlformats.org/officeDocument/2006/relationships" xmlns:mc="http://schemas.openxmlformats.org/markup-compatibility/2006" xmlns:mv="urn:schemas-microsoft-com:mac:vml" xmlns:p="http://schemas.openxmlformats.org/presentationml/2006/main" xmlns:c="http://schemas.openxmlformats.org/drawingml/2006/chart" xmlns:dgm="http://schemas.openxmlformats.org/drawingml/2006/diagram" xmlns:o="urn:schemas-microsoft-com:office:office" xmlns:v="urn:schemas-microsoft-com:vml" xmlns:pvml="urn:schemas-microsoft-com:office:powerpoint" xmlns:com="http://schemas.openxmlformats.org/drawingml/2006/compatibility" xmlns:p14="http://schemas.microsoft.com/office/powerpoint/2010/main" xmlns:p15="http://schemas.microsoft.com/office/powerpoint/2012/main" xmlns:ahyp="http://schemas.microsoft.com/office/drawing/2018/hyperlinkcolor">
+<p:sld xmlns:a="http://schemas.openxmlformats.org/drawingml/2006/main" xmlns:r="http://schemas.openxmlformats.org/officeDocument/2006/relationships" xmlns:p="http://schemas.openxmlformats.org/presentationml/2006/main">
   <p:cSld>
     <p:spTree>
       <p:nvGrpSpPr>
-        <p:cNvPr id="140" name="Shape 140"/>
+        <p:cNvPr id="1" name="Shape 140"/>
         <p:cNvGrpSpPr/>
         <p:nvPr/>
       </p:nvGrpSpPr>
@@ -9633,7 +9992,9 @@
       <p:sp>
         <p:nvSpPr>
           <p:cNvPr id="141" name="Google Shape;141;p22"/>
-          <p:cNvSpPr txBox="1"/>
+          <p:cNvSpPr txBox="1">
+            <a:spLocks noGrp="1"/>
+          </p:cNvSpPr>
           <p:nvPr>
             <p:ph type="title"/>
           </p:nvPr>
@@ -9648,12 +10009,12 @@
           </a:prstGeom>
         </p:spPr>
         <p:txBody>
-          <a:bodyPr anchorCtr="0" anchor="b" bIns="91425" lIns="91425" spcFirstLastPara="1" rIns="91425" wrap="square" tIns="91425">
+          <a:bodyPr spcFirstLastPara="1" wrap="square" lIns="91425" tIns="91425" rIns="91425" bIns="91425" anchor="b" anchorCtr="0">
             <a:normAutofit/>
           </a:bodyPr>
           <a:lstStyle/>
           <a:p>
-            <a:pPr indent="0" lvl="0" marL="0" rtl="0" algn="l">
+            <a:pPr marL="0" lvl="0" indent="0" algn="l" rtl="0">
               <a:spcBef>
                 <a:spcPts val="0"/>
               </a:spcBef>
@@ -9673,9 +10034,11 @@
       <p:sp>
         <p:nvSpPr>
           <p:cNvPr id="142" name="Google Shape;142;p22"/>
-          <p:cNvSpPr txBox="1"/>
+          <p:cNvSpPr txBox="1">
+            <a:spLocks noGrp="1"/>
+          </p:cNvSpPr>
           <p:nvPr>
-            <p:ph idx="1" type="body"/>
+            <p:ph type="body" idx="1"/>
           </p:nvPr>
         </p:nvSpPr>
         <p:spPr>
@@ -9688,12 +10051,12 @@
           </a:prstGeom>
         </p:spPr>
         <p:txBody>
-          <a:bodyPr anchorCtr="0" anchor="t" bIns="91425" lIns="91425" spcFirstLastPara="1" rIns="91425" wrap="square" tIns="91425">
+          <a:bodyPr spcFirstLastPara="1" wrap="square" lIns="91425" tIns="91425" rIns="91425" bIns="91425" anchor="t" anchorCtr="0">
             <a:normAutofit/>
           </a:bodyPr>
           <a:lstStyle/>
           <a:p>
-            <a:pPr indent="-342900" lvl="0" marL="457200" rtl="0" algn="l">
+            <a:pPr marL="457200" lvl="0" indent="-342900" algn="l" rtl="0">
               <a:spcBef>
                 <a:spcPts val="0"/>
               </a:spcBef>
@@ -9710,7 +10073,7 @@
             <a:endParaRPr/>
           </a:p>
           <a:p>
-            <a:pPr indent="-330200" lvl="1" marL="914400" rtl="0" algn="l">
+            <a:pPr marL="914400" lvl="1" indent="-330200" algn="l" rtl="0">
               <a:spcBef>
                 <a:spcPts val="0"/>
               </a:spcBef>
@@ -9727,7 +10090,7 @@
             <a:endParaRPr sz="1600"/>
           </a:p>
           <a:p>
-            <a:pPr indent="-330200" lvl="1" marL="914400" rtl="0" algn="l">
+            <a:pPr marL="914400" lvl="1" indent="-330200" algn="l" rtl="0">
               <a:spcBef>
                 <a:spcPts val="0"/>
               </a:spcBef>
@@ -9744,7 +10107,7 @@
             <a:endParaRPr sz="1600"/>
           </a:p>
           <a:p>
-            <a:pPr indent="-330200" lvl="1" marL="914400" rtl="0" algn="l">
+            <a:pPr marL="914400" lvl="1" indent="-330200" algn="l" rtl="0">
               <a:spcBef>
                 <a:spcPts val="0"/>
               </a:spcBef>
@@ -9761,7 +10124,7 @@
             <a:endParaRPr sz="1600"/>
           </a:p>
           <a:p>
-            <a:pPr indent="-342900" lvl="0" marL="457200" rtl="0" algn="l">
+            <a:pPr marL="457200" lvl="0" indent="-342900" algn="l" rtl="0">
               <a:spcBef>
                 <a:spcPts val="2500"/>
               </a:spcBef>
@@ -9778,7 +10141,7 @@
             <a:endParaRPr/>
           </a:p>
           <a:p>
-            <a:pPr indent="-330200" lvl="1" marL="914400" rtl="0" algn="l">
+            <a:pPr marL="914400" lvl="1" indent="-330200" algn="l" rtl="0">
               <a:spcBef>
                 <a:spcPts val="0"/>
               </a:spcBef>
@@ -9795,7 +10158,7 @@
             <a:endParaRPr sz="1600"/>
           </a:p>
           <a:p>
-            <a:pPr indent="-342900" lvl="0" marL="457200" rtl="0" algn="l">
+            <a:pPr marL="457200" lvl="0" indent="-342900" algn="l" rtl="0">
               <a:spcBef>
                 <a:spcPts val="2500"/>
               </a:spcBef>
@@ -9816,9 +10179,11 @@
       <p:sp>
         <p:nvSpPr>
           <p:cNvPr id="143" name="Google Shape;143;p22"/>
-          <p:cNvSpPr txBox="1"/>
+          <p:cNvSpPr txBox="1">
+            <a:spLocks noGrp="1"/>
+          </p:cNvSpPr>
           <p:nvPr>
-            <p:ph idx="12" type="sldNum"/>
+            <p:ph type="sldNum" idx="12"/>
           </p:nvPr>
         </p:nvSpPr>
         <p:spPr>
@@ -9831,12 +10196,12 @@
           </a:prstGeom>
         </p:spPr>
         <p:txBody>
-          <a:bodyPr anchorCtr="0" anchor="ctr" bIns="91425" lIns="91425" spcFirstLastPara="1" rIns="91425" wrap="square" tIns="91425">
+          <a:bodyPr spcFirstLastPara="1" wrap="square" lIns="91425" tIns="91425" rIns="91425" bIns="91425" anchor="ctr" anchorCtr="0">
             <a:normAutofit/>
           </a:bodyPr>
           <a:lstStyle/>
           <a:p>
-            <a:pPr indent="0" lvl="0" marL="0" rtl="0" algn="r">
+            <a:pPr marL="0" lvl="0" indent="0" algn="r" rtl="0">
               <a:spcBef>
                 <a:spcPts val="0"/>
               </a:spcBef>
@@ -9847,7 +10212,7 @@
             </a:pPr>
             <a:fld id="{00000000-1234-1234-1234-123412341234}" type="slidenum">
               <a:rPr lang="en"/>
-              <a:t>‹#›</a:t>
+              <a:t>10</a:t>
             </a:fld>
             <a:endParaRPr/>
           </a:p>
@@ -9863,7 +10228,7 @@
           <a:blip r:embed="rId3">
             <a:alphaModFix/>
           </a:blip>
-          <a:srcRect b="13347" l="14172" r="19072" t="12501"/>
+          <a:srcRect l="14172" t="12501" r="19072" b="13347"/>
           <a:stretch/>
         </p:blipFill>
         <p:spPr>
@@ -9900,12 +10265,12 @@
           </a:ln>
         </p:spPr>
         <p:txBody>
-          <a:bodyPr anchorCtr="0" anchor="t" bIns="91425" lIns="91425" spcFirstLastPara="1" rIns="91425" wrap="square" tIns="91425">
+          <a:bodyPr spcFirstLastPara="1" wrap="square" lIns="91425" tIns="91425" rIns="91425" bIns="91425" anchor="t" anchorCtr="0">
             <a:spAutoFit/>
           </a:bodyPr>
           <a:lstStyle/>
           <a:p>
-            <a:pPr indent="0" lvl="0" marL="0" rtl="0" algn="ctr">
+            <a:pPr marL="0" lvl="0" indent="0" algn="ctr" rtl="0">
               <a:spcBef>
                 <a:spcPts val="0"/>
               </a:spcBef>
@@ -9915,7 +10280,7 @@
               <a:buNone/>
             </a:pPr>
             <a:r>
-              <a:rPr i="1" lang="en" sz="1200">
+              <a:rPr lang="en" sz="1200" i="1">
                 <a:solidFill>
                   <a:schemeClr val="dk1"/>
                 </a:solidFill>
@@ -9926,7 +10291,7 @@
               </a:rPr>
               <a:t>Fig. 7 - Ultracortex headset, profile view</a:t>
             </a:r>
-            <a:endParaRPr i="1" sz="1200">
+            <a:endParaRPr sz="1200" i="1">
               <a:solidFill>
                 <a:schemeClr val="dk1"/>
               </a:solidFill>
@@ -9947,11 +10312,11 @@
 </file>
 
 <file path=ppt/slides/slide11.xml><?xml version="1.0" encoding="utf-8"?>
-<p:sld xmlns:a="http://schemas.openxmlformats.org/drawingml/2006/main" xmlns:r="http://schemas.openxmlformats.org/officeDocument/2006/relationships" xmlns:mc="http://schemas.openxmlformats.org/markup-compatibility/2006" xmlns:mv="urn:schemas-microsoft-com:mac:vml" xmlns:p="http://schemas.openxmlformats.org/presentationml/2006/main" xmlns:c="http://schemas.openxmlformats.org/drawingml/2006/chart" xmlns:dgm="http://schemas.openxmlformats.org/drawingml/2006/diagram" xmlns:o="urn:schemas-microsoft-com:office:office" xmlns:v="urn:schemas-microsoft-com:vml" xmlns:pvml="urn:schemas-microsoft-com:office:powerpoint" xmlns:com="http://schemas.openxmlformats.org/drawingml/2006/compatibility" xmlns:p14="http://schemas.microsoft.com/office/powerpoint/2010/main" xmlns:p15="http://schemas.microsoft.com/office/powerpoint/2012/main" xmlns:ahyp="http://schemas.microsoft.com/office/drawing/2018/hyperlinkcolor">
+<p:sld xmlns:a="http://schemas.openxmlformats.org/drawingml/2006/main" xmlns:r="http://schemas.openxmlformats.org/officeDocument/2006/relationships" xmlns:p="http://schemas.openxmlformats.org/presentationml/2006/main">
   <p:cSld>
     <p:spTree>
       <p:nvGrpSpPr>
-        <p:cNvPr id="149" name="Shape 149"/>
+        <p:cNvPr id="1" name="Shape 149"/>
         <p:cNvGrpSpPr/>
         <p:nvPr/>
       </p:nvGrpSpPr>
@@ -9966,7 +10331,9 @@
       <p:sp>
         <p:nvSpPr>
           <p:cNvPr id="150" name="Google Shape;150;p23"/>
-          <p:cNvSpPr txBox="1"/>
+          <p:cNvSpPr txBox="1">
+            <a:spLocks noGrp="1"/>
+          </p:cNvSpPr>
           <p:nvPr>
             <p:ph type="title"/>
           </p:nvPr>
@@ -9981,12 +10348,12 @@
           </a:prstGeom>
         </p:spPr>
         <p:txBody>
-          <a:bodyPr anchorCtr="0" anchor="b" bIns="91425" lIns="91425" spcFirstLastPara="1" rIns="91425" wrap="square" tIns="91425">
+          <a:bodyPr spcFirstLastPara="1" wrap="square" lIns="91425" tIns="91425" rIns="91425" bIns="91425" anchor="b" anchorCtr="0">
             <a:normAutofit/>
           </a:bodyPr>
           <a:lstStyle/>
           <a:p>
-            <a:pPr indent="0" lvl="0" marL="0" rtl="0" algn="l">
+            <a:pPr marL="0" lvl="0" indent="0" algn="l" rtl="0">
               <a:spcBef>
                 <a:spcPts val="0"/>
               </a:spcBef>
@@ -10006,9 +10373,11 @@
       <p:sp>
         <p:nvSpPr>
           <p:cNvPr id="151" name="Google Shape;151;p23"/>
-          <p:cNvSpPr txBox="1"/>
+          <p:cNvSpPr txBox="1">
+            <a:spLocks noGrp="1"/>
+          </p:cNvSpPr>
           <p:nvPr>
-            <p:ph idx="12" type="sldNum"/>
+            <p:ph type="sldNum" idx="12"/>
           </p:nvPr>
         </p:nvSpPr>
         <p:spPr>
@@ -10021,12 +10390,12 @@
           </a:prstGeom>
         </p:spPr>
         <p:txBody>
-          <a:bodyPr anchorCtr="0" anchor="ctr" bIns="91425" lIns="91425" spcFirstLastPara="1" rIns="91425" wrap="square" tIns="91425">
+          <a:bodyPr spcFirstLastPara="1" wrap="square" lIns="91425" tIns="91425" rIns="91425" bIns="91425" anchor="ctr" anchorCtr="0">
             <a:normAutofit/>
           </a:bodyPr>
           <a:lstStyle/>
           <a:p>
-            <a:pPr indent="0" lvl="0" marL="0" rtl="0" algn="r">
+            <a:pPr marL="0" lvl="0" indent="0" algn="r" rtl="0">
               <a:spcBef>
                 <a:spcPts val="0"/>
               </a:spcBef>
@@ -10037,7 +10406,7 @@
             </a:pPr>
             <a:fld id="{00000000-1234-1234-1234-123412341234}" type="slidenum">
               <a:rPr lang="en"/>
-              <a:t>‹#›</a:t>
+              <a:t>11</a:t>
             </a:fld>
             <a:endParaRPr/>
           </a:p>
@@ -10059,8 +10428,8 @@
         </p:blipFill>
         <p:spPr>
           <a:xfrm>
-            <a:off x="1955350" y="2526425"/>
-            <a:ext cx="5233300" cy="2161100"/>
+            <a:off x="1037772" y="1221577"/>
+            <a:ext cx="7188650" cy="3159896"/>
           </a:xfrm>
           <a:prstGeom prst="rect">
             <a:avLst/>
@@ -10070,7 +10439,7 @@
             <a:noFill/>
           </a:ln>
           <a:effectLst>
-            <a:outerShdw blurRad="57150" rotWithShape="0" algn="bl" dir="5400000" dist="19050">
+            <a:outerShdw blurRad="57150" dist="19050" dir="5400000" algn="bl" rotWithShape="0">
               <a:srgbClr val="000000">
                 <a:alpha val="50000"/>
               </a:srgbClr>
@@ -10086,7 +10455,7 @@
         </p:nvSpPr>
         <p:spPr>
           <a:xfrm>
-            <a:off x="1955350" y="4687525"/>
+            <a:off x="1955400" y="4614954"/>
             <a:ext cx="5233200" cy="369300"/>
           </a:xfrm>
           <a:prstGeom prst="rect">
@@ -10098,12 +10467,12 @@
           </a:ln>
         </p:spPr>
         <p:txBody>
-          <a:bodyPr anchorCtr="0" anchor="t" bIns="91425" lIns="91425" spcFirstLastPara="1" rIns="91425" wrap="square" tIns="91425">
+          <a:bodyPr spcFirstLastPara="1" wrap="square" lIns="91425" tIns="91425" rIns="91425" bIns="91425" anchor="t" anchorCtr="0">
             <a:spAutoFit/>
           </a:bodyPr>
           <a:lstStyle/>
           <a:p>
-            <a:pPr indent="0" lvl="0" marL="0" rtl="0" algn="ctr">
+            <a:pPr marL="0" lvl="0" indent="0" algn="ctr" rtl="0">
               <a:spcBef>
                 <a:spcPts val="0"/>
               </a:spcBef>
@@ -10113,7 +10482,7 @@
               <a:buNone/>
             </a:pPr>
             <a:r>
-              <a:rPr i="1" lang="en" sz="1200">
+              <a:rPr lang="en" sz="1200" i="1" dirty="0">
                 <a:solidFill>
                   <a:schemeClr val="dk1"/>
                 </a:solidFill>
@@ -10122,95 +10491,9 @@
                 <a:cs typeface="Roboto"/>
                 <a:sym typeface="Roboto"/>
               </a:rPr>
-              <a:t>Fig. 9 - MindGames EEG processing pipeline detailed view</a:t>
+              <a:t>Fig. 8 - MindGames EEG processing pipeline detailed view</a:t>
             </a:r>
-            <a:endParaRPr i="1" sz="1200">
-              <a:solidFill>
-                <a:schemeClr val="dk1"/>
-              </a:solidFill>
-              <a:latin typeface="Roboto"/>
-              <a:ea typeface="Roboto"/>
-              <a:cs typeface="Roboto"/>
-              <a:sym typeface="Roboto"/>
-            </a:endParaRPr>
-          </a:p>
-        </p:txBody>
-      </p:sp>
-      <p:pic>
-        <p:nvPicPr>
-          <p:cNvPr id="154" name="Google Shape;154;p23"/>
-          <p:cNvPicPr preferRelativeResize="0"/>
-          <p:nvPr/>
-        </p:nvPicPr>
-        <p:blipFill>
-          <a:blip r:embed="rId4">
-            <a:alphaModFix/>
-          </a:blip>
-          <a:stretch>
-            <a:fillRect/>
-          </a:stretch>
-        </p:blipFill>
-        <p:spPr>
-          <a:xfrm>
-            <a:off x="2264995" y="1117120"/>
-            <a:ext cx="4614001" cy="838404"/>
-          </a:xfrm>
-          <a:prstGeom prst="rect">
-            <a:avLst/>
-          </a:prstGeom>
-          <a:noFill/>
-          <a:ln>
-            <a:noFill/>
-          </a:ln>
-        </p:spPr>
-      </p:pic>
-      <p:sp>
-        <p:nvSpPr>
-          <p:cNvPr id="155" name="Google Shape;155;p23"/>
-          <p:cNvSpPr txBox="1"/>
-          <p:nvPr/>
-        </p:nvSpPr>
-        <p:spPr>
-          <a:xfrm>
-            <a:off x="2265000" y="1955525"/>
-            <a:ext cx="4614000" cy="369300"/>
-          </a:xfrm>
-          <a:prstGeom prst="rect">
-            <a:avLst/>
-          </a:prstGeom>
-          <a:noFill/>
-          <a:ln>
-            <a:noFill/>
-          </a:ln>
-        </p:spPr>
-        <p:txBody>
-          <a:bodyPr anchorCtr="0" anchor="t" bIns="91425" lIns="91425" spcFirstLastPara="1" rIns="91425" wrap="square" tIns="91425">
-            <a:spAutoFit/>
-          </a:bodyPr>
-          <a:lstStyle/>
-          <a:p>
-            <a:pPr indent="0" lvl="0" marL="0" rtl="0" algn="ctr">
-              <a:spcBef>
-                <a:spcPts val="0"/>
-              </a:spcBef>
-              <a:spcAft>
-                <a:spcPts val="0"/>
-              </a:spcAft>
-              <a:buNone/>
-            </a:pPr>
-            <a:r>
-              <a:rPr i="1" lang="en" sz="1200">
-                <a:solidFill>
-                  <a:schemeClr val="dk1"/>
-                </a:solidFill>
-                <a:latin typeface="Roboto"/>
-                <a:ea typeface="Roboto"/>
-                <a:cs typeface="Roboto"/>
-                <a:sym typeface="Roboto"/>
-              </a:rPr>
-              <a:t>Fig. 8 - MindGames EEG processing pipeline simplified view</a:t>
-            </a:r>
-            <a:endParaRPr i="1" sz="1200">
+            <a:endParaRPr sz="1200" i="1" dirty="0">
               <a:solidFill>
                 <a:schemeClr val="dk1"/>
               </a:solidFill>
@@ -10231,11 +10514,11 @@
 </file>
 
 <file path=ppt/slides/slide12.xml><?xml version="1.0" encoding="utf-8"?>
-<p:sld xmlns:a="http://schemas.openxmlformats.org/drawingml/2006/main" xmlns:r="http://schemas.openxmlformats.org/officeDocument/2006/relationships" xmlns:mc="http://schemas.openxmlformats.org/markup-compatibility/2006" xmlns:mv="urn:schemas-microsoft-com:mac:vml" xmlns:p="http://schemas.openxmlformats.org/presentationml/2006/main" xmlns:c="http://schemas.openxmlformats.org/drawingml/2006/chart" xmlns:dgm="http://schemas.openxmlformats.org/drawingml/2006/diagram" xmlns:o="urn:schemas-microsoft-com:office:office" xmlns:v="urn:schemas-microsoft-com:vml" xmlns:pvml="urn:schemas-microsoft-com:office:powerpoint" xmlns:com="http://schemas.openxmlformats.org/drawingml/2006/compatibility" xmlns:p14="http://schemas.microsoft.com/office/powerpoint/2010/main" xmlns:p15="http://schemas.microsoft.com/office/powerpoint/2012/main" xmlns:ahyp="http://schemas.microsoft.com/office/drawing/2018/hyperlinkcolor">
+<p:sld xmlns:a="http://schemas.openxmlformats.org/drawingml/2006/main" xmlns:r="http://schemas.openxmlformats.org/officeDocument/2006/relationships" xmlns:p="http://schemas.openxmlformats.org/presentationml/2006/main">
   <p:cSld>
     <p:spTree>
       <p:nvGrpSpPr>
-        <p:cNvPr id="159" name="Shape 159"/>
+        <p:cNvPr id="1" name="Shape 159"/>
         <p:cNvGrpSpPr/>
         <p:nvPr/>
       </p:nvGrpSpPr>
@@ -10250,7 +10533,9 @@
       <p:sp>
         <p:nvSpPr>
           <p:cNvPr id="160" name="Google Shape;160;p24"/>
-          <p:cNvSpPr txBox="1"/>
+          <p:cNvSpPr txBox="1">
+            <a:spLocks noGrp="1"/>
+          </p:cNvSpPr>
           <p:nvPr>
             <p:ph type="title"/>
           </p:nvPr>
@@ -10265,12 +10550,12 @@
           </a:prstGeom>
         </p:spPr>
         <p:txBody>
-          <a:bodyPr anchorCtr="0" anchor="b" bIns="91425" lIns="91425" spcFirstLastPara="1" rIns="91425" wrap="square" tIns="91425">
+          <a:bodyPr spcFirstLastPara="1" wrap="square" lIns="91425" tIns="91425" rIns="91425" bIns="91425" anchor="b" anchorCtr="0">
             <a:normAutofit/>
           </a:bodyPr>
           <a:lstStyle/>
           <a:p>
-            <a:pPr indent="0" lvl="0" marL="0" rtl="0" algn="l">
+            <a:pPr marL="0" lvl="0" indent="0" algn="l" rtl="0">
               <a:spcBef>
                 <a:spcPts val="0"/>
               </a:spcBef>
@@ -10281,11 +10566,7 @@
             </a:pPr>
             <a:r>
               <a:rPr lang="en"/>
-              <a:t>EEG </a:t>
-            </a:r>
-            <a:r>
-              <a:rPr lang="en"/>
-              <a:t>Processing Pipeline</a:t>
+              <a:t>EEG Processing Pipeline</a:t>
             </a:r>
             <a:endParaRPr/>
           </a:p>
@@ -10294,9 +10575,11 @@
       <p:sp>
         <p:nvSpPr>
           <p:cNvPr id="161" name="Google Shape;161;p24"/>
-          <p:cNvSpPr txBox="1"/>
+          <p:cNvSpPr txBox="1">
+            <a:spLocks noGrp="1"/>
+          </p:cNvSpPr>
           <p:nvPr>
-            <p:ph idx="12" type="sldNum"/>
+            <p:ph type="sldNum" idx="12"/>
           </p:nvPr>
         </p:nvSpPr>
         <p:spPr>
@@ -10309,12 +10592,12 @@
           </a:prstGeom>
         </p:spPr>
         <p:txBody>
-          <a:bodyPr anchorCtr="0" anchor="ctr" bIns="91425" lIns="91425" spcFirstLastPara="1" rIns="91425" wrap="square" tIns="91425">
+          <a:bodyPr spcFirstLastPara="1" wrap="square" lIns="91425" tIns="91425" rIns="91425" bIns="91425" anchor="ctr" anchorCtr="0">
             <a:normAutofit/>
           </a:bodyPr>
           <a:lstStyle/>
           <a:p>
-            <a:pPr indent="0" lvl="0" marL="0" rtl="0" algn="r">
+            <a:pPr marL="0" lvl="0" indent="0" algn="r" rtl="0">
               <a:spcBef>
                 <a:spcPts val="0"/>
               </a:spcBef>
@@ -10325,7 +10608,7 @@
             </a:pPr>
             <a:fld id="{00000000-1234-1234-1234-123412341234}" type="slidenum">
               <a:rPr lang="en"/>
-              <a:t>‹#›</a:t>
+              <a:t>12</a:t>
             </a:fld>
             <a:endParaRPr/>
           </a:p>
@@ -10351,12 +10634,12 @@
           </a:ln>
         </p:spPr>
         <p:txBody>
-          <a:bodyPr anchorCtr="0" anchor="t" bIns="91425" lIns="91425" spcFirstLastPara="1" rIns="91425" wrap="square" tIns="91425">
+          <a:bodyPr spcFirstLastPara="1" wrap="square" lIns="91425" tIns="91425" rIns="91425" bIns="91425" anchor="t" anchorCtr="0">
             <a:spAutoFit/>
           </a:bodyPr>
           <a:lstStyle/>
           <a:p>
-            <a:pPr indent="0" lvl="0" marL="0" rtl="0" algn="ctr">
+            <a:pPr marL="0" lvl="0" indent="0" algn="ctr" rtl="0">
               <a:spcBef>
                 <a:spcPts val="0"/>
               </a:spcBef>
@@ -10366,7 +10649,7 @@
               <a:buNone/>
             </a:pPr>
             <a:r>
-              <a:rPr i="1" lang="en" sz="1200">
+              <a:rPr lang="en" sz="1200" i="1" dirty="0">
                 <a:solidFill>
                   <a:schemeClr val="dk1"/>
                 </a:solidFill>
@@ -10375,9 +10658,9 @@
                 <a:cs typeface="Roboto"/>
                 <a:sym typeface="Roboto"/>
               </a:rPr>
-              <a:t>Fig. 10 - EEG pipeline data acquisition component</a:t>
+              <a:t>Fig. 9 - EEG pipeline Flow Chart</a:t>
             </a:r>
-            <a:endParaRPr i="1" sz="1200">
+            <a:endParaRPr sz="1200" i="1" dirty="0">
               <a:solidFill>
                 <a:schemeClr val="dk1"/>
               </a:solidFill>
@@ -10399,7 +10682,7 @@
           <a:blip r:embed="rId3">
             <a:alphaModFix/>
           </a:blip>
-          <a:srcRect b="0" l="0" r="0" t="0"/>
+          <a:srcRect/>
           <a:stretch/>
         </p:blipFill>
         <p:spPr>
@@ -10425,11 +10708,11 @@
 </file>
 
 <file path=ppt/slides/slide13.xml><?xml version="1.0" encoding="utf-8"?>
-<p:sld xmlns:a="http://schemas.openxmlformats.org/drawingml/2006/main" xmlns:r="http://schemas.openxmlformats.org/officeDocument/2006/relationships" xmlns:mc="http://schemas.openxmlformats.org/markup-compatibility/2006" xmlns:mv="urn:schemas-microsoft-com:mac:vml" xmlns:p="http://schemas.openxmlformats.org/presentationml/2006/main" xmlns:c="http://schemas.openxmlformats.org/drawingml/2006/chart" xmlns:dgm="http://schemas.openxmlformats.org/drawingml/2006/diagram" xmlns:o="urn:schemas-microsoft-com:office:office" xmlns:v="urn:schemas-microsoft-com:vml" xmlns:pvml="urn:schemas-microsoft-com:office:powerpoint" xmlns:com="http://schemas.openxmlformats.org/drawingml/2006/compatibility" xmlns:p14="http://schemas.microsoft.com/office/powerpoint/2010/main" xmlns:p15="http://schemas.microsoft.com/office/powerpoint/2012/main" xmlns:ahyp="http://schemas.microsoft.com/office/drawing/2018/hyperlinkcolor">
+<p:sld xmlns:a="http://schemas.openxmlformats.org/drawingml/2006/main" xmlns:r="http://schemas.openxmlformats.org/officeDocument/2006/relationships" xmlns:p="http://schemas.openxmlformats.org/presentationml/2006/main">
   <p:cSld>
     <p:spTree>
       <p:nvGrpSpPr>
-        <p:cNvPr id="167" name="Shape 167"/>
+        <p:cNvPr id="1" name="Shape 167"/>
         <p:cNvGrpSpPr/>
         <p:nvPr/>
       </p:nvGrpSpPr>
@@ -10444,7 +10727,9 @@
       <p:sp>
         <p:nvSpPr>
           <p:cNvPr id="168" name="Google Shape;168;p25"/>
-          <p:cNvSpPr txBox="1"/>
+          <p:cNvSpPr txBox="1">
+            <a:spLocks noGrp="1"/>
+          </p:cNvSpPr>
           <p:nvPr>
             <p:ph type="title"/>
           </p:nvPr>
@@ -10459,12 +10744,12 @@
           </a:prstGeom>
         </p:spPr>
         <p:txBody>
-          <a:bodyPr anchorCtr="0" anchor="b" bIns="91425" lIns="91425" spcFirstLastPara="1" rIns="91425" wrap="square" tIns="91425">
+          <a:bodyPr spcFirstLastPara="1" wrap="square" lIns="91425" tIns="91425" rIns="91425" bIns="91425" anchor="b" anchorCtr="0">
             <a:normAutofit/>
           </a:bodyPr>
           <a:lstStyle/>
           <a:p>
-            <a:pPr indent="0" lvl="0" marL="0" rtl="0" algn="l">
+            <a:pPr marL="0" lvl="0" indent="0" algn="l" rtl="0">
               <a:spcBef>
                 <a:spcPts val="0"/>
               </a:spcBef>
@@ -10484,9 +10769,11 @@
       <p:sp>
         <p:nvSpPr>
           <p:cNvPr id="169" name="Google Shape;169;p25"/>
-          <p:cNvSpPr txBox="1"/>
+          <p:cNvSpPr txBox="1">
+            <a:spLocks noGrp="1"/>
+          </p:cNvSpPr>
           <p:nvPr>
-            <p:ph idx="12" type="sldNum"/>
+            <p:ph type="sldNum" idx="12"/>
           </p:nvPr>
         </p:nvSpPr>
         <p:spPr>
@@ -10499,12 +10786,12 @@
           </a:prstGeom>
         </p:spPr>
         <p:txBody>
-          <a:bodyPr anchorCtr="0" anchor="ctr" bIns="91425" lIns="91425" spcFirstLastPara="1" rIns="91425" wrap="square" tIns="91425">
+          <a:bodyPr spcFirstLastPara="1" wrap="square" lIns="91425" tIns="91425" rIns="91425" bIns="91425" anchor="ctr" anchorCtr="0">
             <a:normAutofit/>
           </a:bodyPr>
           <a:lstStyle/>
           <a:p>
-            <a:pPr indent="0" lvl="0" marL="0" rtl="0" algn="r">
+            <a:pPr marL="0" lvl="0" indent="0" algn="r" rtl="0">
               <a:spcBef>
                 <a:spcPts val="0"/>
               </a:spcBef>
@@ -10515,7 +10802,7 @@
             </a:pPr>
             <a:fld id="{00000000-1234-1234-1234-123412341234}" type="slidenum">
               <a:rPr lang="en"/>
-              <a:t>‹#›</a:t>
+              <a:t>13</a:t>
             </a:fld>
             <a:endParaRPr/>
           </a:p>
@@ -10548,7 +10835,7 @@
             <a:noFill/>
           </a:ln>
           <a:effectLst>
-            <a:outerShdw blurRad="57150" rotWithShape="0" algn="bl" dir="5400000" dist="19050">
+            <a:outerShdw blurRad="57150" dist="19050" dir="5400000" algn="bl" rotWithShape="0">
               <a:srgbClr val="000000">
                 <a:alpha val="50000"/>
               </a:srgbClr>
@@ -10576,12 +10863,12 @@
           </a:ln>
         </p:spPr>
         <p:txBody>
-          <a:bodyPr anchorCtr="0" anchor="t" bIns="91425" lIns="91425" spcFirstLastPara="1" rIns="91425" wrap="square" tIns="91425">
+          <a:bodyPr spcFirstLastPara="1" wrap="square" lIns="91425" tIns="91425" rIns="91425" bIns="91425" anchor="t" anchorCtr="0">
             <a:spAutoFit/>
           </a:bodyPr>
           <a:lstStyle/>
           <a:p>
-            <a:pPr indent="0" lvl="0" marL="0" rtl="0" algn="ctr">
+            <a:pPr marL="0" lvl="0" indent="0" algn="ctr" rtl="0">
               <a:spcBef>
                 <a:spcPts val="0"/>
               </a:spcBef>
@@ -10591,7 +10878,7 @@
               <a:buNone/>
             </a:pPr>
             <a:r>
-              <a:rPr i="1" lang="en" sz="1200">
+              <a:rPr lang="en" sz="1200" i="1" dirty="0">
                 <a:solidFill>
                   <a:schemeClr val="dk1"/>
                 </a:solidFill>
@@ -10600,9 +10887,9 @@
                 <a:cs typeface="Roboto"/>
                 <a:sym typeface="Roboto"/>
               </a:rPr>
-              <a:t>Fig. 14 - Pac Man in action</a:t>
+              <a:t>Fig. 10 - Pac Man in action</a:t>
             </a:r>
-            <a:endParaRPr i="1" sz="1200">
+            <a:endParaRPr sz="1200" i="1" dirty="0">
               <a:solidFill>
                 <a:schemeClr val="dk1"/>
               </a:solidFill>
@@ -10651,11 +10938,11 @@
 </file>
 
 <file path=ppt/slides/slide14.xml><?xml version="1.0" encoding="utf-8"?>
-<p:sld xmlns:a="http://schemas.openxmlformats.org/drawingml/2006/main" xmlns:r="http://schemas.openxmlformats.org/officeDocument/2006/relationships" xmlns:mc="http://schemas.openxmlformats.org/markup-compatibility/2006" xmlns:mv="urn:schemas-microsoft-com:mac:vml" xmlns:p="http://schemas.openxmlformats.org/presentationml/2006/main" xmlns:c="http://schemas.openxmlformats.org/drawingml/2006/chart" xmlns:dgm="http://schemas.openxmlformats.org/drawingml/2006/diagram" xmlns:o="urn:schemas-microsoft-com:office:office" xmlns:v="urn:schemas-microsoft-com:vml" xmlns:pvml="urn:schemas-microsoft-com:office:powerpoint" xmlns:com="http://schemas.openxmlformats.org/drawingml/2006/compatibility" xmlns:p14="http://schemas.microsoft.com/office/powerpoint/2010/main" xmlns:p15="http://schemas.microsoft.com/office/powerpoint/2012/main" xmlns:ahyp="http://schemas.microsoft.com/office/drawing/2018/hyperlinkcolor">
+<p:sld xmlns:a="http://schemas.openxmlformats.org/drawingml/2006/main" xmlns:r="http://schemas.openxmlformats.org/officeDocument/2006/relationships" xmlns:p="http://schemas.openxmlformats.org/presentationml/2006/main">
   <p:cSld>
     <p:spTree>
       <p:nvGrpSpPr>
-        <p:cNvPr id="176" name="Shape 176"/>
+        <p:cNvPr id="1" name="Shape 176"/>
         <p:cNvGrpSpPr/>
         <p:nvPr/>
       </p:nvGrpSpPr>
@@ -10684,34 +10971,31 @@
           <a:solidFill>
             <a:schemeClr val="lt2"/>
           </a:solidFill>
-          <a:ln cap="flat" cmpd="sng" w="9525">
+          <a:ln w="9525" cap="flat" cmpd="sng">
             <a:solidFill>
               <a:schemeClr val="dk2"/>
             </a:solidFill>
             <a:prstDash val="solid"/>
             <a:round/>
-            <a:headEnd len="sm" w="sm" type="none"/>
-            <a:tailEnd len="sm" w="sm" type="none"/>
+            <a:headEnd type="none" w="sm" len="sm"/>
+            <a:tailEnd type="none" w="sm" len="sm"/>
           </a:ln>
         </p:spPr>
         <p:txBody>
-          <a:bodyPr anchorCtr="0" anchor="ctr" bIns="91425" lIns="91425" spcFirstLastPara="1" rIns="91425" wrap="square" tIns="91425">
+          <a:bodyPr spcFirstLastPara="1" wrap="square" lIns="91425" tIns="91425" rIns="91425" bIns="91425" anchor="ctr" anchorCtr="0">
             <a:noAutofit/>
           </a:bodyPr>
           <a:lstStyle/>
           <a:p>
-            <a:pPr indent="0" lvl="0" marL="0" rtl="0" algn="l">
-              <a:spcBef>
-                <a:spcPts val="0"/>
-              </a:spcBef>
-              <a:spcAft>
-                <a:spcPts val="0"/>
-              </a:spcAft>
-              <a:buNone/>
-            </a:pPr>
-            <a:r>
-              <a:t/>
-            </a:r>
+            <a:pPr marL="0" lvl="0" indent="0" algn="l" rtl="0">
+              <a:spcBef>
+                <a:spcPts val="0"/>
+              </a:spcBef>
+              <a:spcAft>
+                <a:spcPts val="0"/>
+              </a:spcAft>
+              <a:buNone/>
+            </a:pPr>
             <a:endParaRPr/>
           </a:p>
         </p:txBody>
@@ -10719,7 +11003,9 @@
       <p:sp>
         <p:nvSpPr>
           <p:cNvPr id="178" name="Google Shape;178;p26"/>
-          <p:cNvSpPr txBox="1"/>
+          <p:cNvSpPr txBox="1">
+            <a:spLocks noGrp="1"/>
+          </p:cNvSpPr>
           <p:nvPr>
             <p:ph type="title"/>
           </p:nvPr>
@@ -10734,12 +11020,12 @@
           </a:prstGeom>
         </p:spPr>
         <p:txBody>
-          <a:bodyPr anchorCtr="0" anchor="b" bIns="91425" lIns="91425" spcFirstLastPara="1" rIns="91425" wrap="square" tIns="91425">
+          <a:bodyPr spcFirstLastPara="1" wrap="square" lIns="91425" tIns="91425" rIns="91425" bIns="91425" anchor="b" anchorCtr="0">
             <a:normAutofit/>
           </a:bodyPr>
           <a:lstStyle/>
           <a:p>
-            <a:pPr indent="0" lvl="0" marL="0" rtl="0" algn="l">
+            <a:pPr marL="0" lvl="0" indent="0" algn="l" rtl="0">
               <a:spcBef>
                 <a:spcPts val="0"/>
               </a:spcBef>
@@ -10759,9 +11045,11 @@
       <p:sp>
         <p:nvSpPr>
           <p:cNvPr id="179" name="Google Shape;179;p26"/>
-          <p:cNvSpPr txBox="1"/>
+          <p:cNvSpPr txBox="1">
+            <a:spLocks noGrp="1"/>
+          </p:cNvSpPr>
           <p:nvPr>
-            <p:ph idx="1" type="body"/>
+            <p:ph type="body" idx="1"/>
           </p:nvPr>
         </p:nvSpPr>
         <p:spPr>
@@ -10774,12 +11062,12 @@
           </a:prstGeom>
         </p:spPr>
         <p:txBody>
-          <a:bodyPr anchorCtr="0" anchor="t" bIns="91425" lIns="91425" spcFirstLastPara="1" rIns="91425" wrap="square" tIns="91425">
+          <a:bodyPr spcFirstLastPara="1" wrap="square" lIns="91425" tIns="91425" rIns="91425" bIns="91425" anchor="t" anchorCtr="0">
             <a:normAutofit/>
           </a:bodyPr>
           <a:lstStyle/>
           <a:p>
-            <a:pPr indent="-330200" lvl="0" marL="457200" rtl="0" algn="l">
+            <a:pPr marL="457200" lvl="0" indent="-330200" algn="l" rtl="0">
               <a:spcBef>
                 <a:spcPts val="0"/>
               </a:spcBef>
@@ -10796,7 +11084,7 @@
             <a:endParaRPr sz="1600"/>
           </a:p>
           <a:p>
-            <a:pPr indent="-330200" lvl="1" marL="914400" rtl="0" algn="l">
+            <a:pPr marL="914400" lvl="1" indent="-330200" algn="l" rtl="0">
               <a:spcBef>
                 <a:spcPts val="0"/>
               </a:spcBef>
@@ -10813,7 +11101,7 @@
             <a:endParaRPr sz="1600"/>
           </a:p>
           <a:p>
-            <a:pPr indent="-330200" lvl="0" marL="457200" rtl="0" algn="l">
+            <a:pPr marL="457200" lvl="0" indent="-330200" algn="l" rtl="0">
               <a:spcBef>
                 <a:spcPts val="2500"/>
               </a:spcBef>
@@ -10830,7 +11118,7 @@
             <a:endParaRPr sz="1600"/>
           </a:p>
           <a:p>
-            <a:pPr indent="-330200" lvl="1" marL="914400" rtl="0" algn="l">
+            <a:pPr marL="914400" lvl="1" indent="-330200" algn="l" rtl="0">
               <a:spcBef>
                 <a:spcPts val="0"/>
               </a:spcBef>
@@ -10847,7 +11135,7 @@
             <a:endParaRPr sz="1600"/>
           </a:p>
           <a:p>
-            <a:pPr indent="-330200" lvl="0" marL="457200" rtl="0" algn="l">
+            <a:pPr marL="457200" lvl="0" indent="-330200" algn="l" rtl="0">
               <a:lnSpc>
                 <a:spcPct val="105000"/>
               </a:lnSpc>
@@ -10871,9 +11159,11 @@
       <p:sp>
         <p:nvSpPr>
           <p:cNvPr id="180" name="Google Shape;180;p26"/>
-          <p:cNvSpPr txBox="1"/>
+          <p:cNvSpPr txBox="1">
+            <a:spLocks noGrp="1"/>
+          </p:cNvSpPr>
           <p:nvPr>
-            <p:ph idx="12" type="sldNum"/>
+            <p:ph type="sldNum" idx="12"/>
           </p:nvPr>
         </p:nvSpPr>
         <p:spPr>
@@ -10886,12 +11176,12 @@
           </a:prstGeom>
         </p:spPr>
         <p:txBody>
-          <a:bodyPr anchorCtr="0" anchor="ctr" bIns="91425" lIns="91425" spcFirstLastPara="1" rIns="91425" wrap="square" tIns="91425">
+          <a:bodyPr spcFirstLastPara="1" wrap="square" lIns="91425" tIns="91425" rIns="91425" bIns="91425" anchor="ctr" anchorCtr="0">
             <a:normAutofit/>
           </a:bodyPr>
           <a:lstStyle/>
           <a:p>
-            <a:pPr indent="0" lvl="0" marL="0" rtl="0" algn="r">
+            <a:pPr marL="0" lvl="0" indent="0" algn="r" rtl="0">
               <a:spcBef>
                 <a:spcPts val="0"/>
               </a:spcBef>
@@ -10902,7 +11192,7 @@
             </a:pPr>
             <a:fld id="{00000000-1234-1234-1234-123412341234}" type="slidenum">
               <a:rPr lang="en"/>
-              <a:t>‹#›</a:t>
+              <a:t>14</a:t>
             </a:fld>
             <a:endParaRPr/>
           </a:p>
@@ -10973,11 +11263,11 @@
 </file>
 
 <file path=ppt/slides/slide15.xml><?xml version="1.0" encoding="utf-8"?>
-<p:sld xmlns:a="http://schemas.openxmlformats.org/drawingml/2006/main" xmlns:r="http://schemas.openxmlformats.org/officeDocument/2006/relationships" xmlns:mc="http://schemas.openxmlformats.org/markup-compatibility/2006" xmlns:mv="urn:schemas-microsoft-com:mac:vml" xmlns:p="http://schemas.openxmlformats.org/presentationml/2006/main" xmlns:c="http://schemas.openxmlformats.org/drawingml/2006/chart" xmlns:dgm="http://schemas.openxmlformats.org/drawingml/2006/diagram" xmlns:o="urn:schemas-microsoft-com:office:office" xmlns:v="urn:schemas-microsoft-com:vml" xmlns:pvml="urn:schemas-microsoft-com:office:powerpoint" xmlns:com="http://schemas.openxmlformats.org/drawingml/2006/compatibility" xmlns:p14="http://schemas.microsoft.com/office/powerpoint/2010/main" xmlns:p15="http://schemas.microsoft.com/office/powerpoint/2012/main" xmlns:ahyp="http://schemas.microsoft.com/office/drawing/2018/hyperlinkcolor">
+<p:sld xmlns:a="http://schemas.openxmlformats.org/drawingml/2006/main" xmlns:r="http://schemas.openxmlformats.org/officeDocument/2006/relationships" xmlns:p="http://schemas.openxmlformats.org/presentationml/2006/main">
   <p:cSld>
     <p:spTree>
       <p:nvGrpSpPr>
-        <p:cNvPr id="186" name="Shape 186"/>
+        <p:cNvPr id="1" name="Shape 186"/>
         <p:cNvGrpSpPr/>
         <p:nvPr/>
       </p:nvGrpSpPr>
@@ -10992,7 +11282,9 @@
       <p:sp>
         <p:nvSpPr>
           <p:cNvPr id="187" name="Google Shape;187;p27"/>
-          <p:cNvSpPr txBox="1"/>
+          <p:cNvSpPr txBox="1">
+            <a:spLocks noGrp="1"/>
+          </p:cNvSpPr>
           <p:nvPr>
             <p:ph type="title"/>
           </p:nvPr>
@@ -11007,12 +11299,12 @@
           </a:prstGeom>
         </p:spPr>
         <p:txBody>
-          <a:bodyPr anchorCtr="0" anchor="b" bIns="91425" lIns="91425" spcFirstLastPara="1" rIns="91425" wrap="square" tIns="91425">
+          <a:bodyPr spcFirstLastPara="1" wrap="square" lIns="91425" tIns="91425" rIns="91425" bIns="91425" anchor="b" anchorCtr="0">
             <a:normAutofit/>
           </a:bodyPr>
           <a:lstStyle/>
           <a:p>
-            <a:pPr indent="0" lvl="0" marL="0" rtl="0" algn="l">
+            <a:pPr marL="0" lvl="0" indent="0" algn="l" rtl="0">
               <a:spcBef>
                 <a:spcPts val="0"/>
               </a:spcBef>
@@ -11032,9 +11324,11 @@
       <p:sp>
         <p:nvSpPr>
           <p:cNvPr id="188" name="Google Shape;188;p27"/>
-          <p:cNvSpPr txBox="1"/>
+          <p:cNvSpPr txBox="1">
+            <a:spLocks noGrp="1"/>
+          </p:cNvSpPr>
           <p:nvPr>
-            <p:ph idx="12" type="sldNum"/>
+            <p:ph type="sldNum" idx="12"/>
           </p:nvPr>
         </p:nvSpPr>
         <p:spPr>
@@ -11047,12 +11341,12 @@
           </a:prstGeom>
         </p:spPr>
         <p:txBody>
-          <a:bodyPr anchorCtr="0" anchor="ctr" bIns="91425" lIns="91425" spcFirstLastPara="1" rIns="91425" wrap="square" tIns="91425">
+          <a:bodyPr spcFirstLastPara="1" wrap="square" lIns="91425" tIns="91425" rIns="91425" bIns="91425" anchor="ctr" anchorCtr="0">
             <a:normAutofit/>
           </a:bodyPr>
           <a:lstStyle/>
           <a:p>
-            <a:pPr indent="0" lvl="0" marL="0" rtl="0" algn="r">
+            <a:pPr marL="0" lvl="0" indent="0" algn="r" rtl="0">
               <a:spcBef>
                 <a:spcPts val="0"/>
               </a:spcBef>
@@ -11063,7 +11357,7 @@
             </a:pPr>
             <a:fld id="{00000000-1234-1234-1234-123412341234}" type="slidenum">
               <a:rPr lang="en"/>
-              <a:t>‹#›</a:t>
+              <a:t>15</a:t>
             </a:fld>
             <a:endParaRPr/>
           </a:p>
@@ -11077,8 +11371,8 @@
         </p:nvSpPr>
         <p:spPr>
           <a:xfrm>
-            <a:off x="311700" y="1564050"/>
-            <a:ext cx="8368200" cy="3391200"/>
+            <a:off x="311700" y="1240971"/>
+            <a:ext cx="8368200" cy="3714279"/>
           </a:xfrm>
           <a:prstGeom prst="rect">
             <a:avLst/>
@@ -11089,12 +11383,12 @@
           </a:ln>
         </p:spPr>
         <p:txBody>
-          <a:bodyPr anchorCtr="0" anchor="t" bIns="91425" lIns="91425" spcFirstLastPara="1" rIns="91425" wrap="square" tIns="91425">
-            <a:normAutofit/>
+          <a:bodyPr spcFirstLastPara="1" wrap="square" lIns="91425" tIns="91425" rIns="91425" bIns="91425" anchor="t" anchorCtr="0">
+            <a:normAutofit fontScale="92500" lnSpcReduction="10000"/>
           </a:bodyPr>
           <a:lstStyle/>
           <a:p>
-            <a:pPr indent="-342900" lvl="0" marL="457200" rtl="0" algn="l">
+            <a:pPr marL="457200" lvl="0" indent="-342900" algn="l" rtl="0">
               <a:lnSpc>
                 <a:spcPct val="200000"/>
               </a:lnSpc>
@@ -11112,7 +11406,7 @@
               <a:buChar char="●"/>
             </a:pPr>
             <a:r>
-              <a:rPr lang="en" sz="1800">
+              <a:rPr lang="en" sz="1800" dirty="0">
                 <a:solidFill>
                   <a:srgbClr val="FFFFFF"/>
                 </a:solidFill>
@@ -11123,7 +11417,24 @@
               </a:rPr>
               <a:t>Training time</a:t>
             </a:r>
-            <a:endParaRPr sz="1800">
+          </a:p>
+          <a:p>
+            <a:pPr marL="114300" lvl="0" algn="l" rtl="0">
+              <a:lnSpc>
+                <a:spcPct val="200000"/>
+              </a:lnSpc>
+              <a:spcBef>
+                <a:spcPts val="0"/>
+              </a:spcBef>
+              <a:spcAft>
+                <a:spcPts val="0"/>
+              </a:spcAft>
+              <a:buClr>
+                <a:srgbClr val="FFFFFF"/>
+              </a:buClr>
+              <a:buSzPts val="1800"/>
+            </a:pPr>
+            <a:endParaRPr sz="1800" dirty="0">
               <a:solidFill>
                 <a:srgbClr val="FFFFFF"/>
               </a:solidFill>
@@ -11134,7 +11445,7 @@
             </a:endParaRPr>
           </a:p>
           <a:p>
-            <a:pPr indent="-342900" lvl="0" marL="457200" rtl="0" algn="l">
+            <a:pPr marL="457200" lvl="0" indent="-342900" algn="l" rtl="0">
               <a:lnSpc>
                 <a:spcPct val="200000"/>
               </a:lnSpc>
@@ -11152,7 +11463,7 @@
               <a:buChar char="●"/>
             </a:pPr>
             <a:r>
-              <a:rPr lang="en" sz="1800">
+              <a:rPr lang="en" sz="1800" dirty="0">
                 <a:solidFill>
                   <a:srgbClr val="FFFFFF"/>
                 </a:solidFill>
@@ -11163,7 +11474,24 @@
               </a:rPr>
               <a:t>Hardware Limitations</a:t>
             </a:r>
-            <a:endParaRPr sz="1800">
+          </a:p>
+          <a:p>
+            <a:pPr marL="114300" lvl="0" algn="l" rtl="0">
+              <a:lnSpc>
+                <a:spcPct val="200000"/>
+              </a:lnSpc>
+              <a:spcBef>
+                <a:spcPts val="0"/>
+              </a:spcBef>
+              <a:spcAft>
+                <a:spcPts val="0"/>
+              </a:spcAft>
+              <a:buClr>
+                <a:srgbClr val="FFFFFF"/>
+              </a:buClr>
+              <a:buSzPts val="1800"/>
+            </a:pPr>
+            <a:endParaRPr lang="en" sz="1800" dirty="0">
               <a:solidFill>
                 <a:srgbClr val="FFFFFF"/>
               </a:solidFill>
@@ -11174,12 +11502,12 @@
             </a:endParaRPr>
           </a:p>
           <a:p>
-            <a:pPr indent="-342900" lvl="0" marL="457200" rtl="0" algn="l">
+            <a:pPr marL="457200" lvl="0" indent="-342900" algn="l" rtl="0">
               <a:lnSpc>
                 <a:spcPct val="200000"/>
               </a:lnSpc>
               <a:spcBef>
-                <a:spcPts val="2500"/>
+                <a:spcPts val="0"/>
               </a:spcBef>
               <a:spcAft>
                 <a:spcPts val="0"/>
@@ -11192,7 +11520,7 @@
               <a:buChar char="●"/>
             </a:pPr>
             <a:r>
-              <a:rPr lang="en" sz="1800">
+              <a:rPr lang="en-US" sz="1800" dirty="0">
                 <a:solidFill>
                   <a:srgbClr val="FFFFFF"/>
                 </a:solidFill>
@@ -11201,9 +11529,26 @@
                 <a:cs typeface="Roboto"/>
                 <a:sym typeface="Roboto"/>
               </a:rPr>
-              <a:t>Noise and unrelated spikes </a:t>
+              <a:t>Noise and unrelated spikes</a:t>
             </a:r>
-            <a:endParaRPr sz="1800">
+          </a:p>
+          <a:p>
+            <a:pPr marL="114300" lvl="0" algn="l" rtl="0">
+              <a:lnSpc>
+                <a:spcPct val="200000"/>
+              </a:lnSpc>
+              <a:spcBef>
+                <a:spcPts val="0"/>
+              </a:spcBef>
+              <a:spcAft>
+                <a:spcPts val="0"/>
+              </a:spcAft>
+              <a:buClr>
+                <a:srgbClr val="FFFFFF"/>
+              </a:buClr>
+              <a:buSzPts val="1800"/>
+            </a:pPr>
+            <a:endParaRPr lang="en-US" sz="1800" dirty="0">
               <a:solidFill>
                 <a:srgbClr val="FFFFFF"/>
               </a:solidFill>
@@ -11214,12 +11559,12 @@
             </a:endParaRPr>
           </a:p>
           <a:p>
-            <a:pPr indent="-342900" lvl="0" marL="457200" rtl="0" algn="l">
+            <a:pPr marL="457200" lvl="0" indent="-342900" algn="l" rtl="0">
               <a:lnSpc>
                 <a:spcPct val="200000"/>
               </a:lnSpc>
               <a:spcBef>
-                <a:spcPts val="2500"/>
+                <a:spcPts val="0"/>
               </a:spcBef>
               <a:spcAft>
                 <a:spcPts val="0"/>
@@ -11232,7 +11577,7 @@
               <a:buChar char="●"/>
             </a:pPr>
             <a:r>
-              <a:rPr lang="en" sz="1800">
+              <a:rPr lang="en-US" sz="1800" dirty="0">
                 <a:solidFill>
                   <a:srgbClr val="FFFFFF"/>
                 </a:solidFill>
@@ -11243,7 +11588,7 @@
               </a:rPr>
               <a:t>Thought to Action Latency</a:t>
             </a:r>
-            <a:endParaRPr sz="1800">
+            <a:endParaRPr sz="1800" dirty="0">
               <a:solidFill>
                 <a:srgbClr val="FFFFFF"/>
               </a:solidFill>
@@ -11254,7 +11599,7 @@
             </a:endParaRPr>
           </a:p>
           <a:p>
-            <a:pPr indent="0" lvl="0" marL="914400" rtl="0" algn="l">
+            <a:pPr marL="914400" lvl="0" indent="0" algn="l" rtl="0">
               <a:lnSpc>
                 <a:spcPct val="200000"/>
               </a:lnSpc>
@@ -11266,10 +11611,7 @@
               </a:spcAft>
               <a:buNone/>
             </a:pPr>
-            <a:r>
-              <a:t/>
-            </a:r>
-            <a:endParaRPr sz="1600">
+            <a:endParaRPr sz="1600" dirty="0">
               <a:solidFill>
                 <a:srgbClr val="FFFFFF"/>
               </a:solidFill>
@@ -11329,12 +11671,12 @@
           </a:ln>
         </p:spPr>
         <p:txBody>
-          <a:bodyPr anchorCtr="0" anchor="t" bIns="91425" lIns="91425" spcFirstLastPara="1" rIns="91425" wrap="square" tIns="91425">
+          <a:bodyPr spcFirstLastPara="1" wrap="square" lIns="91425" tIns="91425" rIns="91425" bIns="91425" anchor="t" anchorCtr="0">
             <a:spAutoFit/>
           </a:bodyPr>
           <a:lstStyle/>
           <a:p>
-            <a:pPr indent="0" lvl="0" marL="0" rtl="0" algn="ctr">
+            <a:pPr marL="0" lvl="0" indent="0" algn="ctr" rtl="0">
               <a:spcBef>
                 <a:spcPts val="0"/>
               </a:spcBef>
@@ -11344,7 +11686,7 @@
               <a:buNone/>
             </a:pPr>
             <a:r>
-              <a:rPr i="1" lang="en" sz="1200">
+              <a:rPr lang="en" sz="1200" i="1" dirty="0">
                 <a:solidFill>
                   <a:schemeClr val="dk1"/>
                 </a:solidFill>
@@ -11353,9 +11695,9 @@
                 <a:cs typeface="Roboto"/>
                 <a:sym typeface="Roboto"/>
               </a:rPr>
-              <a:t>Fig. 15 - OpenBCI Headset with Additional Nodes</a:t>
+              <a:t>Fig. 11 - OpenBCI Headset with Additional Nodes</a:t>
             </a:r>
-            <a:endParaRPr i="1" sz="1200">
+            <a:endParaRPr sz="1200" i="1" dirty="0">
               <a:solidFill>
                 <a:schemeClr val="dk1"/>
               </a:solidFill>
@@ -11376,11 +11718,11 @@
 </file>
 
 <file path=ppt/slides/slide16.xml><?xml version="1.0" encoding="utf-8"?>
-<p:sld xmlns:a="http://schemas.openxmlformats.org/drawingml/2006/main" xmlns:r="http://schemas.openxmlformats.org/officeDocument/2006/relationships" xmlns:mc="http://schemas.openxmlformats.org/markup-compatibility/2006" xmlns:mv="urn:schemas-microsoft-com:mac:vml" xmlns:p="http://schemas.openxmlformats.org/presentationml/2006/main" xmlns:c="http://schemas.openxmlformats.org/drawingml/2006/chart" xmlns:dgm="http://schemas.openxmlformats.org/drawingml/2006/diagram" xmlns:o="urn:schemas-microsoft-com:office:office" xmlns:v="urn:schemas-microsoft-com:vml" xmlns:pvml="urn:schemas-microsoft-com:office:powerpoint" xmlns:com="http://schemas.openxmlformats.org/drawingml/2006/compatibility" xmlns:p14="http://schemas.microsoft.com/office/powerpoint/2010/main" xmlns:p15="http://schemas.microsoft.com/office/powerpoint/2012/main" xmlns:ahyp="http://schemas.microsoft.com/office/drawing/2018/hyperlinkcolor">
+<p:sld xmlns:a="http://schemas.openxmlformats.org/drawingml/2006/main" xmlns:r="http://schemas.openxmlformats.org/officeDocument/2006/relationships" xmlns:p="http://schemas.openxmlformats.org/presentationml/2006/main">
   <p:cSld>
     <p:spTree>
       <p:nvGrpSpPr>
-        <p:cNvPr id="195" name="Shape 195"/>
+        <p:cNvPr id="1" name="Shape 195"/>
         <p:cNvGrpSpPr/>
         <p:nvPr/>
       </p:nvGrpSpPr>
@@ -11395,7 +11737,9 @@
       <p:sp>
         <p:nvSpPr>
           <p:cNvPr id="196" name="Google Shape;196;p28"/>
-          <p:cNvSpPr txBox="1"/>
+          <p:cNvSpPr txBox="1">
+            <a:spLocks noGrp="1"/>
+          </p:cNvSpPr>
           <p:nvPr>
             <p:ph type="title"/>
           </p:nvPr>
@@ -11410,12 +11754,12 @@
           </a:prstGeom>
         </p:spPr>
         <p:txBody>
-          <a:bodyPr anchorCtr="0" anchor="b" bIns="91425" lIns="91425" spcFirstLastPara="1" rIns="91425" wrap="square" tIns="91425">
+          <a:bodyPr spcFirstLastPara="1" wrap="square" lIns="91425" tIns="91425" rIns="91425" bIns="91425" anchor="b" anchorCtr="0">
             <a:normAutofit/>
           </a:bodyPr>
           <a:lstStyle/>
           <a:p>
-            <a:pPr indent="0" lvl="0" marL="0" rtl="0" algn="l">
+            <a:pPr marL="0" lvl="0" indent="0" algn="l" rtl="0">
               <a:spcBef>
                 <a:spcPts val="0"/>
               </a:spcBef>
@@ -11435,14 +11779,16 @@
       <p:sp>
         <p:nvSpPr>
           <p:cNvPr id="197" name="Google Shape;197;p28"/>
-          <p:cNvSpPr txBox="1"/>
+          <p:cNvSpPr txBox="1">
+            <a:spLocks noGrp="1"/>
+          </p:cNvSpPr>
           <p:nvPr>
-            <p:ph idx="1" type="body"/>
+            <p:ph type="body" idx="1"/>
           </p:nvPr>
         </p:nvSpPr>
         <p:spPr>
           <a:xfrm>
-            <a:off x="387900" y="1257300"/>
+            <a:off x="378608" y="1946716"/>
             <a:ext cx="8368200" cy="2117100"/>
           </a:xfrm>
           <a:prstGeom prst="rect">
@@ -11450,12 +11796,12 @@
           </a:prstGeom>
         </p:spPr>
         <p:txBody>
-          <a:bodyPr anchorCtr="0" anchor="t" bIns="91425" lIns="91425" spcFirstLastPara="1" rIns="91425" wrap="square" tIns="91425">
+          <a:bodyPr spcFirstLastPara="1" wrap="square" lIns="91425" tIns="91425" rIns="91425" bIns="91425" anchor="t" anchorCtr="0">
             <a:normAutofit/>
           </a:bodyPr>
           <a:lstStyle/>
           <a:p>
-            <a:pPr indent="-342900" lvl="0" marL="457200" rtl="0" algn="l">
+            <a:pPr marL="457200" lvl="0" indent="-342900" algn="l" rtl="0">
               <a:spcBef>
                 <a:spcPts val="0"/>
               </a:spcBef>
@@ -11466,13 +11812,13 @@
               <a:buChar char="●"/>
             </a:pPr>
             <a:r>
-              <a:rPr lang="en"/>
+              <a:rPr lang="en" dirty="0"/>
               <a:t>Upgrade our EEG hardware</a:t>
             </a:r>
-            <a:endParaRPr/>
-          </a:p>
-          <a:p>
-            <a:pPr indent="-342900" lvl="0" marL="457200" rtl="0" algn="l">
+            <a:endParaRPr dirty="0"/>
+          </a:p>
+          <a:p>
+            <a:pPr marL="457200" lvl="0" indent="-342900" algn="l" rtl="0">
               <a:spcBef>
                 <a:spcPts val="2500"/>
               </a:spcBef>
@@ -11483,13 +11829,13 @@
               <a:buChar char="●"/>
             </a:pPr>
             <a:r>
-              <a:rPr lang="en"/>
-              <a:t>Fine-tune our noise reduction and ML classification techniques</a:t>
+              <a:rPr lang="en" dirty="0"/>
+              <a:t>Fine-tune: noise reduction, ML classification </a:t>
             </a:r>
-            <a:endParaRPr/>
-          </a:p>
-          <a:p>
-            <a:pPr indent="-342900" lvl="0" marL="457200" rtl="0" algn="l">
+            <a:endParaRPr dirty="0"/>
+          </a:p>
+          <a:p>
+            <a:pPr marL="457200" lvl="0" indent="-342900" algn="l" rtl="0">
               <a:spcBef>
                 <a:spcPts val="2500"/>
               </a:spcBef>
@@ -11500,19 +11846,21 @@
               <a:buChar char="●"/>
             </a:pPr>
             <a:r>
-              <a:rPr lang="en"/>
-              <a:t>Transition from classifying movements to classifying imagined movements (motor imagery)</a:t>
+              <a:rPr lang="en" dirty="0"/>
+              <a:t>Classify Imagined Movements</a:t>
             </a:r>
-            <a:endParaRPr/>
+            <a:endParaRPr dirty="0"/>
           </a:p>
         </p:txBody>
       </p:sp>
       <p:sp>
         <p:nvSpPr>
           <p:cNvPr id="198" name="Google Shape;198;p28"/>
-          <p:cNvSpPr txBox="1"/>
+          <p:cNvSpPr txBox="1">
+            <a:spLocks noGrp="1"/>
+          </p:cNvSpPr>
           <p:nvPr>
-            <p:ph idx="12" type="sldNum"/>
+            <p:ph type="sldNum" idx="12"/>
           </p:nvPr>
         </p:nvSpPr>
         <p:spPr>
@@ -11525,12 +11873,12 @@
           </a:prstGeom>
         </p:spPr>
         <p:txBody>
-          <a:bodyPr anchorCtr="0" anchor="ctr" bIns="91425" lIns="91425" spcFirstLastPara="1" rIns="91425" wrap="square" tIns="91425">
+          <a:bodyPr spcFirstLastPara="1" wrap="square" lIns="91425" tIns="91425" rIns="91425" bIns="91425" anchor="ctr" anchorCtr="0">
             <a:normAutofit/>
           </a:bodyPr>
           <a:lstStyle/>
           <a:p>
-            <a:pPr indent="0" lvl="0" marL="0" rtl="0" algn="r">
+            <a:pPr marL="0" lvl="0" indent="0" algn="r" rtl="0">
               <a:spcBef>
                 <a:spcPts val="0"/>
               </a:spcBef>
@@ -11541,7 +11889,7 @@
             </a:pPr>
             <a:fld id="{00000000-1234-1234-1234-123412341234}" type="slidenum">
               <a:rPr lang="en"/>
-              <a:t>‹#›</a:t>
+              <a:t>16</a:t>
             </a:fld>
             <a:endParaRPr/>
           </a:p>
@@ -11556,11 +11904,11 @@
 </file>
 
 <file path=ppt/slides/slide17.xml><?xml version="1.0" encoding="utf-8"?>
-<p:sld xmlns:a="http://schemas.openxmlformats.org/drawingml/2006/main" xmlns:r="http://schemas.openxmlformats.org/officeDocument/2006/relationships" xmlns:mc="http://schemas.openxmlformats.org/markup-compatibility/2006" xmlns:mv="urn:schemas-microsoft-com:mac:vml" xmlns:p="http://schemas.openxmlformats.org/presentationml/2006/main" xmlns:c="http://schemas.openxmlformats.org/drawingml/2006/chart" xmlns:dgm="http://schemas.openxmlformats.org/drawingml/2006/diagram" xmlns:o="urn:schemas-microsoft-com:office:office" xmlns:v="urn:schemas-microsoft-com:vml" xmlns:pvml="urn:schemas-microsoft-com:office:powerpoint" xmlns:com="http://schemas.openxmlformats.org/drawingml/2006/compatibility" xmlns:p14="http://schemas.microsoft.com/office/powerpoint/2010/main" xmlns:p15="http://schemas.microsoft.com/office/powerpoint/2012/main" xmlns:ahyp="http://schemas.microsoft.com/office/drawing/2018/hyperlinkcolor">
+<p:sld xmlns:a="http://schemas.openxmlformats.org/drawingml/2006/main" xmlns:r="http://schemas.openxmlformats.org/officeDocument/2006/relationships" xmlns:p="http://schemas.openxmlformats.org/presentationml/2006/main">
   <p:cSld>
     <p:spTree>
       <p:nvGrpSpPr>
-        <p:cNvPr id="202" name="Shape 202"/>
+        <p:cNvPr id="1" name="Shape 202"/>
         <p:cNvGrpSpPr/>
         <p:nvPr/>
       </p:nvGrpSpPr>
@@ -11575,9 +11923,11 @@
       <p:sp>
         <p:nvSpPr>
           <p:cNvPr id="203" name="Google Shape;203;p29"/>
-          <p:cNvSpPr txBox="1"/>
+          <p:cNvSpPr txBox="1">
+            <a:spLocks noGrp="1"/>
+          </p:cNvSpPr>
           <p:nvPr>
-            <p:ph idx="4294967295" type="title"/>
+            <p:ph type="title" idx="4294967295"/>
           </p:nvPr>
         </p:nvSpPr>
         <p:spPr>
@@ -11590,12 +11940,12 @@
           </a:prstGeom>
         </p:spPr>
         <p:txBody>
-          <a:bodyPr anchorCtr="0" anchor="b" bIns="91425" lIns="91425" spcFirstLastPara="1" rIns="91425" wrap="square" tIns="91425">
+          <a:bodyPr spcFirstLastPara="1" wrap="square" lIns="91425" tIns="91425" rIns="91425" bIns="91425" anchor="b" anchorCtr="0">
             <a:noAutofit/>
           </a:bodyPr>
           <a:lstStyle/>
           <a:p>
-            <a:pPr indent="0" lvl="0" marL="0" rtl="0" algn="l">
+            <a:pPr marL="0" lvl="0" indent="0" algn="l" rtl="0">
               <a:spcBef>
                 <a:spcPts val="0"/>
               </a:spcBef>
@@ -11615,9 +11965,11 @@
       <p:sp>
         <p:nvSpPr>
           <p:cNvPr id="204" name="Google Shape;204;p29"/>
-          <p:cNvSpPr txBox="1"/>
+          <p:cNvSpPr txBox="1">
+            <a:spLocks noGrp="1"/>
+          </p:cNvSpPr>
           <p:nvPr>
-            <p:ph idx="12" type="sldNum"/>
+            <p:ph type="sldNum" idx="12"/>
           </p:nvPr>
         </p:nvSpPr>
         <p:spPr>
@@ -11630,12 +11982,12 @@
           </a:prstGeom>
         </p:spPr>
         <p:txBody>
-          <a:bodyPr anchorCtr="0" anchor="ctr" bIns="91425" lIns="91425" spcFirstLastPara="1" rIns="91425" wrap="square" tIns="91425">
+          <a:bodyPr spcFirstLastPara="1" wrap="square" lIns="91425" tIns="91425" rIns="91425" bIns="91425" anchor="ctr" anchorCtr="0">
             <a:normAutofit/>
           </a:bodyPr>
           <a:lstStyle/>
           <a:p>
-            <a:pPr indent="0" lvl="0" marL="0" rtl="0" algn="r">
+            <a:pPr marL="0" lvl="0" indent="0" algn="r" rtl="0">
               <a:spcBef>
                 <a:spcPts val="0"/>
               </a:spcBef>
@@ -11646,7 +11998,7 @@
             </a:pPr>
             <a:fld id="{00000000-1234-1234-1234-123412341234}" type="slidenum">
               <a:rPr lang="en"/>
-              <a:t>‹#›</a:t>
+              <a:t>17</a:t>
             </a:fld>
             <a:endParaRPr/>
           </a:p>
@@ -11661,11 +12013,11 @@
 </file>
 
 <file path=ppt/slides/slide2.xml><?xml version="1.0" encoding="utf-8"?>
-<p:sld xmlns:a="http://schemas.openxmlformats.org/drawingml/2006/main" xmlns:r="http://schemas.openxmlformats.org/officeDocument/2006/relationships" xmlns:mc="http://schemas.openxmlformats.org/markup-compatibility/2006" xmlns:mv="urn:schemas-microsoft-com:mac:vml" xmlns:p="http://schemas.openxmlformats.org/presentationml/2006/main" xmlns:c="http://schemas.openxmlformats.org/drawingml/2006/chart" xmlns:dgm="http://schemas.openxmlformats.org/drawingml/2006/diagram" xmlns:o="urn:schemas-microsoft-com:office:office" xmlns:v="urn:schemas-microsoft-com:vml" xmlns:pvml="urn:schemas-microsoft-com:office:powerpoint" xmlns:com="http://schemas.openxmlformats.org/drawingml/2006/compatibility" xmlns:p14="http://schemas.microsoft.com/office/powerpoint/2010/main" xmlns:p15="http://schemas.microsoft.com/office/powerpoint/2012/main" xmlns:ahyp="http://schemas.microsoft.com/office/drawing/2018/hyperlinkcolor">
+<p:sld xmlns:a="http://schemas.openxmlformats.org/drawingml/2006/main" xmlns:r="http://schemas.openxmlformats.org/officeDocument/2006/relationships" xmlns:p="http://schemas.openxmlformats.org/presentationml/2006/main">
   <p:cSld>
     <p:spTree>
       <p:nvGrpSpPr>
-        <p:cNvPr id="69" name="Shape 69"/>
+        <p:cNvPr id="1" name="Shape 69"/>
         <p:cNvGrpSpPr/>
         <p:nvPr/>
       </p:nvGrpSpPr>
@@ -11680,7 +12032,9 @@
       <p:sp>
         <p:nvSpPr>
           <p:cNvPr id="70" name="Google Shape;70;p14"/>
-          <p:cNvSpPr txBox="1"/>
+          <p:cNvSpPr txBox="1">
+            <a:spLocks noGrp="1"/>
+          </p:cNvSpPr>
           <p:nvPr>
             <p:ph type="title"/>
           </p:nvPr>
@@ -11695,12 +12049,12 @@
           </a:prstGeom>
         </p:spPr>
         <p:txBody>
-          <a:bodyPr anchorCtr="0" anchor="b" bIns="91425" lIns="91425" spcFirstLastPara="1" rIns="91425" wrap="square" tIns="91425">
+          <a:bodyPr spcFirstLastPara="1" wrap="square" lIns="91425" tIns="91425" rIns="91425" bIns="91425" anchor="b" anchorCtr="0">
             <a:normAutofit fontScale="90000"/>
           </a:bodyPr>
           <a:lstStyle/>
           <a:p>
-            <a:pPr indent="0" lvl="0" marL="0" rtl="0" algn="l">
+            <a:pPr marL="0" lvl="0" indent="0" algn="l" rtl="0">
               <a:spcBef>
                 <a:spcPts val="0"/>
               </a:spcBef>
@@ -11720,9 +12074,11 @@
       <p:sp>
         <p:nvSpPr>
           <p:cNvPr id="71" name="Google Shape;71;p14"/>
-          <p:cNvSpPr txBox="1"/>
+          <p:cNvSpPr txBox="1">
+            <a:spLocks noGrp="1"/>
+          </p:cNvSpPr>
           <p:nvPr>
-            <p:ph idx="12" type="sldNum"/>
+            <p:ph type="sldNum" idx="12"/>
           </p:nvPr>
         </p:nvSpPr>
         <p:spPr>
@@ -11735,12 +12091,12 @@
           </a:prstGeom>
         </p:spPr>
         <p:txBody>
-          <a:bodyPr anchorCtr="0" anchor="ctr" bIns="91425" lIns="91425" spcFirstLastPara="1" rIns="91425" wrap="square" tIns="91425">
+          <a:bodyPr spcFirstLastPara="1" wrap="square" lIns="91425" tIns="91425" rIns="91425" bIns="91425" anchor="ctr" anchorCtr="0">
             <a:normAutofit/>
           </a:bodyPr>
           <a:lstStyle/>
           <a:p>
-            <a:pPr indent="0" lvl="0" marL="0" rtl="0" algn="r">
+            <a:pPr marL="0" lvl="0" indent="0" algn="r" rtl="0">
               <a:spcBef>
                 <a:spcPts val="0"/>
               </a:spcBef>
@@ -11751,7 +12107,7 @@
             </a:pPr>
             <a:fld id="{00000000-1234-1234-1234-123412341234}" type="slidenum">
               <a:rPr lang="en"/>
-              <a:t>‹#›</a:t>
+              <a:t>2</a:t>
             </a:fld>
             <a:endParaRPr/>
           </a:p>
@@ -11760,9 +12116,11 @@
       <p:sp>
         <p:nvSpPr>
           <p:cNvPr id="72" name="Google Shape;72;p14"/>
-          <p:cNvSpPr txBox="1"/>
+          <p:cNvSpPr txBox="1">
+            <a:spLocks noGrp="1"/>
+          </p:cNvSpPr>
           <p:nvPr>
-            <p:ph idx="1" type="body"/>
+            <p:ph type="body" idx="1"/>
           </p:nvPr>
         </p:nvSpPr>
         <p:spPr>
@@ -11775,12 +12133,12 @@
           </a:prstGeom>
         </p:spPr>
         <p:txBody>
-          <a:bodyPr anchorCtr="0" anchor="t" bIns="91425" lIns="91425" spcFirstLastPara="1" rIns="91425" wrap="square" tIns="91425">
+          <a:bodyPr spcFirstLastPara="1" wrap="square" lIns="91425" tIns="91425" rIns="91425" bIns="91425" anchor="t" anchorCtr="0">
             <a:normAutofit/>
           </a:bodyPr>
           <a:lstStyle/>
           <a:p>
-            <a:pPr indent="0" lvl="0" marL="0" rtl="0" algn="ctr">
+            <a:pPr marL="0" lvl="0" indent="0" algn="ctr" rtl="0">
               <a:spcBef>
                 <a:spcPts val="0"/>
               </a:spcBef>
@@ -11790,14 +12148,14 @@
               <a:buNone/>
             </a:pPr>
             <a:r>
-              <a:rPr b="1" lang="en"/>
+              <a:rPr lang="en" b="1" dirty="0"/>
               <a:t>Neurofeedback</a:t>
             </a:r>
             <a:r>
-              <a:rPr lang="en"/>
+              <a:rPr lang="en" dirty="0"/>
               <a:t> to control real-time interactive experiences</a:t>
             </a:r>
-            <a:endParaRPr/>
+            <a:endParaRPr dirty="0"/>
           </a:p>
         </p:txBody>
       </p:sp>
@@ -11810,11 +12168,11 @@
 </file>
 
 <file path=ppt/slides/slide3.xml><?xml version="1.0" encoding="utf-8"?>
-<p:sld xmlns:a="http://schemas.openxmlformats.org/drawingml/2006/main" xmlns:r="http://schemas.openxmlformats.org/officeDocument/2006/relationships" xmlns:mc="http://schemas.openxmlformats.org/markup-compatibility/2006" xmlns:mv="urn:schemas-microsoft-com:mac:vml" xmlns:p="http://schemas.openxmlformats.org/presentationml/2006/main" xmlns:c="http://schemas.openxmlformats.org/drawingml/2006/chart" xmlns:dgm="http://schemas.openxmlformats.org/drawingml/2006/diagram" xmlns:o="urn:schemas-microsoft-com:office:office" xmlns:v="urn:schemas-microsoft-com:vml" xmlns:pvml="urn:schemas-microsoft-com:office:powerpoint" xmlns:com="http://schemas.openxmlformats.org/drawingml/2006/compatibility" xmlns:p14="http://schemas.microsoft.com/office/powerpoint/2010/main" xmlns:p15="http://schemas.microsoft.com/office/powerpoint/2012/main" xmlns:ahyp="http://schemas.microsoft.com/office/drawing/2018/hyperlinkcolor">
+<p:sld xmlns:a="http://schemas.openxmlformats.org/drawingml/2006/main" xmlns:r="http://schemas.openxmlformats.org/officeDocument/2006/relationships" xmlns:p="http://schemas.openxmlformats.org/presentationml/2006/main">
   <p:cSld>
     <p:spTree>
       <p:nvGrpSpPr>
-        <p:cNvPr id="76" name="Shape 76"/>
+        <p:cNvPr id="1" name="Shape 76"/>
         <p:cNvGrpSpPr/>
         <p:nvPr/>
       </p:nvGrpSpPr>
@@ -11829,7 +12187,9 @@
       <p:sp>
         <p:nvSpPr>
           <p:cNvPr id="77" name="Google Shape;77;p15"/>
-          <p:cNvSpPr txBox="1"/>
+          <p:cNvSpPr txBox="1">
+            <a:spLocks noGrp="1"/>
+          </p:cNvSpPr>
           <p:nvPr>
             <p:ph type="title"/>
           </p:nvPr>
@@ -11844,12 +12204,12 @@
           </a:prstGeom>
         </p:spPr>
         <p:txBody>
-          <a:bodyPr anchorCtr="0" anchor="b" bIns="91425" lIns="91425" spcFirstLastPara="1" rIns="91425" wrap="square" tIns="91425">
+          <a:bodyPr spcFirstLastPara="1" wrap="square" lIns="91425" tIns="91425" rIns="91425" bIns="91425" anchor="b" anchorCtr="0">
             <a:normAutofit/>
           </a:bodyPr>
           <a:lstStyle/>
           <a:p>
-            <a:pPr indent="0" lvl="0" marL="0" rtl="0" algn="l">
+            <a:pPr marL="0" lvl="0" indent="0" algn="l" rtl="0">
               <a:spcBef>
                 <a:spcPts val="0"/>
               </a:spcBef>
@@ -11869,9 +12229,11 @@
       <p:sp>
         <p:nvSpPr>
           <p:cNvPr id="78" name="Google Shape;78;p15"/>
-          <p:cNvSpPr txBox="1"/>
+          <p:cNvSpPr txBox="1">
+            <a:spLocks noGrp="1"/>
+          </p:cNvSpPr>
           <p:nvPr>
-            <p:ph idx="1" type="body"/>
+            <p:ph type="body" idx="1"/>
           </p:nvPr>
         </p:nvSpPr>
         <p:spPr>
@@ -11884,12 +12246,12 @@
           </a:prstGeom>
         </p:spPr>
         <p:txBody>
-          <a:bodyPr anchorCtr="0" anchor="t" bIns="91425" lIns="91425" spcFirstLastPara="1" rIns="91425" wrap="square" tIns="91425">
+          <a:bodyPr spcFirstLastPara="1" wrap="square" lIns="91425" tIns="91425" rIns="91425" bIns="91425" anchor="t" anchorCtr="0">
             <a:normAutofit/>
           </a:bodyPr>
           <a:lstStyle/>
           <a:p>
-            <a:pPr indent="0" lvl="0" marL="0" rtl="0" algn="ctr">
+            <a:pPr marL="0" lvl="0" indent="0" algn="ctr" rtl="0">
               <a:spcBef>
                 <a:spcPts val="0"/>
               </a:spcBef>
@@ -11899,12 +12261,8 @@
               <a:buNone/>
             </a:pPr>
             <a:r>
-              <a:rPr b="1" lang="en"/>
-              <a:t>N</a:t>
-            </a:r>
-            <a:r>
-              <a:rPr b="1" lang="en"/>
-              <a:t>eurofeedback</a:t>
+              <a:rPr lang="en" b="1"/>
+              <a:t>Neurofeedback</a:t>
             </a:r>
             <a:r>
               <a:rPr lang="en"/>
@@ -11913,7 +12271,7 @@
             <a:endParaRPr/>
           </a:p>
           <a:p>
-            <a:pPr indent="0" lvl="0" marL="0" rtl="0" algn="l">
+            <a:pPr marL="0" lvl="0" indent="0" algn="l" rtl="0">
               <a:spcBef>
                 <a:spcPts val="1200"/>
               </a:spcBef>
@@ -11922,13 +12280,10 @@
               </a:spcAft>
               <a:buNone/>
             </a:pPr>
-            <a:r>
-              <a:t/>
-            </a:r>
             <a:endParaRPr/>
           </a:p>
           <a:p>
-            <a:pPr indent="0" lvl="0" marL="0" rtl="0" algn="ctr">
+            <a:pPr marL="0" lvl="0" indent="0" algn="ctr" rtl="0">
               <a:spcBef>
                 <a:spcPts val="1200"/>
               </a:spcBef>
@@ -11942,7 +12297,7 @@
               <a:t>Play Pac-Man just by </a:t>
             </a:r>
             <a:r>
-              <a:rPr b="1" lang="en"/>
+              <a:rPr lang="en" b="1"/>
               <a:t>thinking</a:t>
             </a:r>
             <a:r>
@@ -11952,7 +12307,7 @@
             <a:endParaRPr/>
           </a:p>
           <a:p>
-            <a:pPr indent="0" lvl="0" marL="0" rtl="0" algn="ctr">
+            <a:pPr marL="0" lvl="0" indent="0" algn="ctr" rtl="0">
               <a:spcBef>
                 <a:spcPts val="1200"/>
               </a:spcBef>
@@ -11972,9 +12327,11 @@
       <p:sp>
         <p:nvSpPr>
           <p:cNvPr id="79" name="Google Shape;79;p15"/>
-          <p:cNvSpPr txBox="1"/>
+          <p:cNvSpPr txBox="1">
+            <a:spLocks noGrp="1"/>
+          </p:cNvSpPr>
           <p:nvPr>
-            <p:ph idx="12" type="sldNum"/>
+            <p:ph type="sldNum" idx="12"/>
           </p:nvPr>
         </p:nvSpPr>
         <p:spPr>
@@ -11987,12 +12344,12 @@
           </a:prstGeom>
         </p:spPr>
         <p:txBody>
-          <a:bodyPr anchorCtr="0" anchor="ctr" bIns="91425" lIns="91425" spcFirstLastPara="1" rIns="91425" wrap="square" tIns="91425">
+          <a:bodyPr spcFirstLastPara="1" wrap="square" lIns="91425" tIns="91425" rIns="91425" bIns="91425" anchor="ctr" anchorCtr="0">
             <a:normAutofit/>
           </a:bodyPr>
           <a:lstStyle/>
           <a:p>
-            <a:pPr indent="0" lvl="0" marL="0" rtl="0" algn="r">
+            <a:pPr marL="0" lvl="0" indent="0" algn="r" rtl="0">
               <a:spcBef>
                 <a:spcPts val="0"/>
               </a:spcBef>
@@ -12003,7 +12360,7 @@
             </a:pPr>
             <a:fld id="{00000000-1234-1234-1234-123412341234}" type="slidenum">
               <a:rPr lang="en"/>
-              <a:t>‹#›</a:t>
+              <a:t>3</a:t>
             </a:fld>
             <a:endParaRPr/>
           </a:p>
@@ -12018,11 +12375,11 @@
 </file>
 
 <file path=ppt/slides/slide4.xml><?xml version="1.0" encoding="utf-8"?>
-<p:sld xmlns:a="http://schemas.openxmlformats.org/drawingml/2006/main" xmlns:r="http://schemas.openxmlformats.org/officeDocument/2006/relationships" xmlns:mc="http://schemas.openxmlformats.org/markup-compatibility/2006" xmlns:mv="urn:schemas-microsoft-com:mac:vml" xmlns:p="http://schemas.openxmlformats.org/presentationml/2006/main" xmlns:c="http://schemas.openxmlformats.org/drawingml/2006/chart" xmlns:dgm="http://schemas.openxmlformats.org/drawingml/2006/diagram" xmlns:o="urn:schemas-microsoft-com:office:office" xmlns:v="urn:schemas-microsoft-com:vml" xmlns:pvml="urn:schemas-microsoft-com:office:powerpoint" xmlns:com="http://schemas.openxmlformats.org/drawingml/2006/compatibility" xmlns:p14="http://schemas.microsoft.com/office/powerpoint/2010/main" xmlns:p15="http://schemas.microsoft.com/office/powerpoint/2012/main" xmlns:ahyp="http://schemas.microsoft.com/office/drawing/2018/hyperlinkcolor">
+<p:sld xmlns:a="http://schemas.openxmlformats.org/drawingml/2006/main" xmlns:r="http://schemas.openxmlformats.org/officeDocument/2006/relationships" xmlns:p="http://schemas.openxmlformats.org/presentationml/2006/main">
   <p:cSld>
     <p:spTree>
       <p:nvGrpSpPr>
-        <p:cNvPr id="83" name="Shape 83"/>
+        <p:cNvPr id="1" name="Shape 83"/>
         <p:cNvGrpSpPr/>
         <p:nvPr/>
       </p:nvGrpSpPr>
@@ -12037,7 +12394,9 @@
       <p:sp>
         <p:nvSpPr>
           <p:cNvPr id="84" name="Google Shape;84;p16"/>
-          <p:cNvSpPr txBox="1"/>
+          <p:cNvSpPr txBox="1">
+            <a:spLocks noGrp="1"/>
+          </p:cNvSpPr>
           <p:nvPr>
             <p:ph type="title"/>
           </p:nvPr>
@@ -12052,12 +12411,12 @@
           </a:prstGeom>
         </p:spPr>
         <p:txBody>
-          <a:bodyPr anchorCtr="0" anchor="b" bIns="91425" lIns="91425" spcFirstLastPara="1" rIns="91425" wrap="square" tIns="91425">
+          <a:bodyPr spcFirstLastPara="1" wrap="square" lIns="91425" tIns="91425" rIns="91425" bIns="91425" anchor="b" anchorCtr="0">
             <a:normAutofit/>
           </a:bodyPr>
           <a:lstStyle/>
           <a:p>
-            <a:pPr indent="0" lvl="0" marL="0" rtl="0" algn="l">
+            <a:pPr marL="0" lvl="0" indent="0" algn="l" rtl="0">
               <a:spcBef>
                 <a:spcPts val="0"/>
               </a:spcBef>
@@ -12077,9 +12436,11 @@
       <p:sp>
         <p:nvSpPr>
           <p:cNvPr id="85" name="Google Shape;85;p16"/>
-          <p:cNvSpPr txBox="1"/>
+          <p:cNvSpPr txBox="1">
+            <a:spLocks noGrp="1"/>
+          </p:cNvSpPr>
           <p:nvPr>
-            <p:ph idx="1" type="body"/>
+            <p:ph type="body" idx="1"/>
           </p:nvPr>
         </p:nvSpPr>
         <p:spPr>
@@ -12092,12 +12453,12 @@
           </a:prstGeom>
         </p:spPr>
         <p:txBody>
-          <a:bodyPr anchorCtr="0" anchor="t" bIns="91425" lIns="91425" spcFirstLastPara="1" rIns="91425" wrap="square" tIns="91425">
+          <a:bodyPr spcFirstLastPara="1" wrap="square" lIns="91425" tIns="91425" rIns="91425" bIns="91425" anchor="t" anchorCtr="0">
             <a:normAutofit/>
           </a:bodyPr>
           <a:lstStyle/>
           <a:p>
-            <a:pPr indent="-342900" lvl="0" marL="457200" rtl="0" algn="l">
+            <a:pPr marL="457200" lvl="0" indent="-342900" algn="l" rtl="0">
               <a:spcBef>
                 <a:spcPts val="0"/>
               </a:spcBef>
@@ -12108,13 +12469,13 @@
               <a:buChar char="●"/>
             </a:pPr>
             <a:r>
-              <a:rPr b="1" lang="en"/>
+              <a:rPr lang="en" b="1"/>
               <a:t>Accessibility</a:t>
             </a:r>
             <a:endParaRPr/>
           </a:p>
           <a:p>
-            <a:pPr indent="-330200" lvl="1" marL="914400" rtl="0" algn="l">
+            <a:pPr marL="914400" lvl="1" indent="-330200" algn="l" rtl="0">
               <a:spcBef>
                 <a:spcPts val="0"/>
               </a:spcBef>
@@ -12131,7 +12492,7 @@
             <a:endParaRPr sz="1600"/>
           </a:p>
           <a:p>
-            <a:pPr indent="-342900" lvl="0" marL="457200" rtl="0" algn="l">
+            <a:pPr marL="457200" lvl="0" indent="-342900" algn="l" rtl="0">
               <a:spcBef>
                 <a:spcPts val="2500"/>
               </a:spcBef>
@@ -12142,13 +12503,13 @@
               <a:buChar char="●"/>
             </a:pPr>
             <a:r>
-              <a:rPr b="1" lang="en"/>
+              <a:rPr lang="en" b="1"/>
               <a:t>Communication</a:t>
             </a:r>
             <a:endParaRPr b="1"/>
           </a:p>
           <a:p>
-            <a:pPr indent="-330200" lvl="1" marL="914400" rtl="0" algn="l">
+            <a:pPr marL="914400" lvl="1" indent="-330200" algn="l" rtl="0">
               <a:spcBef>
                 <a:spcPts val="0"/>
               </a:spcBef>
@@ -12165,7 +12526,7 @@
             <a:endParaRPr sz="1600"/>
           </a:p>
           <a:p>
-            <a:pPr indent="-342900" lvl="0" marL="457200" rtl="0" algn="l">
+            <a:pPr marL="457200" lvl="0" indent="-342900" algn="l" rtl="0">
               <a:spcBef>
                 <a:spcPts val="2500"/>
               </a:spcBef>
@@ -12176,13 +12537,13 @@
               <a:buChar char="●"/>
             </a:pPr>
             <a:r>
-              <a:rPr b="1" lang="en"/>
+              <a:rPr lang="en" b="1"/>
               <a:t>Immersive Experiences</a:t>
             </a:r>
             <a:endParaRPr b="1"/>
           </a:p>
           <a:p>
-            <a:pPr indent="-330200" lvl="1" marL="914400" rtl="0" algn="l">
+            <a:pPr marL="914400" lvl="1" indent="-330200" algn="l" rtl="0">
               <a:spcBef>
                 <a:spcPts val="0"/>
               </a:spcBef>
@@ -12203,9 +12564,11 @@
       <p:sp>
         <p:nvSpPr>
           <p:cNvPr id="86" name="Google Shape;86;p16"/>
-          <p:cNvSpPr txBox="1"/>
+          <p:cNvSpPr txBox="1">
+            <a:spLocks noGrp="1"/>
+          </p:cNvSpPr>
           <p:nvPr>
-            <p:ph idx="12" type="sldNum"/>
+            <p:ph type="sldNum" idx="12"/>
           </p:nvPr>
         </p:nvSpPr>
         <p:spPr>
@@ -12218,12 +12581,12 @@
           </a:prstGeom>
         </p:spPr>
         <p:txBody>
-          <a:bodyPr anchorCtr="0" anchor="ctr" bIns="91425" lIns="91425" spcFirstLastPara="1" rIns="91425" wrap="square" tIns="91425">
+          <a:bodyPr spcFirstLastPara="1" wrap="square" lIns="91425" tIns="91425" rIns="91425" bIns="91425" anchor="ctr" anchorCtr="0">
             <a:normAutofit/>
           </a:bodyPr>
           <a:lstStyle/>
           <a:p>
-            <a:pPr indent="0" lvl="0" marL="0" rtl="0" algn="r">
+            <a:pPr marL="0" lvl="0" indent="0" algn="r" rtl="0">
               <a:spcBef>
                 <a:spcPts val="0"/>
               </a:spcBef>
@@ -12234,7 +12597,7 @@
             </a:pPr>
             <a:fld id="{00000000-1234-1234-1234-123412341234}" type="slidenum">
               <a:rPr lang="en"/>
-              <a:t>‹#›</a:t>
+              <a:t>4</a:t>
             </a:fld>
             <a:endParaRPr/>
           </a:p>
@@ -12249,11 +12612,11 @@
 </file>
 
 <file path=ppt/slides/slide5.xml><?xml version="1.0" encoding="utf-8"?>
-<p:sld xmlns:a="http://schemas.openxmlformats.org/drawingml/2006/main" xmlns:r="http://schemas.openxmlformats.org/officeDocument/2006/relationships" xmlns:mc="http://schemas.openxmlformats.org/markup-compatibility/2006" xmlns:mv="urn:schemas-microsoft-com:mac:vml" xmlns:p="http://schemas.openxmlformats.org/presentationml/2006/main" xmlns:c="http://schemas.openxmlformats.org/drawingml/2006/chart" xmlns:dgm="http://schemas.openxmlformats.org/drawingml/2006/diagram" xmlns:o="urn:schemas-microsoft-com:office:office" xmlns:v="urn:schemas-microsoft-com:vml" xmlns:pvml="urn:schemas-microsoft-com:office:powerpoint" xmlns:com="http://schemas.openxmlformats.org/drawingml/2006/compatibility" xmlns:p14="http://schemas.microsoft.com/office/powerpoint/2010/main" xmlns:p15="http://schemas.microsoft.com/office/powerpoint/2012/main" xmlns:ahyp="http://schemas.microsoft.com/office/drawing/2018/hyperlinkcolor">
+<p:sld xmlns:a="http://schemas.openxmlformats.org/drawingml/2006/main" xmlns:r="http://schemas.openxmlformats.org/officeDocument/2006/relationships" xmlns:p="http://schemas.openxmlformats.org/presentationml/2006/main">
   <p:cSld>
     <p:spTree>
       <p:nvGrpSpPr>
-        <p:cNvPr id="90" name="Shape 90"/>
+        <p:cNvPr id="1" name="Shape 90"/>
         <p:cNvGrpSpPr/>
         <p:nvPr/>
       </p:nvGrpSpPr>
@@ -12268,7 +12631,9 @@
       <p:sp>
         <p:nvSpPr>
           <p:cNvPr id="91" name="Google Shape;91;p17"/>
-          <p:cNvSpPr txBox="1"/>
+          <p:cNvSpPr txBox="1">
+            <a:spLocks noGrp="1"/>
+          </p:cNvSpPr>
           <p:nvPr>
             <p:ph type="title"/>
           </p:nvPr>
@@ -12283,12 +12648,12 @@
           </a:prstGeom>
         </p:spPr>
         <p:txBody>
-          <a:bodyPr anchorCtr="0" anchor="b" bIns="91425" lIns="91425" spcFirstLastPara="1" rIns="91425" wrap="square" tIns="91425">
+          <a:bodyPr spcFirstLastPara="1" wrap="square" lIns="91425" tIns="91425" rIns="91425" bIns="91425" anchor="b" anchorCtr="0">
             <a:normAutofit/>
           </a:bodyPr>
           <a:lstStyle/>
           <a:p>
-            <a:pPr indent="0" lvl="0" marL="0" rtl="0" algn="l">
+            <a:pPr marL="0" lvl="0" indent="0" algn="l" rtl="0">
               <a:spcBef>
                 <a:spcPts val="0"/>
               </a:spcBef>
@@ -12308,9 +12673,11 @@
       <p:sp>
         <p:nvSpPr>
           <p:cNvPr id="92" name="Google Shape;92;p17"/>
-          <p:cNvSpPr txBox="1"/>
+          <p:cNvSpPr txBox="1">
+            <a:spLocks noGrp="1"/>
+          </p:cNvSpPr>
           <p:nvPr>
-            <p:ph idx="12" type="sldNum"/>
+            <p:ph type="sldNum" idx="12"/>
           </p:nvPr>
         </p:nvSpPr>
         <p:spPr>
@@ -12323,12 +12690,12 @@
           </a:prstGeom>
         </p:spPr>
         <p:txBody>
-          <a:bodyPr anchorCtr="0" anchor="ctr" bIns="91425" lIns="91425" spcFirstLastPara="1" rIns="91425" wrap="square" tIns="91425">
+          <a:bodyPr spcFirstLastPara="1" wrap="square" lIns="91425" tIns="91425" rIns="91425" bIns="91425" anchor="ctr" anchorCtr="0">
             <a:normAutofit/>
           </a:bodyPr>
           <a:lstStyle/>
           <a:p>
-            <a:pPr indent="0" lvl="0" marL="0" rtl="0" algn="r">
+            <a:pPr marL="0" lvl="0" indent="0" algn="r" rtl="0">
               <a:spcBef>
                 <a:spcPts val="0"/>
               </a:spcBef>
@@ -12339,7 +12706,7 @@
             </a:pPr>
             <a:fld id="{00000000-1234-1234-1234-123412341234}" type="slidenum">
               <a:rPr lang="en"/>
-              <a:t>‹#›</a:t>
+              <a:t>5</a:t>
             </a:fld>
             <a:endParaRPr/>
           </a:p>
@@ -12368,17 +12735,17 @@
             <a:avLst/>
           </a:prstGeom>
           <a:noFill/>
-          <a:ln cap="flat" cmpd="sng" w="9525">
+          <a:ln w="9525" cap="flat" cmpd="sng">
             <a:solidFill>
               <a:schemeClr val="dk2"/>
             </a:solidFill>
             <a:prstDash val="solid"/>
             <a:round/>
-            <a:headEnd len="sm" w="sm" type="none"/>
-            <a:tailEnd len="sm" w="sm" type="none"/>
+            <a:headEnd type="none" w="sm" len="sm"/>
+            <a:tailEnd type="none" w="sm" len="sm"/>
           </a:ln>
           <a:effectLst>
-            <a:outerShdw blurRad="57150" rotWithShape="0" algn="bl" dir="5400000" dist="19050">
+            <a:outerShdw blurRad="57150" dist="19050" dir="5400000" algn="bl" rotWithShape="0">
               <a:srgbClr val="000000">
                 <a:alpha val="50000"/>
               </a:srgbClr>
@@ -12406,12 +12773,12 @@
           </a:ln>
         </p:spPr>
         <p:txBody>
-          <a:bodyPr anchorCtr="0" anchor="t" bIns="91425" lIns="91425" spcFirstLastPara="1" rIns="91425" wrap="square" tIns="91425">
+          <a:bodyPr spcFirstLastPara="1" wrap="square" lIns="91425" tIns="91425" rIns="91425" bIns="91425" anchor="t" anchorCtr="0">
             <a:spAutoFit/>
           </a:bodyPr>
           <a:lstStyle/>
           <a:p>
-            <a:pPr indent="0" lvl="0" marL="0" rtl="0" algn="ctr">
+            <a:pPr marL="0" lvl="0" indent="0" algn="ctr" rtl="0">
               <a:spcBef>
                 <a:spcPts val="0"/>
               </a:spcBef>
@@ -12421,7 +12788,7 @@
               <a:buNone/>
             </a:pPr>
             <a:r>
-              <a:rPr i="1" lang="en" sz="1200">
+              <a:rPr lang="en" sz="1200" i="1">
                 <a:solidFill>
                   <a:schemeClr val="dk1"/>
                 </a:solidFill>
@@ -12432,7 +12799,7 @@
               </a:rPr>
               <a:t>Fig. 1 - Using an OpenBCI Ultracortex headset to interact with a computer</a:t>
             </a:r>
-            <a:endParaRPr i="1" sz="1200">
+            <a:endParaRPr sz="1200" i="1">
               <a:solidFill>
                 <a:schemeClr val="dk1"/>
               </a:solidFill>
@@ -12461,23 +12828,23 @@
           <a:solidFill>
             <a:schemeClr val="lt2"/>
           </a:solidFill>
-          <a:ln cap="flat" cmpd="sng" w="9525">
+          <a:ln w="9525" cap="flat" cmpd="sng">
             <a:solidFill>
               <a:schemeClr val="dk2"/>
             </a:solidFill>
             <a:prstDash val="solid"/>
             <a:round/>
-            <a:headEnd len="sm" w="sm" type="none"/>
-            <a:tailEnd len="sm" w="sm" type="none"/>
+            <a:headEnd type="none" w="sm" len="sm"/>
+            <a:tailEnd type="none" w="sm" len="sm"/>
           </a:ln>
         </p:spPr>
         <p:txBody>
-          <a:bodyPr anchorCtr="0" anchor="ctr" bIns="91425" lIns="91425" spcFirstLastPara="1" rIns="91425" wrap="square" tIns="91425">
+          <a:bodyPr spcFirstLastPara="1" wrap="square" lIns="91425" tIns="91425" rIns="91425" bIns="91425" anchor="ctr" anchorCtr="0">
             <a:noAutofit/>
           </a:bodyPr>
           <a:lstStyle/>
           <a:p>
-            <a:pPr indent="0" lvl="0" marL="0" rtl="0" algn="l">
+            <a:pPr marL="0" lvl="0" indent="0" algn="l" rtl="0">
               <a:spcBef>
                 <a:spcPts val="0"/>
               </a:spcBef>
@@ -12488,16 +12855,12 @@
             </a:pPr>
             <a:r>
               <a:rPr lang="en"/>
-              <a:t>1. </a:t>
-            </a:r>
-            <a:r>
-              <a:rPr lang="en"/>
-              <a:t>Brain Activity</a:t>
+              <a:t>1. Brain Activity</a:t>
             </a:r>
             <a:endParaRPr/>
           </a:p>
           <a:p>
-            <a:pPr indent="0" lvl="0" marL="0" rtl="0" algn="l">
+            <a:pPr marL="0" lvl="0" indent="0" algn="l" rtl="0">
               <a:spcBef>
                 <a:spcPts val="0"/>
               </a:spcBef>
@@ -12531,23 +12894,23 @@
           <a:solidFill>
             <a:schemeClr val="lt2"/>
           </a:solidFill>
-          <a:ln cap="flat" cmpd="sng" w="9525">
+          <a:ln w="9525" cap="flat" cmpd="sng">
             <a:solidFill>
               <a:schemeClr val="dk2"/>
             </a:solidFill>
             <a:prstDash val="solid"/>
             <a:round/>
-            <a:headEnd len="sm" w="sm" type="none"/>
-            <a:tailEnd len="sm" w="sm" type="none"/>
+            <a:headEnd type="none" w="sm" len="sm"/>
+            <a:tailEnd type="none" w="sm" len="sm"/>
           </a:ln>
         </p:spPr>
         <p:txBody>
-          <a:bodyPr anchorCtr="0" anchor="ctr" bIns="91425" lIns="91425" spcFirstLastPara="1" rIns="91425" wrap="square" tIns="91425">
+          <a:bodyPr spcFirstLastPara="1" wrap="square" lIns="91425" tIns="91425" rIns="91425" bIns="91425" anchor="ctr" anchorCtr="0">
             <a:noAutofit/>
           </a:bodyPr>
           <a:lstStyle/>
           <a:p>
-            <a:pPr indent="0" lvl="0" marL="0" rtl="0" algn="l">
+            <a:pPr marL="0" lvl="0" indent="0" algn="l" rtl="0">
               <a:spcBef>
                 <a:spcPts val="0"/>
               </a:spcBef>
@@ -12581,23 +12944,23 @@
           <a:solidFill>
             <a:schemeClr val="lt2"/>
           </a:solidFill>
-          <a:ln cap="flat" cmpd="sng" w="9525">
+          <a:ln w="9525" cap="flat" cmpd="sng">
             <a:solidFill>
               <a:schemeClr val="dk2"/>
             </a:solidFill>
             <a:prstDash val="solid"/>
             <a:round/>
-            <a:headEnd len="sm" w="sm" type="none"/>
-            <a:tailEnd len="sm" w="sm" type="none"/>
+            <a:headEnd type="none" w="sm" len="sm"/>
+            <a:tailEnd type="none" w="sm" len="sm"/>
           </a:ln>
         </p:spPr>
         <p:txBody>
-          <a:bodyPr anchorCtr="0" anchor="ctr" bIns="91425" lIns="91425" spcFirstLastPara="1" rIns="91425" wrap="square" tIns="91425">
+          <a:bodyPr spcFirstLastPara="1" wrap="square" lIns="91425" tIns="91425" rIns="91425" bIns="91425" anchor="ctr" anchorCtr="0">
             <a:noAutofit/>
           </a:bodyPr>
           <a:lstStyle/>
           <a:p>
-            <a:pPr indent="0" lvl="0" marL="0" rtl="0" algn="l">
+            <a:pPr marL="0" lvl="0" indent="0" algn="l" rtl="0">
               <a:spcBef>
                 <a:spcPts val="0"/>
               </a:spcBef>
@@ -12627,41 +12990,38 @@
           </a:xfrm>
           <a:prstGeom prst="rightArrow">
             <a:avLst>
-              <a:gd fmla="val 50000" name="adj1"/>
-              <a:gd fmla="val 50000" name="adj2"/>
+              <a:gd name="adj1" fmla="val 50000"/>
+              <a:gd name="adj2" fmla="val 50000"/>
             </a:avLst>
           </a:prstGeom>
           <a:solidFill>
             <a:schemeClr val="lt2"/>
           </a:solidFill>
-          <a:ln cap="flat" cmpd="sng" w="9525">
+          <a:ln w="9525" cap="flat" cmpd="sng">
             <a:solidFill>
               <a:schemeClr val="dk2"/>
             </a:solidFill>
             <a:prstDash val="solid"/>
             <a:round/>
-            <a:headEnd len="sm" w="sm" type="none"/>
-            <a:tailEnd len="sm" w="sm" type="none"/>
+            <a:headEnd type="none" w="sm" len="sm"/>
+            <a:tailEnd type="none" w="sm" len="sm"/>
           </a:ln>
         </p:spPr>
         <p:txBody>
-          <a:bodyPr anchorCtr="0" anchor="ctr" bIns="91425" lIns="91425" spcFirstLastPara="1" rIns="91425" wrap="square" tIns="91425">
+          <a:bodyPr spcFirstLastPara="1" wrap="square" lIns="91425" tIns="91425" rIns="91425" bIns="91425" anchor="ctr" anchorCtr="0">
             <a:noAutofit/>
           </a:bodyPr>
           <a:lstStyle/>
           <a:p>
-            <a:pPr indent="0" lvl="0" marL="0" rtl="0" algn="l">
-              <a:spcBef>
-                <a:spcPts val="0"/>
-              </a:spcBef>
-              <a:spcAft>
-                <a:spcPts val="0"/>
-              </a:spcAft>
-              <a:buNone/>
-            </a:pPr>
-            <a:r>
-              <a:t/>
-            </a:r>
+            <a:pPr marL="0" lvl="0" indent="0" algn="l" rtl="0">
+              <a:spcBef>
+                <a:spcPts val="0"/>
+              </a:spcBef>
+              <a:spcAft>
+                <a:spcPts val="0"/>
+              </a:spcAft>
+              <a:buNone/>
+            </a:pPr>
             <a:endParaRPr/>
           </a:p>
         </p:txBody>
@@ -12679,41 +13039,38 @@
           </a:xfrm>
           <a:prstGeom prst="rightArrow">
             <a:avLst>
-              <a:gd fmla="val 50000" name="adj1"/>
-              <a:gd fmla="val 50000" name="adj2"/>
+              <a:gd name="adj1" fmla="val 50000"/>
+              <a:gd name="adj2" fmla="val 50000"/>
             </a:avLst>
           </a:prstGeom>
           <a:solidFill>
             <a:schemeClr val="lt2"/>
           </a:solidFill>
-          <a:ln cap="flat" cmpd="sng" w="9525">
+          <a:ln w="9525" cap="flat" cmpd="sng">
             <a:solidFill>
               <a:schemeClr val="dk2"/>
             </a:solidFill>
             <a:prstDash val="solid"/>
             <a:round/>
-            <a:headEnd len="sm" w="sm" type="none"/>
-            <a:tailEnd len="sm" w="sm" type="none"/>
+            <a:headEnd type="none" w="sm" len="sm"/>
+            <a:tailEnd type="none" w="sm" len="sm"/>
           </a:ln>
         </p:spPr>
         <p:txBody>
-          <a:bodyPr anchorCtr="0" anchor="ctr" bIns="91425" lIns="91425" spcFirstLastPara="1" rIns="91425" wrap="square" tIns="91425">
+          <a:bodyPr spcFirstLastPara="1" wrap="square" lIns="91425" tIns="91425" rIns="91425" bIns="91425" anchor="ctr" anchorCtr="0">
             <a:noAutofit/>
           </a:bodyPr>
           <a:lstStyle/>
           <a:p>
-            <a:pPr indent="0" lvl="0" marL="0" rtl="0" algn="l">
-              <a:spcBef>
-                <a:spcPts val="0"/>
-              </a:spcBef>
-              <a:spcAft>
-                <a:spcPts val="0"/>
-              </a:spcAft>
-              <a:buNone/>
-            </a:pPr>
-            <a:r>
-              <a:t/>
-            </a:r>
+            <a:pPr marL="0" lvl="0" indent="0" algn="l" rtl="0">
+              <a:spcBef>
+                <a:spcPts val="0"/>
+              </a:spcBef>
+              <a:spcAft>
+                <a:spcPts val="0"/>
+              </a:spcAft>
+              <a:buNone/>
+            </a:pPr>
             <a:endParaRPr/>
           </a:p>
         </p:txBody>
@@ -12727,11 +13084,11 @@
 </file>
 
 <file path=ppt/slides/slide6.xml><?xml version="1.0" encoding="utf-8"?>
-<p:sld xmlns:a="http://schemas.openxmlformats.org/drawingml/2006/main" xmlns:r="http://schemas.openxmlformats.org/officeDocument/2006/relationships" xmlns:mc="http://schemas.openxmlformats.org/markup-compatibility/2006" xmlns:mv="urn:schemas-microsoft-com:mac:vml" xmlns:p="http://schemas.openxmlformats.org/presentationml/2006/main" xmlns:c="http://schemas.openxmlformats.org/drawingml/2006/chart" xmlns:dgm="http://schemas.openxmlformats.org/drawingml/2006/diagram" xmlns:o="urn:schemas-microsoft-com:office:office" xmlns:v="urn:schemas-microsoft-com:vml" xmlns:pvml="urn:schemas-microsoft-com:office:powerpoint" xmlns:com="http://schemas.openxmlformats.org/drawingml/2006/compatibility" xmlns:p14="http://schemas.microsoft.com/office/powerpoint/2010/main" xmlns:p15="http://schemas.microsoft.com/office/powerpoint/2012/main" xmlns:ahyp="http://schemas.microsoft.com/office/drawing/2018/hyperlinkcolor">
+<p:sld xmlns:a="http://schemas.openxmlformats.org/drawingml/2006/main" xmlns:r="http://schemas.openxmlformats.org/officeDocument/2006/relationships" xmlns:p="http://schemas.openxmlformats.org/presentationml/2006/main">
   <p:cSld>
     <p:spTree>
       <p:nvGrpSpPr>
-        <p:cNvPr id="103" name="Shape 103"/>
+        <p:cNvPr id="1" name="Shape 103"/>
         <p:cNvGrpSpPr/>
         <p:nvPr/>
       </p:nvGrpSpPr>
@@ -12746,7 +13103,9 @@
       <p:sp>
         <p:nvSpPr>
           <p:cNvPr id="104" name="Google Shape;104;p18"/>
-          <p:cNvSpPr txBox="1"/>
+          <p:cNvSpPr txBox="1">
+            <a:spLocks noGrp="1"/>
+          </p:cNvSpPr>
           <p:nvPr>
             <p:ph type="title"/>
           </p:nvPr>
@@ -12761,12 +13120,12 @@
           </a:prstGeom>
         </p:spPr>
         <p:txBody>
-          <a:bodyPr anchorCtr="0" anchor="b" bIns="91425" lIns="91425" spcFirstLastPara="1" rIns="91425" wrap="square" tIns="91425">
+          <a:bodyPr spcFirstLastPara="1" wrap="square" lIns="91425" tIns="91425" rIns="91425" bIns="91425" anchor="b" anchorCtr="0">
             <a:normAutofit/>
           </a:bodyPr>
           <a:lstStyle/>
           <a:p>
-            <a:pPr indent="0" lvl="0" marL="0" rtl="0" algn="l">
+            <a:pPr marL="0" lvl="0" indent="0" algn="l" rtl="0">
               <a:spcBef>
                 <a:spcPts val="0"/>
               </a:spcBef>
@@ -12777,19 +13136,7 @@
             </a:pPr>
             <a:r>
               <a:rPr lang="en"/>
-              <a:t>Unraveling</a:t>
-            </a:r>
-            <a:r>
-              <a:rPr lang="en"/>
-              <a:t> </a:t>
-            </a:r>
-            <a:r>
-              <a:rPr lang="en"/>
-              <a:t>t</a:t>
-            </a:r>
-            <a:r>
-              <a:rPr lang="en"/>
-              <a:t>he Brain</a:t>
+              <a:t>Unraveling the Brain</a:t>
             </a:r>
             <a:endParaRPr/>
           </a:p>
@@ -12798,9 +13145,11 @@
       <p:sp>
         <p:nvSpPr>
           <p:cNvPr id="105" name="Google Shape;105;p18"/>
-          <p:cNvSpPr txBox="1"/>
+          <p:cNvSpPr txBox="1">
+            <a:spLocks noGrp="1"/>
+          </p:cNvSpPr>
           <p:nvPr>
-            <p:ph idx="1" type="body"/>
+            <p:ph type="body" idx="1"/>
           </p:nvPr>
         </p:nvSpPr>
         <p:spPr>
@@ -12813,12 +13162,12 @@
           </a:prstGeom>
         </p:spPr>
         <p:txBody>
-          <a:bodyPr anchorCtr="0" anchor="t" bIns="91425" lIns="91425" spcFirstLastPara="1" rIns="91425" wrap="square" tIns="91425">
+          <a:bodyPr spcFirstLastPara="1" wrap="square" lIns="91425" tIns="91425" rIns="91425" bIns="91425" anchor="t" anchorCtr="0">
             <a:noAutofit/>
           </a:bodyPr>
           <a:lstStyle/>
           <a:p>
-            <a:pPr indent="-342900" lvl="0" marL="457200" rtl="0" algn="l">
+            <a:pPr marL="457200" lvl="0" indent="-342900" algn="l" rtl="0">
               <a:spcBef>
                 <a:spcPts val="0"/>
               </a:spcBef>
@@ -12833,17 +13182,13 @@
               <a:t>All </a:t>
             </a:r>
             <a:r>
-              <a:rPr b="1" lang="en"/>
-              <a:t>brain </a:t>
+              <a:rPr lang="en" b="1"/>
+              <a:t>brain activity = electrical</a:t>
             </a:r>
-            <a:r>
-              <a:rPr b="1" lang="en"/>
-              <a:t>activity = electrical</a:t>
-            </a:r>
-            <a:endParaRPr b="1" sz="700"/>
-          </a:p>
-          <a:p>
-            <a:pPr indent="-342900" lvl="0" marL="457200" rtl="0" algn="l">
+            <a:endParaRPr sz="700" b="1"/>
+          </a:p>
+          <a:p>
+            <a:pPr marL="457200" lvl="0" indent="-342900" algn="l" rtl="0">
               <a:spcBef>
                 <a:spcPts val="2500"/>
               </a:spcBef>
@@ -12854,7 +13199,7 @@
               <a:buChar char="●"/>
             </a:pPr>
             <a:r>
-              <a:rPr i="1" lang="en"/>
+              <a:rPr lang="en" i="1"/>
               <a:t>Electroencephalograph</a:t>
             </a:r>
             <a:r>
@@ -12864,7 +13209,7 @@
             <a:endParaRPr sz="700"/>
           </a:p>
           <a:p>
-            <a:pPr indent="-342900" lvl="0" marL="457200" rtl="0" algn="l">
+            <a:pPr marL="457200" lvl="0" indent="-342900" algn="l" rtl="0">
               <a:spcBef>
                 <a:spcPts val="2500"/>
               </a:spcBef>
@@ -12879,7 +13224,7 @@
               <a:t>Different </a:t>
             </a:r>
             <a:r>
-              <a:rPr b="1" lang="en"/>
+              <a:rPr lang="en" b="1"/>
               <a:t>thoughts</a:t>
             </a:r>
             <a:r>
@@ -12887,7 +13232,7 @@
               <a:t>, </a:t>
             </a:r>
             <a:r>
-              <a:rPr b="1" lang="en"/>
+              <a:rPr lang="en" b="1"/>
               <a:t>actions</a:t>
             </a:r>
             <a:r>
@@ -12895,7 +13240,7 @@
               <a:t>, and </a:t>
             </a:r>
             <a:r>
-              <a:rPr b="1" lang="en"/>
+              <a:rPr lang="en" b="1"/>
               <a:t>mental states</a:t>
             </a:r>
             <a:r>
@@ -12905,7 +13250,7 @@
             <a:endParaRPr sz="700"/>
           </a:p>
           <a:p>
-            <a:pPr indent="-342900" lvl="0" marL="457200" rtl="0" algn="l">
+            <a:pPr marL="457200" lvl="0" indent="-342900" algn="l" rtl="0">
               <a:spcBef>
                 <a:spcPts val="2500"/>
               </a:spcBef>
@@ -12926,9 +13271,11 @@
       <p:sp>
         <p:nvSpPr>
           <p:cNvPr id="106" name="Google Shape;106;p18"/>
-          <p:cNvSpPr txBox="1"/>
+          <p:cNvSpPr txBox="1">
+            <a:spLocks noGrp="1"/>
+          </p:cNvSpPr>
           <p:nvPr>
-            <p:ph idx="12" type="sldNum"/>
+            <p:ph type="sldNum" idx="12"/>
           </p:nvPr>
         </p:nvSpPr>
         <p:spPr>
@@ -12941,12 +13288,12 @@
           </a:prstGeom>
         </p:spPr>
         <p:txBody>
-          <a:bodyPr anchorCtr="0" anchor="ctr" bIns="91425" lIns="91425" spcFirstLastPara="1" rIns="91425" wrap="square" tIns="91425">
+          <a:bodyPr spcFirstLastPara="1" wrap="square" lIns="91425" tIns="91425" rIns="91425" bIns="91425" anchor="ctr" anchorCtr="0">
             <a:normAutofit/>
           </a:bodyPr>
           <a:lstStyle/>
           <a:p>
-            <a:pPr indent="0" lvl="0" marL="0" rtl="0" algn="r">
+            <a:pPr marL="0" lvl="0" indent="0" algn="r" rtl="0">
               <a:spcBef>
                 <a:spcPts val="0"/>
               </a:spcBef>
@@ -12957,7 +13304,7 @@
             </a:pPr>
             <a:fld id="{00000000-1234-1234-1234-123412341234}" type="slidenum">
               <a:rPr lang="en"/>
-              <a:t>‹#›</a:t>
+              <a:t>6</a:t>
             </a:fld>
             <a:endParaRPr/>
           </a:p>
@@ -13011,12 +13358,12 @@
           </a:ln>
         </p:spPr>
         <p:txBody>
-          <a:bodyPr anchorCtr="0" anchor="t" bIns="91425" lIns="91425" spcFirstLastPara="1" rIns="91425" wrap="square" tIns="91425">
+          <a:bodyPr spcFirstLastPara="1" wrap="square" lIns="91425" tIns="91425" rIns="91425" bIns="91425" anchor="t" anchorCtr="0">
             <a:spAutoFit/>
           </a:bodyPr>
           <a:lstStyle/>
           <a:p>
-            <a:pPr indent="0" lvl="0" marL="0" rtl="0" algn="ctr">
+            <a:pPr marL="0" lvl="0" indent="0" algn="ctr" rtl="0">
               <a:spcBef>
                 <a:spcPts val="0"/>
               </a:spcBef>
@@ -13026,7 +13373,7 @@
               <a:buNone/>
             </a:pPr>
             <a:r>
-              <a:rPr i="1" lang="en" sz="1200">
+              <a:rPr lang="en" sz="1200" i="1">
                 <a:solidFill>
                   <a:schemeClr val="dk1"/>
                 </a:solidFill>
@@ -13037,7 +13384,7 @@
               </a:rPr>
               <a:t>Fig. 2 - An example of EEG hardware</a:t>
             </a:r>
-            <a:endParaRPr i="1" sz="1200">
+            <a:endParaRPr sz="1200" i="1">
               <a:solidFill>
                 <a:schemeClr val="dk1"/>
               </a:solidFill>
@@ -13097,12 +13444,12 @@
           </a:ln>
         </p:spPr>
         <p:txBody>
-          <a:bodyPr anchorCtr="0" anchor="t" bIns="91425" lIns="91425" spcFirstLastPara="1" rIns="91425" wrap="square" tIns="91425">
+          <a:bodyPr spcFirstLastPara="1" wrap="square" lIns="91425" tIns="91425" rIns="91425" bIns="91425" anchor="t" anchorCtr="0">
             <a:spAutoFit/>
           </a:bodyPr>
           <a:lstStyle/>
           <a:p>
-            <a:pPr indent="0" lvl="0" marL="0" rtl="0" algn="ctr">
+            <a:pPr marL="0" lvl="0" indent="0" algn="ctr" rtl="0">
               <a:spcBef>
                 <a:spcPts val="0"/>
               </a:spcBef>
@@ -13112,7 +13459,7 @@
               <a:buNone/>
             </a:pPr>
             <a:r>
-              <a:rPr i="1" lang="en" sz="1200">
+              <a:rPr lang="en" sz="1200" i="1">
                 <a:solidFill>
                   <a:schemeClr val="dk1"/>
                 </a:solidFill>
@@ -13123,7 +13470,7 @@
               </a:rPr>
               <a:t>Fig. 3 - Sample EEG output</a:t>
             </a:r>
-            <a:endParaRPr i="1" sz="1200">
+            <a:endParaRPr sz="1200" i="1">
               <a:solidFill>
                 <a:schemeClr val="dk1"/>
               </a:solidFill>
@@ -13144,11 +13491,11 @@
 </file>
 
 <file path=ppt/slides/slide7.xml><?xml version="1.0" encoding="utf-8"?>
-<p:sld xmlns:a="http://schemas.openxmlformats.org/drawingml/2006/main" xmlns:r="http://schemas.openxmlformats.org/officeDocument/2006/relationships" xmlns:mc="http://schemas.openxmlformats.org/markup-compatibility/2006" xmlns:mv="urn:schemas-microsoft-com:mac:vml" xmlns:p="http://schemas.openxmlformats.org/presentationml/2006/main" xmlns:c="http://schemas.openxmlformats.org/drawingml/2006/chart" xmlns:dgm="http://schemas.openxmlformats.org/drawingml/2006/diagram" xmlns:o="urn:schemas-microsoft-com:office:office" xmlns:v="urn:schemas-microsoft-com:vml" xmlns:pvml="urn:schemas-microsoft-com:office:powerpoint" xmlns:com="http://schemas.openxmlformats.org/drawingml/2006/compatibility" xmlns:p14="http://schemas.microsoft.com/office/powerpoint/2010/main" xmlns:p15="http://schemas.microsoft.com/office/powerpoint/2012/main" xmlns:ahyp="http://schemas.microsoft.com/office/drawing/2018/hyperlinkcolor">
+<p:sld xmlns:a="http://schemas.openxmlformats.org/drawingml/2006/main" xmlns:r="http://schemas.openxmlformats.org/officeDocument/2006/relationships" xmlns:p="http://schemas.openxmlformats.org/presentationml/2006/main">
   <p:cSld>
     <p:spTree>
       <p:nvGrpSpPr>
-        <p:cNvPr id="114" name="Shape 114"/>
+        <p:cNvPr id="1" name="Shape 114"/>
         <p:cNvGrpSpPr/>
         <p:nvPr/>
       </p:nvGrpSpPr>
@@ -13163,7 +13510,9 @@
       <p:sp>
         <p:nvSpPr>
           <p:cNvPr id="115" name="Google Shape;115;p19"/>
-          <p:cNvSpPr txBox="1"/>
+          <p:cNvSpPr txBox="1">
+            <a:spLocks noGrp="1"/>
+          </p:cNvSpPr>
           <p:nvPr>
             <p:ph type="title"/>
           </p:nvPr>
@@ -13178,12 +13527,12 @@
           </a:prstGeom>
         </p:spPr>
         <p:txBody>
-          <a:bodyPr anchorCtr="0" anchor="b" bIns="91425" lIns="91425" spcFirstLastPara="1" rIns="91425" wrap="square" tIns="91425">
+          <a:bodyPr spcFirstLastPara="1" wrap="square" lIns="91425" tIns="91425" rIns="91425" bIns="91425" anchor="b" anchorCtr="0">
             <a:normAutofit/>
           </a:bodyPr>
           <a:lstStyle/>
           <a:p>
-            <a:pPr indent="0" lvl="0" marL="0" rtl="0" algn="l">
+            <a:pPr marL="0" lvl="0" indent="0" algn="l" rtl="0">
               <a:spcBef>
                 <a:spcPts val="0"/>
               </a:spcBef>
@@ -13203,27 +13552,29 @@
       <p:sp>
         <p:nvSpPr>
           <p:cNvPr id="116" name="Google Shape;116;p19"/>
-          <p:cNvSpPr txBox="1"/>
+          <p:cNvSpPr txBox="1">
+            <a:spLocks noGrp="1"/>
+          </p:cNvSpPr>
           <p:nvPr>
-            <p:ph idx="1" type="body"/>
+            <p:ph type="body" idx="1"/>
           </p:nvPr>
         </p:nvSpPr>
         <p:spPr>
           <a:xfrm>
             <a:off x="387900" y="1257300"/>
-            <a:ext cx="4864500" cy="1990200"/>
+            <a:ext cx="4864500" cy="3263900"/>
           </a:xfrm>
           <a:prstGeom prst="rect">
             <a:avLst/>
           </a:prstGeom>
         </p:spPr>
         <p:txBody>
-          <a:bodyPr anchorCtr="0" anchor="t" bIns="91425" lIns="91425" spcFirstLastPara="1" rIns="91425" wrap="square" tIns="91425">
+          <a:bodyPr spcFirstLastPara="1" wrap="square" lIns="91425" tIns="91425" rIns="91425" bIns="91425" anchor="t" anchorCtr="0">
             <a:normAutofit/>
           </a:bodyPr>
           <a:lstStyle/>
           <a:p>
-            <a:pPr indent="-342900" lvl="0" marL="457200" rtl="0" algn="l">
+            <a:pPr marL="457200" lvl="0" indent="-342900" algn="l" rtl="0">
               <a:spcBef>
                 <a:spcPts val="0"/>
               </a:spcBef>
@@ -13234,13 +13585,13 @@
               <a:buChar char="●"/>
             </a:pPr>
             <a:r>
-              <a:rPr lang="en"/>
+              <a:rPr lang="en" dirty="0"/>
               <a:t>Computer training:</a:t>
             </a:r>
-            <a:endParaRPr/>
-          </a:p>
-          <a:p>
-            <a:pPr indent="-330200" lvl="1" marL="914400" rtl="0" algn="l">
+            <a:endParaRPr dirty="0"/>
+          </a:p>
+          <a:p>
+            <a:pPr marL="914400" lvl="1" indent="-330200" algn="l" rtl="0">
               <a:spcBef>
                 <a:spcPts val="0"/>
               </a:spcBef>
@@ -13251,13 +13602,25 @@
               <a:buChar char="○"/>
             </a:pPr>
             <a:r>
-              <a:rPr lang="en" sz="1600"/>
+              <a:rPr lang="en" sz="1600" dirty="0"/>
               <a:t>Analyze an individual’s unique patterns</a:t>
             </a:r>
-            <a:endParaRPr sz="1500"/>
-          </a:p>
-          <a:p>
-            <a:pPr indent="-342900" lvl="0" marL="457200" rtl="0" algn="l">
+          </a:p>
+          <a:p>
+            <a:pPr marL="584200" lvl="1" indent="0" algn="l" rtl="0">
+              <a:spcBef>
+                <a:spcPts val="0"/>
+              </a:spcBef>
+              <a:spcAft>
+                <a:spcPts val="0"/>
+              </a:spcAft>
+              <a:buSzPts val="1600"/>
+              <a:buNone/>
+            </a:pPr>
+            <a:endParaRPr sz="1500" dirty="0"/>
+          </a:p>
+          <a:p>
+            <a:pPr marL="457200" lvl="0" indent="-342900" algn="l" rtl="0">
               <a:spcBef>
                 <a:spcPts val="2500"/>
               </a:spcBef>
@@ -13268,13 +13631,13 @@
               <a:buChar char="●"/>
             </a:pPr>
             <a:r>
-              <a:rPr lang="en"/>
+              <a:rPr lang="en" dirty="0"/>
               <a:t>Machine Learning (ML):</a:t>
             </a:r>
-            <a:endParaRPr/>
-          </a:p>
-          <a:p>
-            <a:pPr indent="-330200" lvl="1" marL="914400" rtl="0" algn="l">
+            <a:endParaRPr dirty="0"/>
+          </a:p>
+          <a:p>
+            <a:pPr marL="914400" lvl="1" indent="-330200" algn="l" rtl="0">
               <a:spcBef>
                 <a:spcPts val="0"/>
               </a:spcBef>
@@ -13285,19 +13648,21 @@
               <a:buChar char="○"/>
             </a:pPr>
             <a:r>
-              <a:rPr lang="en" sz="1600"/>
+              <a:rPr lang="en" sz="1600" dirty="0"/>
               <a:t>Computer associates labeled patterns with commands</a:t>
             </a:r>
-            <a:endParaRPr sz="1600"/>
+            <a:endParaRPr sz="1600" dirty="0"/>
           </a:p>
         </p:txBody>
       </p:sp>
       <p:sp>
         <p:nvSpPr>
           <p:cNvPr id="117" name="Google Shape;117;p19"/>
-          <p:cNvSpPr txBox="1"/>
+          <p:cNvSpPr txBox="1">
+            <a:spLocks noGrp="1"/>
+          </p:cNvSpPr>
           <p:nvPr>
-            <p:ph idx="12" type="sldNum"/>
+            <p:ph type="sldNum" idx="12"/>
           </p:nvPr>
         </p:nvSpPr>
         <p:spPr>
@@ -13310,12 +13675,12 @@
           </a:prstGeom>
         </p:spPr>
         <p:txBody>
-          <a:bodyPr anchorCtr="0" anchor="ctr" bIns="91425" lIns="91425" spcFirstLastPara="1" rIns="91425" wrap="square" tIns="91425">
+          <a:bodyPr spcFirstLastPara="1" wrap="square" lIns="91425" tIns="91425" rIns="91425" bIns="91425" anchor="ctr" anchorCtr="0">
             <a:normAutofit/>
           </a:bodyPr>
           <a:lstStyle/>
           <a:p>
-            <a:pPr indent="0" lvl="0" marL="0" rtl="0" algn="r">
+            <a:pPr marL="0" lvl="0" indent="0" algn="r" rtl="0">
               <a:spcBef>
                 <a:spcPts val="0"/>
               </a:spcBef>
@@ -13326,7 +13691,7 @@
             </a:pPr>
             <a:fld id="{00000000-1234-1234-1234-123412341234}" type="slidenum">
               <a:rPr lang="en"/>
-              <a:t>‹#›</a:t>
+              <a:t>7</a:t>
             </a:fld>
             <a:endParaRPr/>
           </a:p>
@@ -13342,7 +13707,7 @@
           <a:blip r:embed="rId3">
             <a:alphaModFix/>
           </a:blip>
-          <a:srcRect b="0" l="0" r="42359" t="0"/>
+          <a:srcRect r="42359"/>
           <a:stretch/>
         </p:blipFill>
         <p:spPr>
@@ -13358,7 +13723,7 @@
             <a:noFill/>
           </a:ln>
           <a:effectLst>
-            <a:outerShdw blurRad="57150" rotWithShape="0" algn="bl" dir="5400000" dist="19050">
+            <a:outerShdw blurRad="57150" dist="19050" dir="5400000" algn="bl" rotWithShape="0">
               <a:srgbClr val="000000">
                 <a:alpha val="50000"/>
               </a:srgbClr>
@@ -13386,12 +13751,12 @@
           </a:ln>
         </p:spPr>
         <p:txBody>
-          <a:bodyPr anchorCtr="0" anchor="t" bIns="91425" lIns="91425" spcFirstLastPara="1" rIns="91425" wrap="square" tIns="91425">
+          <a:bodyPr spcFirstLastPara="1" wrap="square" lIns="91425" tIns="91425" rIns="91425" bIns="91425" anchor="t" anchorCtr="0">
             <a:spAutoFit/>
           </a:bodyPr>
           <a:lstStyle/>
           <a:p>
-            <a:pPr indent="0" lvl="0" marL="0" rtl="0" algn="ctr">
+            <a:pPr marL="0" lvl="0" indent="0" algn="ctr" rtl="0">
               <a:spcBef>
                 <a:spcPts val="0"/>
               </a:spcBef>
@@ -13401,7 +13766,7 @@
               <a:buNone/>
             </a:pPr>
             <a:r>
-              <a:rPr i="1" lang="en" sz="1200">
+              <a:rPr lang="en" sz="1200" i="1">
                 <a:solidFill>
                   <a:schemeClr val="dk1"/>
                 </a:solidFill>
@@ -13412,7 +13777,7 @@
               </a:rPr>
               <a:t>Fig. 4 - Calibration module collecting training data</a:t>
             </a:r>
-            <a:endParaRPr i="1" sz="1200">
+            <a:endParaRPr sz="1200" i="1">
               <a:solidFill>
                 <a:schemeClr val="dk1"/>
               </a:solidFill>
@@ -13433,11 +13798,11 @@
 </file>
 
 <file path=ppt/slides/slide8.xml><?xml version="1.0" encoding="utf-8"?>
-<p:sld xmlns:a="http://schemas.openxmlformats.org/drawingml/2006/main" xmlns:r="http://schemas.openxmlformats.org/officeDocument/2006/relationships" xmlns:mc="http://schemas.openxmlformats.org/markup-compatibility/2006" xmlns:mv="urn:schemas-microsoft-com:mac:vml" xmlns:p="http://schemas.openxmlformats.org/presentationml/2006/main" xmlns:c="http://schemas.openxmlformats.org/drawingml/2006/chart" xmlns:dgm="http://schemas.openxmlformats.org/drawingml/2006/diagram" xmlns:o="urn:schemas-microsoft-com:office:office" xmlns:v="urn:schemas-microsoft-com:vml" xmlns:pvml="urn:schemas-microsoft-com:office:powerpoint" xmlns:com="http://schemas.openxmlformats.org/drawingml/2006/compatibility" xmlns:p14="http://schemas.microsoft.com/office/powerpoint/2010/main" xmlns:p15="http://schemas.microsoft.com/office/powerpoint/2012/main" xmlns:ahyp="http://schemas.microsoft.com/office/drawing/2018/hyperlinkcolor">
+<p:sld xmlns:a="http://schemas.openxmlformats.org/drawingml/2006/main" xmlns:r="http://schemas.openxmlformats.org/officeDocument/2006/relationships" xmlns:p="http://schemas.openxmlformats.org/presentationml/2006/main">
   <p:cSld>
     <p:spTree>
       <p:nvGrpSpPr>
-        <p:cNvPr id="123" name="Shape 123"/>
+        <p:cNvPr id="1" name="Shape 123"/>
         <p:cNvGrpSpPr/>
         <p:nvPr/>
       </p:nvGrpSpPr>
@@ -13452,7 +13817,9 @@
       <p:sp>
         <p:nvSpPr>
           <p:cNvPr id="124" name="Google Shape;124;p20"/>
-          <p:cNvSpPr txBox="1"/>
+          <p:cNvSpPr txBox="1">
+            <a:spLocks noGrp="1"/>
+          </p:cNvSpPr>
           <p:nvPr>
             <p:ph type="title"/>
           </p:nvPr>
@@ -13467,12 +13834,12 @@
           </a:prstGeom>
         </p:spPr>
         <p:txBody>
-          <a:bodyPr anchorCtr="0" anchor="b" bIns="91425" lIns="91425" spcFirstLastPara="1" rIns="91425" wrap="square" tIns="91425">
+          <a:bodyPr spcFirstLastPara="1" wrap="square" lIns="91425" tIns="91425" rIns="91425" bIns="91425" anchor="b" anchorCtr="0">
             <a:normAutofit/>
           </a:bodyPr>
           <a:lstStyle/>
           <a:p>
-            <a:pPr indent="0" lvl="0" marL="0" rtl="0" algn="l">
+            <a:pPr marL="0" lvl="0" indent="0" algn="l" rtl="0">
               <a:spcBef>
                 <a:spcPts val="0"/>
               </a:spcBef>
@@ -13492,27 +13859,29 @@
       <p:sp>
         <p:nvSpPr>
           <p:cNvPr id="125" name="Google Shape;125;p20"/>
-          <p:cNvSpPr txBox="1"/>
+          <p:cNvSpPr txBox="1">
+            <a:spLocks noGrp="1"/>
+          </p:cNvSpPr>
           <p:nvPr>
-            <p:ph idx="1" type="body"/>
+            <p:ph type="body" idx="1"/>
           </p:nvPr>
         </p:nvSpPr>
         <p:spPr>
           <a:xfrm>
             <a:off x="387900" y="1257300"/>
-            <a:ext cx="4385100" cy="2033700"/>
+            <a:ext cx="4385100" cy="3035300"/>
           </a:xfrm>
           <a:prstGeom prst="rect">
             <a:avLst/>
           </a:prstGeom>
         </p:spPr>
         <p:txBody>
-          <a:bodyPr anchorCtr="0" anchor="t" bIns="91425" lIns="91425" spcFirstLastPara="1" rIns="91425" wrap="square" tIns="91425">
+          <a:bodyPr spcFirstLastPara="1" wrap="square" lIns="91425" tIns="91425" rIns="91425" bIns="91425" anchor="t" anchorCtr="0">
             <a:normAutofit/>
           </a:bodyPr>
           <a:lstStyle/>
           <a:p>
-            <a:pPr indent="-342900" lvl="0" marL="457200" rtl="0" algn="l">
+            <a:pPr marL="457200" lvl="0" indent="-342900" algn="l" rtl="0">
               <a:spcBef>
                 <a:spcPts val="0"/>
               </a:spcBef>
@@ -13523,13 +13892,25 @@
               <a:buChar char="●"/>
             </a:pPr>
             <a:r>
-              <a:rPr lang="en"/>
+              <a:rPr lang="en" dirty="0"/>
               <a:t>Enough examples for ML model to classify patterns on its own</a:t>
             </a:r>
-            <a:endParaRPr/>
-          </a:p>
-          <a:p>
-            <a:pPr indent="-342900" lvl="0" marL="457200" rtl="0" algn="l">
+          </a:p>
+          <a:p>
+            <a:pPr marL="114300" lvl="0" indent="0" algn="l" rtl="0">
+              <a:spcBef>
+                <a:spcPts val="0"/>
+              </a:spcBef>
+              <a:spcAft>
+                <a:spcPts val="0"/>
+              </a:spcAft>
+              <a:buSzPts val="1800"/>
+              <a:buNone/>
+            </a:pPr>
+            <a:endParaRPr dirty="0"/>
+          </a:p>
+          <a:p>
+            <a:pPr marL="457200" lvl="0" indent="-342900" algn="l" rtl="0">
               <a:spcBef>
                 <a:spcPts val="2500"/>
               </a:spcBef>
@@ -13540,13 +13921,13 @@
               <a:buChar char="●"/>
             </a:pPr>
             <a:r>
-              <a:rPr lang="en"/>
+              <a:rPr lang="en" dirty="0"/>
               <a:t>Probabilistic:</a:t>
             </a:r>
-            <a:endParaRPr/>
-          </a:p>
-          <a:p>
-            <a:pPr indent="-330200" lvl="1" marL="914400" rtl="0" algn="l">
+            <a:endParaRPr dirty="0"/>
+          </a:p>
+          <a:p>
+            <a:pPr marL="914400" lvl="1" indent="-330200" algn="l" rtl="0">
               <a:spcBef>
                 <a:spcPts val="0"/>
               </a:spcBef>
@@ -13557,27 +13938,29 @@
               <a:buChar char="○"/>
             </a:pPr>
             <a:r>
-              <a:rPr lang="en" sz="1600"/>
+              <a:rPr lang="en" sz="1600" dirty="0"/>
               <a:t>Determines </a:t>
             </a:r>
             <a:r>
-              <a:rPr b="1" lang="en" sz="1600"/>
+              <a:rPr lang="en" sz="1600" b="1" dirty="0"/>
               <a:t>most likely command</a:t>
             </a:r>
             <a:r>
-              <a:rPr lang="en" sz="1600"/>
+              <a:rPr lang="en" sz="1600" dirty="0"/>
               <a:t> given pattern</a:t>
             </a:r>
-            <a:endParaRPr sz="1600"/>
+            <a:endParaRPr sz="1600" dirty="0"/>
           </a:p>
         </p:txBody>
       </p:sp>
       <p:sp>
         <p:nvSpPr>
           <p:cNvPr id="126" name="Google Shape;126;p20"/>
-          <p:cNvSpPr txBox="1"/>
+          <p:cNvSpPr txBox="1">
+            <a:spLocks noGrp="1"/>
+          </p:cNvSpPr>
           <p:nvPr>
-            <p:ph idx="12" type="sldNum"/>
+            <p:ph type="sldNum" idx="12"/>
           </p:nvPr>
         </p:nvSpPr>
         <p:spPr>
@@ -13590,12 +13973,12 @@
           </a:prstGeom>
         </p:spPr>
         <p:txBody>
-          <a:bodyPr anchorCtr="0" anchor="ctr" bIns="91425" lIns="91425" spcFirstLastPara="1" rIns="91425" wrap="square" tIns="91425">
+          <a:bodyPr spcFirstLastPara="1" wrap="square" lIns="91425" tIns="91425" rIns="91425" bIns="91425" anchor="ctr" anchorCtr="0">
             <a:normAutofit/>
           </a:bodyPr>
           <a:lstStyle/>
           <a:p>
-            <a:pPr indent="0" lvl="0" marL="0" rtl="0" algn="r">
+            <a:pPr marL="0" lvl="0" indent="0" algn="r" rtl="0">
               <a:spcBef>
                 <a:spcPts val="0"/>
               </a:spcBef>
@@ -13606,7 +13989,7 @@
             </a:pPr>
             <a:fld id="{00000000-1234-1234-1234-123412341234}" type="slidenum">
               <a:rPr lang="en"/>
-              <a:t>‹#›</a:t>
+              <a:t>8</a:t>
             </a:fld>
             <a:endParaRPr/>
           </a:p>
@@ -13660,12 +14043,12 @@
           </a:ln>
         </p:spPr>
         <p:txBody>
-          <a:bodyPr anchorCtr="0" anchor="t" bIns="91425" lIns="91425" spcFirstLastPara="1" rIns="91425" wrap="square" tIns="91425">
+          <a:bodyPr spcFirstLastPara="1" wrap="square" lIns="91425" tIns="91425" rIns="91425" bIns="91425" anchor="t" anchorCtr="0">
             <a:spAutoFit/>
           </a:bodyPr>
           <a:lstStyle/>
           <a:p>
-            <a:pPr indent="0" lvl="0" marL="0" rtl="0" algn="ctr">
+            <a:pPr marL="0" lvl="0" indent="0" algn="ctr" rtl="0">
               <a:spcBef>
                 <a:spcPts val="0"/>
               </a:spcBef>
@@ -13675,7 +14058,7 @@
               <a:buNone/>
             </a:pPr>
             <a:r>
-              <a:rPr i="1" lang="en" sz="1200">
+              <a:rPr lang="en" sz="1200" i="1">
                 <a:solidFill>
                   <a:schemeClr val="dk1"/>
                 </a:solidFill>
@@ -13686,7 +14069,7 @@
               </a:rPr>
               <a:t>Fig. 5 - Visualization of model’s classification output</a:t>
             </a:r>
-            <a:endParaRPr i="1" sz="1200">
+            <a:endParaRPr sz="1200" i="1">
               <a:solidFill>
                 <a:schemeClr val="dk1"/>
               </a:solidFill>
@@ -13707,11 +14090,11 @@
 </file>
 
 <file path=ppt/slides/slide9.xml><?xml version="1.0" encoding="utf-8"?>
-<p:sld xmlns:a="http://schemas.openxmlformats.org/drawingml/2006/main" xmlns:r="http://schemas.openxmlformats.org/officeDocument/2006/relationships" xmlns:mc="http://schemas.openxmlformats.org/markup-compatibility/2006" xmlns:mv="urn:schemas-microsoft-com:mac:vml" xmlns:p="http://schemas.openxmlformats.org/presentationml/2006/main" xmlns:c="http://schemas.openxmlformats.org/drawingml/2006/chart" xmlns:dgm="http://schemas.openxmlformats.org/drawingml/2006/diagram" xmlns:o="urn:schemas-microsoft-com:office:office" xmlns:v="urn:schemas-microsoft-com:vml" xmlns:pvml="urn:schemas-microsoft-com:office:powerpoint" xmlns:com="http://schemas.openxmlformats.org/drawingml/2006/compatibility" xmlns:p14="http://schemas.microsoft.com/office/powerpoint/2010/main" xmlns:p15="http://schemas.microsoft.com/office/powerpoint/2012/main" xmlns:ahyp="http://schemas.microsoft.com/office/drawing/2018/hyperlinkcolor">
+<p:sld xmlns:a="http://schemas.openxmlformats.org/drawingml/2006/main" xmlns:r="http://schemas.openxmlformats.org/officeDocument/2006/relationships" xmlns:p="http://schemas.openxmlformats.org/presentationml/2006/main">
   <p:cSld>
     <p:spTree>
       <p:nvGrpSpPr>
-        <p:cNvPr id="132" name="Shape 132"/>
+        <p:cNvPr id="1" name="Shape 132"/>
         <p:cNvGrpSpPr/>
         <p:nvPr/>
       </p:nvGrpSpPr>
@@ -13726,7 +14109,9 @@
       <p:sp>
         <p:nvSpPr>
           <p:cNvPr id="133" name="Google Shape;133;p21"/>
-          <p:cNvSpPr txBox="1"/>
+          <p:cNvSpPr txBox="1">
+            <a:spLocks noGrp="1"/>
+          </p:cNvSpPr>
           <p:nvPr>
             <p:ph type="title"/>
           </p:nvPr>
@@ -13741,12 +14126,12 @@
           </a:prstGeom>
         </p:spPr>
         <p:txBody>
-          <a:bodyPr anchorCtr="0" anchor="b" bIns="91425" lIns="91425" spcFirstLastPara="1" rIns="91425" wrap="square" tIns="91425">
+          <a:bodyPr spcFirstLastPara="1" wrap="square" lIns="91425" tIns="91425" rIns="91425" bIns="91425" anchor="b" anchorCtr="0">
             <a:normAutofit/>
           </a:bodyPr>
           <a:lstStyle/>
           <a:p>
-            <a:pPr indent="0" lvl="0" marL="0" rtl="0" algn="l">
+            <a:pPr marL="0" lvl="0" indent="0" algn="l" rtl="0">
               <a:spcBef>
                 <a:spcPts val="0"/>
               </a:spcBef>
@@ -13766,9 +14151,11 @@
       <p:sp>
         <p:nvSpPr>
           <p:cNvPr id="134" name="Google Shape;134;p21"/>
-          <p:cNvSpPr txBox="1"/>
+          <p:cNvSpPr txBox="1">
+            <a:spLocks noGrp="1"/>
+          </p:cNvSpPr>
           <p:nvPr>
-            <p:ph idx="12" type="sldNum"/>
+            <p:ph type="sldNum" idx="12"/>
           </p:nvPr>
         </p:nvSpPr>
         <p:spPr>
@@ -13781,12 +14168,12 @@
           </a:prstGeom>
         </p:spPr>
         <p:txBody>
-          <a:bodyPr anchorCtr="0" anchor="ctr" bIns="91425" lIns="91425" spcFirstLastPara="1" rIns="91425" wrap="square" tIns="91425">
+          <a:bodyPr spcFirstLastPara="1" wrap="square" lIns="91425" tIns="91425" rIns="91425" bIns="91425" anchor="ctr" anchorCtr="0">
             <a:normAutofit/>
           </a:bodyPr>
           <a:lstStyle/>
           <a:p>
-            <a:pPr indent="0" lvl="0" marL="0" rtl="0" algn="r">
+            <a:pPr marL="0" lvl="0" indent="0" algn="r" rtl="0">
               <a:spcBef>
                 <a:spcPts val="0"/>
               </a:spcBef>
@@ -13797,7 +14184,7 @@
             </a:pPr>
             <a:fld id="{00000000-1234-1234-1234-123412341234}" type="slidenum">
               <a:rPr lang="en"/>
-              <a:t>‹#›</a:t>
+              <a:t>9</a:t>
             </a:fld>
             <a:endParaRPr/>
           </a:p>
@@ -13823,12 +14210,12 @@
           </a:ln>
         </p:spPr>
         <p:txBody>
-          <a:bodyPr anchorCtr="0" anchor="t" bIns="91425" lIns="91425" spcFirstLastPara="1" rIns="91425" wrap="square" tIns="91425">
+          <a:bodyPr spcFirstLastPara="1" wrap="square" lIns="91425" tIns="91425" rIns="91425" bIns="91425" anchor="t" anchorCtr="0">
             <a:spAutoFit/>
           </a:bodyPr>
           <a:lstStyle/>
           <a:p>
-            <a:pPr indent="0" lvl="0" marL="0" rtl="0" algn="ctr">
+            <a:pPr marL="0" lvl="0" indent="0" algn="ctr" rtl="0">
               <a:spcBef>
                 <a:spcPts val="0"/>
               </a:spcBef>
@@ -13838,7 +14225,7 @@
               <a:buNone/>
             </a:pPr>
             <a:r>
-              <a:rPr i="1" lang="en" sz="1200">
+              <a:rPr lang="en" sz="1200" i="1">
                 <a:solidFill>
                   <a:schemeClr val="dk1"/>
                 </a:solidFill>
@@ -13849,7 +14236,7 @@
               </a:rPr>
               <a:t>Fig. 6 - A diagram of the MindGames system architecture</a:t>
             </a:r>
-            <a:endParaRPr i="1" sz="1200">
+            <a:endParaRPr sz="1200" i="1">
               <a:solidFill>
                 <a:schemeClr val="dk1"/>
               </a:solidFill>
@@ -13898,7 +14285,7 @@
 </file>
 
 <file path=ppt/theme/theme1.xml><?xml version="1.0" encoding="utf-8"?>
-<a:theme xmlns:a="http://schemas.openxmlformats.org/drawingml/2006/main" xmlns:r="http://schemas.openxmlformats.org/officeDocument/2006/relationships" name="Marina">
+<a:theme xmlns:a="http://schemas.openxmlformats.org/drawingml/2006/main" name="Marina">
   <a:themeElements>
     <a:clrScheme name="Marina">
       <a:dk1>
@@ -14173,11 +14560,13 @@
       </a:bgFillStyleLst>
     </a:fmtScheme>
   </a:themeElements>
+  <a:objectDefaults/>
+  <a:extraClrSchemeLst/>
 </a:theme>
 </file>
 
 <file path=ppt/theme/theme2.xml><?xml version="1.0" encoding="utf-8"?>
-<a:theme xmlns:a="http://schemas.openxmlformats.org/drawingml/2006/main" xmlns:r="http://schemas.openxmlformats.org/officeDocument/2006/relationships">
+<a:theme xmlns:a="http://schemas.openxmlformats.org/drawingml/2006/main">
   <a:themeElements>
     <a:clrScheme name="Default">
       <a:dk1>
@@ -14452,5 +14841,7 @@
       </a:bgFillStyleLst>
     </a:fmtScheme>
   </a:themeElements>
+  <a:objectDefaults/>
+  <a:extraClrSchemeLst/>
 </a:theme>
 </file>